--- a/Системы контроля версий.pptx
+++ b/Системы контроля версий.pptx
@@ -2,23 +2,23 @@
 <file path=ppt/presentation.xml><?xml version="1.0" encoding="utf-8"?>
 <p:presentation xmlns:a="http://schemas.openxmlformats.org/drawingml/2006/main" xmlns:r="http://schemas.openxmlformats.org/officeDocument/2006/relationships" xmlns:p="http://schemas.openxmlformats.org/presentationml/2006/main">
   <p:sldMasterIdLst>
-    <p:sldMasterId id="2147483648" r:id="rId5"/>
+    <p:sldMasterId id="2147483648" r:id="rId1"/>
   </p:sldMasterIdLst>
   <p:notesMasterIdLst>
-    <p:notesMasterId r:id="rId7"/>
+    <p:notesMasterId r:id="rId13"/>
   </p:notesMasterIdLst>
   <p:sldIdLst>
-    <p:sldId id="256" r:id="rId8"/>
-    <p:sldId id="257" r:id="rId9"/>
-    <p:sldId id="258" r:id="rId10"/>
-    <p:sldId id="259" r:id="rId11"/>
-    <p:sldId id="260" r:id="rId12"/>
-    <p:sldId id="261" r:id="rId13"/>
-    <p:sldId id="262" r:id="rId14"/>
-    <p:sldId id="263" r:id="rId15"/>
-    <p:sldId id="264" r:id="rId16"/>
-    <p:sldId id="265" r:id="rId17"/>
-    <p:sldId id="266" r:id="rId18"/>
+    <p:sldId id="256" r:id="rId2"/>
+    <p:sldId id="257" r:id="rId3"/>
+    <p:sldId id="258" r:id="rId4"/>
+    <p:sldId id="259" r:id="rId5"/>
+    <p:sldId id="260" r:id="rId6"/>
+    <p:sldId id="261" r:id="rId7"/>
+    <p:sldId id="262" r:id="rId8"/>
+    <p:sldId id="263" r:id="rId9"/>
+    <p:sldId id="264" r:id="rId10"/>
+    <p:sldId id="265" r:id="rId11"/>
+    <p:sldId id="266" r:id="rId12"/>
   </p:sldIdLst>
   <p:sldSz cx="12192000" cy="6858000"/>
   <p:notesSz cx="6858000" cy="9144000"/>
@@ -38,7 +38,7 @@
       <a:buFontTx/>
       <a:buNone/>
       <a:tabLst/>
-      <a:defRPr b="0" baseline="0" cap="none" i="0" spc="0" strike="noStrike" sz="1800" u="none" kumimoji="0" normalizeH="0">
+      <a:defRPr kumimoji="0" sz="1800" b="0" i="0" u="none" strike="noStrike" cap="none" spc="0" normalizeH="0" baseline="0">
         <a:ln>
           <a:noFill/>
         </a:ln>
@@ -64,7 +64,7 @@
       <a:buFontTx/>
       <a:buNone/>
       <a:tabLst/>
-      <a:defRPr b="0" baseline="0" cap="none" i="0" spc="0" strike="noStrike" sz="1800" u="none" kumimoji="0" normalizeH="0">
+      <a:defRPr kumimoji="0" sz="1800" b="0" i="0" u="none" strike="noStrike" cap="none" spc="0" normalizeH="0" baseline="0">
         <a:ln>
           <a:noFill/>
         </a:ln>
@@ -94,7 +94,7 @@
       <a:buFontTx/>
       <a:buNone/>
       <a:tabLst/>
-      <a:defRPr b="0" baseline="0" cap="none" i="0" spc="0" strike="noStrike" sz="1800" u="none" kumimoji="0" normalizeH="0">
+      <a:defRPr kumimoji="0" sz="1800" b="0" i="0" u="none" strike="noStrike" cap="none" spc="0" normalizeH="0" baseline="0">
         <a:ln>
           <a:noFill/>
         </a:ln>
@@ -124,7 +124,7 @@
       <a:buFontTx/>
       <a:buNone/>
       <a:tabLst/>
-      <a:defRPr b="0" baseline="0" cap="none" i="0" spc="0" strike="noStrike" sz="1800" u="none" kumimoji="0" normalizeH="0">
+      <a:defRPr kumimoji="0" sz="1800" b="0" i="0" u="none" strike="noStrike" cap="none" spc="0" normalizeH="0" baseline="0">
         <a:ln>
           <a:noFill/>
         </a:ln>
@@ -154,7 +154,7 @@
       <a:buFontTx/>
       <a:buNone/>
       <a:tabLst/>
-      <a:defRPr b="0" baseline="0" cap="none" i="0" spc="0" strike="noStrike" sz="1800" u="none" kumimoji="0" normalizeH="0">
+      <a:defRPr kumimoji="0" sz="1800" b="0" i="0" u="none" strike="noStrike" cap="none" spc="0" normalizeH="0" baseline="0">
         <a:ln>
           <a:noFill/>
         </a:ln>
@@ -184,7 +184,7 @@
       <a:buFontTx/>
       <a:buNone/>
       <a:tabLst/>
-      <a:defRPr b="0" baseline="0" cap="none" i="0" spc="0" strike="noStrike" sz="1800" u="none" kumimoji="0" normalizeH="0">
+      <a:defRPr kumimoji="0" sz="1800" b="0" i="0" u="none" strike="noStrike" cap="none" spc="0" normalizeH="0" baseline="0">
         <a:ln>
           <a:noFill/>
         </a:ln>
@@ -214,7 +214,7 @@
       <a:buFontTx/>
       <a:buNone/>
       <a:tabLst/>
-      <a:defRPr b="0" baseline="0" cap="none" i="0" spc="0" strike="noStrike" sz="1800" u="none" kumimoji="0" normalizeH="0">
+      <a:defRPr kumimoji="0" sz="1800" b="0" i="0" u="none" strike="noStrike" cap="none" spc="0" normalizeH="0" baseline="0">
         <a:ln>
           <a:noFill/>
         </a:ln>
@@ -244,7 +244,7 @@
       <a:buFontTx/>
       <a:buNone/>
       <a:tabLst/>
-      <a:defRPr b="0" baseline="0" cap="none" i="0" spc="0" strike="noStrike" sz="1800" u="none" kumimoji="0" normalizeH="0">
+      <a:defRPr kumimoji="0" sz="1800" b="0" i="0" u="none" strike="noStrike" cap="none" spc="0" normalizeH="0" baseline="0">
         <a:ln>
           <a:noFill/>
         </a:ln>
@@ -274,7 +274,7 @@
       <a:buFontTx/>
       <a:buNone/>
       <a:tabLst/>
-      <a:defRPr b="0" baseline="0" cap="none" i="0" spc="0" strike="noStrike" sz="1800" u="none" kumimoji="0" normalizeH="0">
+      <a:defRPr kumimoji="0" sz="1800" b="0" i="0" u="none" strike="noStrike" cap="none" spc="0" normalizeH="0" baseline="0">
         <a:ln>
           <a:noFill/>
         </a:ln>
@@ -304,7 +304,7 @@
       <a:buFontTx/>
       <a:buNone/>
       <a:tabLst/>
-      <a:defRPr b="0" baseline="0" cap="none" i="0" spc="0" strike="noStrike" sz="1800" u="none" kumimoji="0" normalizeH="0">
+      <a:defRPr kumimoji="0" sz="1800" b="0" i="0" u="none" strike="noStrike" cap="none" spc="0" normalizeH="0" baseline="0">
         <a:ln>
           <a:noFill/>
         </a:ln>
@@ -323,13 +323,14 @@
 </p:presentation>
 </file>
 
-<file path=ppt/commentAuthors.xml><?xml version="1.0" encoding="utf-8"?>
-<p:cmAuthorLst xmlns:a="http://schemas.openxmlformats.org/drawingml/2006/main" xmlns:r="http://schemas.openxmlformats.org/officeDocument/2006/relationships" xmlns:p="http://schemas.openxmlformats.org/presentationml/2006/main"/>
-</file>
-
 <file path=ppt/notesMasters/notesMaster1.xml><?xml version="1.0" encoding="utf-8"?>
 <p:notesMaster xmlns:a="http://schemas.openxmlformats.org/drawingml/2006/main" xmlns:r="http://schemas.openxmlformats.org/officeDocument/2006/relationships" xmlns:p="http://schemas.openxmlformats.org/presentationml/2006/main">
   <p:cSld>
+    <p:bg>
+      <p:bgRef idx="1001">
+        <a:schemeClr val="bg1"/>
+      </p:bgRef>
+    </p:bg>
     <p:spTree>
       <p:nvGrpSpPr>
         <p:cNvPr id="1" name=""/>
@@ -347,7 +348,9 @@
       <p:sp>
         <p:nvSpPr>
           <p:cNvPr id="118" name="Shape 118"/>
-          <p:cNvSpPr/>
+          <p:cNvSpPr>
+            <a:spLocks noGrp="1" noRot="1" noChangeAspect="1"/>
+          </p:cNvSpPr>
           <p:nvPr>
             <p:ph type="sldImg"/>
           </p:nvPr>
@@ -365,14 +368,16 @@
           <a:bodyPr/>
           <a:lstStyle/>
           <a:p>
-            <a:pPr/>
+            <a:endParaRPr/>
           </a:p>
         </p:txBody>
       </p:sp>
       <p:sp>
         <p:nvSpPr>
           <p:cNvPr id="119" name="Shape 119"/>
-          <p:cNvSpPr/>
+          <p:cNvSpPr>
+            <a:spLocks noGrp="1"/>
+          </p:cNvSpPr>
           <p:nvPr>
             <p:ph type="body" sz="quarter" idx="1"/>
           </p:nvPr>
@@ -390,7 +395,7 @@
           <a:bodyPr/>
           <a:lstStyle/>
           <a:p>
-            <a:pPr/>
+            <a:endParaRPr/>
           </a:p>
         </p:txBody>
       </p:sp>
@@ -475,7 +480,7 @@
 </file>
 
 <file path=ppt/slideLayouts/slideLayout1.xml><?xml version="1.0" encoding="utf-8"?>
-<p:sldLayout xmlns:a="http://schemas.openxmlformats.org/drawingml/2006/main" xmlns:r="http://schemas.openxmlformats.org/officeDocument/2006/relationships" xmlns:p="http://schemas.openxmlformats.org/presentationml/2006/main" type="title" showMasterSp="1" showMasterPhAnim="1">
+<p:sldLayout xmlns:a="http://schemas.openxmlformats.org/drawingml/2006/main" xmlns:r="http://schemas.openxmlformats.org/officeDocument/2006/relationships" xmlns:p="http://schemas.openxmlformats.org/presentationml/2006/main" type="title">
   <p:cSld name="Титульный слайд">
     <p:spTree>
       <p:nvGrpSpPr>
@@ -494,7 +499,9 @@
       <p:sp>
         <p:nvSpPr>
           <p:cNvPr id="11" name="Shape 11"/>
-          <p:cNvSpPr/>
+          <p:cNvSpPr>
+            <a:spLocks noGrp="1"/>
+          </p:cNvSpPr>
           <p:nvPr>
             <p:ph type="title"/>
           </p:nvPr>
@@ -516,7 +523,6 @@
             </a:lvl1pPr>
           </a:lstStyle>
           <a:p>
-            <a:pPr/>
             <a:r>
               <a:t>Title Text</a:t>
             </a:r>
@@ -526,7 +532,9 @@
       <p:sp>
         <p:nvSpPr>
           <p:cNvPr id="12" name="Shape 12"/>
-          <p:cNvSpPr/>
+          <p:cNvSpPr>
+            <a:spLocks noGrp="1"/>
+          </p:cNvSpPr>
           <p:nvPr>
             <p:ph type="body" sz="quarter" idx="1"/>
           </p:nvPr>
@@ -575,7 +583,6 @@
             </a:lvl5pPr>
           </a:lstStyle>
           <a:p>
-            <a:pPr/>
             <a:r>
               <a:t>Body Level One</a:t>
             </a:r>
@@ -609,7 +616,9 @@
       <p:sp>
         <p:nvSpPr>
           <p:cNvPr id="13" name="Shape 13"/>
-          <p:cNvSpPr/>
+          <p:cNvSpPr>
+            <a:spLocks noGrp="1"/>
+          </p:cNvSpPr>
           <p:nvPr>
             <p:ph type="sldNum" sz="quarter" idx="2"/>
           </p:nvPr>
@@ -623,8 +632,10 @@
           <a:bodyPr/>
           <a:lstStyle/>
           <a:p>
-            <a:pPr/>
-            <a:fld id="{86CB4B4D-7CA3-9044-876B-883B54F8677D}" type="slidenum"/>
+            <a:fld id="{86CB4B4D-7CA3-9044-876B-883B54F8677D}" type="slidenum">
+              <a:t>‹#›</a:t>
+            </a:fld>
+            <a:endParaRPr/>
           </a:p>
         </p:txBody>
       </p:sp>
@@ -633,12 +644,12 @@
   <p:clrMapOvr>
     <a:masterClrMapping/>
   </p:clrMapOvr>
-  <p:transition xmlns:p14="http://schemas.microsoft.com/office/powerpoint/2010/main" spd="med" advClick="1"/>
+  <p:transition spd="med"/>
 </p:sldLayout>
 </file>
 
 <file path=ppt/slideLayouts/slideLayout10.xml><?xml version="1.0" encoding="utf-8"?>
-<p:sldLayout xmlns:a="http://schemas.openxmlformats.org/drawingml/2006/main" xmlns:r="http://schemas.openxmlformats.org/officeDocument/2006/relationships" xmlns:p="http://schemas.openxmlformats.org/presentationml/2006/main" type="tx" showMasterSp="1" showMasterPhAnim="1">
+<p:sldLayout xmlns:a="http://schemas.openxmlformats.org/drawingml/2006/main" xmlns:r="http://schemas.openxmlformats.org/officeDocument/2006/relationships" xmlns:p="http://schemas.openxmlformats.org/presentationml/2006/main" type="tx">
   <p:cSld name="Заголовок и вертикальный текст">
     <p:spTree>
       <p:nvGrpSpPr>
@@ -657,7 +668,9 @@
       <p:sp>
         <p:nvSpPr>
           <p:cNvPr id="92" name="Shape 92"/>
-          <p:cNvSpPr/>
+          <p:cNvSpPr>
+            <a:spLocks noGrp="1"/>
+          </p:cNvSpPr>
           <p:nvPr>
             <p:ph type="title"/>
           </p:nvPr>
@@ -671,7 +684,6 @@
           <a:bodyPr/>
           <a:lstStyle/>
           <a:p>
-            <a:pPr/>
             <a:r>
               <a:t>Title Text</a:t>
             </a:r>
@@ -681,7 +693,9 @@
       <p:sp>
         <p:nvSpPr>
           <p:cNvPr id="93" name="Shape 93"/>
-          <p:cNvSpPr/>
+          <p:cNvSpPr>
+            <a:spLocks noGrp="1"/>
+          </p:cNvSpPr>
           <p:nvPr>
             <p:ph type="body" idx="1"/>
           </p:nvPr>
@@ -695,7 +709,6 @@
           <a:bodyPr/>
           <a:lstStyle/>
           <a:p>
-            <a:pPr/>
             <a:r>
               <a:t>Body Level One</a:t>
             </a:r>
@@ -729,7 +742,9 @@
       <p:sp>
         <p:nvSpPr>
           <p:cNvPr id="94" name="Shape 94"/>
-          <p:cNvSpPr/>
+          <p:cNvSpPr>
+            <a:spLocks noGrp="1"/>
+          </p:cNvSpPr>
           <p:nvPr>
             <p:ph type="sldNum" sz="quarter" idx="2"/>
           </p:nvPr>
@@ -743,8 +758,10 @@
           <a:bodyPr/>
           <a:lstStyle/>
           <a:p>
-            <a:pPr/>
-            <a:fld id="{86CB4B4D-7CA3-9044-876B-883B54F8677D}" type="slidenum"/>
+            <a:fld id="{86CB4B4D-7CA3-9044-876B-883B54F8677D}" type="slidenum">
+              <a:t>‹#›</a:t>
+            </a:fld>
+            <a:endParaRPr/>
           </a:p>
         </p:txBody>
       </p:sp>
@@ -753,12 +770,12 @@
   <p:clrMapOvr>
     <a:masterClrMapping/>
   </p:clrMapOvr>
-  <p:transition xmlns:p14="http://schemas.microsoft.com/office/powerpoint/2010/main" spd="med" advClick="1"/>
+  <p:transition spd="med"/>
 </p:sldLayout>
 </file>
 
 <file path=ppt/slideLayouts/slideLayout11.xml><?xml version="1.0" encoding="utf-8"?>
-<p:sldLayout xmlns:a="http://schemas.openxmlformats.org/drawingml/2006/main" xmlns:r="http://schemas.openxmlformats.org/officeDocument/2006/relationships" xmlns:p="http://schemas.openxmlformats.org/presentationml/2006/main" type="tx" showMasterSp="1" showMasterPhAnim="1">
+<p:sldLayout xmlns:a="http://schemas.openxmlformats.org/drawingml/2006/main" xmlns:r="http://schemas.openxmlformats.org/officeDocument/2006/relationships" xmlns:p="http://schemas.openxmlformats.org/presentationml/2006/main" type="tx">
   <p:cSld name="Вертикальный заголовок и текст">
     <p:spTree>
       <p:nvGrpSpPr>
@@ -777,7 +794,9 @@
       <p:sp>
         <p:nvSpPr>
           <p:cNvPr id="101" name="Shape 101"/>
-          <p:cNvSpPr/>
+          <p:cNvSpPr>
+            <a:spLocks noGrp="1"/>
+          </p:cNvSpPr>
           <p:nvPr>
             <p:ph type="title"/>
           </p:nvPr>
@@ -795,7 +814,6 @@
           <a:bodyPr/>
           <a:lstStyle/>
           <a:p>
-            <a:pPr/>
             <a:r>
               <a:t>Title Text</a:t>
             </a:r>
@@ -805,7 +823,9 @@
       <p:sp>
         <p:nvSpPr>
           <p:cNvPr id="102" name="Shape 102"/>
-          <p:cNvSpPr/>
+          <p:cNvSpPr>
+            <a:spLocks noGrp="1"/>
+          </p:cNvSpPr>
           <p:nvPr>
             <p:ph type="body" idx="1"/>
           </p:nvPr>
@@ -823,7 +843,6 @@
           <a:bodyPr/>
           <a:lstStyle/>
           <a:p>
-            <a:pPr/>
             <a:r>
               <a:t>Body Level One</a:t>
             </a:r>
@@ -857,7 +876,9 @@
       <p:sp>
         <p:nvSpPr>
           <p:cNvPr id="103" name="Shape 103"/>
-          <p:cNvSpPr/>
+          <p:cNvSpPr>
+            <a:spLocks noGrp="1"/>
+          </p:cNvSpPr>
           <p:nvPr>
             <p:ph type="sldNum" sz="quarter" idx="2"/>
           </p:nvPr>
@@ -871,8 +892,10 @@
           <a:bodyPr/>
           <a:lstStyle/>
           <a:p>
-            <a:pPr/>
-            <a:fld id="{86CB4B4D-7CA3-9044-876B-883B54F8677D}" type="slidenum"/>
+            <a:fld id="{86CB4B4D-7CA3-9044-876B-883B54F8677D}" type="slidenum">
+              <a:t>‹#›</a:t>
+            </a:fld>
+            <a:endParaRPr/>
           </a:p>
         </p:txBody>
       </p:sp>
@@ -881,12 +904,12 @@
   <p:clrMapOvr>
     <a:masterClrMapping/>
   </p:clrMapOvr>
-  <p:transition xmlns:p14="http://schemas.microsoft.com/office/powerpoint/2010/main" spd="med" advClick="1"/>
+  <p:transition spd="med"/>
 </p:sldLayout>
 </file>
 
 <file path=ppt/slideLayouts/slideLayout12.xml><?xml version="1.0" encoding="utf-8"?>
-<p:sldLayout xmlns:a="http://schemas.openxmlformats.org/drawingml/2006/main" xmlns:r="http://schemas.openxmlformats.org/officeDocument/2006/relationships" xmlns:p="http://schemas.openxmlformats.org/presentationml/2006/main" type="tx" showMasterSp="1" showMasterPhAnim="1">
+<p:sldLayout xmlns:a="http://schemas.openxmlformats.org/drawingml/2006/main" xmlns:r="http://schemas.openxmlformats.org/officeDocument/2006/relationships" xmlns:p="http://schemas.openxmlformats.org/presentationml/2006/main" type="tx">
   <p:cSld name="Заголовок и объект">
     <p:spTree>
       <p:nvGrpSpPr>
@@ -905,7 +928,9 @@
       <p:sp>
         <p:nvSpPr>
           <p:cNvPr id="110" name="Shape 110"/>
-          <p:cNvSpPr/>
+          <p:cNvSpPr>
+            <a:spLocks noGrp="1"/>
+          </p:cNvSpPr>
           <p:nvPr>
             <p:ph type="title"/>
           </p:nvPr>
@@ -919,7 +944,6 @@
           <a:bodyPr/>
           <a:lstStyle/>
           <a:p>
-            <a:pPr/>
             <a:r>
               <a:t>Title Text</a:t>
             </a:r>
@@ -929,7 +953,9 @@
       <p:sp>
         <p:nvSpPr>
           <p:cNvPr id="111" name="Shape 111"/>
-          <p:cNvSpPr/>
+          <p:cNvSpPr>
+            <a:spLocks noGrp="1"/>
+          </p:cNvSpPr>
           <p:nvPr>
             <p:ph type="body" idx="1"/>
           </p:nvPr>
@@ -943,7 +969,6 @@
           <a:bodyPr/>
           <a:lstStyle/>
           <a:p>
-            <a:pPr/>
             <a:r>
               <a:t>Body Level One</a:t>
             </a:r>
@@ -977,7 +1002,9 @@
       <p:sp>
         <p:nvSpPr>
           <p:cNvPr id="112" name="Shape 112"/>
-          <p:cNvSpPr/>
+          <p:cNvSpPr>
+            <a:spLocks noGrp="1"/>
+          </p:cNvSpPr>
           <p:nvPr>
             <p:ph type="sldNum" sz="quarter" idx="2"/>
           </p:nvPr>
@@ -991,8 +1018,10 @@
           <a:bodyPr/>
           <a:lstStyle/>
           <a:p>
-            <a:pPr/>
-            <a:fld id="{86CB4B4D-7CA3-9044-876B-883B54F8677D}" type="slidenum"/>
+            <a:fld id="{86CB4B4D-7CA3-9044-876B-883B54F8677D}" type="slidenum">
+              <a:t>‹#›</a:t>
+            </a:fld>
+            <a:endParaRPr/>
           </a:p>
         </p:txBody>
       </p:sp>
@@ -1001,12 +1030,12 @@
   <p:clrMapOvr>
     <a:masterClrMapping/>
   </p:clrMapOvr>
-  <p:transition xmlns:p14="http://schemas.microsoft.com/office/powerpoint/2010/main" spd="med" advClick="1"/>
+  <p:transition spd="med"/>
 </p:sldLayout>
 </file>
 
 <file path=ppt/slideLayouts/slideLayout2.xml><?xml version="1.0" encoding="utf-8"?>
-<p:sldLayout xmlns:a="http://schemas.openxmlformats.org/drawingml/2006/main" xmlns:r="http://schemas.openxmlformats.org/officeDocument/2006/relationships" xmlns:p="http://schemas.openxmlformats.org/presentationml/2006/main" type="tx" showMasterSp="1" showMasterPhAnim="1">
+<p:sldLayout xmlns:a="http://schemas.openxmlformats.org/drawingml/2006/main" xmlns:r="http://schemas.openxmlformats.org/officeDocument/2006/relationships" xmlns:p="http://schemas.openxmlformats.org/presentationml/2006/main" type="tx">
   <p:cSld name="Заголовок и объект">
     <p:spTree>
       <p:nvGrpSpPr>
@@ -1025,7 +1054,9 @@
       <p:sp>
         <p:nvSpPr>
           <p:cNvPr id="20" name="Shape 20"/>
-          <p:cNvSpPr/>
+          <p:cNvSpPr>
+            <a:spLocks noGrp="1"/>
+          </p:cNvSpPr>
           <p:nvPr>
             <p:ph type="title"/>
           </p:nvPr>
@@ -1039,7 +1070,6 @@
           <a:bodyPr/>
           <a:lstStyle/>
           <a:p>
-            <a:pPr/>
             <a:r>
               <a:t>Title Text</a:t>
             </a:r>
@@ -1049,7 +1079,9 @@
       <p:sp>
         <p:nvSpPr>
           <p:cNvPr id="21" name="Shape 21"/>
-          <p:cNvSpPr/>
+          <p:cNvSpPr>
+            <a:spLocks noGrp="1"/>
+          </p:cNvSpPr>
           <p:nvPr>
             <p:ph type="body" idx="1"/>
           </p:nvPr>
@@ -1063,7 +1095,6 @@
           <a:bodyPr/>
           <a:lstStyle/>
           <a:p>
-            <a:pPr/>
             <a:r>
               <a:t>Body Level One</a:t>
             </a:r>
@@ -1097,7 +1128,9 @@
       <p:sp>
         <p:nvSpPr>
           <p:cNvPr id="22" name="Shape 22"/>
-          <p:cNvSpPr/>
+          <p:cNvSpPr>
+            <a:spLocks noGrp="1"/>
+          </p:cNvSpPr>
           <p:nvPr>
             <p:ph type="sldNum" sz="quarter" idx="2"/>
           </p:nvPr>
@@ -1111,8 +1144,10 @@
           <a:bodyPr/>
           <a:lstStyle/>
           <a:p>
-            <a:pPr/>
-            <a:fld id="{86CB4B4D-7CA3-9044-876B-883B54F8677D}" type="slidenum"/>
+            <a:fld id="{86CB4B4D-7CA3-9044-876B-883B54F8677D}" type="slidenum">
+              <a:t>‹#›</a:t>
+            </a:fld>
+            <a:endParaRPr/>
           </a:p>
         </p:txBody>
       </p:sp>
@@ -1121,12 +1156,12 @@
   <p:clrMapOvr>
     <a:masterClrMapping/>
   </p:clrMapOvr>
-  <p:transition xmlns:p14="http://schemas.microsoft.com/office/powerpoint/2010/main" spd="med" advClick="1"/>
+  <p:transition spd="med"/>
 </p:sldLayout>
 </file>
 
 <file path=ppt/slideLayouts/slideLayout3.xml><?xml version="1.0" encoding="utf-8"?>
-<p:sldLayout xmlns:a="http://schemas.openxmlformats.org/drawingml/2006/main" xmlns:r="http://schemas.openxmlformats.org/officeDocument/2006/relationships" xmlns:p="http://schemas.openxmlformats.org/presentationml/2006/main" type="tx" showMasterSp="1" showMasterPhAnim="1">
+<p:sldLayout xmlns:a="http://schemas.openxmlformats.org/drawingml/2006/main" xmlns:r="http://schemas.openxmlformats.org/officeDocument/2006/relationships" xmlns:p="http://schemas.openxmlformats.org/presentationml/2006/main" type="tx">
   <p:cSld name="Заголовок раздела">
     <p:spTree>
       <p:nvGrpSpPr>
@@ -1145,7 +1180,9 @@
       <p:sp>
         <p:nvSpPr>
           <p:cNvPr id="29" name="Shape 29"/>
-          <p:cNvSpPr/>
+          <p:cNvSpPr>
+            <a:spLocks noGrp="1"/>
+          </p:cNvSpPr>
           <p:nvPr>
             <p:ph type="title"/>
           </p:nvPr>
@@ -1167,7 +1204,6 @@
             </a:lvl1pPr>
           </a:lstStyle>
           <a:p>
-            <a:pPr/>
             <a:r>
               <a:t>Title Text</a:t>
             </a:r>
@@ -1177,7 +1213,9 @@
       <p:sp>
         <p:nvSpPr>
           <p:cNvPr id="30" name="Shape 30"/>
-          <p:cNvSpPr/>
+          <p:cNvSpPr>
+            <a:spLocks noGrp="1"/>
+          </p:cNvSpPr>
           <p:nvPr>
             <p:ph type="body" sz="quarter" idx="1"/>
           </p:nvPr>
@@ -1246,7 +1284,6 @@
             </a:lvl5pPr>
           </a:lstStyle>
           <a:p>
-            <a:pPr/>
             <a:r>
               <a:t>Body Level One</a:t>
             </a:r>
@@ -1280,7 +1317,9 @@
       <p:sp>
         <p:nvSpPr>
           <p:cNvPr id="31" name="Shape 31"/>
-          <p:cNvSpPr/>
+          <p:cNvSpPr>
+            <a:spLocks noGrp="1"/>
+          </p:cNvSpPr>
           <p:nvPr>
             <p:ph type="sldNum" sz="quarter" idx="2"/>
           </p:nvPr>
@@ -1294,8 +1333,10 @@
           <a:bodyPr/>
           <a:lstStyle/>
           <a:p>
-            <a:pPr/>
-            <a:fld id="{86CB4B4D-7CA3-9044-876B-883B54F8677D}" type="slidenum"/>
+            <a:fld id="{86CB4B4D-7CA3-9044-876B-883B54F8677D}" type="slidenum">
+              <a:t>‹#›</a:t>
+            </a:fld>
+            <a:endParaRPr/>
           </a:p>
         </p:txBody>
       </p:sp>
@@ -1304,12 +1345,12 @@
   <p:clrMapOvr>
     <a:masterClrMapping/>
   </p:clrMapOvr>
-  <p:transition xmlns:p14="http://schemas.microsoft.com/office/powerpoint/2010/main" spd="med" advClick="1"/>
+  <p:transition spd="med"/>
 </p:sldLayout>
 </file>
 
 <file path=ppt/slideLayouts/slideLayout4.xml><?xml version="1.0" encoding="utf-8"?>
-<p:sldLayout xmlns:a="http://schemas.openxmlformats.org/drawingml/2006/main" xmlns:r="http://schemas.openxmlformats.org/officeDocument/2006/relationships" xmlns:p="http://schemas.openxmlformats.org/presentationml/2006/main" type="tx" showMasterSp="1" showMasterPhAnim="1">
+<p:sldLayout xmlns:a="http://schemas.openxmlformats.org/drawingml/2006/main" xmlns:r="http://schemas.openxmlformats.org/officeDocument/2006/relationships" xmlns:p="http://schemas.openxmlformats.org/presentationml/2006/main" type="tx">
   <p:cSld name="Два объекта">
     <p:spTree>
       <p:nvGrpSpPr>
@@ -1328,7 +1369,9 @@
       <p:sp>
         <p:nvSpPr>
           <p:cNvPr id="38" name="Shape 38"/>
-          <p:cNvSpPr/>
+          <p:cNvSpPr>
+            <a:spLocks noGrp="1"/>
+          </p:cNvSpPr>
           <p:nvPr>
             <p:ph type="title"/>
           </p:nvPr>
@@ -1342,7 +1385,6 @@
           <a:bodyPr/>
           <a:lstStyle/>
           <a:p>
-            <a:pPr/>
             <a:r>
               <a:t>Title Text</a:t>
             </a:r>
@@ -1352,7 +1394,9 @@
       <p:sp>
         <p:nvSpPr>
           <p:cNvPr id="39" name="Shape 39"/>
-          <p:cNvSpPr/>
+          <p:cNvSpPr>
+            <a:spLocks noGrp="1"/>
+          </p:cNvSpPr>
           <p:nvPr>
             <p:ph type="body" sz="half" idx="1"/>
           </p:nvPr>
@@ -1370,7 +1414,6 @@
           <a:bodyPr/>
           <a:lstStyle/>
           <a:p>
-            <a:pPr/>
             <a:r>
               <a:t>Body Level One</a:t>
             </a:r>
@@ -1404,7 +1447,9 @@
       <p:sp>
         <p:nvSpPr>
           <p:cNvPr id="40" name="Shape 40"/>
-          <p:cNvSpPr/>
+          <p:cNvSpPr>
+            <a:spLocks noGrp="1"/>
+          </p:cNvSpPr>
           <p:nvPr>
             <p:ph type="sldNum" sz="quarter" idx="2"/>
           </p:nvPr>
@@ -1418,8 +1463,10 @@
           <a:bodyPr/>
           <a:lstStyle/>
           <a:p>
-            <a:pPr/>
-            <a:fld id="{86CB4B4D-7CA3-9044-876B-883B54F8677D}" type="slidenum"/>
+            <a:fld id="{86CB4B4D-7CA3-9044-876B-883B54F8677D}" type="slidenum">
+              <a:t>‹#›</a:t>
+            </a:fld>
+            <a:endParaRPr/>
           </a:p>
         </p:txBody>
       </p:sp>
@@ -1428,12 +1475,12 @@
   <p:clrMapOvr>
     <a:masterClrMapping/>
   </p:clrMapOvr>
-  <p:transition xmlns:p14="http://schemas.microsoft.com/office/powerpoint/2010/main" spd="med" advClick="1"/>
+  <p:transition spd="med"/>
 </p:sldLayout>
 </file>
 
 <file path=ppt/slideLayouts/slideLayout5.xml><?xml version="1.0" encoding="utf-8"?>
-<p:sldLayout xmlns:a="http://schemas.openxmlformats.org/drawingml/2006/main" xmlns:r="http://schemas.openxmlformats.org/officeDocument/2006/relationships" xmlns:p="http://schemas.openxmlformats.org/presentationml/2006/main" type="tx" showMasterSp="1" showMasterPhAnim="1">
+<p:sldLayout xmlns:a="http://schemas.openxmlformats.org/drawingml/2006/main" xmlns:r="http://schemas.openxmlformats.org/officeDocument/2006/relationships" xmlns:p="http://schemas.openxmlformats.org/presentationml/2006/main" type="tx">
   <p:cSld name="Сравнение">
     <p:spTree>
       <p:nvGrpSpPr>
@@ -1452,7 +1499,9 @@
       <p:sp>
         <p:nvSpPr>
           <p:cNvPr id="47" name="Shape 47"/>
-          <p:cNvSpPr/>
+          <p:cNvSpPr>
+            <a:spLocks noGrp="1"/>
+          </p:cNvSpPr>
           <p:nvPr>
             <p:ph type="title"/>
           </p:nvPr>
@@ -1470,7 +1519,6 @@
           <a:bodyPr/>
           <a:lstStyle/>
           <a:p>
-            <a:pPr/>
             <a:r>
               <a:t>Title Text</a:t>
             </a:r>
@@ -1480,7 +1528,9 @@
       <p:sp>
         <p:nvSpPr>
           <p:cNvPr id="48" name="Shape 48"/>
-          <p:cNvSpPr/>
+          <p:cNvSpPr>
+            <a:spLocks noGrp="1"/>
+          </p:cNvSpPr>
           <p:nvPr>
             <p:ph type="body" sz="quarter" idx="1"/>
           </p:nvPr>
@@ -1501,35 +1551,34 @@
               <a:buSzTx/>
               <a:buFontTx/>
               <a:buNone/>
-              <a:defRPr b="1" sz="2400"/>
+              <a:defRPr sz="2400" b="1"/>
             </a:lvl1pPr>
             <a:lvl2pPr marL="0" indent="457200">
               <a:buSzTx/>
               <a:buFontTx/>
               <a:buNone/>
-              <a:defRPr b="1" sz="2400"/>
+              <a:defRPr sz="2400" b="1"/>
             </a:lvl2pPr>
             <a:lvl3pPr marL="0" indent="914400">
               <a:buSzTx/>
               <a:buFontTx/>
               <a:buNone/>
-              <a:defRPr b="1" sz="2400"/>
+              <a:defRPr sz="2400" b="1"/>
             </a:lvl3pPr>
             <a:lvl4pPr marL="0" indent="1371600">
               <a:buSzTx/>
               <a:buFontTx/>
               <a:buNone/>
-              <a:defRPr b="1" sz="2400"/>
+              <a:defRPr sz="2400" b="1"/>
             </a:lvl4pPr>
             <a:lvl5pPr marL="0" indent="1828800">
               <a:buSzTx/>
               <a:buFontTx/>
               <a:buNone/>
-              <a:defRPr b="1" sz="2400"/>
+              <a:defRPr sz="2400" b="1"/>
             </a:lvl5pPr>
           </a:lstStyle>
           <a:p>
-            <a:pPr/>
             <a:r>
               <a:t>Body Level One</a:t>
             </a:r>
@@ -1563,7 +1612,9 @@
       <p:sp>
         <p:nvSpPr>
           <p:cNvPr id="49" name="Shape 49"/>
-          <p:cNvSpPr/>
+          <p:cNvSpPr>
+            <a:spLocks noGrp="1"/>
+          </p:cNvSpPr>
           <p:nvPr>
             <p:ph type="body" sz="quarter" idx="13"/>
           </p:nvPr>
@@ -1585,15 +1636,18 @@
               <a:buSzTx/>
               <a:buFontTx/>
               <a:buNone/>
-              <a:defRPr b="1" sz="2400"/>
+              <a:defRPr sz="2400" b="1"/>
             </a:pPr>
+            <a:endParaRPr/>
           </a:p>
         </p:txBody>
       </p:sp>
       <p:sp>
         <p:nvSpPr>
           <p:cNvPr id="50" name="Shape 50"/>
-          <p:cNvSpPr/>
+          <p:cNvSpPr>
+            <a:spLocks noGrp="1"/>
+          </p:cNvSpPr>
           <p:nvPr>
             <p:ph type="sldNum" sz="quarter" idx="2"/>
           </p:nvPr>
@@ -1607,8 +1661,10 @@
           <a:bodyPr/>
           <a:lstStyle/>
           <a:p>
-            <a:pPr/>
-            <a:fld id="{86CB4B4D-7CA3-9044-876B-883B54F8677D}" type="slidenum"/>
+            <a:fld id="{86CB4B4D-7CA3-9044-876B-883B54F8677D}" type="slidenum">
+              <a:t>‹#›</a:t>
+            </a:fld>
+            <a:endParaRPr/>
           </a:p>
         </p:txBody>
       </p:sp>
@@ -1617,12 +1673,12 @@
   <p:clrMapOvr>
     <a:masterClrMapping/>
   </p:clrMapOvr>
-  <p:transition xmlns:p14="http://schemas.microsoft.com/office/powerpoint/2010/main" spd="med" advClick="1"/>
+  <p:transition spd="med"/>
 </p:sldLayout>
 </file>
 
 <file path=ppt/slideLayouts/slideLayout6.xml><?xml version="1.0" encoding="utf-8"?>
-<p:sldLayout xmlns:a="http://schemas.openxmlformats.org/drawingml/2006/main" xmlns:r="http://schemas.openxmlformats.org/officeDocument/2006/relationships" xmlns:p="http://schemas.openxmlformats.org/presentationml/2006/main" type="tx" showMasterSp="1" showMasterPhAnim="1">
+<p:sldLayout xmlns:a="http://schemas.openxmlformats.org/drawingml/2006/main" xmlns:r="http://schemas.openxmlformats.org/officeDocument/2006/relationships" xmlns:p="http://schemas.openxmlformats.org/presentationml/2006/main" type="tx">
   <p:cSld name="Только заголовок">
     <p:spTree>
       <p:nvGrpSpPr>
@@ -1641,7 +1697,9 @@
       <p:sp>
         <p:nvSpPr>
           <p:cNvPr id="57" name="Shape 57"/>
-          <p:cNvSpPr/>
+          <p:cNvSpPr>
+            <a:spLocks noGrp="1"/>
+          </p:cNvSpPr>
           <p:nvPr>
             <p:ph type="title"/>
           </p:nvPr>
@@ -1655,7 +1713,6 @@
           <a:bodyPr/>
           <a:lstStyle/>
           <a:p>
-            <a:pPr/>
             <a:r>
               <a:t>Title Text</a:t>
             </a:r>
@@ -1665,7 +1722,9 @@
       <p:sp>
         <p:nvSpPr>
           <p:cNvPr id="58" name="Shape 58"/>
-          <p:cNvSpPr/>
+          <p:cNvSpPr>
+            <a:spLocks noGrp="1"/>
+          </p:cNvSpPr>
           <p:nvPr>
             <p:ph type="sldNum" sz="quarter" idx="2"/>
           </p:nvPr>
@@ -1679,8 +1738,10 @@
           <a:bodyPr/>
           <a:lstStyle/>
           <a:p>
-            <a:pPr/>
-            <a:fld id="{86CB4B4D-7CA3-9044-876B-883B54F8677D}" type="slidenum"/>
+            <a:fld id="{86CB4B4D-7CA3-9044-876B-883B54F8677D}" type="slidenum">
+              <a:t>‹#›</a:t>
+            </a:fld>
+            <a:endParaRPr/>
           </a:p>
         </p:txBody>
       </p:sp>
@@ -1689,12 +1750,12 @@
   <p:clrMapOvr>
     <a:masterClrMapping/>
   </p:clrMapOvr>
-  <p:transition xmlns:p14="http://schemas.microsoft.com/office/powerpoint/2010/main" spd="med" advClick="1"/>
+  <p:transition spd="med"/>
 </p:sldLayout>
 </file>
 
 <file path=ppt/slideLayouts/slideLayout7.xml><?xml version="1.0" encoding="utf-8"?>
-<p:sldLayout xmlns:a="http://schemas.openxmlformats.org/drawingml/2006/main" xmlns:r="http://schemas.openxmlformats.org/officeDocument/2006/relationships" xmlns:p="http://schemas.openxmlformats.org/presentationml/2006/main" type="tx" showMasterSp="1" showMasterPhAnim="1">
+<p:sldLayout xmlns:a="http://schemas.openxmlformats.org/drawingml/2006/main" xmlns:r="http://schemas.openxmlformats.org/officeDocument/2006/relationships" xmlns:p="http://schemas.openxmlformats.org/presentationml/2006/main" type="tx">
   <p:cSld name="Пустой слайд">
     <p:spTree>
       <p:nvGrpSpPr>
@@ -1713,7 +1774,9 @@
       <p:sp>
         <p:nvSpPr>
           <p:cNvPr id="65" name="Shape 65"/>
-          <p:cNvSpPr/>
+          <p:cNvSpPr>
+            <a:spLocks noGrp="1"/>
+          </p:cNvSpPr>
           <p:nvPr>
             <p:ph type="sldNum" sz="quarter" idx="2"/>
           </p:nvPr>
@@ -1727,8 +1790,10 @@
           <a:bodyPr/>
           <a:lstStyle/>
           <a:p>
-            <a:pPr/>
-            <a:fld id="{86CB4B4D-7CA3-9044-876B-883B54F8677D}" type="slidenum"/>
+            <a:fld id="{86CB4B4D-7CA3-9044-876B-883B54F8677D}" type="slidenum">
+              <a:t>‹#›</a:t>
+            </a:fld>
+            <a:endParaRPr/>
           </a:p>
         </p:txBody>
       </p:sp>
@@ -1737,12 +1802,12 @@
   <p:clrMapOvr>
     <a:masterClrMapping/>
   </p:clrMapOvr>
-  <p:transition xmlns:p14="http://schemas.microsoft.com/office/powerpoint/2010/main" spd="med" advClick="1"/>
+  <p:transition spd="med"/>
 </p:sldLayout>
 </file>
 
 <file path=ppt/slideLayouts/slideLayout8.xml><?xml version="1.0" encoding="utf-8"?>
-<p:sldLayout xmlns:a="http://schemas.openxmlformats.org/drawingml/2006/main" xmlns:r="http://schemas.openxmlformats.org/officeDocument/2006/relationships" xmlns:p="http://schemas.openxmlformats.org/presentationml/2006/main" type="tx" showMasterSp="1" showMasterPhAnim="1">
+<p:sldLayout xmlns:a="http://schemas.openxmlformats.org/drawingml/2006/main" xmlns:r="http://schemas.openxmlformats.org/officeDocument/2006/relationships" xmlns:p="http://schemas.openxmlformats.org/presentationml/2006/main" type="tx">
   <p:cSld name="Объект с подписью">
     <p:spTree>
       <p:nvGrpSpPr>
@@ -1761,7 +1826,9 @@
       <p:sp>
         <p:nvSpPr>
           <p:cNvPr id="72" name="Shape 72"/>
-          <p:cNvSpPr/>
+          <p:cNvSpPr>
+            <a:spLocks noGrp="1"/>
+          </p:cNvSpPr>
           <p:nvPr>
             <p:ph type="title"/>
           </p:nvPr>
@@ -1783,7 +1850,6 @@
             </a:lvl1pPr>
           </a:lstStyle>
           <a:p>
-            <a:pPr/>
             <a:r>
               <a:t>Title Text</a:t>
             </a:r>
@@ -1793,7 +1859,9 @@
       <p:sp>
         <p:nvSpPr>
           <p:cNvPr id="73" name="Shape 73"/>
-          <p:cNvSpPr/>
+          <p:cNvSpPr>
+            <a:spLocks noGrp="1"/>
+          </p:cNvSpPr>
           <p:nvPr>
             <p:ph type="body" sz="half" idx="1"/>
           </p:nvPr>
@@ -1827,7 +1895,6 @@
             </a:lvl5pPr>
           </a:lstStyle>
           <a:p>
-            <a:pPr/>
             <a:r>
               <a:t>Body Level One</a:t>
             </a:r>
@@ -1861,7 +1928,9 @@
       <p:sp>
         <p:nvSpPr>
           <p:cNvPr id="74" name="Shape 74"/>
-          <p:cNvSpPr/>
+          <p:cNvSpPr>
+            <a:spLocks noGrp="1"/>
+          </p:cNvSpPr>
           <p:nvPr>
             <p:ph type="body" sz="quarter" idx="13"/>
           </p:nvPr>
@@ -1885,13 +1954,16 @@
               <a:buNone/>
               <a:defRPr sz="1600"/>
             </a:pPr>
+            <a:endParaRPr/>
           </a:p>
         </p:txBody>
       </p:sp>
       <p:sp>
         <p:nvSpPr>
           <p:cNvPr id="75" name="Shape 75"/>
-          <p:cNvSpPr/>
+          <p:cNvSpPr>
+            <a:spLocks noGrp="1"/>
+          </p:cNvSpPr>
           <p:nvPr>
             <p:ph type="sldNum" sz="quarter" idx="2"/>
           </p:nvPr>
@@ -1905,8 +1977,10 @@
           <a:bodyPr/>
           <a:lstStyle/>
           <a:p>
-            <a:pPr/>
-            <a:fld id="{86CB4B4D-7CA3-9044-876B-883B54F8677D}" type="slidenum"/>
+            <a:fld id="{86CB4B4D-7CA3-9044-876B-883B54F8677D}" type="slidenum">
+              <a:t>‹#›</a:t>
+            </a:fld>
+            <a:endParaRPr/>
           </a:p>
         </p:txBody>
       </p:sp>
@@ -1915,12 +1989,12 @@
   <p:clrMapOvr>
     <a:masterClrMapping/>
   </p:clrMapOvr>
-  <p:transition xmlns:p14="http://schemas.microsoft.com/office/powerpoint/2010/main" spd="med" advClick="1"/>
+  <p:transition spd="med"/>
 </p:sldLayout>
 </file>
 
 <file path=ppt/slideLayouts/slideLayout9.xml><?xml version="1.0" encoding="utf-8"?>
-<p:sldLayout xmlns:a="http://schemas.openxmlformats.org/drawingml/2006/main" xmlns:r="http://schemas.openxmlformats.org/officeDocument/2006/relationships" xmlns:p="http://schemas.openxmlformats.org/presentationml/2006/main" type="tx" showMasterSp="1" showMasterPhAnim="1">
+<p:sldLayout xmlns:a="http://schemas.openxmlformats.org/drawingml/2006/main" xmlns:r="http://schemas.openxmlformats.org/officeDocument/2006/relationships" xmlns:p="http://schemas.openxmlformats.org/presentationml/2006/main" type="tx">
   <p:cSld name="Рисунок с подписью">
     <p:spTree>
       <p:nvGrpSpPr>
@@ -1939,7 +2013,9 @@
       <p:sp>
         <p:nvSpPr>
           <p:cNvPr id="82" name="Shape 82"/>
-          <p:cNvSpPr/>
+          <p:cNvSpPr>
+            <a:spLocks noGrp="1"/>
+          </p:cNvSpPr>
           <p:nvPr>
             <p:ph type="title"/>
           </p:nvPr>
@@ -1961,7 +2037,6 @@
             </a:lvl1pPr>
           </a:lstStyle>
           <a:p>
-            <a:pPr/>
             <a:r>
               <a:t>Title Text</a:t>
             </a:r>
@@ -1971,7 +2046,9 @@
       <p:sp>
         <p:nvSpPr>
           <p:cNvPr id="83" name="Shape 83"/>
-          <p:cNvSpPr/>
+          <p:cNvSpPr>
+            <a:spLocks noGrp="1"/>
+          </p:cNvSpPr>
           <p:nvPr>
             <p:ph type="pic" sz="half" idx="13"/>
           </p:nvPr>
@@ -1991,14 +2068,16 @@
           </a:bodyPr>
           <a:lstStyle/>
           <a:p>
-            <a:pPr/>
+            <a:endParaRPr/>
           </a:p>
         </p:txBody>
       </p:sp>
       <p:sp>
         <p:nvSpPr>
           <p:cNvPr id="84" name="Shape 84"/>
-          <p:cNvSpPr/>
+          <p:cNvSpPr>
+            <a:spLocks noGrp="1"/>
+          </p:cNvSpPr>
           <p:nvPr>
             <p:ph type="body" sz="quarter" idx="1"/>
           </p:nvPr>
@@ -2047,7 +2126,6 @@
             </a:lvl5pPr>
           </a:lstStyle>
           <a:p>
-            <a:pPr/>
             <a:r>
               <a:t>Body Level One</a:t>
             </a:r>
@@ -2081,7 +2159,9 @@
       <p:sp>
         <p:nvSpPr>
           <p:cNvPr id="85" name="Shape 85"/>
-          <p:cNvSpPr/>
+          <p:cNvSpPr>
+            <a:spLocks noGrp="1"/>
+          </p:cNvSpPr>
           <p:nvPr>
             <p:ph type="sldNum" sz="quarter" idx="2"/>
           </p:nvPr>
@@ -2095,8 +2175,10 @@
           <a:bodyPr/>
           <a:lstStyle/>
           <a:p>
-            <a:pPr/>
-            <a:fld id="{86CB4B4D-7CA3-9044-876B-883B54F8677D}" type="slidenum"/>
+            <a:fld id="{86CB4B4D-7CA3-9044-876B-883B54F8677D}" type="slidenum">
+              <a:t>‹#›</a:t>
+            </a:fld>
+            <a:endParaRPr/>
           </a:p>
         </p:txBody>
       </p:sp>
@@ -2105,7 +2187,7 @@
   <p:clrMapOvr>
     <a:masterClrMapping/>
   </p:clrMapOvr>
-  <p:transition xmlns:p14="http://schemas.microsoft.com/office/powerpoint/2010/main" spd="med" advClick="1"/>
+  <p:transition spd="med"/>
 </p:sldLayout>
 </file>
 
@@ -2117,6 +2199,7 @@
         <a:solidFill>
           <a:srgbClr val="FFFFFF"/>
         </a:solidFill>
+        <a:effectLst/>
       </p:bgPr>
     </p:bg>
     <p:spTree>
@@ -2136,7 +2219,9 @@
       <p:sp>
         <p:nvSpPr>
           <p:cNvPr id="2" name="Shape 2"/>
-          <p:cNvSpPr/>
+          <p:cNvSpPr>
+            <a:spLocks noGrp="1"/>
+          </p:cNvSpPr>
           <p:nvPr>
             <p:ph type="title"/>
           </p:nvPr>
@@ -2154,17 +2239,16 @@
           </a:ln>
           <a:extLst>
             <a:ext uri="{C572A759-6A51-4108-AA02-DFA0A04FC94B}">
-              <ma14:wrappingTextBoxFlag xmlns:ma14="http://schemas.microsoft.com/office/mac/drawingml/2011/main" val="1"/>
+              <ma14:wrappingTextBoxFlag xmlns:ma14="http://schemas.microsoft.com/office/mac/drawingml/2011/main" xmlns="" val="1"/>
             </a:ext>
           </a:extLst>
         </p:spPr>
         <p:txBody>
           <a:bodyPr lIns="45719" rIns="45719" anchor="ctr">
-            <a:normAutofit fontScale="100000" lnSpcReduction="0"/>
+            <a:normAutofit/>
           </a:bodyPr>
           <a:lstStyle/>
           <a:p>
-            <a:pPr/>
             <a:r>
               <a:t>Title Text</a:t>
             </a:r>
@@ -2174,7 +2258,9 @@
       <p:sp>
         <p:nvSpPr>
           <p:cNvPr id="3" name="Shape 3"/>
-          <p:cNvSpPr/>
+          <p:cNvSpPr>
+            <a:spLocks noGrp="1"/>
+          </p:cNvSpPr>
           <p:nvPr>
             <p:ph type="body" idx="1"/>
           </p:nvPr>
@@ -2192,17 +2278,16 @@
           </a:ln>
           <a:extLst>
             <a:ext uri="{C572A759-6A51-4108-AA02-DFA0A04FC94B}">
-              <ma14:wrappingTextBoxFlag xmlns:ma14="http://schemas.microsoft.com/office/mac/drawingml/2011/main" val="1"/>
+              <ma14:wrappingTextBoxFlag xmlns:ma14="http://schemas.microsoft.com/office/mac/drawingml/2011/main" xmlns="" val="1"/>
             </a:ext>
           </a:extLst>
         </p:spPr>
         <p:txBody>
           <a:bodyPr lIns="45719" rIns="45719">
-            <a:normAutofit fontScale="100000" lnSpcReduction="0"/>
+            <a:normAutofit/>
           </a:bodyPr>
           <a:lstStyle/>
           <a:p>
-            <a:pPr/>
             <a:r>
               <a:t>Body Level One</a:t>
             </a:r>
@@ -2236,7 +2321,9 @@
       <p:sp>
         <p:nvSpPr>
           <p:cNvPr id="4" name="Shape 4"/>
-          <p:cNvSpPr/>
+          <p:cNvSpPr>
+            <a:spLocks noGrp="1"/>
+          </p:cNvSpPr>
           <p:nvPr>
             <p:ph type="sldNum" sz="quarter" idx="2"/>
           </p:nvPr>
@@ -2267,8 +2354,10 @@
             </a:lvl1pPr>
           </a:lstStyle>
           <a:p>
-            <a:pPr/>
-            <a:fld id="{86CB4B4D-7CA3-9044-876B-883B54F8677D}" type="slidenum"/>
+            <a:fld id="{86CB4B4D-7CA3-9044-876B-883B54F8677D}" type="slidenum">
+              <a:t>‹#›</a:t>
+            </a:fld>
+            <a:endParaRPr/>
           </a:p>
         </p:txBody>
       </p:sp>
@@ -2276,20 +2365,20 @@
   </p:cSld>
   <p:clrMap bg1="lt1" tx1="dk1" bg2="lt2" tx2="dk2" accent1="accent1" accent2="accent2" accent3="accent3" accent4="accent4" accent5="accent5" accent6="accent6" hlink="hlink" folHlink="folHlink"/>
   <p:sldLayoutIdLst>
-    <p:sldLayoutId id="2147483649" r:id="rId2"/>
-    <p:sldLayoutId id="2147483650" r:id="rId3"/>
-    <p:sldLayoutId id="2147483651" r:id="rId4"/>
-    <p:sldLayoutId id="2147483652" r:id="rId5"/>
-    <p:sldLayoutId id="2147483653" r:id="rId6"/>
-    <p:sldLayoutId id="2147483654" r:id="rId7"/>
-    <p:sldLayoutId id="2147483655" r:id="rId8"/>
-    <p:sldLayoutId id="2147483656" r:id="rId9"/>
-    <p:sldLayoutId id="2147483657" r:id="rId10"/>
-    <p:sldLayoutId id="2147483658" r:id="rId11"/>
-    <p:sldLayoutId id="2147483659" r:id="rId12"/>
-    <p:sldLayoutId id="2147483660" r:id="rId13"/>
+    <p:sldLayoutId id="2147483649" r:id="rId1"/>
+    <p:sldLayoutId id="2147483650" r:id="rId2"/>
+    <p:sldLayoutId id="2147483651" r:id="rId3"/>
+    <p:sldLayoutId id="2147483652" r:id="rId4"/>
+    <p:sldLayoutId id="2147483653" r:id="rId5"/>
+    <p:sldLayoutId id="2147483654" r:id="rId6"/>
+    <p:sldLayoutId id="2147483655" r:id="rId7"/>
+    <p:sldLayoutId id="2147483656" r:id="rId8"/>
+    <p:sldLayoutId id="2147483657" r:id="rId9"/>
+    <p:sldLayoutId id="2147483658" r:id="rId10"/>
+    <p:sldLayoutId id="2147483659" r:id="rId11"/>
+    <p:sldLayoutId id="2147483660" r:id="rId12"/>
   </p:sldLayoutIdLst>
-  <p:transition xmlns:p14="http://schemas.microsoft.com/office/powerpoint/2010/main" spd="med" advClick="1"/>
+  <p:transition spd="med"/>
   <p:txStyles>
     <p:titleStyle>
       <a:lvl1pPr marL="0" marR="0" indent="0" algn="l" defTabSz="914400" rtl="0" latinLnBrk="0">
@@ -2307,7 +2396,7 @@
         <a:buFontTx/>
         <a:buNone/>
         <a:tabLst/>
-        <a:defRPr b="0" baseline="0" cap="none" i="0" spc="0" strike="noStrike" sz="4400" u="none">
+        <a:defRPr sz="4400" b="0" i="0" u="none" strike="noStrike" cap="none" spc="0" baseline="0">
           <a:ln>
             <a:noFill/>
           </a:ln>
@@ -2336,7 +2425,7 @@
         <a:buFontTx/>
         <a:buNone/>
         <a:tabLst/>
-        <a:defRPr b="0" baseline="0" cap="none" i="0" spc="0" strike="noStrike" sz="4400" u="none">
+        <a:defRPr sz="4400" b="0" i="0" u="none" strike="noStrike" cap="none" spc="0" baseline="0">
           <a:ln>
             <a:noFill/>
           </a:ln>
@@ -2365,7 +2454,7 @@
         <a:buFontTx/>
         <a:buNone/>
         <a:tabLst/>
-        <a:defRPr b="0" baseline="0" cap="none" i="0" spc="0" strike="noStrike" sz="4400" u="none">
+        <a:defRPr sz="4400" b="0" i="0" u="none" strike="noStrike" cap="none" spc="0" baseline="0">
           <a:ln>
             <a:noFill/>
           </a:ln>
@@ -2394,7 +2483,7 @@
         <a:buFontTx/>
         <a:buNone/>
         <a:tabLst/>
-        <a:defRPr b="0" baseline="0" cap="none" i="0" spc="0" strike="noStrike" sz="4400" u="none">
+        <a:defRPr sz="4400" b="0" i="0" u="none" strike="noStrike" cap="none" spc="0" baseline="0">
           <a:ln>
             <a:noFill/>
           </a:ln>
@@ -2423,7 +2512,7 @@
         <a:buFontTx/>
         <a:buNone/>
         <a:tabLst/>
-        <a:defRPr b="0" baseline="0" cap="none" i="0" spc="0" strike="noStrike" sz="4400" u="none">
+        <a:defRPr sz="4400" b="0" i="0" u="none" strike="noStrike" cap="none" spc="0" baseline="0">
           <a:ln>
             <a:noFill/>
           </a:ln>
@@ -2452,7 +2541,7 @@
         <a:buFontTx/>
         <a:buNone/>
         <a:tabLst/>
-        <a:defRPr b="0" baseline="0" cap="none" i="0" spc="0" strike="noStrike" sz="4400" u="none">
+        <a:defRPr sz="4400" b="0" i="0" u="none" strike="noStrike" cap="none" spc="0" baseline="0">
           <a:ln>
             <a:noFill/>
           </a:ln>
@@ -2481,7 +2570,7 @@
         <a:buFontTx/>
         <a:buNone/>
         <a:tabLst/>
-        <a:defRPr b="0" baseline="0" cap="none" i="0" spc="0" strike="noStrike" sz="4400" u="none">
+        <a:defRPr sz="4400" b="0" i="0" u="none" strike="noStrike" cap="none" spc="0" baseline="0">
           <a:ln>
             <a:noFill/>
           </a:ln>
@@ -2510,7 +2599,7 @@
         <a:buFontTx/>
         <a:buNone/>
         <a:tabLst/>
-        <a:defRPr b="0" baseline="0" cap="none" i="0" spc="0" strike="noStrike" sz="4400" u="none">
+        <a:defRPr sz="4400" b="0" i="0" u="none" strike="noStrike" cap="none" spc="0" baseline="0">
           <a:ln>
             <a:noFill/>
           </a:ln>
@@ -2539,7 +2628,7 @@
         <a:buFontTx/>
         <a:buNone/>
         <a:tabLst/>
-        <a:defRPr b="0" baseline="0" cap="none" i="0" spc="0" strike="noStrike" sz="4400" u="none">
+        <a:defRPr sz="4400" b="0" i="0" u="none" strike="noStrike" cap="none" spc="0" baseline="0">
           <a:ln>
             <a:noFill/>
           </a:ln>
@@ -2570,7 +2659,7 @@
         <a:buFont typeface="Arial"/>
         <a:buChar char="•"/>
         <a:tabLst/>
-        <a:defRPr b="0" baseline="0" cap="none" i="0" spc="0" strike="noStrike" sz="2800" u="none">
+        <a:defRPr sz="2800" b="0" i="0" u="none" strike="noStrike" cap="none" spc="0" baseline="0">
           <a:ln>
             <a:noFill/>
           </a:ln>
@@ -2599,7 +2688,7 @@
         <a:buFont typeface="Arial"/>
         <a:buChar char="•"/>
         <a:tabLst/>
-        <a:defRPr b="0" baseline="0" cap="none" i="0" spc="0" strike="noStrike" sz="2800" u="none">
+        <a:defRPr sz="2800" b="0" i="0" u="none" strike="noStrike" cap="none" spc="0" baseline="0">
           <a:ln>
             <a:noFill/>
           </a:ln>
@@ -2628,7 +2717,7 @@
         <a:buFont typeface="Arial"/>
         <a:buChar char="•"/>
         <a:tabLst/>
-        <a:defRPr b="0" baseline="0" cap="none" i="0" spc="0" strike="noStrike" sz="2800" u="none">
+        <a:defRPr sz="2800" b="0" i="0" u="none" strike="noStrike" cap="none" spc="0" baseline="0">
           <a:ln>
             <a:noFill/>
           </a:ln>
@@ -2657,7 +2746,7 @@
         <a:buFont typeface="Arial"/>
         <a:buChar char="•"/>
         <a:tabLst/>
-        <a:defRPr b="0" baseline="0" cap="none" i="0" spc="0" strike="noStrike" sz="2800" u="none">
+        <a:defRPr sz="2800" b="0" i="0" u="none" strike="noStrike" cap="none" spc="0" baseline="0">
           <a:ln>
             <a:noFill/>
           </a:ln>
@@ -2686,7 +2775,7 @@
         <a:buFont typeface="Arial"/>
         <a:buChar char="•"/>
         <a:tabLst/>
-        <a:defRPr b="0" baseline="0" cap="none" i="0" spc="0" strike="noStrike" sz="2800" u="none">
+        <a:defRPr sz="2800" b="0" i="0" u="none" strike="noStrike" cap="none" spc="0" baseline="0">
           <a:ln>
             <a:noFill/>
           </a:ln>
@@ -2715,7 +2804,7 @@
         <a:buFont typeface="Arial"/>
         <a:buChar char="•"/>
         <a:tabLst/>
-        <a:defRPr b="0" baseline="0" cap="none" i="0" spc="0" strike="noStrike" sz="2800" u="none">
+        <a:defRPr sz="2800" b="0" i="0" u="none" strike="noStrike" cap="none" spc="0" baseline="0">
           <a:ln>
             <a:noFill/>
           </a:ln>
@@ -2744,7 +2833,7 @@
         <a:buFont typeface="Arial"/>
         <a:buChar char="•"/>
         <a:tabLst/>
-        <a:defRPr b="0" baseline="0" cap="none" i="0" spc="0" strike="noStrike" sz="2800" u="none">
+        <a:defRPr sz="2800" b="0" i="0" u="none" strike="noStrike" cap="none" spc="0" baseline="0">
           <a:ln>
             <a:noFill/>
           </a:ln>
@@ -2773,7 +2862,7 @@
         <a:buFont typeface="Arial"/>
         <a:buChar char="•"/>
         <a:tabLst/>
-        <a:defRPr b="0" baseline="0" cap="none" i="0" spc="0" strike="noStrike" sz="2800" u="none">
+        <a:defRPr sz="2800" b="0" i="0" u="none" strike="noStrike" cap="none" spc="0" baseline="0">
           <a:ln>
             <a:noFill/>
           </a:ln>
@@ -2802,7 +2891,7 @@
         <a:buFont typeface="Arial"/>
         <a:buChar char="•"/>
         <a:tabLst/>
-        <a:defRPr b="0" baseline="0" cap="none" i="0" spc="0" strike="noStrike" sz="2800" u="none">
+        <a:defRPr sz="2800" b="0" i="0" u="none" strike="noStrike" cap="none" spc="0" baseline="0">
           <a:ln>
             <a:noFill/>
           </a:ln>
@@ -2833,7 +2922,7 @@
         <a:buFontTx/>
         <a:buNone/>
         <a:tabLst/>
-        <a:defRPr b="0" baseline="0" cap="none" i="0" spc="0" strike="noStrike" sz="1200" u="none">
+        <a:defRPr sz="1200" b="0" i="0" u="none" strike="noStrike" cap="none" spc="0" baseline="0">
           <a:ln>
             <a:noFill/>
           </a:ln>
@@ -2862,7 +2951,7 @@
         <a:buFontTx/>
         <a:buNone/>
         <a:tabLst/>
-        <a:defRPr b="0" baseline="0" cap="none" i="0" spc="0" strike="noStrike" sz="1200" u="none">
+        <a:defRPr sz="1200" b="0" i="0" u="none" strike="noStrike" cap="none" spc="0" baseline="0">
           <a:ln>
             <a:noFill/>
           </a:ln>
@@ -2891,7 +2980,7 @@
         <a:buFontTx/>
         <a:buNone/>
         <a:tabLst/>
-        <a:defRPr b="0" baseline="0" cap="none" i="0" spc="0" strike="noStrike" sz="1200" u="none">
+        <a:defRPr sz="1200" b="0" i="0" u="none" strike="noStrike" cap="none" spc="0" baseline="0">
           <a:ln>
             <a:noFill/>
           </a:ln>
@@ -2920,7 +3009,7 @@
         <a:buFontTx/>
         <a:buNone/>
         <a:tabLst/>
-        <a:defRPr b="0" baseline="0" cap="none" i="0" spc="0" strike="noStrike" sz="1200" u="none">
+        <a:defRPr sz="1200" b="0" i="0" u="none" strike="noStrike" cap="none" spc="0" baseline="0">
           <a:ln>
             <a:noFill/>
           </a:ln>
@@ -2949,7 +3038,7 @@
         <a:buFontTx/>
         <a:buNone/>
         <a:tabLst/>
-        <a:defRPr b="0" baseline="0" cap="none" i="0" spc="0" strike="noStrike" sz="1200" u="none">
+        <a:defRPr sz="1200" b="0" i="0" u="none" strike="noStrike" cap="none" spc="0" baseline="0">
           <a:ln>
             <a:noFill/>
           </a:ln>
@@ -2978,7 +3067,7 @@
         <a:buFontTx/>
         <a:buNone/>
         <a:tabLst/>
-        <a:defRPr b="0" baseline="0" cap="none" i="0" spc="0" strike="noStrike" sz="1200" u="none">
+        <a:defRPr sz="1200" b="0" i="0" u="none" strike="noStrike" cap="none" spc="0" baseline="0">
           <a:ln>
             <a:noFill/>
           </a:ln>
@@ -3007,7 +3096,7 @@
         <a:buFontTx/>
         <a:buNone/>
         <a:tabLst/>
-        <a:defRPr b="0" baseline="0" cap="none" i="0" spc="0" strike="noStrike" sz="1200" u="none">
+        <a:defRPr sz="1200" b="0" i="0" u="none" strike="noStrike" cap="none" spc="0" baseline="0">
           <a:ln>
             <a:noFill/>
           </a:ln>
@@ -3036,7 +3125,7 @@
         <a:buFontTx/>
         <a:buNone/>
         <a:tabLst/>
-        <a:defRPr b="0" baseline="0" cap="none" i="0" spc="0" strike="noStrike" sz="1200" u="none">
+        <a:defRPr sz="1200" b="0" i="0" u="none" strike="noStrike" cap="none" spc="0" baseline="0">
           <a:ln>
             <a:noFill/>
           </a:ln>
@@ -3065,7 +3154,7 @@
         <a:buFontTx/>
         <a:buNone/>
         <a:tabLst/>
-        <a:defRPr b="0" baseline="0" cap="none" i="0" spc="0" strike="noStrike" sz="1200" u="none">
+        <a:defRPr sz="1200" b="0" i="0" u="none" strike="noStrike" cap="none" spc="0" baseline="0">
           <a:ln>
             <a:noFill/>
           </a:ln>
@@ -3085,7 +3174,7 @@
 </file>
 
 <file path=ppt/slides/slide1.xml><?xml version="1.0" encoding="utf-8"?>
-<p:sld xmlns:a="http://schemas.openxmlformats.org/drawingml/2006/main" xmlns:r="http://schemas.openxmlformats.org/officeDocument/2006/relationships" xmlns:p="http://schemas.openxmlformats.org/presentationml/2006/main" showMasterSp="1" showMasterPhAnim="1">
+<p:sld xmlns:a="http://schemas.openxmlformats.org/drawingml/2006/main" xmlns:r="http://schemas.openxmlformats.org/officeDocument/2006/relationships" xmlns:p="http://schemas.openxmlformats.org/presentationml/2006/main">
   <p:cSld>
     <p:spTree>
       <p:nvGrpSpPr>
@@ -3104,7 +3193,9 @@
       <p:sp>
         <p:nvSpPr>
           <p:cNvPr id="121" name="Shape 121"/>
-          <p:cNvSpPr/>
+          <p:cNvSpPr>
+            <a:spLocks noGrp="1"/>
+          </p:cNvSpPr>
           <p:nvPr>
             <p:ph type="ctrTitle"/>
           </p:nvPr>
@@ -3118,10 +3209,34 @@
           <a:bodyPr/>
           <a:lstStyle/>
           <a:p>
-            <a:pPr/>
-            <a:r>
-              <a:t>Системы контроля версий</a:t>
-            </a:r>
+            <a:r>
+              <a:rPr dirty="0" err="1"/>
+              <a:t>Системы</a:t>
+            </a:r>
+            <a:r>
+              <a:rPr dirty="0"/>
+              <a:t> </a:t>
+            </a:r>
+            <a:r>
+              <a:rPr dirty="0" err="1"/>
+              <a:t>контроля</a:t>
+            </a:r>
+            <a:r>
+              <a:rPr dirty="0"/>
+              <a:t> </a:t>
+            </a:r>
+            <a:r>
+              <a:rPr dirty="0" err="1"/>
+              <a:t>версий</a:t>
+            </a:r>
+            <a:br>
+              <a:rPr lang="en-US" dirty="0"/>
+            </a:br>
+            <a:r>
+              <a:rPr lang="ru-RU"/>
+              <a:t>проверка</a:t>
+            </a:r>
+            <a:endParaRPr dirty="0"/>
           </a:p>
         </p:txBody>
       </p:sp>
@@ -3130,12 +3245,12 @@
   <p:clrMapOvr>
     <a:masterClrMapping/>
   </p:clrMapOvr>
-  <p:transition xmlns:p14="http://schemas.microsoft.com/office/powerpoint/2010/main" spd="med" advClick="1"/>
+  <p:transition spd="med"/>
 </p:sld>
 </file>
 
 <file path=ppt/slides/slide10.xml><?xml version="1.0" encoding="utf-8"?>
-<p:sld xmlns:a="http://schemas.openxmlformats.org/drawingml/2006/main" xmlns:r="http://schemas.openxmlformats.org/officeDocument/2006/relationships" xmlns:p="http://schemas.openxmlformats.org/presentationml/2006/main" showMasterSp="1" showMasterPhAnim="1">
+<p:sld xmlns:a="http://schemas.openxmlformats.org/drawingml/2006/main" xmlns:r="http://schemas.openxmlformats.org/officeDocument/2006/relationships" xmlns:p="http://schemas.openxmlformats.org/presentationml/2006/main">
   <p:cSld>
     <p:spTree>
       <p:nvGrpSpPr>
@@ -3154,7 +3269,9 @@
       <p:sp>
         <p:nvSpPr>
           <p:cNvPr id="148" name="Shape 148"/>
-          <p:cNvSpPr/>
+          <p:cNvSpPr>
+            <a:spLocks noGrp="1"/>
+          </p:cNvSpPr>
           <p:nvPr>
             <p:ph type="title"/>
           </p:nvPr>
@@ -3170,7 +3287,6 @@
             <a:lvl1pPr algn="ctr"/>
           </a:lstStyle>
           <a:p>
-            <a:pPr/>
             <a:r>
               <a:t>Хостинги</a:t>
             </a:r>
@@ -3180,7 +3296,9 @@
       <p:sp>
         <p:nvSpPr>
           <p:cNvPr id="149" name="Shape 149"/>
-          <p:cNvSpPr/>
+          <p:cNvSpPr>
+            <a:spLocks noGrp="1"/>
+          </p:cNvSpPr>
           <p:nvPr>
             <p:ph type="body" idx="1"/>
           </p:nvPr>
@@ -3199,20 +3317,15 @@
               <a:buNone/>
             </a:pPr>
             <a:r>
-              <a:t>Наиболее популярные хостинги для гита</a:t>
-            </a:r>
-            <a:r>
-              <a:t>:</a:t>
-            </a:r>
-          </a:p>
-          <a:p>
-            <a:pPr/>
+              <a:t>Наиболее популярные хостинги для гита:</a:t>
+            </a:r>
+          </a:p>
+          <a:p>
             <a:r>
               <a:t>github</a:t>
             </a:r>
           </a:p>
           <a:p>
-            <a:pPr/>
             <a:r>
               <a:t>bitBucket</a:t>
             </a:r>
@@ -3224,12 +3337,12 @@
   <p:clrMapOvr>
     <a:masterClrMapping/>
   </p:clrMapOvr>
-  <p:transition xmlns:p14="http://schemas.microsoft.com/office/powerpoint/2010/main" spd="med" advClick="1" p14:dur="1000"/>
+  <p:transition spd="slow"/>
 </p:sld>
 </file>
 
 <file path=ppt/slides/slide11.xml><?xml version="1.0" encoding="utf-8"?>
-<p:sld xmlns:a="http://schemas.openxmlformats.org/drawingml/2006/main" xmlns:r="http://schemas.openxmlformats.org/officeDocument/2006/relationships" xmlns:p="http://schemas.openxmlformats.org/presentationml/2006/main" showMasterSp="1" showMasterPhAnim="1">
+<p:sld xmlns:a="http://schemas.openxmlformats.org/drawingml/2006/main" xmlns:r="http://schemas.openxmlformats.org/officeDocument/2006/relationships" xmlns:p="http://schemas.openxmlformats.org/presentationml/2006/main">
   <p:cSld>
     <p:spTree>
       <p:nvGrpSpPr>
@@ -3248,7 +3361,9 @@
       <p:sp>
         <p:nvSpPr>
           <p:cNvPr id="151" name="Shape 151"/>
-          <p:cNvSpPr/>
+          <p:cNvSpPr>
+            <a:spLocks noGrp="1"/>
+          </p:cNvSpPr>
           <p:nvPr>
             <p:ph type="title"/>
           </p:nvPr>
@@ -3264,7 +3379,6 @@
             <a:lvl1pPr algn="ctr"/>
           </a:lstStyle>
           <a:p>
-            <a:pPr/>
             <a:r>
               <a:t>Полезные ссылки</a:t>
             </a:r>
@@ -3274,7 +3388,9 @@
       <p:sp>
         <p:nvSpPr>
           <p:cNvPr id="152" name="Shape 152"/>
-          <p:cNvSpPr/>
+          <p:cNvSpPr>
+            <a:spLocks noGrp="1"/>
+          </p:cNvSpPr>
           <p:nvPr>
             <p:ph type="body" idx="1"/>
           </p:nvPr>
@@ -3288,7 +3404,6 @@
           <a:bodyPr/>
           <a:lstStyle/>
           <a:p>
-            <a:pPr/>
             <a:r>
               <a:rPr u="sng">
                 <a:solidFill>
@@ -3299,7 +3414,7 @@
                     <a:srgbClr val="0563C1"/>
                   </a:solidFill>
                 </a:uFill>
-                <a:hlinkClick r:id="rId2" invalidUrl="" action="" tgtFrame="" tooltip="" history="1" highlightClick="0" endSnd="0"/>
+                <a:hlinkClick r:id="rId2"/>
               </a:rPr>
               <a:t>githowto.com/ru/</a:t>
             </a:r>
@@ -3308,7 +3423,6 @@
             </a:r>
           </a:p>
           <a:p>
-            <a:pPr/>
             <a:r>
               <a:rPr u="sng">
                 <a:solidFill>
@@ -3319,7 +3433,7 @@
                     <a:srgbClr val="0563C1"/>
                   </a:solidFill>
                 </a:uFill>
-                <a:hlinkClick r:id="rId3" invalidUrl="" action="" tgtFrame="" tooltip="" history="1" highlightClick="0" endSnd="0"/>
+                <a:hlinkClick r:id="rId3"/>
               </a:rPr>
               <a:t>https://geekbrains.ru/courses/66</a:t>
             </a:r>
@@ -3334,12 +3448,12 @@
   <p:clrMapOvr>
     <a:masterClrMapping/>
   </p:clrMapOvr>
-  <p:transition xmlns:p14="http://schemas.microsoft.com/office/powerpoint/2010/main" spd="med" advClick="1" p14:dur="1000"/>
+  <p:transition spd="slow"/>
 </p:sld>
 </file>
 
 <file path=ppt/slides/slide2.xml><?xml version="1.0" encoding="utf-8"?>
-<p:sld xmlns:a="http://schemas.openxmlformats.org/drawingml/2006/main" xmlns:r="http://schemas.openxmlformats.org/officeDocument/2006/relationships" xmlns:p="http://schemas.openxmlformats.org/presentationml/2006/main" showMasterSp="1" showMasterPhAnim="1">
+<p:sld xmlns:a="http://schemas.openxmlformats.org/drawingml/2006/main" xmlns:r="http://schemas.openxmlformats.org/officeDocument/2006/relationships" xmlns:p="http://schemas.openxmlformats.org/presentationml/2006/main">
   <p:cSld>
     <p:spTree>
       <p:nvGrpSpPr>
@@ -3358,7 +3472,9 @@
       <p:sp>
         <p:nvSpPr>
           <p:cNvPr id="123" name="Shape 123"/>
-          <p:cNvSpPr/>
+          <p:cNvSpPr>
+            <a:spLocks noGrp="1"/>
+          </p:cNvSpPr>
           <p:nvPr>
             <p:ph type="title"/>
           </p:nvPr>
@@ -3376,7 +3492,6 @@
             </a:lvl1pPr>
           </a:lstStyle>
           <a:p>
-            <a:pPr/>
             <a:r>
               <a:t>Для чего нужны системы контроля версий?</a:t>
             </a:r>
@@ -3386,7 +3501,9 @@
       <p:sp>
         <p:nvSpPr>
           <p:cNvPr id="124" name="Shape 124"/>
-          <p:cNvSpPr/>
+          <p:cNvSpPr>
+            <a:spLocks noGrp="1"/>
+          </p:cNvSpPr>
           <p:nvPr>
             <p:ph type="body" idx="1"/>
           </p:nvPr>
@@ -3400,19 +3517,16 @@
           <a:bodyPr/>
           <a:lstStyle/>
           <a:p>
-            <a:pPr/>
             <a:r>
               <a:t>Сохранять этапы разработки;</a:t>
             </a:r>
           </a:p>
           <a:p>
-            <a:pPr/>
             <a:r>
               <a:t>Возможность отката к прошлым версиям продукта;</a:t>
             </a:r>
           </a:p>
           <a:p>
-            <a:pPr/>
             <a:r>
               <a:t>Обмен сделанными изменениями.</a:t>
             </a:r>
@@ -3424,12 +3538,12 @@
   <p:clrMapOvr>
     <a:masterClrMapping/>
   </p:clrMapOvr>
-  <p:transition xmlns:p14="http://schemas.microsoft.com/office/powerpoint/2010/main" spd="med" advClick="1" p14:dur="1000"/>
+  <p:transition spd="slow"/>
 </p:sld>
 </file>
 
 <file path=ppt/slides/slide3.xml><?xml version="1.0" encoding="utf-8"?>
-<p:sld xmlns:a="http://schemas.openxmlformats.org/drawingml/2006/main" xmlns:r="http://schemas.openxmlformats.org/officeDocument/2006/relationships" xmlns:p="http://schemas.openxmlformats.org/presentationml/2006/main" showMasterSp="1" showMasterPhAnim="1">
+<p:sld xmlns:a="http://schemas.openxmlformats.org/drawingml/2006/main" xmlns:r="http://schemas.openxmlformats.org/officeDocument/2006/relationships" xmlns:p="http://schemas.openxmlformats.org/presentationml/2006/main">
   <p:cSld>
     <p:spTree>
       <p:nvGrpSpPr>
@@ -3448,7 +3562,9 @@
       <p:sp>
         <p:nvSpPr>
           <p:cNvPr id="126" name="Shape 126"/>
-          <p:cNvSpPr/>
+          <p:cNvSpPr>
+            <a:spLocks noGrp="1"/>
+          </p:cNvSpPr>
           <p:nvPr>
             <p:ph type="title"/>
           </p:nvPr>
@@ -3464,7 +3580,6 @@
             <a:lvl1pPr algn="ctr"/>
           </a:lstStyle>
           <a:p>
-            <a:pPr/>
             <a:r>
               <a:t>Типы систем контроля версий</a:t>
             </a:r>
@@ -3474,7 +3589,9 @@
       <p:sp>
         <p:nvSpPr>
           <p:cNvPr id="127" name="Shape 127"/>
-          <p:cNvSpPr/>
+          <p:cNvSpPr>
+            <a:spLocks noGrp="1"/>
+          </p:cNvSpPr>
           <p:nvPr>
             <p:ph type="body" idx="1"/>
           </p:nvPr>
@@ -3490,7 +3607,7 @@
           <a:p>
             <a:pPr marL="514350" indent="-514350">
               <a:buFontTx/>
-              <a:buAutoNum type="arabicPeriod" startAt="1"/>
+              <a:buAutoNum type="arabicPeriod"/>
             </a:pPr>
             <a:r>
               <a:t>Архивы;</a:t>
@@ -3499,7 +3616,7 @@
           <a:p>
             <a:pPr marL="514350" indent="-514350">
               <a:buFontTx/>
-              <a:buAutoNum type="arabicPeriod" startAt="1"/>
+              <a:buAutoNum type="arabicPeriod"/>
             </a:pPr>
             <a:r>
               <a:t>Централизованные системы контроля версий;</a:t>
@@ -3508,7 +3625,7 @@
           <a:p>
             <a:pPr marL="514350" indent="-514350">
               <a:buFontTx/>
-              <a:buAutoNum type="arabicPeriod" startAt="1"/>
+              <a:buAutoNum type="arabicPeriod"/>
             </a:pPr>
             <a:r>
               <a:t>Распределенные системы контроля версий.</a:t>
@@ -3521,12 +3638,12 @@
   <p:clrMapOvr>
     <a:masterClrMapping/>
   </p:clrMapOvr>
-  <p:transition xmlns:p14="http://schemas.microsoft.com/office/powerpoint/2010/main" spd="med" advClick="1" p14:dur="1000"/>
+  <p:transition spd="slow"/>
 </p:sld>
 </file>
 
 <file path=ppt/slides/slide4.xml><?xml version="1.0" encoding="utf-8"?>
-<p:sld xmlns:a="http://schemas.openxmlformats.org/drawingml/2006/main" xmlns:r="http://schemas.openxmlformats.org/officeDocument/2006/relationships" xmlns:p="http://schemas.openxmlformats.org/presentationml/2006/main" showMasterSp="1" showMasterPhAnim="1">
+<p:sld xmlns:a="http://schemas.openxmlformats.org/drawingml/2006/main" xmlns:r="http://schemas.openxmlformats.org/officeDocument/2006/relationships" xmlns:p="http://schemas.openxmlformats.org/presentationml/2006/main">
   <p:cSld>
     <p:spTree>
       <p:nvGrpSpPr>
@@ -3545,7 +3662,9 @@
       <p:sp>
         <p:nvSpPr>
           <p:cNvPr id="129" name="Shape 129"/>
-          <p:cNvSpPr/>
+          <p:cNvSpPr>
+            <a:spLocks noGrp="1"/>
+          </p:cNvSpPr>
           <p:nvPr>
             <p:ph type="title"/>
           </p:nvPr>
@@ -3561,7 +3680,6 @@
             <a:lvl1pPr algn="ctr"/>
           </a:lstStyle>
           <a:p>
-            <a:pPr/>
             <a:r>
               <a:t>Архивы</a:t>
             </a:r>
@@ -3602,12 +3720,12 @@
   <p:clrMapOvr>
     <a:masterClrMapping/>
   </p:clrMapOvr>
-  <p:transition xmlns:p14="http://schemas.microsoft.com/office/powerpoint/2010/main" spd="med" advClick="1" p14:dur="1000"/>
+  <p:transition spd="slow"/>
 </p:sld>
 </file>
 
 <file path=ppt/slides/slide5.xml><?xml version="1.0" encoding="utf-8"?>
-<p:sld xmlns:a="http://schemas.openxmlformats.org/drawingml/2006/main" xmlns:r="http://schemas.openxmlformats.org/officeDocument/2006/relationships" xmlns:p="http://schemas.openxmlformats.org/presentationml/2006/main" showMasterSp="1" showMasterPhAnim="1">
+<p:sld xmlns:a="http://schemas.openxmlformats.org/drawingml/2006/main" xmlns:r="http://schemas.openxmlformats.org/officeDocument/2006/relationships" xmlns:p="http://schemas.openxmlformats.org/presentationml/2006/main">
   <p:cSld>
     <p:spTree>
       <p:nvGrpSpPr>
@@ -3626,7 +3744,9 @@
       <p:sp>
         <p:nvSpPr>
           <p:cNvPr id="132" name="Shape 132"/>
-          <p:cNvSpPr/>
+          <p:cNvSpPr>
+            <a:spLocks noGrp="1"/>
+          </p:cNvSpPr>
           <p:nvPr>
             <p:ph type="title"/>
           </p:nvPr>
@@ -3640,7 +3760,6 @@
           <a:bodyPr/>
           <a:lstStyle/>
           <a:p>
-            <a:pPr/>
             <a:r>
               <a:t>Централизованные системы</a:t>
             </a:r>
@@ -3650,7 +3769,9 @@
       <p:sp>
         <p:nvSpPr>
           <p:cNvPr id="133" name="Shape 133"/>
-          <p:cNvSpPr/>
+          <p:cNvSpPr>
+            <a:spLocks noGrp="1"/>
+          </p:cNvSpPr>
           <p:nvPr>
             <p:ph type="body" idx="1"/>
           </p:nvPr>
@@ -3673,19 +3794,16 @@
             </a:r>
           </a:p>
           <a:p>
-            <a:pPr/>
             <a:r>
               <a:t>Упрощает работу в команде;</a:t>
             </a:r>
           </a:p>
           <a:p>
-            <a:pPr/>
             <a:r>
               <a:t>Для работы требуется иметь постоянный доступ к серверу;</a:t>
             </a:r>
           </a:p>
           <a:p>
-            <a:pPr/>
             <a:r>
               <a:t>Пользователь не имеет полного доступа к истории.</a:t>
             </a:r>
@@ -3697,12 +3815,12 @@
   <p:clrMapOvr>
     <a:masterClrMapping/>
   </p:clrMapOvr>
-  <p:transition xmlns:p14="http://schemas.microsoft.com/office/powerpoint/2010/main" spd="med" advClick="1" p14:dur="1000"/>
+  <p:transition spd="slow"/>
 </p:sld>
 </file>
 
 <file path=ppt/slides/slide6.xml><?xml version="1.0" encoding="utf-8"?>
-<p:sld xmlns:a="http://schemas.openxmlformats.org/drawingml/2006/main" xmlns:r="http://schemas.openxmlformats.org/officeDocument/2006/relationships" xmlns:p="http://schemas.openxmlformats.org/presentationml/2006/main" showMasterSp="1" showMasterPhAnim="1">
+<p:sld xmlns:a="http://schemas.openxmlformats.org/drawingml/2006/main" xmlns:r="http://schemas.openxmlformats.org/officeDocument/2006/relationships" xmlns:p="http://schemas.openxmlformats.org/presentationml/2006/main">
   <p:cSld>
     <p:spTree>
       <p:nvGrpSpPr>
@@ -3721,7 +3839,9 @@
       <p:sp>
         <p:nvSpPr>
           <p:cNvPr id="135" name="Shape 135"/>
-          <p:cNvSpPr/>
+          <p:cNvSpPr>
+            <a:spLocks noGrp="1"/>
+          </p:cNvSpPr>
           <p:nvPr>
             <p:ph type="title"/>
           </p:nvPr>
@@ -3735,7 +3855,6 @@
           <a:bodyPr/>
           <a:lstStyle/>
           <a:p>
-            <a:pPr/>
             <a:r>
               <a:t>Распределенные системы</a:t>
             </a:r>
@@ -3745,7 +3864,9 @@
       <p:sp>
         <p:nvSpPr>
           <p:cNvPr id="136" name="Shape 136"/>
-          <p:cNvSpPr/>
+          <p:cNvSpPr>
+            <a:spLocks noGrp="1"/>
+          </p:cNvSpPr>
           <p:nvPr>
             <p:ph type="body" idx="1"/>
           </p:nvPr>
@@ -3759,19 +3880,16 @@
           <a:bodyPr/>
           <a:lstStyle/>
           <a:p>
-            <a:pPr/>
             <a:r>
               <a:t>Возможность работать локально;</a:t>
             </a:r>
           </a:p>
           <a:p>
-            <a:pPr/>
             <a:r>
               <a:t>Удобство мержа;</a:t>
             </a:r>
           </a:p>
           <a:p>
-            <a:pPr/>
             <a:r>
               <a:t>Удобная история и инструменты для сравнения между разными версиями;</a:t>
             </a:r>
@@ -3783,12 +3901,12 @@
   <p:clrMapOvr>
     <a:masterClrMapping/>
   </p:clrMapOvr>
-  <p:transition xmlns:p14="http://schemas.microsoft.com/office/powerpoint/2010/main" spd="med" advClick="1" p14:dur="1000"/>
+  <p:transition spd="slow"/>
 </p:sld>
 </file>
 
 <file path=ppt/slides/slide7.xml><?xml version="1.0" encoding="utf-8"?>
-<p:sld xmlns:a="http://schemas.openxmlformats.org/drawingml/2006/main" xmlns:r="http://schemas.openxmlformats.org/officeDocument/2006/relationships" xmlns:p="http://schemas.openxmlformats.org/presentationml/2006/main" showMasterSp="1" showMasterPhAnim="1">
+<p:sld xmlns:a="http://schemas.openxmlformats.org/drawingml/2006/main" xmlns:r="http://schemas.openxmlformats.org/officeDocument/2006/relationships" xmlns:p="http://schemas.openxmlformats.org/presentationml/2006/main">
   <p:cSld>
     <p:spTree>
       <p:nvGrpSpPr>
@@ -3807,7 +3925,9 @@
       <p:sp>
         <p:nvSpPr>
           <p:cNvPr id="138" name="Shape 138"/>
-          <p:cNvSpPr/>
+          <p:cNvSpPr>
+            <a:spLocks noGrp="1"/>
+          </p:cNvSpPr>
           <p:nvPr>
             <p:ph type="title"/>
           </p:nvPr>
@@ -3821,7 +3941,6 @@
           <a:bodyPr/>
           <a:lstStyle/>
           <a:p>
-            <a:pPr/>
             <a:r>
               <a:t>Почему Git?</a:t>
             </a:r>
@@ -3831,7 +3950,9 @@
       <p:sp>
         <p:nvSpPr>
           <p:cNvPr id="139" name="Shape 139"/>
-          <p:cNvSpPr/>
+          <p:cNvSpPr>
+            <a:spLocks noGrp="1"/>
+          </p:cNvSpPr>
           <p:nvPr>
             <p:ph type="body" idx="1"/>
           </p:nvPr>
@@ -3845,7 +3966,6 @@
           <a:bodyPr/>
           <a:lstStyle/>
           <a:p>
-            <a:pPr/>
             <a:r>
               <a:t>Просто популярная и удобная система </a:t>
             </a:r>
@@ -3866,12 +3986,12 @@
   <p:clrMapOvr>
     <a:masterClrMapping/>
   </p:clrMapOvr>
-  <p:transition xmlns:p14="http://schemas.microsoft.com/office/powerpoint/2010/main" spd="med" advClick="1" p14:dur="1000"/>
+  <p:transition spd="slow"/>
 </p:sld>
 </file>
 
 <file path=ppt/slides/slide8.xml><?xml version="1.0" encoding="utf-8"?>
-<p:sld xmlns:a="http://schemas.openxmlformats.org/drawingml/2006/main" xmlns:r="http://schemas.openxmlformats.org/officeDocument/2006/relationships" xmlns:p="http://schemas.openxmlformats.org/presentationml/2006/main" showMasterSp="1" showMasterPhAnim="1">
+<p:sld xmlns:a="http://schemas.openxmlformats.org/drawingml/2006/main" xmlns:r="http://schemas.openxmlformats.org/officeDocument/2006/relationships" xmlns:p="http://schemas.openxmlformats.org/presentationml/2006/main">
   <p:cSld>
     <p:spTree>
       <p:nvGrpSpPr>
@@ -3890,7 +4010,9 @@
       <p:sp>
         <p:nvSpPr>
           <p:cNvPr id="141" name="Shape 141"/>
-          <p:cNvSpPr/>
+          <p:cNvSpPr>
+            <a:spLocks noGrp="1"/>
+          </p:cNvSpPr>
           <p:nvPr>
             <p:ph type="title"/>
           </p:nvPr>
@@ -3904,7 +4026,6 @@
           <a:bodyPr/>
           <a:lstStyle/>
           <a:p>
-            <a:pPr/>
             <a:r>
               <a:t>Основные термины</a:t>
             </a:r>
@@ -3914,7 +4035,9 @@
       <p:sp>
         <p:nvSpPr>
           <p:cNvPr id="142" name="Shape 142"/>
-          <p:cNvSpPr/>
+          <p:cNvSpPr>
+            <a:spLocks noGrp="1"/>
+          </p:cNvSpPr>
           <p:nvPr>
             <p:ph type="body" idx="1"/>
           </p:nvPr>
@@ -3934,6 +4057,7 @@
               </a:spcBef>
               <a:defRPr sz="2716"/>
             </a:pPr>
+            <a:endParaRPr/>
           </a:p>
           <a:p>
             <a:pPr marL="221742" indent="-221742" defTabSz="886968">
@@ -3943,16 +4067,7 @@
               <a:defRPr sz="2716"/>
             </a:pPr>
             <a:r>
-              <a:t>Commit</a:t>
-            </a:r>
-            <a:r>
-              <a:t> </a:t>
-            </a:r>
-            <a:r>
-              <a:t>– </a:t>
-            </a:r>
-            <a:r>
-              <a:t>фиксация изменений;</a:t>
+              <a:t>Commit – фиксация изменений;</a:t>
             </a:r>
           </a:p>
           <a:p>
@@ -3963,10 +4078,7 @@
               <a:defRPr sz="2716"/>
             </a:pPr>
             <a:r>
-              <a:t>Branch </a:t>
-            </a:r>
-            <a:r>
-              <a:t>– ветка репозитория, которая состоит из цепи коммитов</a:t>
+              <a:t>Branch – ветка репозитория, которая состоит из цепи коммитов</a:t>
             </a:r>
           </a:p>
           <a:p>
@@ -3988,10 +4100,7 @@
               <a:defRPr sz="2716"/>
             </a:pPr>
             <a:r>
-              <a:t>Conflict </a:t>
-            </a:r>
-            <a:r>
-              <a:t>– ситуация когда изменения в двух объединяемых изменениях имеют противоречия;</a:t>
+              <a:t>Conflict – ситуация когда изменения в двух объединяемых изменениях имеют противоречия;</a:t>
             </a:r>
           </a:p>
           <a:p>
@@ -4040,7 +4149,7 @@
           </a:ln>
           <a:extLst>
             <a:ext uri="{C572A759-6A51-4108-AA02-DFA0A04FC94B}">
-              <ma14:wrappingTextBoxFlag xmlns:ma14="http://schemas.microsoft.com/office/mac/drawingml/2011/main" val="1"/>
+              <ma14:wrappingTextBoxFlag xmlns:ma14="http://schemas.microsoft.com/office/mac/drawingml/2011/main" xmlns="" val="1"/>
             </a:ext>
           </a:extLst>
         </p:spPr>
@@ -4058,10 +4167,11 @@
                 <a:sym typeface="Arial"/>
               </a:defRPr>
             </a:pPr>
+            <a:endParaRPr/>
           </a:p>
           <a:p>
             <a:pPr>
-              <a:defRPr b="1" sz="1000">
+              <a:defRPr sz="1000" b="1">
                 <a:solidFill>
                   <a:srgbClr val="252525"/>
                 </a:solidFill>
@@ -4080,6 +4190,7 @@
               <a:defRPr sz="1100"/>
             </a:pPr>
             <a:br/>
+            <a:endParaRPr/>
           </a:p>
         </p:txBody>
       </p:sp>
@@ -4088,12 +4199,12 @@
   <p:clrMapOvr>
     <a:masterClrMapping/>
   </p:clrMapOvr>
-  <p:transition xmlns:p14="http://schemas.microsoft.com/office/powerpoint/2010/main" spd="med" advClick="1" p14:dur="1000"/>
+  <p:transition spd="slow"/>
 </p:sld>
 </file>
 
 <file path=ppt/slides/slide9.xml><?xml version="1.0" encoding="utf-8"?>
-<p:sld xmlns:a="http://schemas.openxmlformats.org/drawingml/2006/main" xmlns:r="http://schemas.openxmlformats.org/officeDocument/2006/relationships" xmlns:p="http://schemas.openxmlformats.org/presentationml/2006/main" showMasterSp="1" showMasterPhAnim="1">
+<p:sld xmlns:a="http://schemas.openxmlformats.org/drawingml/2006/main" xmlns:r="http://schemas.openxmlformats.org/officeDocument/2006/relationships" xmlns:p="http://schemas.openxmlformats.org/presentationml/2006/main">
   <p:cSld>
     <p:spTree>
       <p:nvGrpSpPr>
@@ -4112,7 +4223,9 @@
       <p:sp>
         <p:nvSpPr>
           <p:cNvPr id="145" name="Shape 145"/>
-          <p:cNvSpPr/>
+          <p:cNvSpPr>
+            <a:spLocks noGrp="1"/>
+          </p:cNvSpPr>
           <p:nvPr>
             <p:ph type="title"/>
           </p:nvPr>
@@ -4128,7 +4241,6 @@
             <a:lvl1pPr algn="ctr"/>
           </a:lstStyle>
           <a:p>
-            <a:pPr/>
             <a:r>
               <a:t>GitFlow</a:t>
             </a:r>
@@ -4169,12 +4281,12 @@
   <p:clrMapOvr>
     <a:masterClrMapping/>
   </p:clrMapOvr>
-  <p:transition xmlns:p14="http://schemas.microsoft.com/office/powerpoint/2010/main" spd="med" advClick="1" p14:dur="1000"/>
+  <p:transition spd="slow"/>
 </p:sld>
 </file>
 
 <file path=ppt/theme/theme1.xml><?xml version="1.0" encoding="utf-8"?>
-<a:theme xmlns:a="http://schemas.openxmlformats.org/drawingml/2006/main" xmlns:r="http://schemas.openxmlformats.org/officeDocument/2006/relationships" name="Тема Office">
+<a:theme xmlns:a="http://schemas.openxmlformats.org/drawingml/2006/main" name="Тема Office">
   <a:themeElements>
     <a:clrScheme name="Тема Office">
       <a:dk1>
@@ -4376,7 +4488,7 @@
         <a:effectLst/>
         <a:sp3d/>
       </a:spPr>
-      <a:bodyPr rot="0" spcFirstLastPara="1" vertOverflow="overflow" horzOverflow="overflow" vert="horz" wrap="square" lIns="45719" tIns="45719" rIns="45719" bIns="45719" numCol="1" spcCol="38100" rtlCol="0" anchor="ctr" upright="0">
+      <a:bodyPr rot="0" spcFirstLastPara="1" vertOverflow="overflow" horzOverflow="overflow" vert="horz" wrap="square" lIns="45719" tIns="45719" rIns="45719" bIns="45719" numCol="1" spcCol="38100" rtlCol="0" anchor="ctr">
         <a:spAutoFit/>
       </a:bodyPr>
       <a:lstStyle>
@@ -4395,7 +4507,7 @@
           <a:buFontTx/>
           <a:buNone/>
           <a:tabLst/>
-          <a:defRPr b="0" baseline="0" cap="none" i="0" spc="0" strike="noStrike" sz="1800" u="none" kumimoji="0" normalizeH="0">
+          <a:defRPr kumimoji="0" sz="1800" b="0" i="0" u="none" strike="noStrike" cap="none" spc="0" normalizeH="0" baseline="0">
             <a:ln>
               <a:noFill/>
             </a:ln>
@@ -4425,7 +4537,7 @@
           <a:buFontTx/>
           <a:buNone/>
           <a:tabLst/>
-          <a:defRPr b="0" baseline="0" cap="none" i="0" spc="0" strike="noStrike" sz="1800" u="none" kumimoji="0" normalizeH="0">
+          <a:defRPr kumimoji="0" sz="1800" b="0" i="0" u="none" strike="noStrike" cap="none" spc="0" normalizeH="0" baseline="0">
             <a:ln>
               <a:noFill/>
             </a:ln>
@@ -4451,7 +4563,7 @@
           <a:buFontTx/>
           <a:buNone/>
           <a:tabLst/>
-          <a:defRPr b="0" baseline="0" cap="none" i="0" spc="0" strike="noStrike" sz="1800" u="none" kumimoji="0" normalizeH="0">
+          <a:defRPr kumimoji="0" sz="1800" b="0" i="0" u="none" strike="noStrike" cap="none" spc="0" normalizeH="0" baseline="0">
             <a:ln>
               <a:noFill/>
             </a:ln>
@@ -4477,7 +4589,7 @@
           <a:buFontTx/>
           <a:buNone/>
           <a:tabLst/>
-          <a:defRPr b="0" baseline="0" cap="none" i="0" spc="0" strike="noStrike" sz="1800" u="none" kumimoji="0" normalizeH="0">
+          <a:defRPr kumimoji="0" sz="1800" b="0" i="0" u="none" strike="noStrike" cap="none" spc="0" normalizeH="0" baseline="0">
             <a:ln>
               <a:noFill/>
             </a:ln>
@@ -4503,7 +4615,7 @@
           <a:buFontTx/>
           <a:buNone/>
           <a:tabLst/>
-          <a:defRPr b="0" baseline="0" cap="none" i="0" spc="0" strike="noStrike" sz="1800" u="none" kumimoji="0" normalizeH="0">
+          <a:defRPr kumimoji="0" sz="1800" b="0" i="0" u="none" strike="noStrike" cap="none" spc="0" normalizeH="0" baseline="0">
             <a:ln>
               <a:noFill/>
             </a:ln>
@@ -4529,7 +4641,7 @@
           <a:buFontTx/>
           <a:buNone/>
           <a:tabLst/>
-          <a:defRPr b="0" baseline="0" cap="none" i="0" spc="0" strike="noStrike" sz="1800" u="none" kumimoji="0" normalizeH="0">
+          <a:defRPr kumimoji="0" sz="1800" b="0" i="0" u="none" strike="noStrike" cap="none" spc="0" normalizeH="0" baseline="0">
             <a:ln>
               <a:noFill/>
             </a:ln>
@@ -4555,7 +4667,7 @@
           <a:buFontTx/>
           <a:buNone/>
           <a:tabLst/>
-          <a:defRPr b="0" baseline="0" cap="none" i="0" spc="0" strike="noStrike" sz="1800" u="none" kumimoji="0" normalizeH="0">
+          <a:defRPr kumimoji="0" sz="1800" b="0" i="0" u="none" strike="noStrike" cap="none" spc="0" normalizeH="0" baseline="0">
             <a:ln>
               <a:noFill/>
             </a:ln>
@@ -4581,7 +4693,7 @@
           <a:buFontTx/>
           <a:buNone/>
           <a:tabLst/>
-          <a:defRPr b="0" baseline="0" cap="none" i="0" spc="0" strike="noStrike" sz="1800" u="none" kumimoji="0" normalizeH="0">
+          <a:defRPr kumimoji="0" sz="1800" b="0" i="0" u="none" strike="noStrike" cap="none" spc="0" normalizeH="0" baseline="0">
             <a:ln>
               <a:noFill/>
             </a:ln>
@@ -4607,7 +4719,7 @@
           <a:buFontTx/>
           <a:buNone/>
           <a:tabLst/>
-          <a:defRPr b="0" baseline="0" cap="none" i="0" spc="0" strike="noStrike" sz="1800" u="none" kumimoji="0" normalizeH="0">
+          <a:defRPr kumimoji="0" sz="1800" b="0" i="0" u="none" strike="noStrike" cap="none" spc="0" normalizeH="0" baseline="0">
             <a:ln>
               <a:noFill/>
             </a:ln>
@@ -4633,7 +4745,7 @@
           <a:buFontTx/>
           <a:buNone/>
           <a:tabLst/>
-          <a:defRPr b="0" baseline="0" cap="none" i="0" spc="0" strike="noStrike" sz="1800" u="none" kumimoji="0" normalizeH="0">
+          <a:defRPr kumimoji="0" sz="1800" b="0" i="0" u="none" strike="noStrike" cap="none" spc="0" normalizeH="0" baseline="0">
             <a:ln>
               <a:noFill/>
             </a:ln>
@@ -4646,9 +4758,15 @@
         </a:lvl9pPr>
       </a:lstStyle>
       <a:style>
-        <a:lnRef idx="0"/>
-        <a:fillRef idx="0"/>
-        <a:effectRef idx="0"/>
+        <a:lnRef idx="0">
+          <a:scrgbClr r="0" g="0" b="0"/>
+        </a:lnRef>
+        <a:fillRef idx="0">
+          <a:scrgbClr r="0" g="0" b="0"/>
+        </a:fillRef>
+        <a:effectRef idx="0">
+          <a:scrgbClr r="0" g="0" b="0"/>
+        </a:effectRef>
         <a:fontRef idx="none"/>
       </a:style>
     </a:spDef>
@@ -4665,7 +4783,7 @@
         <a:effectLst/>
         <a:sp3d/>
       </a:spPr>
-      <a:bodyPr rot="0" spcFirstLastPara="1" vertOverflow="overflow" horzOverflow="overflow" vert="horz" wrap="square" lIns="91439" tIns="45719" rIns="91439" bIns="45719" numCol="1" spcCol="38100" rtlCol="0" anchor="t" upright="0">
+      <a:bodyPr rot="0" spcFirstLastPara="1" vertOverflow="overflow" horzOverflow="overflow" vert="horz" wrap="square" lIns="91439" tIns="45719" rIns="91439" bIns="45719" numCol="1" spcCol="38100" rtlCol="0" anchor="t">
         <a:noAutofit/>
       </a:bodyPr>
       <a:lstStyle>
@@ -4684,7 +4802,7 @@
           <a:buFontTx/>
           <a:buNone/>
           <a:tabLst/>
-          <a:defRPr b="0" baseline="0" cap="none" i="0" spc="0" strike="noStrike" sz="1800" u="none" kumimoji="0" normalizeH="0">
+          <a:defRPr kumimoji="0" sz="1800" b="0" i="0" u="none" strike="noStrike" cap="none" spc="0" normalizeH="0" baseline="0">
             <a:ln>
               <a:noFill/>
             </a:ln>
@@ -4710,7 +4828,7 @@
           <a:buFontTx/>
           <a:buNone/>
           <a:tabLst/>
-          <a:defRPr b="0" baseline="0" cap="none" i="0" spc="0" strike="noStrike" sz="1800" u="none" kumimoji="0" normalizeH="0">
+          <a:defRPr kumimoji="0" sz="1800" b="0" i="0" u="none" strike="noStrike" cap="none" spc="0" normalizeH="0" baseline="0">
             <a:ln>
               <a:noFill/>
             </a:ln>
@@ -4736,7 +4854,7 @@
           <a:buFontTx/>
           <a:buNone/>
           <a:tabLst/>
-          <a:defRPr b="0" baseline="0" cap="none" i="0" spc="0" strike="noStrike" sz="1800" u="none" kumimoji="0" normalizeH="0">
+          <a:defRPr kumimoji="0" sz="1800" b="0" i="0" u="none" strike="noStrike" cap="none" spc="0" normalizeH="0" baseline="0">
             <a:ln>
               <a:noFill/>
             </a:ln>
@@ -4762,7 +4880,7 @@
           <a:buFontTx/>
           <a:buNone/>
           <a:tabLst/>
-          <a:defRPr b="0" baseline="0" cap="none" i="0" spc="0" strike="noStrike" sz="1800" u="none" kumimoji="0" normalizeH="0">
+          <a:defRPr kumimoji="0" sz="1800" b="0" i="0" u="none" strike="noStrike" cap="none" spc="0" normalizeH="0" baseline="0">
             <a:ln>
               <a:noFill/>
             </a:ln>
@@ -4788,7 +4906,7 @@
           <a:buFontTx/>
           <a:buNone/>
           <a:tabLst/>
-          <a:defRPr b="0" baseline="0" cap="none" i="0" spc="0" strike="noStrike" sz="1800" u="none" kumimoji="0" normalizeH="0">
+          <a:defRPr kumimoji="0" sz="1800" b="0" i="0" u="none" strike="noStrike" cap="none" spc="0" normalizeH="0" baseline="0">
             <a:ln>
               <a:noFill/>
             </a:ln>
@@ -4814,7 +4932,7 @@
           <a:buFontTx/>
           <a:buNone/>
           <a:tabLst/>
-          <a:defRPr b="0" baseline="0" cap="none" i="0" spc="0" strike="noStrike" sz="1800" u="none" kumimoji="0" normalizeH="0">
+          <a:defRPr kumimoji="0" sz="1800" b="0" i="0" u="none" strike="noStrike" cap="none" spc="0" normalizeH="0" baseline="0">
             <a:ln>
               <a:noFill/>
             </a:ln>
@@ -4840,7 +4958,7 @@
           <a:buFontTx/>
           <a:buNone/>
           <a:tabLst/>
-          <a:defRPr b="0" baseline="0" cap="none" i="0" spc="0" strike="noStrike" sz="1800" u="none" kumimoji="0" normalizeH="0">
+          <a:defRPr kumimoji="0" sz="1800" b="0" i="0" u="none" strike="noStrike" cap="none" spc="0" normalizeH="0" baseline="0">
             <a:ln>
               <a:noFill/>
             </a:ln>
@@ -4866,7 +4984,7 @@
           <a:buFontTx/>
           <a:buNone/>
           <a:tabLst/>
-          <a:defRPr b="0" baseline="0" cap="none" i="0" spc="0" strike="noStrike" sz="1800" u="none" kumimoji="0" normalizeH="0">
+          <a:defRPr kumimoji="0" sz="1800" b="0" i="0" u="none" strike="noStrike" cap="none" spc="0" normalizeH="0" baseline="0">
             <a:ln>
               <a:noFill/>
             </a:ln>
@@ -4892,7 +5010,7 @@
           <a:buFontTx/>
           <a:buNone/>
           <a:tabLst/>
-          <a:defRPr b="0" baseline="0" cap="none" i="0" spc="0" strike="noStrike" sz="1800" u="none" kumimoji="0" normalizeH="0">
+          <a:defRPr kumimoji="0" sz="1800" b="0" i="0" u="none" strike="noStrike" cap="none" spc="0" normalizeH="0" baseline="0">
             <a:ln>
               <a:noFill/>
             </a:ln>
@@ -4918,7 +5036,7 @@
           <a:buFontTx/>
           <a:buNone/>
           <a:tabLst/>
-          <a:defRPr b="0" baseline="0" cap="none" i="0" spc="0" strike="noStrike" sz="1800" u="none" kumimoji="0" normalizeH="0">
+          <a:defRPr kumimoji="0" sz="1800" b="0" i="0" u="none" strike="noStrike" cap="none" spc="0" normalizeH="0" baseline="0">
             <a:ln>
               <a:noFill/>
             </a:ln>
@@ -4931,9 +5049,15 @@
         </a:lvl9pPr>
       </a:lstStyle>
       <a:style>
-        <a:lnRef idx="0"/>
-        <a:fillRef idx="0"/>
-        <a:effectRef idx="0"/>
+        <a:lnRef idx="0">
+          <a:scrgbClr r="0" g="0" b="0"/>
+        </a:lnRef>
+        <a:fillRef idx="0">
+          <a:scrgbClr r="0" g="0" b="0"/>
+        </a:fillRef>
+        <a:effectRef idx="0">
+          <a:scrgbClr r="0" g="0" b="0"/>
+        </a:effectRef>
         <a:fontRef idx="none"/>
       </a:style>
     </a:lnDef>
@@ -4947,7 +5071,7 @@
         <a:effectLst/>
         <a:sp3d/>
       </a:spPr>
-      <a:bodyPr rot="0" spcFirstLastPara="1" vertOverflow="overflow" horzOverflow="overflow" vert="horz" wrap="square" lIns="45719" tIns="45719" rIns="45719" bIns="45719" numCol="1" spcCol="38100" rtlCol="0" anchor="t" upright="0">
+      <a:bodyPr rot="0" spcFirstLastPara="1" vertOverflow="overflow" horzOverflow="overflow" vert="horz" wrap="square" lIns="45719" tIns="45719" rIns="45719" bIns="45719" numCol="1" spcCol="38100" rtlCol="0" anchor="t">
         <a:spAutoFit/>
       </a:bodyPr>
       <a:lstStyle>
@@ -4966,7 +5090,7 @@
           <a:buFontTx/>
           <a:buNone/>
           <a:tabLst/>
-          <a:defRPr b="0" baseline="0" cap="none" i="0" spc="0" strike="noStrike" sz="1800" u="none" kumimoji="0" normalizeH="0">
+          <a:defRPr kumimoji="0" sz="1800" b="0" i="0" u="none" strike="noStrike" cap="none" spc="0" normalizeH="0" baseline="0">
             <a:ln>
               <a:noFill/>
             </a:ln>
@@ -4996,7 +5120,7 @@
           <a:buFontTx/>
           <a:buNone/>
           <a:tabLst/>
-          <a:defRPr b="0" baseline="0" cap="none" i="0" spc="0" strike="noStrike" sz="1800" u="none" kumimoji="0" normalizeH="0">
+          <a:defRPr kumimoji="0" sz="1800" b="0" i="0" u="none" strike="noStrike" cap="none" spc="0" normalizeH="0" baseline="0">
             <a:ln>
               <a:noFill/>
             </a:ln>
@@ -5022,7 +5146,7 @@
           <a:buFontTx/>
           <a:buNone/>
           <a:tabLst/>
-          <a:defRPr b="0" baseline="0" cap="none" i="0" spc="0" strike="noStrike" sz="1800" u="none" kumimoji="0" normalizeH="0">
+          <a:defRPr kumimoji="0" sz="1800" b="0" i="0" u="none" strike="noStrike" cap="none" spc="0" normalizeH="0" baseline="0">
             <a:ln>
               <a:noFill/>
             </a:ln>
@@ -5048,7 +5172,7 @@
           <a:buFontTx/>
           <a:buNone/>
           <a:tabLst/>
-          <a:defRPr b="0" baseline="0" cap="none" i="0" spc="0" strike="noStrike" sz="1800" u="none" kumimoji="0" normalizeH="0">
+          <a:defRPr kumimoji="0" sz="1800" b="0" i="0" u="none" strike="noStrike" cap="none" spc="0" normalizeH="0" baseline="0">
             <a:ln>
               <a:noFill/>
             </a:ln>
@@ -5074,7 +5198,7 @@
           <a:buFontTx/>
           <a:buNone/>
           <a:tabLst/>
-          <a:defRPr b="0" baseline="0" cap="none" i="0" spc="0" strike="noStrike" sz="1800" u="none" kumimoji="0" normalizeH="0">
+          <a:defRPr kumimoji="0" sz="1800" b="0" i="0" u="none" strike="noStrike" cap="none" spc="0" normalizeH="0" baseline="0">
             <a:ln>
               <a:noFill/>
             </a:ln>
@@ -5100,7 +5224,7 @@
           <a:buFontTx/>
           <a:buNone/>
           <a:tabLst/>
-          <a:defRPr b="0" baseline="0" cap="none" i="0" spc="0" strike="noStrike" sz="1800" u="none" kumimoji="0" normalizeH="0">
+          <a:defRPr kumimoji="0" sz="1800" b="0" i="0" u="none" strike="noStrike" cap="none" spc="0" normalizeH="0" baseline="0">
             <a:ln>
               <a:noFill/>
             </a:ln>
@@ -5126,7 +5250,7 @@
           <a:buFontTx/>
           <a:buNone/>
           <a:tabLst/>
-          <a:defRPr b="0" baseline="0" cap="none" i="0" spc="0" strike="noStrike" sz="1800" u="none" kumimoji="0" normalizeH="0">
+          <a:defRPr kumimoji="0" sz="1800" b="0" i="0" u="none" strike="noStrike" cap="none" spc="0" normalizeH="0" baseline="0">
             <a:ln>
               <a:noFill/>
             </a:ln>
@@ -5152,7 +5276,7 @@
           <a:buFontTx/>
           <a:buNone/>
           <a:tabLst/>
-          <a:defRPr b="0" baseline="0" cap="none" i="0" spc="0" strike="noStrike" sz="1800" u="none" kumimoji="0" normalizeH="0">
+          <a:defRPr kumimoji="0" sz="1800" b="0" i="0" u="none" strike="noStrike" cap="none" spc="0" normalizeH="0" baseline="0">
             <a:ln>
               <a:noFill/>
             </a:ln>
@@ -5178,7 +5302,7 @@
           <a:buFontTx/>
           <a:buNone/>
           <a:tabLst/>
-          <a:defRPr b="0" baseline="0" cap="none" i="0" spc="0" strike="noStrike" sz="1800" u="none" kumimoji="0" normalizeH="0">
+          <a:defRPr kumimoji="0" sz="1800" b="0" i="0" u="none" strike="noStrike" cap="none" spc="0" normalizeH="0" baseline="0">
             <a:ln>
               <a:noFill/>
             </a:ln>
@@ -5204,7 +5328,7 @@
           <a:buFontTx/>
           <a:buNone/>
           <a:tabLst/>
-          <a:defRPr b="0" baseline="0" cap="none" i="0" spc="0" strike="noStrike" sz="1800" u="none" kumimoji="0" normalizeH="0">
+          <a:defRPr kumimoji="0" sz="1800" b="0" i="0" u="none" strike="noStrike" cap="none" spc="0" normalizeH="0" baseline="0">
             <a:ln>
               <a:noFill/>
             </a:ln>
@@ -5217,18 +5341,25 @@
         </a:lvl9pPr>
       </a:lstStyle>
       <a:style>
-        <a:lnRef idx="0"/>
-        <a:fillRef idx="0"/>
-        <a:effectRef idx="0"/>
+        <a:lnRef idx="0">
+          <a:scrgbClr r="0" g="0" b="0"/>
+        </a:lnRef>
+        <a:fillRef idx="0">
+          <a:scrgbClr r="0" g="0" b="0"/>
+        </a:fillRef>
+        <a:effectRef idx="0">
+          <a:scrgbClr r="0" g="0" b="0"/>
+        </a:effectRef>
         <a:fontRef idx="none"/>
       </a:style>
     </a:txDef>
   </a:objectDefaults>
+  <a:extraClrSchemeLst/>
 </a:theme>
 </file>
 
 <file path=ppt/theme/theme2.xml><?xml version="1.0" encoding="utf-8"?>
-<a:theme xmlns:a="http://schemas.openxmlformats.org/drawingml/2006/main" xmlns:r="http://schemas.openxmlformats.org/officeDocument/2006/relationships" name="Тема Office">
+<a:theme xmlns:a="http://schemas.openxmlformats.org/drawingml/2006/main" name="Тема Office">
   <a:themeElements>
     <a:clrScheme name="Тема Office">
       <a:dk1>
@@ -5430,7 +5561,7 @@
         <a:effectLst/>
         <a:sp3d/>
       </a:spPr>
-      <a:bodyPr rot="0" spcFirstLastPara="1" vertOverflow="overflow" horzOverflow="overflow" vert="horz" wrap="square" lIns="45719" tIns="45719" rIns="45719" bIns="45719" numCol="1" spcCol="38100" rtlCol="0" anchor="ctr" upright="0">
+      <a:bodyPr rot="0" spcFirstLastPara="1" vertOverflow="overflow" horzOverflow="overflow" vert="horz" wrap="square" lIns="45719" tIns="45719" rIns="45719" bIns="45719" numCol="1" spcCol="38100" rtlCol="0" anchor="ctr">
         <a:spAutoFit/>
       </a:bodyPr>
       <a:lstStyle>
@@ -5449,7 +5580,7 @@
           <a:buFontTx/>
           <a:buNone/>
           <a:tabLst/>
-          <a:defRPr b="0" baseline="0" cap="none" i="0" spc="0" strike="noStrike" sz="1800" u="none" kumimoji="0" normalizeH="0">
+          <a:defRPr kumimoji="0" sz="1800" b="0" i="0" u="none" strike="noStrike" cap="none" spc="0" normalizeH="0" baseline="0">
             <a:ln>
               <a:noFill/>
             </a:ln>
@@ -5479,7 +5610,7 @@
           <a:buFontTx/>
           <a:buNone/>
           <a:tabLst/>
-          <a:defRPr b="0" baseline="0" cap="none" i="0" spc="0" strike="noStrike" sz="1800" u="none" kumimoji="0" normalizeH="0">
+          <a:defRPr kumimoji="0" sz="1800" b="0" i="0" u="none" strike="noStrike" cap="none" spc="0" normalizeH="0" baseline="0">
             <a:ln>
               <a:noFill/>
             </a:ln>
@@ -5505,7 +5636,7 @@
           <a:buFontTx/>
           <a:buNone/>
           <a:tabLst/>
-          <a:defRPr b="0" baseline="0" cap="none" i="0" spc="0" strike="noStrike" sz="1800" u="none" kumimoji="0" normalizeH="0">
+          <a:defRPr kumimoji="0" sz="1800" b="0" i="0" u="none" strike="noStrike" cap="none" spc="0" normalizeH="0" baseline="0">
             <a:ln>
               <a:noFill/>
             </a:ln>
@@ -5531,7 +5662,7 @@
           <a:buFontTx/>
           <a:buNone/>
           <a:tabLst/>
-          <a:defRPr b="0" baseline="0" cap="none" i="0" spc="0" strike="noStrike" sz="1800" u="none" kumimoji="0" normalizeH="0">
+          <a:defRPr kumimoji="0" sz="1800" b="0" i="0" u="none" strike="noStrike" cap="none" spc="0" normalizeH="0" baseline="0">
             <a:ln>
               <a:noFill/>
             </a:ln>
@@ -5557,7 +5688,7 @@
           <a:buFontTx/>
           <a:buNone/>
           <a:tabLst/>
-          <a:defRPr b="0" baseline="0" cap="none" i="0" spc="0" strike="noStrike" sz="1800" u="none" kumimoji="0" normalizeH="0">
+          <a:defRPr kumimoji="0" sz="1800" b="0" i="0" u="none" strike="noStrike" cap="none" spc="0" normalizeH="0" baseline="0">
             <a:ln>
               <a:noFill/>
             </a:ln>
@@ -5583,7 +5714,7 @@
           <a:buFontTx/>
           <a:buNone/>
           <a:tabLst/>
-          <a:defRPr b="0" baseline="0" cap="none" i="0" spc="0" strike="noStrike" sz="1800" u="none" kumimoji="0" normalizeH="0">
+          <a:defRPr kumimoji="0" sz="1800" b="0" i="0" u="none" strike="noStrike" cap="none" spc="0" normalizeH="0" baseline="0">
             <a:ln>
               <a:noFill/>
             </a:ln>
@@ -5609,7 +5740,7 @@
           <a:buFontTx/>
           <a:buNone/>
           <a:tabLst/>
-          <a:defRPr b="0" baseline="0" cap="none" i="0" spc="0" strike="noStrike" sz="1800" u="none" kumimoji="0" normalizeH="0">
+          <a:defRPr kumimoji="0" sz="1800" b="0" i="0" u="none" strike="noStrike" cap="none" spc="0" normalizeH="0" baseline="0">
             <a:ln>
               <a:noFill/>
             </a:ln>
@@ -5635,7 +5766,7 @@
           <a:buFontTx/>
           <a:buNone/>
           <a:tabLst/>
-          <a:defRPr b="0" baseline="0" cap="none" i="0" spc="0" strike="noStrike" sz="1800" u="none" kumimoji="0" normalizeH="0">
+          <a:defRPr kumimoji="0" sz="1800" b="0" i="0" u="none" strike="noStrike" cap="none" spc="0" normalizeH="0" baseline="0">
             <a:ln>
               <a:noFill/>
             </a:ln>
@@ -5661,7 +5792,7 @@
           <a:buFontTx/>
           <a:buNone/>
           <a:tabLst/>
-          <a:defRPr b="0" baseline="0" cap="none" i="0" spc="0" strike="noStrike" sz="1800" u="none" kumimoji="0" normalizeH="0">
+          <a:defRPr kumimoji="0" sz="1800" b="0" i="0" u="none" strike="noStrike" cap="none" spc="0" normalizeH="0" baseline="0">
             <a:ln>
               <a:noFill/>
             </a:ln>
@@ -5687,7 +5818,7 @@
           <a:buFontTx/>
           <a:buNone/>
           <a:tabLst/>
-          <a:defRPr b="0" baseline="0" cap="none" i="0" spc="0" strike="noStrike" sz="1800" u="none" kumimoji="0" normalizeH="0">
+          <a:defRPr kumimoji="0" sz="1800" b="0" i="0" u="none" strike="noStrike" cap="none" spc="0" normalizeH="0" baseline="0">
             <a:ln>
               <a:noFill/>
             </a:ln>
@@ -5700,9 +5831,15 @@
         </a:lvl9pPr>
       </a:lstStyle>
       <a:style>
-        <a:lnRef idx="0"/>
-        <a:fillRef idx="0"/>
-        <a:effectRef idx="0"/>
+        <a:lnRef idx="0">
+          <a:scrgbClr r="0" g="0" b="0"/>
+        </a:lnRef>
+        <a:fillRef idx="0">
+          <a:scrgbClr r="0" g="0" b="0"/>
+        </a:fillRef>
+        <a:effectRef idx="0">
+          <a:scrgbClr r="0" g="0" b="0"/>
+        </a:effectRef>
         <a:fontRef idx="none"/>
       </a:style>
     </a:spDef>
@@ -5719,7 +5856,7 @@
         <a:effectLst/>
         <a:sp3d/>
       </a:spPr>
-      <a:bodyPr rot="0" spcFirstLastPara="1" vertOverflow="overflow" horzOverflow="overflow" vert="horz" wrap="square" lIns="91439" tIns="45719" rIns="91439" bIns="45719" numCol="1" spcCol="38100" rtlCol="0" anchor="t" upright="0">
+      <a:bodyPr rot="0" spcFirstLastPara="1" vertOverflow="overflow" horzOverflow="overflow" vert="horz" wrap="square" lIns="91439" tIns="45719" rIns="91439" bIns="45719" numCol="1" spcCol="38100" rtlCol="0" anchor="t">
         <a:noAutofit/>
       </a:bodyPr>
       <a:lstStyle>
@@ -5738,7 +5875,7 @@
           <a:buFontTx/>
           <a:buNone/>
           <a:tabLst/>
-          <a:defRPr b="0" baseline="0" cap="none" i="0" spc="0" strike="noStrike" sz="1800" u="none" kumimoji="0" normalizeH="0">
+          <a:defRPr kumimoji="0" sz="1800" b="0" i="0" u="none" strike="noStrike" cap="none" spc="0" normalizeH="0" baseline="0">
             <a:ln>
               <a:noFill/>
             </a:ln>
@@ -5764,7 +5901,7 @@
           <a:buFontTx/>
           <a:buNone/>
           <a:tabLst/>
-          <a:defRPr b="0" baseline="0" cap="none" i="0" spc="0" strike="noStrike" sz="1800" u="none" kumimoji="0" normalizeH="0">
+          <a:defRPr kumimoji="0" sz="1800" b="0" i="0" u="none" strike="noStrike" cap="none" spc="0" normalizeH="0" baseline="0">
             <a:ln>
               <a:noFill/>
             </a:ln>
@@ -5790,7 +5927,7 @@
           <a:buFontTx/>
           <a:buNone/>
           <a:tabLst/>
-          <a:defRPr b="0" baseline="0" cap="none" i="0" spc="0" strike="noStrike" sz="1800" u="none" kumimoji="0" normalizeH="0">
+          <a:defRPr kumimoji="0" sz="1800" b="0" i="0" u="none" strike="noStrike" cap="none" spc="0" normalizeH="0" baseline="0">
             <a:ln>
               <a:noFill/>
             </a:ln>
@@ -5816,7 +5953,7 @@
           <a:buFontTx/>
           <a:buNone/>
           <a:tabLst/>
-          <a:defRPr b="0" baseline="0" cap="none" i="0" spc="0" strike="noStrike" sz="1800" u="none" kumimoji="0" normalizeH="0">
+          <a:defRPr kumimoji="0" sz="1800" b="0" i="0" u="none" strike="noStrike" cap="none" spc="0" normalizeH="0" baseline="0">
             <a:ln>
               <a:noFill/>
             </a:ln>
@@ -5842,7 +5979,7 @@
           <a:buFontTx/>
           <a:buNone/>
           <a:tabLst/>
-          <a:defRPr b="0" baseline="0" cap="none" i="0" spc="0" strike="noStrike" sz="1800" u="none" kumimoji="0" normalizeH="0">
+          <a:defRPr kumimoji="0" sz="1800" b="0" i="0" u="none" strike="noStrike" cap="none" spc="0" normalizeH="0" baseline="0">
             <a:ln>
               <a:noFill/>
             </a:ln>
@@ -5868,7 +6005,7 @@
           <a:buFontTx/>
           <a:buNone/>
           <a:tabLst/>
-          <a:defRPr b="0" baseline="0" cap="none" i="0" spc="0" strike="noStrike" sz="1800" u="none" kumimoji="0" normalizeH="0">
+          <a:defRPr kumimoji="0" sz="1800" b="0" i="0" u="none" strike="noStrike" cap="none" spc="0" normalizeH="0" baseline="0">
             <a:ln>
               <a:noFill/>
             </a:ln>
@@ -5894,7 +6031,7 @@
           <a:buFontTx/>
           <a:buNone/>
           <a:tabLst/>
-          <a:defRPr b="0" baseline="0" cap="none" i="0" spc="0" strike="noStrike" sz="1800" u="none" kumimoji="0" normalizeH="0">
+          <a:defRPr kumimoji="0" sz="1800" b="0" i="0" u="none" strike="noStrike" cap="none" spc="0" normalizeH="0" baseline="0">
             <a:ln>
               <a:noFill/>
             </a:ln>
@@ -5920,7 +6057,7 @@
           <a:buFontTx/>
           <a:buNone/>
           <a:tabLst/>
-          <a:defRPr b="0" baseline="0" cap="none" i="0" spc="0" strike="noStrike" sz="1800" u="none" kumimoji="0" normalizeH="0">
+          <a:defRPr kumimoji="0" sz="1800" b="0" i="0" u="none" strike="noStrike" cap="none" spc="0" normalizeH="0" baseline="0">
             <a:ln>
               <a:noFill/>
             </a:ln>
@@ -5946,7 +6083,7 @@
           <a:buFontTx/>
           <a:buNone/>
           <a:tabLst/>
-          <a:defRPr b="0" baseline="0" cap="none" i="0" spc="0" strike="noStrike" sz="1800" u="none" kumimoji="0" normalizeH="0">
+          <a:defRPr kumimoji="0" sz="1800" b="0" i="0" u="none" strike="noStrike" cap="none" spc="0" normalizeH="0" baseline="0">
             <a:ln>
               <a:noFill/>
             </a:ln>
@@ -5972,7 +6109,7 @@
           <a:buFontTx/>
           <a:buNone/>
           <a:tabLst/>
-          <a:defRPr b="0" baseline="0" cap="none" i="0" spc="0" strike="noStrike" sz="1800" u="none" kumimoji="0" normalizeH="0">
+          <a:defRPr kumimoji="0" sz="1800" b="0" i="0" u="none" strike="noStrike" cap="none" spc="0" normalizeH="0" baseline="0">
             <a:ln>
               <a:noFill/>
             </a:ln>
@@ -5985,9 +6122,15 @@
         </a:lvl9pPr>
       </a:lstStyle>
       <a:style>
-        <a:lnRef idx="0"/>
-        <a:fillRef idx="0"/>
-        <a:effectRef idx="0"/>
+        <a:lnRef idx="0">
+          <a:scrgbClr r="0" g="0" b="0"/>
+        </a:lnRef>
+        <a:fillRef idx="0">
+          <a:scrgbClr r="0" g="0" b="0"/>
+        </a:fillRef>
+        <a:effectRef idx="0">
+          <a:scrgbClr r="0" g="0" b="0"/>
+        </a:effectRef>
         <a:fontRef idx="none"/>
       </a:style>
     </a:lnDef>
@@ -6001,7 +6144,7 @@
         <a:effectLst/>
         <a:sp3d/>
       </a:spPr>
-      <a:bodyPr rot="0" spcFirstLastPara="1" vertOverflow="overflow" horzOverflow="overflow" vert="horz" wrap="square" lIns="45719" tIns="45719" rIns="45719" bIns="45719" numCol="1" spcCol="38100" rtlCol="0" anchor="t" upright="0">
+      <a:bodyPr rot="0" spcFirstLastPara="1" vertOverflow="overflow" horzOverflow="overflow" vert="horz" wrap="square" lIns="45719" tIns="45719" rIns="45719" bIns="45719" numCol="1" spcCol="38100" rtlCol="0" anchor="t">
         <a:spAutoFit/>
       </a:bodyPr>
       <a:lstStyle>
@@ -6020,7 +6163,7 @@
           <a:buFontTx/>
           <a:buNone/>
           <a:tabLst/>
-          <a:defRPr b="0" baseline="0" cap="none" i="0" spc="0" strike="noStrike" sz="1800" u="none" kumimoji="0" normalizeH="0">
+          <a:defRPr kumimoji="0" sz="1800" b="0" i="0" u="none" strike="noStrike" cap="none" spc="0" normalizeH="0" baseline="0">
             <a:ln>
               <a:noFill/>
             </a:ln>
@@ -6050,7 +6193,7 @@
           <a:buFontTx/>
           <a:buNone/>
           <a:tabLst/>
-          <a:defRPr b="0" baseline="0" cap="none" i="0" spc="0" strike="noStrike" sz="1800" u="none" kumimoji="0" normalizeH="0">
+          <a:defRPr kumimoji="0" sz="1800" b="0" i="0" u="none" strike="noStrike" cap="none" spc="0" normalizeH="0" baseline="0">
             <a:ln>
               <a:noFill/>
             </a:ln>
@@ -6076,7 +6219,7 @@
           <a:buFontTx/>
           <a:buNone/>
           <a:tabLst/>
-          <a:defRPr b="0" baseline="0" cap="none" i="0" spc="0" strike="noStrike" sz="1800" u="none" kumimoji="0" normalizeH="0">
+          <a:defRPr kumimoji="0" sz="1800" b="0" i="0" u="none" strike="noStrike" cap="none" spc="0" normalizeH="0" baseline="0">
             <a:ln>
               <a:noFill/>
             </a:ln>
@@ -6102,7 +6245,7 @@
           <a:buFontTx/>
           <a:buNone/>
           <a:tabLst/>
-          <a:defRPr b="0" baseline="0" cap="none" i="0" spc="0" strike="noStrike" sz="1800" u="none" kumimoji="0" normalizeH="0">
+          <a:defRPr kumimoji="0" sz="1800" b="0" i="0" u="none" strike="noStrike" cap="none" spc="0" normalizeH="0" baseline="0">
             <a:ln>
               <a:noFill/>
             </a:ln>
@@ -6128,7 +6271,7 @@
           <a:buFontTx/>
           <a:buNone/>
           <a:tabLst/>
-          <a:defRPr b="0" baseline="0" cap="none" i="0" spc="0" strike="noStrike" sz="1800" u="none" kumimoji="0" normalizeH="0">
+          <a:defRPr kumimoji="0" sz="1800" b="0" i="0" u="none" strike="noStrike" cap="none" spc="0" normalizeH="0" baseline="0">
             <a:ln>
               <a:noFill/>
             </a:ln>
@@ -6154,7 +6297,7 @@
           <a:buFontTx/>
           <a:buNone/>
           <a:tabLst/>
-          <a:defRPr b="0" baseline="0" cap="none" i="0" spc="0" strike="noStrike" sz="1800" u="none" kumimoji="0" normalizeH="0">
+          <a:defRPr kumimoji="0" sz="1800" b="0" i="0" u="none" strike="noStrike" cap="none" spc="0" normalizeH="0" baseline="0">
             <a:ln>
               <a:noFill/>
             </a:ln>
@@ -6180,7 +6323,7 @@
           <a:buFontTx/>
           <a:buNone/>
           <a:tabLst/>
-          <a:defRPr b="0" baseline="0" cap="none" i="0" spc="0" strike="noStrike" sz="1800" u="none" kumimoji="0" normalizeH="0">
+          <a:defRPr kumimoji="0" sz="1800" b="0" i="0" u="none" strike="noStrike" cap="none" spc="0" normalizeH="0" baseline="0">
             <a:ln>
               <a:noFill/>
             </a:ln>
@@ -6206,7 +6349,7 @@
           <a:buFontTx/>
           <a:buNone/>
           <a:tabLst/>
-          <a:defRPr b="0" baseline="0" cap="none" i="0" spc="0" strike="noStrike" sz="1800" u="none" kumimoji="0" normalizeH="0">
+          <a:defRPr kumimoji="0" sz="1800" b="0" i="0" u="none" strike="noStrike" cap="none" spc="0" normalizeH="0" baseline="0">
             <a:ln>
               <a:noFill/>
             </a:ln>
@@ -6232,7 +6375,7 @@
           <a:buFontTx/>
           <a:buNone/>
           <a:tabLst/>
-          <a:defRPr b="0" baseline="0" cap="none" i="0" spc="0" strike="noStrike" sz="1800" u="none" kumimoji="0" normalizeH="0">
+          <a:defRPr kumimoji="0" sz="1800" b="0" i="0" u="none" strike="noStrike" cap="none" spc="0" normalizeH="0" baseline="0">
             <a:ln>
               <a:noFill/>
             </a:ln>
@@ -6258,7 +6401,7 @@
           <a:buFontTx/>
           <a:buNone/>
           <a:tabLst/>
-          <a:defRPr b="0" baseline="0" cap="none" i="0" spc="0" strike="noStrike" sz="1800" u="none" kumimoji="0" normalizeH="0">
+          <a:defRPr kumimoji="0" sz="1800" b="0" i="0" u="none" strike="noStrike" cap="none" spc="0" normalizeH="0" baseline="0">
             <a:ln>
               <a:noFill/>
             </a:ln>
@@ -6271,12 +6414,19 @@
         </a:lvl9pPr>
       </a:lstStyle>
       <a:style>
-        <a:lnRef idx="0"/>
-        <a:fillRef idx="0"/>
-        <a:effectRef idx="0"/>
+        <a:lnRef idx="0">
+          <a:scrgbClr r="0" g="0" b="0"/>
+        </a:lnRef>
+        <a:fillRef idx="0">
+          <a:scrgbClr r="0" g="0" b="0"/>
+        </a:fillRef>
+        <a:effectRef idx="0">
+          <a:scrgbClr r="0" g="0" b="0"/>
+        </a:effectRef>
         <a:fontRef idx="none"/>
       </a:style>
     </a:txDef>
   </a:objectDefaults>
+  <a:extraClrSchemeLst/>
 </a:theme>
 </file>
--- a/Системы контроля версий.pptx
+++ b/Системы контроля версий.pptx
@@ -2,23 +2,23 @@
 <file path=ppt/presentation.xml><?xml version="1.0" encoding="utf-8"?>
 <p:presentation xmlns:a="http://schemas.openxmlformats.org/drawingml/2006/main" xmlns:r="http://schemas.openxmlformats.org/officeDocument/2006/relationships" xmlns:p="http://schemas.openxmlformats.org/presentationml/2006/main">
   <p:sldMasterIdLst>
-    <p:sldMasterId id="2147483648" r:id="rId1"/>
+    <p:sldMasterId id="2147483648" r:id="rId5"/>
   </p:sldMasterIdLst>
   <p:notesMasterIdLst>
-    <p:notesMasterId r:id="rId13"/>
+    <p:notesMasterId r:id="rId7"/>
   </p:notesMasterIdLst>
   <p:sldIdLst>
-    <p:sldId id="256" r:id="rId2"/>
-    <p:sldId id="257" r:id="rId3"/>
-    <p:sldId id="258" r:id="rId4"/>
-    <p:sldId id="259" r:id="rId5"/>
-    <p:sldId id="260" r:id="rId6"/>
-    <p:sldId id="261" r:id="rId7"/>
-    <p:sldId id="262" r:id="rId8"/>
-    <p:sldId id="263" r:id="rId9"/>
-    <p:sldId id="264" r:id="rId10"/>
-    <p:sldId id="265" r:id="rId11"/>
-    <p:sldId id="266" r:id="rId12"/>
+    <p:sldId id="256" r:id="rId8"/>
+    <p:sldId id="257" r:id="rId9"/>
+    <p:sldId id="258" r:id="rId10"/>
+    <p:sldId id="259" r:id="rId11"/>
+    <p:sldId id="260" r:id="rId12"/>
+    <p:sldId id="261" r:id="rId13"/>
+    <p:sldId id="262" r:id="rId14"/>
+    <p:sldId id="263" r:id="rId15"/>
+    <p:sldId id="264" r:id="rId16"/>
+    <p:sldId id="265" r:id="rId17"/>
+    <p:sldId id="266" r:id="rId18"/>
   </p:sldIdLst>
   <p:sldSz cx="12192000" cy="6858000"/>
   <p:notesSz cx="6858000" cy="9144000"/>
@@ -38,7 +38,7 @@
       <a:buFontTx/>
       <a:buNone/>
       <a:tabLst/>
-      <a:defRPr kumimoji="0" sz="1800" b="0" i="0" u="none" strike="noStrike" cap="none" spc="0" normalizeH="0" baseline="0">
+      <a:defRPr b="0" baseline="0" cap="none" i="0" spc="0" strike="noStrike" sz="1800" u="none" kumimoji="0" normalizeH="0">
         <a:ln>
           <a:noFill/>
         </a:ln>
@@ -64,7 +64,7 @@
       <a:buFontTx/>
       <a:buNone/>
       <a:tabLst/>
-      <a:defRPr kumimoji="0" sz="1800" b="0" i="0" u="none" strike="noStrike" cap="none" spc="0" normalizeH="0" baseline="0">
+      <a:defRPr b="0" baseline="0" cap="none" i="0" spc="0" strike="noStrike" sz="1800" u="none" kumimoji="0" normalizeH="0">
         <a:ln>
           <a:noFill/>
         </a:ln>
@@ -94,7 +94,7 @@
       <a:buFontTx/>
       <a:buNone/>
       <a:tabLst/>
-      <a:defRPr kumimoji="0" sz="1800" b="0" i="0" u="none" strike="noStrike" cap="none" spc="0" normalizeH="0" baseline="0">
+      <a:defRPr b="0" baseline="0" cap="none" i="0" spc="0" strike="noStrike" sz="1800" u="none" kumimoji="0" normalizeH="0">
         <a:ln>
           <a:noFill/>
         </a:ln>
@@ -124,7 +124,7 @@
       <a:buFontTx/>
       <a:buNone/>
       <a:tabLst/>
-      <a:defRPr kumimoji="0" sz="1800" b="0" i="0" u="none" strike="noStrike" cap="none" spc="0" normalizeH="0" baseline="0">
+      <a:defRPr b="0" baseline="0" cap="none" i="0" spc="0" strike="noStrike" sz="1800" u="none" kumimoji="0" normalizeH="0">
         <a:ln>
           <a:noFill/>
         </a:ln>
@@ -154,7 +154,7 @@
       <a:buFontTx/>
       <a:buNone/>
       <a:tabLst/>
-      <a:defRPr kumimoji="0" sz="1800" b="0" i="0" u="none" strike="noStrike" cap="none" spc="0" normalizeH="0" baseline="0">
+      <a:defRPr b="0" baseline="0" cap="none" i="0" spc="0" strike="noStrike" sz="1800" u="none" kumimoji="0" normalizeH="0">
         <a:ln>
           <a:noFill/>
         </a:ln>
@@ -184,7 +184,7 @@
       <a:buFontTx/>
       <a:buNone/>
       <a:tabLst/>
-      <a:defRPr kumimoji="0" sz="1800" b="0" i="0" u="none" strike="noStrike" cap="none" spc="0" normalizeH="0" baseline="0">
+      <a:defRPr b="0" baseline="0" cap="none" i="0" spc="0" strike="noStrike" sz="1800" u="none" kumimoji="0" normalizeH="0">
         <a:ln>
           <a:noFill/>
         </a:ln>
@@ -214,7 +214,7 @@
       <a:buFontTx/>
       <a:buNone/>
       <a:tabLst/>
-      <a:defRPr kumimoji="0" sz="1800" b="0" i="0" u="none" strike="noStrike" cap="none" spc="0" normalizeH="0" baseline="0">
+      <a:defRPr b="0" baseline="0" cap="none" i="0" spc="0" strike="noStrike" sz="1800" u="none" kumimoji="0" normalizeH="0">
         <a:ln>
           <a:noFill/>
         </a:ln>
@@ -244,7 +244,7 @@
       <a:buFontTx/>
       <a:buNone/>
       <a:tabLst/>
-      <a:defRPr kumimoji="0" sz="1800" b="0" i="0" u="none" strike="noStrike" cap="none" spc="0" normalizeH="0" baseline="0">
+      <a:defRPr b="0" baseline="0" cap="none" i="0" spc="0" strike="noStrike" sz="1800" u="none" kumimoji="0" normalizeH="0">
         <a:ln>
           <a:noFill/>
         </a:ln>
@@ -274,7 +274,7 @@
       <a:buFontTx/>
       <a:buNone/>
       <a:tabLst/>
-      <a:defRPr kumimoji="0" sz="1800" b="0" i="0" u="none" strike="noStrike" cap="none" spc="0" normalizeH="0" baseline="0">
+      <a:defRPr b="0" baseline="0" cap="none" i="0" spc="0" strike="noStrike" sz="1800" u="none" kumimoji="0" normalizeH="0">
         <a:ln>
           <a:noFill/>
         </a:ln>
@@ -304,7 +304,7 @@
       <a:buFontTx/>
       <a:buNone/>
       <a:tabLst/>
-      <a:defRPr kumimoji="0" sz="1800" b="0" i="0" u="none" strike="noStrike" cap="none" spc="0" normalizeH="0" baseline="0">
+      <a:defRPr b="0" baseline="0" cap="none" i="0" spc="0" strike="noStrike" sz="1800" u="none" kumimoji="0" normalizeH="0">
         <a:ln>
           <a:noFill/>
         </a:ln>
@@ -323,14 +323,13 @@
 </p:presentation>
 </file>
 
+<file path=ppt/commentAuthors.xml><?xml version="1.0" encoding="utf-8"?>
+<p:cmAuthorLst xmlns:a="http://schemas.openxmlformats.org/drawingml/2006/main" xmlns:r="http://schemas.openxmlformats.org/officeDocument/2006/relationships" xmlns:p="http://schemas.openxmlformats.org/presentationml/2006/main"/>
+</file>
+
 <file path=ppt/notesMasters/notesMaster1.xml><?xml version="1.0" encoding="utf-8"?>
 <p:notesMaster xmlns:a="http://schemas.openxmlformats.org/drawingml/2006/main" xmlns:r="http://schemas.openxmlformats.org/officeDocument/2006/relationships" xmlns:p="http://schemas.openxmlformats.org/presentationml/2006/main">
   <p:cSld>
-    <p:bg>
-      <p:bgRef idx="1001">
-        <a:schemeClr val="bg1"/>
-      </p:bgRef>
-    </p:bg>
     <p:spTree>
       <p:nvGrpSpPr>
         <p:cNvPr id="1" name=""/>
@@ -348,9 +347,7 @@
       <p:sp>
         <p:nvSpPr>
           <p:cNvPr id="118" name="Shape 118"/>
-          <p:cNvSpPr>
-            <a:spLocks noGrp="1" noRot="1" noChangeAspect="1"/>
-          </p:cNvSpPr>
+          <p:cNvSpPr/>
           <p:nvPr>
             <p:ph type="sldImg"/>
           </p:nvPr>
@@ -368,16 +365,14 @@
           <a:bodyPr/>
           <a:lstStyle/>
           <a:p>
-            <a:endParaRPr/>
+            <a:pPr/>
           </a:p>
         </p:txBody>
       </p:sp>
       <p:sp>
         <p:nvSpPr>
           <p:cNvPr id="119" name="Shape 119"/>
-          <p:cNvSpPr>
-            <a:spLocks noGrp="1"/>
-          </p:cNvSpPr>
+          <p:cNvSpPr/>
           <p:nvPr>
             <p:ph type="body" sz="quarter" idx="1"/>
           </p:nvPr>
@@ -395,7 +390,7 @@
           <a:bodyPr/>
           <a:lstStyle/>
           <a:p>
-            <a:endParaRPr/>
+            <a:pPr/>
           </a:p>
         </p:txBody>
       </p:sp>
@@ -480,7 +475,7 @@
 </file>
 
 <file path=ppt/slideLayouts/slideLayout1.xml><?xml version="1.0" encoding="utf-8"?>
-<p:sldLayout xmlns:a="http://schemas.openxmlformats.org/drawingml/2006/main" xmlns:r="http://schemas.openxmlformats.org/officeDocument/2006/relationships" xmlns:p="http://schemas.openxmlformats.org/presentationml/2006/main" type="title">
+<p:sldLayout xmlns:a="http://schemas.openxmlformats.org/drawingml/2006/main" xmlns:r="http://schemas.openxmlformats.org/officeDocument/2006/relationships" xmlns:p="http://schemas.openxmlformats.org/presentationml/2006/main" type="title" showMasterSp="1" showMasterPhAnim="1">
   <p:cSld name="Титульный слайд">
     <p:spTree>
       <p:nvGrpSpPr>
@@ -499,9 +494,7 @@
       <p:sp>
         <p:nvSpPr>
           <p:cNvPr id="11" name="Shape 11"/>
-          <p:cNvSpPr>
-            <a:spLocks noGrp="1"/>
-          </p:cNvSpPr>
+          <p:cNvSpPr/>
           <p:nvPr>
             <p:ph type="title"/>
           </p:nvPr>
@@ -523,6 +516,7 @@
             </a:lvl1pPr>
           </a:lstStyle>
           <a:p>
+            <a:pPr/>
             <a:r>
               <a:t>Title Text</a:t>
             </a:r>
@@ -532,9 +526,7 @@
       <p:sp>
         <p:nvSpPr>
           <p:cNvPr id="12" name="Shape 12"/>
-          <p:cNvSpPr>
-            <a:spLocks noGrp="1"/>
-          </p:cNvSpPr>
+          <p:cNvSpPr/>
           <p:nvPr>
             <p:ph type="body" sz="quarter" idx="1"/>
           </p:nvPr>
@@ -583,6 +575,7 @@
             </a:lvl5pPr>
           </a:lstStyle>
           <a:p>
+            <a:pPr/>
             <a:r>
               <a:t>Body Level One</a:t>
             </a:r>
@@ -616,9 +609,7 @@
       <p:sp>
         <p:nvSpPr>
           <p:cNvPr id="13" name="Shape 13"/>
-          <p:cNvSpPr>
-            <a:spLocks noGrp="1"/>
-          </p:cNvSpPr>
+          <p:cNvSpPr/>
           <p:nvPr>
             <p:ph type="sldNum" sz="quarter" idx="2"/>
           </p:nvPr>
@@ -632,10 +623,8 @@
           <a:bodyPr/>
           <a:lstStyle/>
           <a:p>
-            <a:fld id="{86CB4B4D-7CA3-9044-876B-883B54F8677D}" type="slidenum">
-              <a:t>‹#›</a:t>
-            </a:fld>
-            <a:endParaRPr/>
+            <a:pPr/>
+            <a:fld id="{86CB4B4D-7CA3-9044-876B-883B54F8677D}" type="slidenum"/>
           </a:p>
         </p:txBody>
       </p:sp>
@@ -644,12 +633,12 @@
   <p:clrMapOvr>
     <a:masterClrMapping/>
   </p:clrMapOvr>
-  <p:transition spd="med"/>
+  <p:transition xmlns:p14="http://schemas.microsoft.com/office/powerpoint/2010/main" spd="med" advClick="1"/>
 </p:sldLayout>
 </file>
 
 <file path=ppt/slideLayouts/slideLayout10.xml><?xml version="1.0" encoding="utf-8"?>
-<p:sldLayout xmlns:a="http://schemas.openxmlformats.org/drawingml/2006/main" xmlns:r="http://schemas.openxmlformats.org/officeDocument/2006/relationships" xmlns:p="http://schemas.openxmlformats.org/presentationml/2006/main" type="tx">
+<p:sldLayout xmlns:a="http://schemas.openxmlformats.org/drawingml/2006/main" xmlns:r="http://schemas.openxmlformats.org/officeDocument/2006/relationships" xmlns:p="http://schemas.openxmlformats.org/presentationml/2006/main" type="tx" showMasterSp="1" showMasterPhAnim="1">
   <p:cSld name="Заголовок и вертикальный текст">
     <p:spTree>
       <p:nvGrpSpPr>
@@ -668,9 +657,7 @@
       <p:sp>
         <p:nvSpPr>
           <p:cNvPr id="92" name="Shape 92"/>
-          <p:cNvSpPr>
-            <a:spLocks noGrp="1"/>
-          </p:cNvSpPr>
+          <p:cNvSpPr/>
           <p:nvPr>
             <p:ph type="title"/>
           </p:nvPr>
@@ -684,6 +671,7 @@
           <a:bodyPr/>
           <a:lstStyle/>
           <a:p>
+            <a:pPr/>
             <a:r>
               <a:t>Title Text</a:t>
             </a:r>
@@ -693,9 +681,7 @@
       <p:sp>
         <p:nvSpPr>
           <p:cNvPr id="93" name="Shape 93"/>
-          <p:cNvSpPr>
-            <a:spLocks noGrp="1"/>
-          </p:cNvSpPr>
+          <p:cNvSpPr/>
           <p:nvPr>
             <p:ph type="body" idx="1"/>
           </p:nvPr>
@@ -709,6 +695,7 @@
           <a:bodyPr/>
           <a:lstStyle/>
           <a:p>
+            <a:pPr/>
             <a:r>
               <a:t>Body Level One</a:t>
             </a:r>
@@ -742,9 +729,7 @@
       <p:sp>
         <p:nvSpPr>
           <p:cNvPr id="94" name="Shape 94"/>
-          <p:cNvSpPr>
-            <a:spLocks noGrp="1"/>
-          </p:cNvSpPr>
+          <p:cNvSpPr/>
           <p:nvPr>
             <p:ph type="sldNum" sz="quarter" idx="2"/>
           </p:nvPr>
@@ -758,10 +743,8 @@
           <a:bodyPr/>
           <a:lstStyle/>
           <a:p>
-            <a:fld id="{86CB4B4D-7CA3-9044-876B-883B54F8677D}" type="slidenum">
-              <a:t>‹#›</a:t>
-            </a:fld>
-            <a:endParaRPr/>
+            <a:pPr/>
+            <a:fld id="{86CB4B4D-7CA3-9044-876B-883B54F8677D}" type="slidenum"/>
           </a:p>
         </p:txBody>
       </p:sp>
@@ -770,12 +753,12 @@
   <p:clrMapOvr>
     <a:masterClrMapping/>
   </p:clrMapOvr>
-  <p:transition spd="med"/>
+  <p:transition xmlns:p14="http://schemas.microsoft.com/office/powerpoint/2010/main" spd="med" advClick="1"/>
 </p:sldLayout>
 </file>
 
 <file path=ppt/slideLayouts/slideLayout11.xml><?xml version="1.0" encoding="utf-8"?>
-<p:sldLayout xmlns:a="http://schemas.openxmlformats.org/drawingml/2006/main" xmlns:r="http://schemas.openxmlformats.org/officeDocument/2006/relationships" xmlns:p="http://schemas.openxmlformats.org/presentationml/2006/main" type="tx">
+<p:sldLayout xmlns:a="http://schemas.openxmlformats.org/drawingml/2006/main" xmlns:r="http://schemas.openxmlformats.org/officeDocument/2006/relationships" xmlns:p="http://schemas.openxmlformats.org/presentationml/2006/main" type="tx" showMasterSp="1" showMasterPhAnim="1">
   <p:cSld name="Вертикальный заголовок и текст">
     <p:spTree>
       <p:nvGrpSpPr>
@@ -794,9 +777,7 @@
       <p:sp>
         <p:nvSpPr>
           <p:cNvPr id="101" name="Shape 101"/>
-          <p:cNvSpPr>
-            <a:spLocks noGrp="1"/>
-          </p:cNvSpPr>
+          <p:cNvSpPr/>
           <p:nvPr>
             <p:ph type="title"/>
           </p:nvPr>
@@ -814,6 +795,7 @@
           <a:bodyPr/>
           <a:lstStyle/>
           <a:p>
+            <a:pPr/>
             <a:r>
               <a:t>Title Text</a:t>
             </a:r>
@@ -823,9 +805,7 @@
       <p:sp>
         <p:nvSpPr>
           <p:cNvPr id="102" name="Shape 102"/>
-          <p:cNvSpPr>
-            <a:spLocks noGrp="1"/>
-          </p:cNvSpPr>
+          <p:cNvSpPr/>
           <p:nvPr>
             <p:ph type="body" idx="1"/>
           </p:nvPr>
@@ -843,6 +823,7 @@
           <a:bodyPr/>
           <a:lstStyle/>
           <a:p>
+            <a:pPr/>
             <a:r>
               <a:t>Body Level One</a:t>
             </a:r>
@@ -876,9 +857,7 @@
       <p:sp>
         <p:nvSpPr>
           <p:cNvPr id="103" name="Shape 103"/>
-          <p:cNvSpPr>
-            <a:spLocks noGrp="1"/>
-          </p:cNvSpPr>
+          <p:cNvSpPr/>
           <p:nvPr>
             <p:ph type="sldNum" sz="quarter" idx="2"/>
           </p:nvPr>
@@ -892,10 +871,8 @@
           <a:bodyPr/>
           <a:lstStyle/>
           <a:p>
-            <a:fld id="{86CB4B4D-7CA3-9044-876B-883B54F8677D}" type="slidenum">
-              <a:t>‹#›</a:t>
-            </a:fld>
-            <a:endParaRPr/>
+            <a:pPr/>
+            <a:fld id="{86CB4B4D-7CA3-9044-876B-883B54F8677D}" type="slidenum"/>
           </a:p>
         </p:txBody>
       </p:sp>
@@ -904,12 +881,12 @@
   <p:clrMapOvr>
     <a:masterClrMapping/>
   </p:clrMapOvr>
-  <p:transition spd="med"/>
+  <p:transition xmlns:p14="http://schemas.microsoft.com/office/powerpoint/2010/main" spd="med" advClick="1"/>
 </p:sldLayout>
 </file>
 
 <file path=ppt/slideLayouts/slideLayout12.xml><?xml version="1.0" encoding="utf-8"?>
-<p:sldLayout xmlns:a="http://schemas.openxmlformats.org/drawingml/2006/main" xmlns:r="http://schemas.openxmlformats.org/officeDocument/2006/relationships" xmlns:p="http://schemas.openxmlformats.org/presentationml/2006/main" type="tx">
+<p:sldLayout xmlns:a="http://schemas.openxmlformats.org/drawingml/2006/main" xmlns:r="http://schemas.openxmlformats.org/officeDocument/2006/relationships" xmlns:p="http://schemas.openxmlformats.org/presentationml/2006/main" type="tx" showMasterSp="1" showMasterPhAnim="1">
   <p:cSld name="Заголовок и объект">
     <p:spTree>
       <p:nvGrpSpPr>
@@ -928,9 +905,7 @@
       <p:sp>
         <p:nvSpPr>
           <p:cNvPr id="110" name="Shape 110"/>
-          <p:cNvSpPr>
-            <a:spLocks noGrp="1"/>
-          </p:cNvSpPr>
+          <p:cNvSpPr/>
           <p:nvPr>
             <p:ph type="title"/>
           </p:nvPr>
@@ -944,6 +919,7 @@
           <a:bodyPr/>
           <a:lstStyle/>
           <a:p>
+            <a:pPr/>
             <a:r>
               <a:t>Title Text</a:t>
             </a:r>
@@ -953,9 +929,7 @@
       <p:sp>
         <p:nvSpPr>
           <p:cNvPr id="111" name="Shape 111"/>
-          <p:cNvSpPr>
-            <a:spLocks noGrp="1"/>
-          </p:cNvSpPr>
+          <p:cNvSpPr/>
           <p:nvPr>
             <p:ph type="body" idx="1"/>
           </p:nvPr>
@@ -969,6 +943,7 @@
           <a:bodyPr/>
           <a:lstStyle/>
           <a:p>
+            <a:pPr/>
             <a:r>
               <a:t>Body Level One</a:t>
             </a:r>
@@ -1002,9 +977,7 @@
       <p:sp>
         <p:nvSpPr>
           <p:cNvPr id="112" name="Shape 112"/>
-          <p:cNvSpPr>
-            <a:spLocks noGrp="1"/>
-          </p:cNvSpPr>
+          <p:cNvSpPr/>
           <p:nvPr>
             <p:ph type="sldNum" sz="quarter" idx="2"/>
           </p:nvPr>
@@ -1018,10 +991,8 @@
           <a:bodyPr/>
           <a:lstStyle/>
           <a:p>
-            <a:fld id="{86CB4B4D-7CA3-9044-876B-883B54F8677D}" type="slidenum">
-              <a:t>‹#›</a:t>
-            </a:fld>
-            <a:endParaRPr/>
+            <a:pPr/>
+            <a:fld id="{86CB4B4D-7CA3-9044-876B-883B54F8677D}" type="slidenum"/>
           </a:p>
         </p:txBody>
       </p:sp>
@@ -1030,12 +1001,12 @@
   <p:clrMapOvr>
     <a:masterClrMapping/>
   </p:clrMapOvr>
-  <p:transition spd="med"/>
+  <p:transition xmlns:p14="http://schemas.microsoft.com/office/powerpoint/2010/main" spd="med" advClick="1"/>
 </p:sldLayout>
 </file>
 
 <file path=ppt/slideLayouts/slideLayout2.xml><?xml version="1.0" encoding="utf-8"?>
-<p:sldLayout xmlns:a="http://schemas.openxmlformats.org/drawingml/2006/main" xmlns:r="http://schemas.openxmlformats.org/officeDocument/2006/relationships" xmlns:p="http://schemas.openxmlformats.org/presentationml/2006/main" type="tx">
+<p:sldLayout xmlns:a="http://schemas.openxmlformats.org/drawingml/2006/main" xmlns:r="http://schemas.openxmlformats.org/officeDocument/2006/relationships" xmlns:p="http://schemas.openxmlformats.org/presentationml/2006/main" type="tx" showMasterSp="1" showMasterPhAnim="1">
   <p:cSld name="Заголовок и объект">
     <p:spTree>
       <p:nvGrpSpPr>
@@ -1054,9 +1025,7 @@
       <p:sp>
         <p:nvSpPr>
           <p:cNvPr id="20" name="Shape 20"/>
-          <p:cNvSpPr>
-            <a:spLocks noGrp="1"/>
-          </p:cNvSpPr>
+          <p:cNvSpPr/>
           <p:nvPr>
             <p:ph type="title"/>
           </p:nvPr>
@@ -1070,6 +1039,7 @@
           <a:bodyPr/>
           <a:lstStyle/>
           <a:p>
+            <a:pPr/>
             <a:r>
               <a:t>Title Text</a:t>
             </a:r>
@@ -1079,9 +1049,7 @@
       <p:sp>
         <p:nvSpPr>
           <p:cNvPr id="21" name="Shape 21"/>
-          <p:cNvSpPr>
-            <a:spLocks noGrp="1"/>
-          </p:cNvSpPr>
+          <p:cNvSpPr/>
           <p:nvPr>
             <p:ph type="body" idx="1"/>
           </p:nvPr>
@@ -1095,6 +1063,7 @@
           <a:bodyPr/>
           <a:lstStyle/>
           <a:p>
+            <a:pPr/>
             <a:r>
               <a:t>Body Level One</a:t>
             </a:r>
@@ -1128,9 +1097,7 @@
       <p:sp>
         <p:nvSpPr>
           <p:cNvPr id="22" name="Shape 22"/>
-          <p:cNvSpPr>
-            <a:spLocks noGrp="1"/>
-          </p:cNvSpPr>
+          <p:cNvSpPr/>
           <p:nvPr>
             <p:ph type="sldNum" sz="quarter" idx="2"/>
           </p:nvPr>
@@ -1144,10 +1111,8 @@
           <a:bodyPr/>
           <a:lstStyle/>
           <a:p>
-            <a:fld id="{86CB4B4D-7CA3-9044-876B-883B54F8677D}" type="slidenum">
-              <a:t>‹#›</a:t>
-            </a:fld>
-            <a:endParaRPr/>
+            <a:pPr/>
+            <a:fld id="{86CB4B4D-7CA3-9044-876B-883B54F8677D}" type="slidenum"/>
           </a:p>
         </p:txBody>
       </p:sp>
@@ -1156,12 +1121,12 @@
   <p:clrMapOvr>
     <a:masterClrMapping/>
   </p:clrMapOvr>
-  <p:transition spd="med"/>
+  <p:transition xmlns:p14="http://schemas.microsoft.com/office/powerpoint/2010/main" spd="med" advClick="1"/>
 </p:sldLayout>
 </file>
 
 <file path=ppt/slideLayouts/slideLayout3.xml><?xml version="1.0" encoding="utf-8"?>
-<p:sldLayout xmlns:a="http://schemas.openxmlformats.org/drawingml/2006/main" xmlns:r="http://schemas.openxmlformats.org/officeDocument/2006/relationships" xmlns:p="http://schemas.openxmlformats.org/presentationml/2006/main" type="tx">
+<p:sldLayout xmlns:a="http://schemas.openxmlformats.org/drawingml/2006/main" xmlns:r="http://schemas.openxmlformats.org/officeDocument/2006/relationships" xmlns:p="http://schemas.openxmlformats.org/presentationml/2006/main" type="tx" showMasterSp="1" showMasterPhAnim="1">
   <p:cSld name="Заголовок раздела">
     <p:spTree>
       <p:nvGrpSpPr>
@@ -1180,9 +1145,7 @@
       <p:sp>
         <p:nvSpPr>
           <p:cNvPr id="29" name="Shape 29"/>
-          <p:cNvSpPr>
-            <a:spLocks noGrp="1"/>
-          </p:cNvSpPr>
+          <p:cNvSpPr/>
           <p:nvPr>
             <p:ph type="title"/>
           </p:nvPr>
@@ -1204,6 +1167,7 @@
             </a:lvl1pPr>
           </a:lstStyle>
           <a:p>
+            <a:pPr/>
             <a:r>
               <a:t>Title Text</a:t>
             </a:r>
@@ -1213,9 +1177,7 @@
       <p:sp>
         <p:nvSpPr>
           <p:cNvPr id="30" name="Shape 30"/>
-          <p:cNvSpPr>
-            <a:spLocks noGrp="1"/>
-          </p:cNvSpPr>
+          <p:cNvSpPr/>
           <p:nvPr>
             <p:ph type="body" sz="quarter" idx="1"/>
           </p:nvPr>
@@ -1284,6 +1246,7 @@
             </a:lvl5pPr>
           </a:lstStyle>
           <a:p>
+            <a:pPr/>
             <a:r>
               <a:t>Body Level One</a:t>
             </a:r>
@@ -1317,9 +1280,7 @@
       <p:sp>
         <p:nvSpPr>
           <p:cNvPr id="31" name="Shape 31"/>
-          <p:cNvSpPr>
-            <a:spLocks noGrp="1"/>
-          </p:cNvSpPr>
+          <p:cNvSpPr/>
           <p:nvPr>
             <p:ph type="sldNum" sz="quarter" idx="2"/>
           </p:nvPr>
@@ -1333,10 +1294,8 @@
           <a:bodyPr/>
           <a:lstStyle/>
           <a:p>
-            <a:fld id="{86CB4B4D-7CA3-9044-876B-883B54F8677D}" type="slidenum">
-              <a:t>‹#›</a:t>
-            </a:fld>
-            <a:endParaRPr/>
+            <a:pPr/>
+            <a:fld id="{86CB4B4D-7CA3-9044-876B-883B54F8677D}" type="slidenum"/>
           </a:p>
         </p:txBody>
       </p:sp>
@@ -1345,12 +1304,12 @@
   <p:clrMapOvr>
     <a:masterClrMapping/>
   </p:clrMapOvr>
-  <p:transition spd="med"/>
+  <p:transition xmlns:p14="http://schemas.microsoft.com/office/powerpoint/2010/main" spd="med" advClick="1"/>
 </p:sldLayout>
 </file>
 
 <file path=ppt/slideLayouts/slideLayout4.xml><?xml version="1.0" encoding="utf-8"?>
-<p:sldLayout xmlns:a="http://schemas.openxmlformats.org/drawingml/2006/main" xmlns:r="http://schemas.openxmlformats.org/officeDocument/2006/relationships" xmlns:p="http://schemas.openxmlformats.org/presentationml/2006/main" type="tx">
+<p:sldLayout xmlns:a="http://schemas.openxmlformats.org/drawingml/2006/main" xmlns:r="http://schemas.openxmlformats.org/officeDocument/2006/relationships" xmlns:p="http://schemas.openxmlformats.org/presentationml/2006/main" type="tx" showMasterSp="1" showMasterPhAnim="1">
   <p:cSld name="Два объекта">
     <p:spTree>
       <p:nvGrpSpPr>
@@ -1369,9 +1328,7 @@
       <p:sp>
         <p:nvSpPr>
           <p:cNvPr id="38" name="Shape 38"/>
-          <p:cNvSpPr>
-            <a:spLocks noGrp="1"/>
-          </p:cNvSpPr>
+          <p:cNvSpPr/>
           <p:nvPr>
             <p:ph type="title"/>
           </p:nvPr>
@@ -1385,6 +1342,7 @@
           <a:bodyPr/>
           <a:lstStyle/>
           <a:p>
+            <a:pPr/>
             <a:r>
               <a:t>Title Text</a:t>
             </a:r>
@@ -1394,9 +1352,7 @@
       <p:sp>
         <p:nvSpPr>
           <p:cNvPr id="39" name="Shape 39"/>
-          <p:cNvSpPr>
-            <a:spLocks noGrp="1"/>
-          </p:cNvSpPr>
+          <p:cNvSpPr/>
           <p:nvPr>
             <p:ph type="body" sz="half" idx="1"/>
           </p:nvPr>
@@ -1414,6 +1370,7 @@
           <a:bodyPr/>
           <a:lstStyle/>
           <a:p>
+            <a:pPr/>
             <a:r>
               <a:t>Body Level One</a:t>
             </a:r>
@@ -1447,9 +1404,7 @@
       <p:sp>
         <p:nvSpPr>
           <p:cNvPr id="40" name="Shape 40"/>
-          <p:cNvSpPr>
-            <a:spLocks noGrp="1"/>
-          </p:cNvSpPr>
+          <p:cNvSpPr/>
           <p:nvPr>
             <p:ph type="sldNum" sz="quarter" idx="2"/>
           </p:nvPr>
@@ -1463,10 +1418,8 @@
           <a:bodyPr/>
           <a:lstStyle/>
           <a:p>
-            <a:fld id="{86CB4B4D-7CA3-9044-876B-883B54F8677D}" type="slidenum">
-              <a:t>‹#›</a:t>
-            </a:fld>
-            <a:endParaRPr/>
+            <a:pPr/>
+            <a:fld id="{86CB4B4D-7CA3-9044-876B-883B54F8677D}" type="slidenum"/>
           </a:p>
         </p:txBody>
       </p:sp>
@@ -1475,12 +1428,12 @@
   <p:clrMapOvr>
     <a:masterClrMapping/>
   </p:clrMapOvr>
-  <p:transition spd="med"/>
+  <p:transition xmlns:p14="http://schemas.microsoft.com/office/powerpoint/2010/main" spd="med" advClick="1"/>
 </p:sldLayout>
 </file>
 
 <file path=ppt/slideLayouts/slideLayout5.xml><?xml version="1.0" encoding="utf-8"?>
-<p:sldLayout xmlns:a="http://schemas.openxmlformats.org/drawingml/2006/main" xmlns:r="http://schemas.openxmlformats.org/officeDocument/2006/relationships" xmlns:p="http://schemas.openxmlformats.org/presentationml/2006/main" type="tx">
+<p:sldLayout xmlns:a="http://schemas.openxmlformats.org/drawingml/2006/main" xmlns:r="http://schemas.openxmlformats.org/officeDocument/2006/relationships" xmlns:p="http://schemas.openxmlformats.org/presentationml/2006/main" type="tx" showMasterSp="1" showMasterPhAnim="1">
   <p:cSld name="Сравнение">
     <p:spTree>
       <p:nvGrpSpPr>
@@ -1499,9 +1452,7 @@
       <p:sp>
         <p:nvSpPr>
           <p:cNvPr id="47" name="Shape 47"/>
-          <p:cNvSpPr>
-            <a:spLocks noGrp="1"/>
-          </p:cNvSpPr>
+          <p:cNvSpPr/>
           <p:nvPr>
             <p:ph type="title"/>
           </p:nvPr>
@@ -1519,6 +1470,7 @@
           <a:bodyPr/>
           <a:lstStyle/>
           <a:p>
+            <a:pPr/>
             <a:r>
               <a:t>Title Text</a:t>
             </a:r>
@@ -1528,9 +1480,7 @@
       <p:sp>
         <p:nvSpPr>
           <p:cNvPr id="48" name="Shape 48"/>
-          <p:cNvSpPr>
-            <a:spLocks noGrp="1"/>
-          </p:cNvSpPr>
+          <p:cNvSpPr/>
           <p:nvPr>
             <p:ph type="body" sz="quarter" idx="1"/>
           </p:nvPr>
@@ -1551,34 +1501,35 @@
               <a:buSzTx/>
               <a:buFontTx/>
               <a:buNone/>
-              <a:defRPr sz="2400" b="1"/>
+              <a:defRPr b="1" sz="2400"/>
             </a:lvl1pPr>
             <a:lvl2pPr marL="0" indent="457200">
               <a:buSzTx/>
               <a:buFontTx/>
               <a:buNone/>
-              <a:defRPr sz="2400" b="1"/>
+              <a:defRPr b="1" sz="2400"/>
             </a:lvl2pPr>
             <a:lvl3pPr marL="0" indent="914400">
               <a:buSzTx/>
               <a:buFontTx/>
               <a:buNone/>
-              <a:defRPr sz="2400" b="1"/>
+              <a:defRPr b="1" sz="2400"/>
             </a:lvl3pPr>
             <a:lvl4pPr marL="0" indent="1371600">
               <a:buSzTx/>
               <a:buFontTx/>
               <a:buNone/>
-              <a:defRPr sz="2400" b="1"/>
+              <a:defRPr b="1" sz="2400"/>
             </a:lvl4pPr>
             <a:lvl5pPr marL="0" indent="1828800">
               <a:buSzTx/>
               <a:buFontTx/>
               <a:buNone/>
-              <a:defRPr sz="2400" b="1"/>
+              <a:defRPr b="1" sz="2400"/>
             </a:lvl5pPr>
           </a:lstStyle>
           <a:p>
+            <a:pPr/>
             <a:r>
               <a:t>Body Level One</a:t>
             </a:r>
@@ -1612,9 +1563,7 @@
       <p:sp>
         <p:nvSpPr>
           <p:cNvPr id="49" name="Shape 49"/>
-          <p:cNvSpPr>
-            <a:spLocks noGrp="1"/>
-          </p:cNvSpPr>
+          <p:cNvSpPr/>
           <p:nvPr>
             <p:ph type="body" sz="quarter" idx="13"/>
           </p:nvPr>
@@ -1636,18 +1585,15 @@
               <a:buSzTx/>
               <a:buFontTx/>
               <a:buNone/>
-              <a:defRPr sz="2400" b="1"/>
+              <a:defRPr b="1" sz="2400"/>
             </a:pPr>
-            <a:endParaRPr/>
           </a:p>
         </p:txBody>
       </p:sp>
       <p:sp>
         <p:nvSpPr>
           <p:cNvPr id="50" name="Shape 50"/>
-          <p:cNvSpPr>
-            <a:spLocks noGrp="1"/>
-          </p:cNvSpPr>
+          <p:cNvSpPr/>
           <p:nvPr>
             <p:ph type="sldNum" sz="quarter" idx="2"/>
           </p:nvPr>
@@ -1661,10 +1607,8 @@
           <a:bodyPr/>
           <a:lstStyle/>
           <a:p>
-            <a:fld id="{86CB4B4D-7CA3-9044-876B-883B54F8677D}" type="slidenum">
-              <a:t>‹#›</a:t>
-            </a:fld>
-            <a:endParaRPr/>
+            <a:pPr/>
+            <a:fld id="{86CB4B4D-7CA3-9044-876B-883B54F8677D}" type="slidenum"/>
           </a:p>
         </p:txBody>
       </p:sp>
@@ -1673,12 +1617,12 @@
   <p:clrMapOvr>
     <a:masterClrMapping/>
   </p:clrMapOvr>
-  <p:transition spd="med"/>
+  <p:transition xmlns:p14="http://schemas.microsoft.com/office/powerpoint/2010/main" spd="med" advClick="1"/>
 </p:sldLayout>
 </file>
 
 <file path=ppt/slideLayouts/slideLayout6.xml><?xml version="1.0" encoding="utf-8"?>
-<p:sldLayout xmlns:a="http://schemas.openxmlformats.org/drawingml/2006/main" xmlns:r="http://schemas.openxmlformats.org/officeDocument/2006/relationships" xmlns:p="http://schemas.openxmlformats.org/presentationml/2006/main" type="tx">
+<p:sldLayout xmlns:a="http://schemas.openxmlformats.org/drawingml/2006/main" xmlns:r="http://schemas.openxmlformats.org/officeDocument/2006/relationships" xmlns:p="http://schemas.openxmlformats.org/presentationml/2006/main" type="tx" showMasterSp="1" showMasterPhAnim="1">
   <p:cSld name="Только заголовок">
     <p:spTree>
       <p:nvGrpSpPr>
@@ -1697,9 +1641,7 @@
       <p:sp>
         <p:nvSpPr>
           <p:cNvPr id="57" name="Shape 57"/>
-          <p:cNvSpPr>
-            <a:spLocks noGrp="1"/>
-          </p:cNvSpPr>
+          <p:cNvSpPr/>
           <p:nvPr>
             <p:ph type="title"/>
           </p:nvPr>
@@ -1713,6 +1655,7 @@
           <a:bodyPr/>
           <a:lstStyle/>
           <a:p>
+            <a:pPr/>
             <a:r>
               <a:t>Title Text</a:t>
             </a:r>
@@ -1722,9 +1665,7 @@
       <p:sp>
         <p:nvSpPr>
           <p:cNvPr id="58" name="Shape 58"/>
-          <p:cNvSpPr>
-            <a:spLocks noGrp="1"/>
-          </p:cNvSpPr>
+          <p:cNvSpPr/>
           <p:nvPr>
             <p:ph type="sldNum" sz="quarter" idx="2"/>
           </p:nvPr>
@@ -1738,10 +1679,8 @@
           <a:bodyPr/>
           <a:lstStyle/>
           <a:p>
-            <a:fld id="{86CB4B4D-7CA3-9044-876B-883B54F8677D}" type="slidenum">
-              <a:t>‹#›</a:t>
-            </a:fld>
-            <a:endParaRPr/>
+            <a:pPr/>
+            <a:fld id="{86CB4B4D-7CA3-9044-876B-883B54F8677D}" type="slidenum"/>
           </a:p>
         </p:txBody>
       </p:sp>
@@ -1750,12 +1689,12 @@
   <p:clrMapOvr>
     <a:masterClrMapping/>
   </p:clrMapOvr>
-  <p:transition spd="med"/>
+  <p:transition xmlns:p14="http://schemas.microsoft.com/office/powerpoint/2010/main" spd="med" advClick="1"/>
 </p:sldLayout>
 </file>
 
 <file path=ppt/slideLayouts/slideLayout7.xml><?xml version="1.0" encoding="utf-8"?>
-<p:sldLayout xmlns:a="http://schemas.openxmlformats.org/drawingml/2006/main" xmlns:r="http://schemas.openxmlformats.org/officeDocument/2006/relationships" xmlns:p="http://schemas.openxmlformats.org/presentationml/2006/main" type="tx">
+<p:sldLayout xmlns:a="http://schemas.openxmlformats.org/drawingml/2006/main" xmlns:r="http://schemas.openxmlformats.org/officeDocument/2006/relationships" xmlns:p="http://schemas.openxmlformats.org/presentationml/2006/main" type="tx" showMasterSp="1" showMasterPhAnim="1">
   <p:cSld name="Пустой слайд">
     <p:spTree>
       <p:nvGrpSpPr>
@@ -1774,9 +1713,7 @@
       <p:sp>
         <p:nvSpPr>
           <p:cNvPr id="65" name="Shape 65"/>
-          <p:cNvSpPr>
-            <a:spLocks noGrp="1"/>
-          </p:cNvSpPr>
+          <p:cNvSpPr/>
           <p:nvPr>
             <p:ph type="sldNum" sz="quarter" idx="2"/>
           </p:nvPr>
@@ -1790,10 +1727,8 @@
           <a:bodyPr/>
           <a:lstStyle/>
           <a:p>
-            <a:fld id="{86CB4B4D-7CA3-9044-876B-883B54F8677D}" type="slidenum">
-              <a:t>‹#›</a:t>
-            </a:fld>
-            <a:endParaRPr/>
+            <a:pPr/>
+            <a:fld id="{86CB4B4D-7CA3-9044-876B-883B54F8677D}" type="slidenum"/>
           </a:p>
         </p:txBody>
       </p:sp>
@@ -1802,12 +1737,12 @@
   <p:clrMapOvr>
     <a:masterClrMapping/>
   </p:clrMapOvr>
-  <p:transition spd="med"/>
+  <p:transition xmlns:p14="http://schemas.microsoft.com/office/powerpoint/2010/main" spd="med" advClick="1"/>
 </p:sldLayout>
 </file>
 
 <file path=ppt/slideLayouts/slideLayout8.xml><?xml version="1.0" encoding="utf-8"?>
-<p:sldLayout xmlns:a="http://schemas.openxmlformats.org/drawingml/2006/main" xmlns:r="http://schemas.openxmlformats.org/officeDocument/2006/relationships" xmlns:p="http://schemas.openxmlformats.org/presentationml/2006/main" type="tx">
+<p:sldLayout xmlns:a="http://schemas.openxmlformats.org/drawingml/2006/main" xmlns:r="http://schemas.openxmlformats.org/officeDocument/2006/relationships" xmlns:p="http://schemas.openxmlformats.org/presentationml/2006/main" type="tx" showMasterSp="1" showMasterPhAnim="1">
   <p:cSld name="Объект с подписью">
     <p:spTree>
       <p:nvGrpSpPr>
@@ -1826,9 +1761,7 @@
       <p:sp>
         <p:nvSpPr>
           <p:cNvPr id="72" name="Shape 72"/>
-          <p:cNvSpPr>
-            <a:spLocks noGrp="1"/>
-          </p:cNvSpPr>
+          <p:cNvSpPr/>
           <p:nvPr>
             <p:ph type="title"/>
           </p:nvPr>
@@ -1850,6 +1783,7 @@
             </a:lvl1pPr>
           </a:lstStyle>
           <a:p>
+            <a:pPr/>
             <a:r>
               <a:t>Title Text</a:t>
             </a:r>
@@ -1859,9 +1793,7 @@
       <p:sp>
         <p:nvSpPr>
           <p:cNvPr id="73" name="Shape 73"/>
-          <p:cNvSpPr>
-            <a:spLocks noGrp="1"/>
-          </p:cNvSpPr>
+          <p:cNvSpPr/>
           <p:nvPr>
             <p:ph type="body" sz="half" idx="1"/>
           </p:nvPr>
@@ -1895,6 +1827,7 @@
             </a:lvl5pPr>
           </a:lstStyle>
           <a:p>
+            <a:pPr/>
             <a:r>
               <a:t>Body Level One</a:t>
             </a:r>
@@ -1928,9 +1861,7 @@
       <p:sp>
         <p:nvSpPr>
           <p:cNvPr id="74" name="Shape 74"/>
-          <p:cNvSpPr>
-            <a:spLocks noGrp="1"/>
-          </p:cNvSpPr>
+          <p:cNvSpPr/>
           <p:nvPr>
             <p:ph type="body" sz="quarter" idx="13"/>
           </p:nvPr>
@@ -1954,16 +1885,13 @@
               <a:buNone/>
               <a:defRPr sz="1600"/>
             </a:pPr>
-            <a:endParaRPr/>
           </a:p>
         </p:txBody>
       </p:sp>
       <p:sp>
         <p:nvSpPr>
           <p:cNvPr id="75" name="Shape 75"/>
-          <p:cNvSpPr>
-            <a:spLocks noGrp="1"/>
-          </p:cNvSpPr>
+          <p:cNvSpPr/>
           <p:nvPr>
             <p:ph type="sldNum" sz="quarter" idx="2"/>
           </p:nvPr>
@@ -1977,10 +1905,8 @@
           <a:bodyPr/>
           <a:lstStyle/>
           <a:p>
-            <a:fld id="{86CB4B4D-7CA3-9044-876B-883B54F8677D}" type="slidenum">
-              <a:t>‹#›</a:t>
-            </a:fld>
-            <a:endParaRPr/>
+            <a:pPr/>
+            <a:fld id="{86CB4B4D-7CA3-9044-876B-883B54F8677D}" type="slidenum"/>
           </a:p>
         </p:txBody>
       </p:sp>
@@ -1989,12 +1915,12 @@
   <p:clrMapOvr>
     <a:masterClrMapping/>
   </p:clrMapOvr>
-  <p:transition spd="med"/>
+  <p:transition xmlns:p14="http://schemas.microsoft.com/office/powerpoint/2010/main" spd="med" advClick="1"/>
 </p:sldLayout>
 </file>
 
 <file path=ppt/slideLayouts/slideLayout9.xml><?xml version="1.0" encoding="utf-8"?>
-<p:sldLayout xmlns:a="http://schemas.openxmlformats.org/drawingml/2006/main" xmlns:r="http://schemas.openxmlformats.org/officeDocument/2006/relationships" xmlns:p="http://schemas.openxmlformats.org/presentationml/2006/main" type="tx">
+<p:sldLayout xmlns:a="http://schemas.openxmlformats.org/drawingml/2006/main" xmlns:r="http://schemas.openxmlformats.org/officeDocument/2006/relationships" xmlns:p="http://schemas.openxmlformats.org/presentationml/2006/main" type="tx" showMasterSp="1" showMasterPhAnim="1">
   <p:cSld name="Рисунок с подписью">
     <p:spTree>
       <p:nvGrpSpPr>
@@ -2013,9 +1939,7 @@
       <p:sp>
         <p:nvSpPr>
           <p:cNvPr id="82" name="Shape 82"/>
-          <p:cNvSpPr>
-            <a:spLocks noGrp="1"/>
-          </p:cNvSpPr>
+          <p:cNvSpPr/>
           <p:nvPr>
             <p:ph type="title"/>
           </p:nvPr>
@@ -2037,6 +1961,7 @@
             </a:lvl1pPr>
           </a:lstStyle>
           <a:p>
+            <a:pPr/>
             <a:r>
               <a:t>Title Text</a:t>
             </a:r>
@@ -2046,9 +1971,7 @@
       <p:sp>
         <p:nvSpPr>
           <p:cNvPr id="83" name="Shape 83"/>
-          <p:cNvSpPr>
-            <a:spLocks noGrp="1"/>
-          </p:cNvSpPr>
+          <p:cNvSpPr/>
           <p:nvPr>
             <p:ph type="pic" sz="half" idx="13"/>
           </p:nvPr>
@@ -2068,16 +1991,14 @@
           </a:bodyPr>
           <a:lstStyle/>
           <a:p>
-            <a:endParaRPr/>
+            <a:pPr/>
           </a:p>
         </p:txBody>
       </p:sp>
       <p:sp>
         <p:nvSpPr>
           <p:cNvPr id="84" name="Shape 84"/>
-          <p:cNvSpPr>
-            <a:spLocks noGrp="1"/>
-          </p:cNvSpPr>
+          <p:cNvSpPr/>
           <p:nvPr>
             <p:ph type="body" sz="quarter" idx="1"/>
           </p:nvPr>
@@ -2126,6 +2047,7 @@
             </a:lvl5pPr>
           </a:lstStyle>
           <a:p>
+            <a:pPr/>
             <a:r>
               <a:t>Body Level One</a:t>
             </a:r>
@@ -2159,9 +2081,7 @@
       <p:sp>
         <p:nvSpPr>
           <p:cNvPr id="85" name="Shape 85"/>
-          <p:cNvSpPr>
-            <a:spLocks noGrp="1"/>
-          </p:cNvSpPr>
+          <p:cNvSpPr/>
           <p:nvPr>
             <p:ph type="sldNum" sz="quarter" idx="2"/>
           </p:nvPr>
@@ -2175,10 +2095,8 @@
           <a:bodyPr/>
           <a:lstStyle/>
           <a:p>
-            <a:fld id="{86CB4B4D-7CA3-9044-876B-883B54F8677D}" type="slidenum">
-              <a:t>‹#›</a:t>
-            </a:fld>
-            <a:endParaRPr/>
+            <a:pPr/>
+            <a:fld id="{86CB4B4D-7CA3-9044-876B-883B54F8677D}" type="slidenum"/>
           </a:p>
         </p:txBody>
       </p:sp>
@@ -2187,7 +2105,7 @@
   <p:clrMapOvr>
     <a:masterClrMapping/>
   </p:clrMapOvr>
-  <p:transition spd="med"/>
+  <p:transition xmlns:p14="http://schemas.microsoft.com/office/powerpoint/2010/main" spd="med" advClick="1"/>
 </p:sldLayout>
 </file>
 
@@ -2199,7 +2117,6 @@
         <a:solidFill>
           <a:srgbClr val="FFFFFF"/>
         </a:solidFill>
-        <a:effectLst/>
       </p:bgPr>
     </p:bg>
     <p:spTree>
@@ -2219,9 +2136,7 @@
       <p:sp>
         <p:nvSpPr>
           <p:cNvPr id="2" name="Shape 2"/>
-          <p:cNvSpPr>
-            <a:spLocks noGrp="1"/>
-          </p:cNvSpPr>
+          <p:cNvSpPr/>
           <p:nvPr>
             <p:ph type="title"/>
           </p:nvPr>
@@ -2239,16 +2154,17 @@
           </a:ln>
           <a:extLst>
             <a:ext uri="{C572A759-6A51-4108-AA02-DFA0A04FC94B}">
-              <ma14:wrappingTextBoxFlag xmlns:ma14="http://schemas.microsoft.com/office/mac/drawingml/2011/main" xmlns="" val="1"/>
+              <ma14:wrappingTextBoxFlag xmlns:ma14="http://schemas.microsoft.com/office/mac/drawingml/2011/main" val="1"/>
             </a:ext>
           </a:extLst>
         </p:spPr>
         <p:txBody>
           <a:bodyPr lIns="45719" rIns="45719" anchor="ctr">
-            <a:normAutofit/>
+            <a:normAutofit fontScale="100000" lnSpcReduction="0"/>
           </a:bodyPr>
           <a:lstStyle/>
           <a:p>
+            <a:pPr/>
             <a:r>
               <a:t>Title Text</a:t>
             </a:r>
@@ -2258,9 +2174,7 @@
       <p:sp>
         <p:nvSpPr>
           <p:cNvPr id="3" name="Shape 3"/>
-          <p:cNvSpPr>
-            <a:spLocks noGrp="1"/>
-          </p:cNvSpPr>
+          <p:cNvSpPr/>
           <p:nvPr>
             <p:ph type="body" idx="1"/>
           </p:nvPr>
@@ -2278,16 +2192,17 @@
           </a:ln>
           <a:extLst>
             <a:ext uri="{C572A759-6A51-4108-AA02-DFA0A04FC94B}">
-              <ma14:wrappingTextBoxFlag xmlns:ma14="http://schemas.microsoft.com/office/mac/drawingml/2011/main" xmlns="" val="1"/>
+              <ma14:wrappingTextBoxFlag xmlns:ma14="http://schemas.microsoft.com/office/mac/drawingml/2011/main" val="1"/>
             </a:ext>
           </a:extLst>
         </p:spPr>
         <p:txBody>
           <a:bodyPr lIns="45719" rIns="45719">
-            <a:normAutofit/>
+            <a:normAutofit fontScale="100000" lnSpcReduction="0"/>
           </a:bodyPr>
           <a:lstStyle/>
           <a:p>
+            <a:pPr/>
             <a:r>
               <a:t>Body Level One</a:t>
             </a:r>
@@ -2321,9 +2236,7 @@
       <p:sp>
         <p:nvSpPr>
           <p:cNvPr id="4" name="Shape 4"/>
-          <p:cNvSpPr>
-            <a:spLocks noGrp="1"/>
-          </p:cNvSpPr>
+          <p:cNvSpPr/>
           <p:nvPr>
             <p:ph type="sldNum" sz="quarter" idx="2"/>
           </p:nvPr>
@@ -2354,10 +2267,8 @@
             </a:lvl1pPr>
           </a:lstStyle>
           <a:p>
-            <a:fld id="{86CB4B4D-7CA3-9044-876B-883B54F8677D}" type="slidenum">
-              <a:t>‹#›</a:t>
-            </a:fld>
-            <a:endParaRPr/>
+            <a:pPr/>
+            <a:fld id="{86CB4B4D-7CA3-9044-876B-883B54F8677D}" type="slidenum"/>
           </a:p>
         </p:txBody>
       </p:sp>
@@ -2365,20 +2276,20 @@
   </p:cSld>
   <p:clrMap bg1="lt1" tx1="dk1" bg2="lt2" tx2="dk2" accent1="accent1" accent2="accent2" accent3="accent3" accent4="accent4" accent5="accent5" accent6="accent6" hlink="hlink" folHlink="folHlink"/>
   <p:sldLayoutIdLst>
-    <p:sldLayoutId id="2147483649" r:id="rId1"/>
-    <p:sldLayoutId id="2147483650" r:id="rId2"/>
-    <p:sldLayoutId id="2147483651" r:id="rId3"/>
-    <p:sldLayoutId id="2147483652" r:id="rId4"/>
-    <p:sldLayoutId id="2147483653" r:id="rId5"/>
-    <p:sldLayoutId id="2147483654" r:id="rId6"/>
-    <p:sldLayoutId id="2147483655" r:id="rId7"/>
-    <p:sldLayoutId id="2147483656" r:id="rId8"/>
-    <p:sldLayoutId id="2147483657" r:id="rId9"/>
-    <p:sldLayoutId id="2147483658" r:id="rId10"/>
-    <p:sldLayoutId id="2147483659" r:id="rId11"/>
-    <p:sldLayoutId id="2147483660" r:id="rId12"/>
+    <p:sldLayoutId id="2147483649" r:id="rId2"/>
+    <p:sldLayoutId id="2147483650" r:id="rId3"/>
+    <p:sldLayoutId id="2147483651" r:id="rId4"/>
+    <p:sldLayoutId id="2147483652" r:id="rId5"/>
+    <p:sldLayoutId id="2147483653" r:id="rId6"/>
+    <p:sldLayoutId id="2147483654" r:id="rId7"/>
+    <p:sldLayoutId id="2147483655" r:id="rId8"/>
+    <p:sldLayoutId id="2147483656" r:id="rId9"/>
+    <p:sldLayoutId id="2147483657" r:id="rId10"/>
+    <p:sldLayoutId id="2147483658" r:id="rId11"/>
+    <p:sldLayoutId id="2147483659" r:id="rId12"/>
+    <p:sldLayoutId id="2147483660" r:id="rId13"/>
   </p:sldLayoutIdLst>
-  <p:transition spd="med"/>
+  <p:transition xmlns:p14="http://schemas.microsoft.com/office/powerpoint/2010/main" spd="med" advClick="1"/>
   <p:txStyles>
     <p:titleStyle>
       <a:lvl1pPr marL="0" marR="0" indent="0" algn="l" defTabSz="914400" rtl="0" latinLnBrk="0">
@@ -2396,7 +2307,7 @@
         <a:buFontTx/>
         <a:buNone/>
         <a:tabLst/>
-        <a:defRPr sz="4400" b="0" i="0" u="none" strike="noStrike" cap="none" spc="0" baseline="0">
+        <a:defRPr b="0" baseline="0" cap="none" i="0" spc="0" strike="noStrike" sz="4400" u="none">
           <a:ln>
             <a:noFill/>
           </a:ln>
@@ -2425,7 +2336,7 @@
         <a:buFontTx/>
         <a:buNone/>
         <a:tabLst/>
-        <a:defRPr sz="4400" b="0" i="0" u="none" strike="noStrike" cap="none" spc="0" baseline="0">
+        <a:defRPr b="0" baseline="0" cap="none" i="0" spc="0" strike="noStrike" sz="4400" u="none">
           <a:ln>
             <a:noFill/>
           </a:ln>
@@ -2454,7 +2365,7 @@
         <a:buFontTx/>
         <a:buNone/>
         <a:tabLst/>
-        <a:defRPr sz="4400" b="0" i="0" u="none" strike="noStrike" cap="none" spc="0" baseline="0">
+        <a:defRPr b="0" baseline="0" cap="none" i="0" spc="0" strike="noStrike" sz="4400" u="none">
           <a:ln>
             <a:noFill/>
           </a:ln>
@@ -2483,7 +2394,7 @@
         <a:buFontTx/>
         <a:buNone/>
         <a:tabLst/>
-        <a:defRPr sz="4400" b="0" i="0" u="none" strike="noStrike" cap="none" spc="0" baseline="0">
+        <a:defRPr b="0" baseline="0" cap="none" i="0" spc="0" strike="noStrike" sz="4400" u="none">
           <a:ln>
             <a:noFill/>
           </a:ln>
@@ -2512,7 +2423,7 @@
         <a:buFontTx/>
         <a:buNone/>
         <a:tabLst/>
-        <a:defRPr sz="4400" b="0" i="0" u="none" strike="noStrike" cap="none" spc="0" baseline="0">
+        <a:defRPr b="0" baseline="0" cap="none" i="0" spc="0" strike="noStrike" sz="4400" u="none">
           <a:ln>
             <a:noFill/>
           </a:ln>
@@ -2541,7 +2452,7 @@
         <a:buFontTx/>
         <a:buNone/>
         <a:tabLst/>
-        <a:defRPr sz="4400" b="0" i="0" u="none" strike="noStrike" cap="none" spc="0" baseline="0">
+        <a:defRPr b="0" baseline="0" cap="none" i="0" spc="0" strike="noStrike" sz="4400" u="none">
           <a:ln>
             <a:noFill/>
           </a:ln>
@@ -2570,7 +2481,7 @@
         <a:buFontTx/>
         <a:buNone/>
         <a:tabLst/>
-        <a:defRPr sz="4400" b="0" i="0" u="none" strike="noStrike" cap="none" spc="0" baseline="0">
+        <a:defRPr b="0" baseline="0" cap="none" i="0" spc="0" strike="noStrike" sz="4400" u="none">
           <a:ln>
             <a:noFill/>
           </a:ln>
@@ -2599,7 +2510,7 @@
         <a:buFontTx/>
         <a:buNone/>
         <a:tabLst/>
-        <a:defRPr sz="4400" b="0" i="0" u="none" strike="noStrike" cap="none" spc="0" baseline="0">
+        <a:defRPr b="0" baseline="0" cap="none" i="0" spc="0" strike="noStrike" sz="4400" u="none">
           <a:ln>
             <a:noFill/>
           </a:ln>
@@ -2628,7 +2539,7 @@
         <a:buFontTx/>
         <a:buNone/>
         <a:tabLst/>
-        <a:defRPr sz="4400" b="0" i="0" u="none" strike="noStrike" cap="none" spc="0" baseline="0">
+        <a:defRPr b="0" baseline="0" cap="none" i="0" spc="0" strike="noStrike" sz="4400" u="none">
           <a:ln>
             <a:noFill/>
           </a:ln>
@@ -2659,7 +2570,7 @@
         <a:buFont typeface="Arial"/>
         <a:buChar char="•"/>
         <a:tabLst/>
-        <a:defRPr sz="2800" b="0" i="0" u="none" strike="noStrike" cap="none" spc="0" baseline="0">
+        <a:defRPr b="0" baseline="0" cap="none" i="0" spc="0" strike="noStrike" sz="2800" u="none">
           <a:ln>
             <a:noFill/>
           </a:ln>
@@ -2688,7 +2599,7 @@
         <a:buFont typeface="Arial"/>
         <a:buChar char="•"/>
         <a:tabLst/>
-        <a:defRPr sz="2800" b="0" i="0" u="none" strike="noStrike" cap="none" spc="0" baseline="0">
+        <a:defRPr b="0" baseline="0" cap="none" i="0" spc="0" strike="noStrike" sz="2800" u="none">
           <a:ln>
             <a:noFill/>
           </a:ln>
@@ -2717,7 +2628,7 @@
         <a:buFont typeface="Arial"/>
         <a:buChar char="•"/>
         <a:tabLst/>
-        <a:defRPr sz="2800" b="0" i="0" u="none" strike="noStrike" cap="none" spc="0" baseline="0">
+        <a:defRPr b="0" baseline="0" cap="none" i="0" spc="0" strike="noStrike" sz="2800" u="none">
           <a:ln>
             <a:noFill/>
           </a:ln>
@@ -2746,7 +2657,7 @@
         <a:buFont typeface="Arial"/>
         <a:buChar char="•"/>
         <a:tabLst/>
-        <a:defRPr sz="2800" b="0" i="0" u="none" strike="noStrike" cap="none" spc="0" baseline="0">
+        <a:defRPr b="0" baseline="0" cap="none" i="0" spc="0" strike="noStrike" sz="2800" u="none">
           <a:ln>
             <a:noFill/>
           </a:ln>
@@ -2775,7 +2686,7 @@
         <a:buFont typeface="Arial"/>
         <a:buChar char="•"/>
         <a:tabLst/>
-        <a:defRPr sz="2800" b="0" i="0" u="none" strike="noStrike" cap="none" spc="0" baseline="0">
+        <a:defRPr b="0" baseline="0" cap="none" i="0" spc="0" strike="noStrike" sz="2800" u="none">
           <a:ln>
             <a:noFill/>
           </a:ln>
@@ -2804,7 +2715,7 @@
         <a:buFont typeface="Arial"/>
         <a:buChar char="•"/>
         <a:tabLst/>
-        <a:defRPr sz="2800" b="0" i="0" u="none" strike="noStrike" cap="none" spc="0" baseline="0">
+        <a:defRPr b="0" baseline="0" cap="none" i="0" spc="0" strike="noStrike" sz="2800" u="none">
           <a:ln>
             <a:noFill/>
           </a:ln>
@@ -2833,7 +2744,7 @@
         <a:buFont typeface="Arial"/>
         <a:buChar char="•"/>
         <a:tabLst/>
-        <a:defRPr sz="2800" b="0" i="0" u="none" strike="noStrike" cap="none" spc="0" baseline="0">
+        <a:defRPr b="0" baseline="0" cap="none" i="0" spc="0" strike="noStrike" sz="2800" u="none">
           <a:ln>
             <a:noFill/>
           </a:ln>
@@ -2862,7 +2773,7 @@
         <a:buFont typeface="Arial"/>
         <a:buChar char="•"/>
         <a:tabLst/>
-        <a:defRPr sz="2800" b="0" i="0" u="none" strike="noStrike" cap="none" spc="0" baseline="0">
+        <a:defRPr b="0" baseline="0" cap="none" i="0" spc="0" strike="noStrike" sz="2800" u="none">
           <a:ln>
             <a:noFill/>
           </a:ln>
@@ -2891,7 +2802,7 @@
         <a:buFont typeface="Arial"/>
         <a:buChar char="•"/>
         <a:tabLst/>
-        <a:defRPr sz="2800" b="0" i="0" u="none" strike="noStrike" cap="none" spc="0" baseline="0">
+        <a:defRPr b="0" baseline="0" cap="none" i="0" spc="0" strike="noStrike" sz="2800" u="none">
           <a:ln>
             <a:noFill/>
           </a:ln>
@@ -2922,7 +2833,7 @@
         <a:buFontTx/>
         <a:buNone/>
         <a:tabLst/>
-        <a:defRPr sz="1200" b="0" i="0" u="none" strike="noStrike" cap="none" spc="0" baseline="0">
+        <a:defRPr b="0" baseline="0" cap="none" i="0" spc="0" strike="noStrike" sz="1200" u="none">
           <a:ln>
             <a:noFill/>
           </a:ln>
@@ -2951,7 +2862,7 @@
         <a:buFontTx/>
         <a:buNone/>
         <a:tabLst/>
-        <a:defRPr sz="1200" b="0" i="0" u="none" strike="noStrike" cap="none" spc="0" baseline="0">
+        <a:defRPr b="0" baseline="0" cap="none" i="0" spc="0" strike="noStrike" sz="1200" u="none">
           <a:ln>
             <a:noFill/>
           </a:ln>
@@ -2980,7 +2891,7 @@
         <a:buFontTx/>
         <a:buNone/>
         <a:tabLst/>
-        <a:defRPr sz="1200" b="0" i="0" u="none" strike="noStrike" cap="none" spc="0" baseline="0">
+        <a:defRPr b="0" baseline="0" cap="none" i="0" spc="0" strike="noStrike" sz="1200" u="none">
           <a:ln>
             <a:noFill/>
           </a:ln>
@@ -3009,7 +2920,7 @@
         <a:buFontTx/>
         <a:buNone/>
         <a:tabLst/>
-        <a:defRPr sz="1200" b="0" i="0" u="none" strike="noStrike" cap="none" spc="0" baseline="0">
+        <a:defRPr b="0" baseline="0" cap="none" i="0" spc="0" strike="noStrike" sz="1200" u="none">
           <a:ln>
             <a:noFill/>
           </a:ln>
@@ -3038,7 +2949,7 @@
         <a:buFontTx/>
         <a:buNone/>
         <a:tabLst/>
-        <a:defRPr sz="1200" b="0" i="0" u="none" strike="noStrike" cap="none" spc="0" baseline="0">
+        <a:defRPr b="0" baseline="0" cap="none" i="0" spc="0" strike="noStrike" sz="1200" u="none">
           <a:ln>
             <a:noFill/>
           </a:ln>
@@ -3067,7 +2978,7 @@
         <a:buFontTx/>
         <a:buNone/>
         <a:tabLst/>
-        <a:defRPr sz="1200" b="0" i="0" u="none" strike="noStrike" cap="none" spc="0" baseline="0">
+        <a:defRPr b="0" baseline="0" cap="none" i="0" spc="0" strike="noStrike" sz="1200" u="none">
           <a:ln>
             <a:noFill/>
           </a:ln>
@@ -3096,7 +3007,7 @@
         <a:buFontTx/>
         <a:buNone/>
         <a:tabLst/>
-        <a:defRPr sz="1200" b="0" i="0" u="none" strike="noStrike" cap="none" spc="0" baseline="0">
+        <a:defRPr b="0" baseline="0" cap="none" i="0" spc="0" strike="noStrike" sz="1200" u="none">
           <a:ln>
             <a:noFill/>
           </a:ln>
@@ -3125,7 +3036,7 @@
         <a:buFontTx/>
         <a:buNone/>
         <a:tabLst/>
-        <a:defRPr sz="1200" b="0" i="0" u="none" strike="noStrike" cap="none" spc="0" baseline="0">
+        <a:defRPr b="0" baseline="0" cap="none" i="0" spc="0" strike="noStrike" sz="1200" u="none">
           <a:ln>
             <a:noFill/>
           </a:ln>
@@ -3154,7 +3065,7 @@
         <a:buFontTx/>
         <a:buNone/>
         <a:tabLst/>
-        <a:defRPr sz="1200" b="0" i="0" u="none" strike="noStrike" cap="none" spc="0" baseline="0">
+        <a:defRPr b="0" baseline="0" cap="none" i="0" spc="0" strike="noStrike" sz="1200" u="none">
           <a:ln>
             <a:noFill/>
           </a:ln>
@@ -3174,7 +3085,7 @@
 </file>
 
 <file path=ppt/slides/slide1.xml><?xml version="1.0" encoding="utf-8"?>
-<p:sld xmlns:a="http://schemas.openxmlformats.org/drawingml/2006/main" xmlns:r="http://schemas.openxmlformats.org/officeDocument/2006/relationships" xmlns:p="http://schemas.openxmlformats.org/presentationml/2006/main">
+<p:sld xmlns:a="http://schemas.openxmlformats.org/drawingml/2006/main" xmlns:r="http://schemas.openxmlformats.org/officeDocument/2006/relationships" xmlns:p="http://schemas.openxmlformats.org/presentationml/2006/main" showMasterSp="1" showMasterPhAnim="1">
   <p:cSld>
     <p:spTree>
       <p:nvGrpSpPr>
@@ -3193,9 +3104,7 @@
       <p:sp>
         <p:nvSpPr>
           <p:cNvPr id="121" name="Shape 121"/>
-          <p:cNvSpPr>
-            <a:spLocks noGrp="1"/>
-          </p:cNvSpPr>
+          <p:cNvSpPr/>
           <p:nvPr>
             <p:ph type="ctrTitle"/>
           </p:nvPr>
@@ -3209,34 +3118,10 @@
           <a:bodyPr/>
           <a:lstStyle/>
           <a:p>
-            <a:r>
-              <a:rPr dirty="0" err="1"/>
-              <a:t>Системы</a:t>
-            </a:r>
-            <a:r>
-              <a:rPr dirty="0"/>
-              <a:t> </a:t>
-            </a:r>
-            <a:r>
-              <a:rPr dirty="0" err="1"/>
-              <a:t>контроля</a:t>
-            </a:r>
-            <a:r>
-              <a:rPr dirty="0"/>
-              <a:t> </a:t>
-            </a:r>
-            <a:r>
-              <a:rPr dirty="0" err="1"/>
-              <a:t>версий</a:t>
-            </a:r>
-            <a:br>
-              <a:rPr lang="en-US" dirty="0"/>
-            </a:br>
-            <a:r>
-              <a:rPr lang="ru-RU"/>
-              <a:t>проверка</a:t>
-            </a:r>
-            <a:endParaRPr dirty="0"/>
+            <a:pPr/>
+            <a:r>
+              <a:t>Системы контроля версий</a:t>
+            </a:r>
           </a:p>
         </p:txBody>
       </p:sp>
@@ -3245,12 +3130,12 @@
   <p:clrMapOvr>
     <a:masterClrMapping/>
   </p:clrMapOvr>
-  <p:transition spd="med"/>
+  <p:transition xmlns:p14="http://schemas.microsoft.com/office/powerpoint/2010/main" spd="med" advClick="1"/>
 </p:sld>
 </file>
 
 <file path=ppt/slides/slide10.xml><?xml version="1.0" encoding="utf-8"?>
-<p:sld xmlns:a="http://schemas.openxmlformats.org/drawingml/2006/main" xmlns:r="http://schemas.openxmlformats.org/officeDocument/2006/relationships" xmlns:p="http://schemas.openxmlformats.org/presentationml/2006/main">
+<p:sld xmlns:a="http://schemas.openxmlformats.org/drawingml/2006/main" xmlns:r="http://schemas.openxmlformats.org/officeDocument/2006/relationships" xmlns:p="http://schemas.openxmlformats.org/presentationml/2006/main" showMasterSp="1" showMasterPhAnim="1">
   <p:cSld>
     <p:spTree>
       <p:nvGrpSpPr>
@@ -3269,9 +3154,7 @@
       <p:sp>
         <p:nvSpPr>
           <p:cNvPr id="148" name="Shape 148"/>
-          <p:cNvSpPr>
-            <a:spLocks noGrp="1"/>
-          </p:cNvSpPr>
+          <p:cNvSpPr/>
           <p:nvPr>
             <p:ph type="title"/>
           </p:nvPr>
@@ -3287,6 +3170,7 @@
             <a:lvl1pPr algn="ctr"/>
           </a:lstStyle>
           <a:p>
+            <a:pPr/>
             <a:r>
               <a:t>Хостинги</a:t>
             </a:r>
@@ -3296,9 +3180,7 @@
       <p:sp>
         <p:nvSpPr>
           <p:cNvPr id="149" name="Shape 149"/>
-          <p:cNvSpPr>
-            <a:spLocks noGrp="1"/>
-          </p:cNvSpPr>
+          <p:cNvSpPr/>
           <p:nvPr>
             <p:ph type="body" idx="1"/>
           </p:nvPr>
@@ -3317,15 +3199,20 @@
               <a:buNone/>
             </a:pPr>
             <a:r>
-              <a:t>Наиболее популярные хостинги для гита:</a:t>
-            </a:r>
-          </a:p>
-          <a:p>
+              <a:t>Наиболее популярные хостинги для гита</a:t>
+            </a:r>
+            <a:r>
+              <a:t>:</a:t>
+            </a:r>
+          </a:p>
+          <a:p>
+            <a:pPr/>
             <a:r>
               <a:t>github</a:t>
             </a:r>
           </a:p>
           <a:p>
+            <a:pPr/>
             <a:r>
               <a:t>bitBucket</a:t>
             </a:r>
@@ -3337,12 +3224,12 @@
   <p:clrMapOvr>
     <a:masterClrMapping/>
   </p:clrMapOvr>
-  <p:transition spd="slow"/>
+  <p:transition xmlns:p14="http://schemas.microsoft.com/office/powerpoint/2010/main" spd="med" advClick="1" p14:dur="1000"/>
 </p:sld>
 </file>
 
 <file path=ppt/slides/slide11.xml><?xml version="1.0" encoding="utf-8"?>
-<p:sld xmlns:a="http://schemas.openxmlformats.org/drawingml/2006/main" xmlns:r="http://schemas.openxmlformats.org/officeDocument/2006/relationships" xmlns:p="http://schemas.openxmlformats.org/presentationml/2006/main">
+<p:sld xmlns:a="http://schemas.openxmlformats.org/drawingml/2006/main" xmlns:r="http://schemas.openxmlformats.org/officeDocument/2006/relationships" xmlns:p="http://schemas.openxmlformats.org/presentationml/2006/main" showMasterSp="1" showMasterPhAnim="1">
   <p:cSld>
     <p:spTree>
       <p:nvGrpSpPr>
@@ -3361,9 +3248,7 @@
       <p:sp>
         <p:nvSpPr>
           <p:cNvPr id="151" name="Shape 151"/>
-          <p:cNvSpPr>
-            <a:spLocks noGrp="1"/>
-          </p:cNvSpPr>
+          <p:cNvSpPr/>
           <p:nvPr>
             <p:ph type="title"/>
           </p:nvPr>
@@ -3379,6 +3264,7 @@
             <a:lvl1pPr algn="ctr"/>
           </a:lstStyle>
           <a:p>
+            <a:pPr/>
             <a:r>
               <a:t>Полезные ссылки</a:t>
             </a:r>
@@ -3388,9 +3274,7 @@
       <p:sp>
         <p:nvSpPr>
           <p:cNvPr id="152" name="Shape 152"/>
-          <p:cNvSpPr>
-            <a:spLocks noGrp="1"/>
-          </p:cNvSpPr>
+          <p:cNvSpPr/>
           <p:nvPr>
             <p:ph type="body" idx="1"/>
           </p:nvPr>
@@ -3404,6 +3288,7 @@
           <a:bodyPr/>
           <a:lstStyle/>
           <a:p>
+            <a:pPr/>
             <a:r>
               <a:rPr u="sng">
                 <a:solidFill>
@@ -3414,7 +3299,7 @@
                     <a:srgbClr val="0563C1"/>
                   </a:solidFill>
                 </a:uFill>
-                <a:hlinkClick r:id="rId2"/>
+                <a:hlinkClick r:id="rId2" invalidUrl="" action="" tgtFrame="" tooltip="" history="1" highlightClick="0" endSnd="0"/>
               </a:rPr>
               <a:t>githowto.com/ru/</a:t>
             </a:r>
@@ -3423,6 +3308,7 @@
             </a:r>
           </a:p>
           <a:p>
+            <a:pPr/>
             <a:r>
               <a:rPr u="sng">
                 <a:solidFill>
@@ -3433,7 +3319,7 @@
                     <a:srgbClr val="0563C1"/>
                   </a:solidFill>
                 </a:uFill>
-                <a:hlinkClick r:id="rId3"/>
+                <a:hlinkClick r:id="rId3" invalidUrl="" action="" tgtFrame="" tooltip="" history="1" highlightClick="0" endSnd="0"/>
               </a:rPr>
               <a:t>https://geekbrains.ru/courses/66</a:t>
             </a:r>
@@ -3448,12 +3334,12 @@
   <p:clrMapOvr>
     <a:masterClrMapping/>
   </p:clrMapOvr>
-  <p:transition spd="slow"/>
+  <p:transition xmlns:p14="http://schemas.microsoft.com/office/powerpoint/2010/main" spd="med" advClick="1" p14:dur="1000"/>
 </p:sld>
 </file>
 
 <file path=ppt/slides/slide2.xml><?xml version="1.0" encoding="utf-8"?>
-<p:sld xmlns:a="http://schemas.openxmlformats.org/drawingml/2006/main" xmlns:r="http://schemas.openxmlformats.org/officeDocument/2006/relationships" xmlns:p="http://schemas.openxmlformats.org/presentationml/2006/main">
+<p:sld xmlns:a="http://schemas.openxmlformats.org/drawingml/2006/main" xmlns:r="http://schemas.openxmlformats.org/officeDocument/2006/relationships" xmlns:p="http://schemas.openxmlformats.org/presentationml/2006/main" showMasterSp="1" showMasterPhAnim="1">
   <p:cSld>
     <p:spTree>
       <p:nvGrpSpPr>
@@ -3472,9 +3358,7 @@
       <p:sp>
         <p:nvSpPr>
           <p:cNvPr id="123" name="Shape 123"/>
-          <p:cNvSpPr>
-            <a:spLocks noGrp="1"/>
-          </p:cNvSpPr>
+          <p:cNvSpPr/>
           <p:nvPr>
             <p:ph type="title"/>
           </p:nvPr>
@@ -3492,6 +3376,7 @@
             </a:lvl1pPr>
           </a:lstStyle>
           <a:p>
+            <a:pPr/>
             <a:r>
               <a:t>Для чего нужны системы контроля версий?</a:t>
             </a:r>
@@ -3501,9 +3386,7 @@
       <p:sp>
         <p:nvSpPr>
           <p:cNvPr id="124" name="Shape 124"/>
-          <p:cNvSpPr>
-            <a:spLocks noGrp="1"/>
-          </p:cNvSpPr>
+          <p:cNvSpPr/>
           <p:nvPr>
             <p:ph type="body" idx="1"/>
           </p:nvPr>
@@ -3517,16 +3400,19 @@
           <a:bodyPr/>
           <a:lstStyle/>
           <a:p>
+            <a:pPr/>
             <a:r>
               <a:t>Сохранять этапы разработки;</a:t>
             </a:r>
           </a:p>
           <a:p>
+            <a:pPr/>
             <a:r>
               <a:t>Возможность отката к прошлым версиям продукта;</a:t>
             </a:r>
           </a:p>
           <a:p>
+            <a:pPr/>
             <a:r>
               <a:t>Обмен сделанными изменениями.</a:t>
             </a:r>
@@ -3538,12 +3424,12 @@
   <p:clrMapOvr>
     <a:masterClrMapping/>
   </p:clrMapOvr>
-  <p:transition spd="slow"/>
+  <p:transition xmlns:p14="http://schemas.microsoft.com/office/powerpoint/2010/main" spd="med" advClick="1" p14:dur="1000"/>
 </p:sld>
 </file>
 
 <file path=ppt/slides/slide3.xml><?xml version="1.0" encoding="utf-8"?>
-<p:sld xmlns:a="http://schemas.openxmlformats.org/drawingml/2006/main" xmlns:r="http://schemas.openxmlformats.org/officeDocument/2006/relationships" xmlns:p="http://schemas.openxmlformats.org/presentationml/2006/main">
+<p:sld xmlns:a="http://schemas.openxmlformats.org/drawingml/2006/main" xmlns:r="http://schemas.openxmlformats.org/officeDocument/2006/relationships" xmlns:p="http://schemas.openxmlformats.org/presentationml/2006/main" showMasterSp="1" showMasterPhAnim="1">
   <p:cSld>
     <p:spTree>
       <p:nvGrpSpPr>
@@ -3562,9 +3448,7 @@
       <p:sp>
         <p:nvSpPr>
           <p:cNvPr id="126" name="Shape 126"/>
-          <p:cNvSpPr>
-            <a:spLocks noGrp="1"/>
-          </p:cNvSpPr>
+          <p:cNvSpPr/>
           <p:nvPr>
             <p:ph type="title"/>
           </p:nvPr>
@@ -3580,6 +3464,7 @@
             <a:lvl1pPr algn="ctr"/>
           </a:lstStyle>
           <a:p>
+            <a:pPr/>
             <a:r>
               <a:t>Типы систем контроля версий</a:t>
             </a:r>
@@ -3589,9 +3474,7 @@
       <p:sp>
         <p:nvSpPr>
           <p:cNvPr id="127" name="Shape 127"/>
-          <p:cNvSpPr>
-            <a:spLocks noGrp="1"/>
-          </p:cNvSpPr>
+          <p:cNvSpPr/>
           <p:nvPr>
             <p:ph type="body" idx="1"/>
           </p:nvPr>
@@ -3607,7 +3490,7 @@
           <a:p>
             <a:pPr marL="514350" indent="-514350">
               <a:buFontTx/>
-              <a:buAutoNum type="arabicPeriod"/>
+              <a:buAutoNum type="arabicPeriod" startAt="1"/>
             </a:pPr>
             <a:r>
               <a:t>Архивы;</a:t>
@@ -3616,7 +3499,7 @@
           <a:p>
             <a:pPr marL="514350" indent="-514350">
               <a:buFontTx/>
-              <a:buAutoNum type="arabicPeriod"/>
+              <a:buAutoNum type="arabicPeriod" startAt="1"/>
             </a:pPr>
             <a:r>
               <a:t>Централизованные системы контроля версий;</a:t>
@@ -3625,7 +3508,7 @@
           <a:p>
             <a:pPr marL="514350" indent="-514350">
               <a:buFontTx/>
-              <a:buAutoNum type="arabicPeriod"/>
+              <a:buAutoNum type="arabicPeriod" startAt="1"/>
             </a:pPr>
             <a:r>
               <a:t>Распределенные системы контроля версий.</a:t>
@@ -3638,12 +3521,12 @@
   <p:clrMapOvr>
     <a:masterClrMapping/>
   </p:clrMapOvr>
-  <p:transition spd="slow"/>
+  <p:transition xmlns:p14="http://schemas.microsoft.com/office/powerpoint/2010/main" spd="med" advClick="1" p14:dur="1000"/>
 </p:sld>
 </file>
 
 <file path=ppt/slides/slide4.xml><?xml version="1.0" encoding="utf-8"?>
-<p:sld xmlns:a="http://schemas.openxmlformats.org/drawingml/2006/main" xmlns:r="http://schemas.openxmlformats.org/officeDocument/2006/relationships" xmlns:p="http://schemas.openxmlformats.org/presentationml/2006/main">
+<p:sld xmlns:a="http://schemas.openxmlformats.org/drawingml/2006/main" xmlns:r="http://schemas.openxmlformats.org/officeDocument/2006/relationships" xmlns:p="http://schemas.openxmlformats.org/presentationml/2006/main" showMasterSp="1" showMasterPhAnim="1">
   <p:cSld>
     <p:spTree>
       <p:nvGrpSpPr>
@@ -3662,9 +3545,7 @@
       <p:sp>
         <p:nvSpPr>
           <p:cNvPr id="129" name="Shape 129"/>
-          <p:cNvSpPr>
-            <a:spLocks noGrp="1"/>
-          </p:cNvSpPr>
+          <p:cNvSpPr/>
           <p:nvPr>
             <p:ph type="title"/>
           </p:nvPr>
@@ -3680,6 +3561,7 @@
             <a:lvl1pPr algn="ctr"/>
           </a:lstStyle>
           <a:p>
+            <a:pPr/>
             <a:r>
               <a:t>Архивы</a:t>
             </a:r>
@@ -3720,12 +3602,12 @@
   <p:clrMapOvr>
     <a:masterClrMapping/>
   </p:clrMapOvr>
-  <p:transition spd="slow"/>
+  <p:transition xmlns:p14="http://schemas.microsoft.com/office/powerpoint/2010/main" spd="med" advClick="1" p14:dur="1000"/>
 </p:sld>
 </file>
 
 <file path=ppt/slides/slide5.xml><?xml version="1.0" encoding="utf-8"?>
-<p:sld xmlns:a="http://schemas.openxmlformats.org/drawingml/2006/main" xmlns:r="http://schemas.openxmlformats.org/officeDocument/2006/relationships" xmlns:p="http://schemas.openxmlformats.org/presentationml/2006/main">
+<p:sld xmlns:a="http://schemas.openxmlformats.org/drawingml/2006/main" xmlns:r="http://schemas.openxmlformats.org/officeDocument/2006/relationships" xmlns:p="http://schemas.openxmlformats.org/presentationml/2006/main" showMasterSp="1" showMasterPhAnim="1">
   <p:cSld>
     <p:spTree>
       <p:nvGrpSpPr>
@@ -3744,9 +3626,7 @@
       <p:sp>
         <p:nvSpPr>
           <p:cNvPr id="132" name="Shape 132"/>
-          <p:cNvSpPr>
-            <a:spLocks noGrp="1"/>
-          </p:cNvSpPr>
+          <p:cNvSpPr/>
           <p:nvPr>
             <p:ph type="title"/>
           </p:nvPr>
@@ -3760,6 +3640,7 @@
           <a:bodyPr/>
           <a:lstStyle/>
           <a:p>
+            <a:pPr/>
             <a:r>
               <a:t>Централизованные системы</a:t>
             </a:r>
@@ -3769,9 +3650,7 @@
       <p:sp>
         <p:nvSpPr>
           <p:cNvPr id="133" name="Shape 133"/>
-          <p:cNvSpPr>
-            <a:spLocks noGrp="1"/>
-          </p:cNvSpPr>
+          <p:cNvSpPr/>
           <p:nvPr>
             <p:ph type="body" idx="1"/>
           </p:nvPr>
@@ -3794,16 +3673,19 @@
             </a:r>
           </a:p>
           <a:p>
+            <a:pPr/>
             <a:r>
               <a:t>Упрощает работу в команде;</a:t>
             </a:r>
           </a:p>
           <a:p>
+            <a:pPr/>
             <a:r>
               <a:t>Для работы требуется иметь постоянный доступ к серверу;</a:t>
             </a:r>
           </a:p>
           <a:p>
+            <a:pPr/>
             <a:r>
               <a:t>Пользователь не имеет полного доступа к истории.</a:t>
             </a:r>
@@ -3815,12 +3697,12 @@
   <p:clrMapOvr>
     <a:masterClrMapping/>
   </p:clrMapOvr>
-  <p:transition spd="slow"/>
+  <p:transition xmlns:p14="http://schemas.microsoft.com/office/powerpoint/2010/main" spd="med" advClick="1" p14:dur="1000"/>
 </p:sld>
 </file>
 
 <file path=ppt/slides/slide6.xml><?xml version="1.0" encoding="utf-8"?>
-<p:sld xmlns:a="http://schemas.openxmlformats.org/drawingml/2006/main" xmlns:r="http://schemas.openxmlformats.org/officeDocument/2006/relationships" xmlns:p="http://schemas.openxmlformats.org/presentationml/2006/main">
+<p:sld xmlns:a="http://schemas.openxmlformats.org/drawingml/2006/main" xmlns:r="http://schemas.openxmlformats.org/officeDocument/2006/relationships" xmlns:p="http://schemas.openxmlformats.org/presentationml/2006/main" showMasterSp="1" showMasterPhAnim="1">
   <p:cSld>
     <p:spTree>
       <p:nvGrpSpPr>
@@ -3839,9 +3721,7 @@
       <p:sp>
         <p:nvSpPr>
           <p:cNvPr id="135" name="Shape 135"/>
-          <p:cNvSpPr>
-            <a:spLocks noGrp="1"/>
-          </p:cNvSpPr>
+          <p:cNvSpPr/>
           <p:nvPr>
             <p:ph type="title"/>
           </p:nvPr>
@@ -3855,6 +3735,7 @@
           <a:bodyPr/>
           <a:lstStyle/>
           <a:p>
+            <a:pPr/>
             <a:r>
               <a:t>Распределенные системы</a:t>
             </a:r>
@@ -3864,9 +3745,7 @@
       <p:sp>
         <p:nvSpPr>
           <p:cNvPr id="136" name="Shape 136"/>
-          <p:cNvSpPr>
-            <a:spLocks noGrp="1"/>
-          </p:cNvSpPr>
+          <p:cNvSpPr/>
           <p:nvPr>
             <p:ph type="body" idx="1"/>
           </p:nvPr>
@@ -3880,16 +3759,19 @@
           <a:bodyPr/>
           <a:lstStyle/>
           <a:p>
+            <a:pPr/>
             <a:r>
               <a:t>Возможность работать локально;</a:t>
             </a:r>
           </a:p>
           <a:p>
+            <a:pPr/>
             <a:r>
               <a:t>Удобство мержа;</a:t>
             </a:r>
           </a:p>
           <a:p>
+            <a:pPr/>
             <a:r>
               <a:t>Удобная история и инструменты для сравнения между разными версиями;</a:t>
             </a:r>
@@ -3901,12 +3783,12 @@
   <p:clrMapOvr>
     <a:masterClrMapping/>
   </p:clrMapOvr>
-  <p:transition spd="slow"/>
+  <p:transition xmlns:p14="http://schemas.microsoft.com/office/powerpoint/2010/main" spd="med" advClick="1" p14:dur="1000"/>
 </p:sld>
 </file>
 
 <file path=ppt/slides/slide7.xml><?xml version="1.0" encoding="utf-8"?>
-<p:sld xmlns:a="http://schemas.openxmlformats.org/drawingml/2006/main" xmlns:r="http://schemas.openxmlformats.org/officeDocument/2006/relationships" xmlns:p="http://schemas.openxmlformats.org/presentationml/2006/main">
+<p:sld xmlns:a="http://schemas.openxmlformats.org/drawingml/2006/main" xmlns:r="http://schemas.openxmlformats.org/officeDocument/2006/relationships" xmlns:p="http://schemas.openxmlformats.org/presentationml/2006/main" showMasterSp="1" showMasterPhAnim="1">
   <p:cSld>
     <p:spTree>
       <p:nvGrpSpPr>
@@ -3925,9 +3807,7 @@
       <p:sp>
         <p:nvSpPr>
           <p:cNvPr id="138" name="Shape 138"/>
-          <p:cNvSpPr>
-            <a:spLocks noGrp="1"/>
-          </p:cNvSpPr>
+          <p:cNvSpPr/>
           <p:nvPr>
             <p:ph type="title"/>
           </p:nvPr>
@@ -3941,6 +3821,7 @@
           <a:bodyPr/>
           <a:lstStyle/>
           <a:p>
+            <a:pPr/>
             <a:r>
               <a:t>Почему Git?</a:t>
             </a:r>
@@ -3950,9 +3831,7 @@
       <p:sp>
         <p:nvSpPr>
           <p:cNvPr id="139" name="Shape 139"/>
-          <p:cNvSpPr>
-            <a:spLocks noGrp="1"/>
-          </p:cNvSpPr>
+          <p:cNvSpPr/>
           <p:nvPr>
             <p:ph type="body" idx="1"/>
           </p:nvPr>
@@ -3966,6 +3845,7 @@
           <a:bodyPr/>
           <a:lstStyle/>
           <a:p>
+            <a:pPr/>
             <a:r>
               <a:t>Просто популярная и удобная система </a:t>
             </a:r>
@@ -3986,12 +3866,12 @@
   <p:clrMapOvr>
     <a:masterClrMapping/>
   </p:clrMapOvr>
-  <p:transition spd="slow"/>
+  <p:transition xmlns:p14="http://schemas.microsoft.com/office/powerpoint/2010/main" spd="med" advClick="1" p14:dur="1000"/>
 </p:sld>
 </file>
 
 <file path=ppt/slides/slide8.xml><?xml version="1.0" encoding="utf-8"?>
-<p:sld xmlns:a="http://schemas.openxmlformats.org/drawingml/2006/main" xmlns:r="http://schemas.openxmlformats.org/officeDocument/2006/relationships" xmlns:p="http://schemas.openxmlformats.org/presentationml/2006/main">
+<p:sld xmlns:a="http://schemas.openxmlformats.org/drawingml/2006/main" xmlns:r="http://schemas.openxmlformats.org/officeDocument/2006/relationships" xmlns:p="http://schemas.openxmlformats.org/presentationml/2006/main" showMasterSp="1" showMasterPhAnim="1">
   <p:cSld>
     <p:spTree>
       <p:nvGrpSpPr>
@@ -4010,9 +3890,7 @@
       <p:sp>
         <p:nvSpPr>
           <p:cNvPr id="141" name="Shape 141"/>
-          <p:cNvSpPr>
-            <a:spLocks noGrp="1"/>
-          </p:cNvSpPr>
+          <p:cNvSpPr/>
           <p:nvPr>
             <p:ph type="title"/>
           </p:nvPr>
@@ -4026,6 +3904,7 @@
           <a:bodyPr/>
           <a:lstStyle/>
           <a:p>
+            <a:pPr/>
             <a:r>
               <a:t>Основные термины</a:t>
             </a:r>
@@ -4035,9 +3914,7 @@
       <p:sp>
         <p:nvSpPr>
           <p:cNvPr id="142" name="Shape 142"/>
-          <p:cNvSpPr>
-            <a:spLocks noGrp="1"/>
-          </p:cNvSpPr>
+          <p:cNvSpPr/>
           <p:nvPr>
             <p:ph type="body" idx="1"/>
           </p:nvPr>
@@ -4057,7 +3934,6 @@
               </a:spcBef>
               <a:defRPr sz="2716"/>
             </a:pPr>
-            <a:endParaRPr/>
           </a:p>
           <a:p>
             <a:pPr marL="221742" indent="-221742" defTabSz="886968">
@@ -4067,7 +3943,16 @@
               <a:defRPr sz="2716"/>
             </a:pPr>
             <a:r>
-              <a:t>Commit – фиксация изменений;</a:t>
+              <a:t>Commit</a:t>
+            </a:r>
+            <a:r>
+              <a:t> </a:t>
+            </a:r>
+            <a:r>
+              <a:t>– </a:t>
+            </a:r>
+            <a:r>
+              <a:t>фиксация изменений;</a:t>
             </a:r>
           </a:p>
           <a:p>
@@ -4078,7 +3963,10 @@
               <a:defRPr sz="2716"/>
             </a:pPr>
             <a:r>
-              <a:t>Branch – ветка репозитория, которая состоит из цепи коммитов</a:t>
+              <a:t>Branch </a:t>
+            </a:r>
+            <a:r>
+              <a:t>– ветка репозитория, которая состоит из цепи коммитов</a:t>
             </a:r>
           </a:p>
           <a:p>
@@ -4100,7 +3988,10 @@
               <a:defRPr sz="2716"/>
             </a:pPr>
             <a:r>
-              <a:t>Conflict – ситуация когда изменения в двух объединяемых изменениях имеют противоречия;</a:t>
+              <a:t>Conflict </a:t>
+            </a:r>
+            <a:r>
+              <a:t>– ситуация когда изменения в двух объединяемых изменениях имеют противоречия;</a:t>
             </a:r>
           </a:p>
           <a:p>
@@ -4149,7 +4040,7 @@
           </a:ln>
           <a:extLst>
             <a:ext uri="{C572A759-6A51-4108-AA02-DFA0A04FC94B}">
-              <ma14:wrappingTextBoxFlag xmlns:ma14="http://schemas.microsoft.com/office/mac/drawingml/2011/main" xmlns="" val="1"/>
+              <ma14:wrappingTextBoxFlag xmlns:ma14="http://schemas.microsoft.com/office/mac/drawingml/2011/main" val="1"/>
             </a:ext>
           </a:extLst>
         </p:spPr>
@@ -4167,11 +4058,10 @@
                 <a:sym typeface="Arial"/>
               </a:defRPr>
             </a:pPr>
-            <a:endParaRPr/>
           </a:p>
           <a:p>
             <a:pPr>
-              <a:defRPr sz="1000" b="1">
+              <a:defRPr b="1" sz="1000">
                 <a:solidFill>
                   <a:srgbClr val="252525"/>
                 </a:solidFill>
@@ -4190,7 +4080,6 @@
               <a:defRPr sz="1100"/>
             </a:pPr>
             <a:br/>
-            <a:endParaRPr/>
           </a:p>
         </p:txBody>
       </p:sp>
@@ -4199,12 +4088,12 @@
   <p:clrMapOvr>
     <a:masterClrMapping/>
   </p:clrMapOvr>
-  <p:transition spd="slow"/>
+  <p:transition xmlns:p14="http://schemas.microsoft.com/office/powerpoint/2010/main" spd="med" advClick="1" p14:dur="1000"/>
 </p:sld>
 </file>
 
 <file path=ppt/slides/slide9.xml><?xml version="1.0" encoding="utf-8"?>
-<p:sld xmlns:a="http://schemas.openxmlformats.org/drawingml/2006/main" xmlns:r="http://schemas.openxmlformats.org/officeDocument/2006/relationships" xmlns:p="http://schemas.openxmlformats.org/presentationml/2006/main">
+<p:sld xmlns:a="http://schemas.openxmlformats.org/drawingml/2006/main" xmlns:r="http://schemas.openxmlformats.org/officeDocument/2006/relationships" xmlns:p="http://schemas.openxmlformats.org/presentationml/2006/main" showMasterSp="1" showMasterPhAnim="1">
   <p:cSld>
     <p:spTree>
       <p:nvGrpSpPr>
@@ -4223,9 +4112,7 @@
       <p:sp>
         <p:nvSpPr>
           <p:cNvPr id="145" name="Shape 145"/>
-          <p:cNvSpPr>
-            <a:spLocks noGrp="1"/>
-          </p:cNvSpPr>
+          <p:cNvSpPr/>
           <p:nvPr>
             <p:ph type="title"/>
           </p:nvPr>
@@ -4241,6 +4128,7 @@
             <a:lvl1pPr algn="ctr"/>
           </a:lstStyle>
           <a:p>
+            <a:pPr/>
             <a:r>
               <a:t>GitFlow</a:t>
             </a:r>
@@ -4281,12 +4169,12 @@
   <p:clrMapOvr>
     <a:masterClrMapping/>
   </p:clrMapOvr>
-  <p:transition spd="slow"/>
+  <p:transition xmlns:p14="http://schemas.microsoft.com/office/powerpoint/2010/main" spd="med" advClick="1" p14:dur="1000"/>
 </p:sld>
 </file>
 
 <file path=ppt/theme/theme1.xml><?xml version="1.0" encoding="utf-8"?>
-<a:theme xmlns:a="http://schemas.openxmlformats.org/drawingml/2006/main" name="Тема Office">
+<a:theme xmlns:a="http://schemas.openxmlformats.org/drawingml/2006/main" xmlns:r="http://schemas.openxmlformats.org/officeDocument/2006/relationships" name="Тема Office">
   <a:themeElements>
     <a:clrScheme name="Тема Office">
       <a:dk1>
@@ -4488,7 +4376,7 @@
         <a:effectLst/>
         <a:sp3d/>
       </a:spPr>
-      <a:bodyPr rot="0" spcFirstLastPara="1" vertOverflow="overflow" horzOverflow="overflow" vert="horz" wrap="square" lIns="45719" tIns="45719" rIns="45719" bIns="45719" numCol="1" spcCol="38100" rtlCol="0" anchor="ctr">
+      <a:bodyPr rot="0" spcFirstLastPara="1" vertOverflow="overflow" horzOverflow="overflow" vert="horz" wrap="square" lIns="45719" tIns="45719" rIns="45719" bIns="45719" numCol="1" spcCol="38100" rtlCol="0" anchor="ctr" upright="0">
         <a:spAutoFit/>
       </a:bodyPr>
       <a:lstStyle>
@@ -4507,7 +4395,7 @@
           <a:buFontTx/>
           <a:buNone/>
           <a:tabLst/>
-          <a:defRPr kumimoji="0" sz="1800" b="0" i="0" u="none" strike="noStrike" cap="none" spc="0" normalizeH="0" baseline="0">
+          <a:defRPr b="0" baseline="0" cap="none" i="0" spc="0" strike="noStrike" sz="1800" u="none" kumimoji="0" normalizeH="0">
             <a:ln>
               <a:noFill/>
             </a:ln>
@@ -4537,7 +4425,7 @@
           <a:buFontTx/>
           <a:buNone/>
           <a:tabLst/>
-          <a:defRPr kumimoji="0" sz="1800" b="0" i="0" u="none" strike="noStrike" cap="none" spc="0" normalizeH="0" baseline="0">
+          <a:defRPr b="0" baseline="0" cap="none" i="0" spc="0" strike="noStrike" sz="1800" u="none" kumimoji="0" normalizeH="0">
             <a:ln>
               <a:noFill/>
             </a:ln>
@@ -4563,7 +4451,7 @@
           <a:buFontTx/>
           <a:buNone/>
           <a:tabLst/>
-          <a:defRPr kumimoji="0" sz="1800" b="0" i="0" u="none" strike="noStrike" cap="none" spc="0" normalizeH="0" baseline="0">
+          <a:defRPr b="0" baseline="0" cap="none" i="0" spc="0" strike="noStrike" sz="1800" u="none" kumimoji="0" normalizeH="0">
             <a:ln>
               <a:noFill/>
             </a:ln>
@@ -4589,7 +4477,7 @@
           <a:buFontTx/>
           <a:buNone/>
           <a:tabLst/>
-          <a:defRPr kumimoji="0" sz="1800" b="0" i="0" u="none" strike="noStrike" cap="none" spc="0" normalizeH="0" baseline="0">
+          <a:defRPr b="0" baseline="0" cap="none" i="0" spc="0" strike="noStrike" sz="1800" u="none" kumimoji="0" normalizeH="0">
             <a:ln>
               <a:noFill/>
             </a:ln>
@@ -4615,7 +4503,7 @@
           <a:buFontTx/>
           <a:buNone/>
           <a:tabLst/>
-          <a:defRPr kumimoji="0" sz="1800" b="0" i="0" u="none" strike="noStrike" cap="none" spc="0" normalizeH="0" baseline="0">
+          <a:defRPr b="0" baseline="0" cap="none" i="0" spc="0" strike="noStrike" sz="1800" u="none" kumimoji="0" normalizeH="0">
             <a:ln>
               <a:noFill/>
             </a:ln>
@@ -4641,7 +4529,7 @@
           <a:buFontTx/>
           <a:buNone/>
           <a:tabLst/>
-          <a:defRPr kumimoji="0" sz="1800" b="0" i="0" u="none" strike="noStrike" cap="none" spc="0" normalizeH="0" baseline="0">
+          <a:defRPr b="0" baseline="0" cap="none" i="0" spc="0" strike="noStrike" sz="1800" u="none" kumimoji="0" normalizeH="0">
             <a:ln>
               <a:noFill/>
             </a:ln>
@@ -4667,7 +4555,7 @@
           <a:buFontTx/>
           <a:buNone/>
           <a:tabLst/>
-          <a:defRPr kumimoji="0" sz="1800" b="0" i="0" u="none" strike="noStrike" cap="none" spc="0" normalizeH="0" baseline="0">
+          <a:defRPr b="0" baseline="0" cap="none" i="0" spc="0" strike="noStrike" sz="1800" u="none" kumimoji="0" normalizeH="0">
             <a:ln>
               <a:noFill/>
             </a:ln>
@@ -4693,7 +4581,7 @@
           <a:buFontTx/>
           <a:buNone/>
           <a:tabLst/>
-          <a:defRPr kumimoji="0" sz="1800" b="0" i="0" u="none" strike="noStrike" cap="none" spc="0" normalizeH="0" baseline="0">
+          <a:defRPr b="0" baseline="0" cap="none" i="0" spc="0" strike="noStrike" sz="1800" u="none" kumimoji="0" normalizeH="0">
             <a:ln>
               <a:noFill/>
             </a:ln>
@@ -4719,7 +4607,7 @@
           <a:buFontTx/>
           <a:buNone/>
           <a:tabLst/>
-          <a:defRPr kumimoji="0" sz="1800" b="0" i="0" u="none" strike="noStrike" cap="none" spc="0" normalizeH="0" baseline="0">
+          <a:defRPr b="0" baseline="0" cap="none" i="0" spc="0" strike="noStrike" sz="1800" u="none" kumimoji="0" normalizeH="0">
             <a:ln>
               <a:noFill/>
             </a:ln>
@@ -4745,7 +4633,7 @@
           <a:buFontTx/>
           <a:buNone/>
           <a:tabLst/>
-          <a:defRPr kumimoji="0" sz="1800" b="0" i="0" u="none" strike="noStrike" cap="none" spc="0" normalizeH="0" baseline="0">
+          <a:defRPr b="0" baseline="0" cap="none" i="0" spc="0" strike="noStrike" sz="1800" u="none" kumimoji="0" normalizeH="0">
             <a:ln>
               <a:noFill/>
             </a:ln>
@@ -4758,15 +4646,9 @@
         </a:lvl9pPr>
       </a:lstStyle>
       <a:style>
-        <a:lnRef idx="0">
-          <a:scrgbClr r="0" g="0" b="0"/>
-        </a:lnRef>
-        <a:fillRef idx="0">
-          <a:scrgbClr r="0" g="0" b="0"/>
-        </a:fillRef>
-        <a:effectRef idx="0">
-          <a:scrgbClr r="0" g="0" b="0"/>
-        </a:effectRef>
+        <a:lnRef idx="0"/>
+        <a:fillRef idx="0"/>
+        <a:effectRef idx="0"/>
         <a:fontRef idx="none"/>
       </a:style>
     </a:spDef>
@@ -4783,7 +4665,7 @@
         <a:effectLst/>
         <a:sp3d/>
       </a:spPr>
-      <a:bodyPr rot="0" spcFirstLastPara="1" vertOverflow="overflow" horzOverflow="overflow" vert="horz" wrap="square" lIns="91439" tIns="45719" rIns="91439" bIns="45719" numCol="1" spcCol="38100" rtlCol="0" anchor="t">
+      <a:bodyPr rot="0" spcFirstLastPara="1" vertOverflow="overflow" horzOverflow="overflow" vert="horz" wrap="square" lIns="91439" tIns="45719" rIns="91439" bIns="45719" numCol="1" spcCol="38100" rtlCol="0" anchor="t" upright="0">
         <a:noAutofit/>
       </a:bodyPr>
       <a:lstStyle>
@@ -4802,7 +4684,7 @@
           <a:buFontTx/>
           <a:buNone/>
           <a:tabLst/>
-          <a:defRPr kumimoji="0" sz="1800" b="0" i="0" u="none" strike="noStrike" cap="none" spc="0" normalizeH="0" baseline="0">
+          <a:defRPr b="0" baseline="0" cap="none" i="0" spc="0" strike="noStrike" sz="1800" u="none" kumimoji="0" normalizeH="0">
             <a:ln>
               <a:noFill/>
             </a:ln>
@@ -4828,7 +4710,7 @@
           <a:buFontTx/>
           <a:buNone/>
           <a:tabLst/>
-          <a:defRPr kumimoji="0" sz="1800" b="0" i="0" u="none" strike="noStrike" cap="none" spc="0" normalizeH="0" baseline="0">
+          <a:defRPr b="0" baseline="0" cap="none" i="0" spc="0" strike="noStrike" sz="1800" u="none" kumimoji="0" normalizeH="0">
             <a:ln>
               <a:noFill/>
             </a:ln>
@@ -4854,7 +4736,7 @@
           <a:buFontTx/>
           <a:buNone/>
           <a:tabLst/>
-          <a:defRPr kumimoji="0" sz="1800" b="0" i="0" u="none" strike="noStrike" cap="none" spc="0" normalizeH="0" baseline="0">
+          <a:defRPr b="0" baseline="0" cap="none" i="0" spc="0" strike="noStrike" sz="1800" u="none" kumimoji="0" normalizeH="0">
             <a:ln>
               <a:noFill/>
             </a:ln>
@@ -4880,7 +4762,7 @@
           <a:buFontTx/>
           <a:buNone/>
           <a:tabLst/>
-          <a:defRPr kumimoji="0" sz="1800" b="0" i="0" u="none" strike="noStrike" cap="none" spc="0" normalizeH="0" baseline="0">
+          <a:defRPr b="0" baseline="0" cap="none" i="0" spc="0" strike="noStrike" sz="1800" u="none" kumimoji="0" normalizeH="0">
             <a:ln>
               <a:noFill/>
             </a:ln>
@@ -4906,7 +4788,7 @@
           <a:buFontTx/>
           <a:buNone/>
           <a:tabLst/>
-          <a:defRPr kumimoji="0" sz="1800" b="0" i="0" u="none" strike="noStrike" cap="none" spc="0" normalizeH="0" baseline="0">
+          <a:defRPr b="0" baseline="0" cap="none" i="0" spc="0" strike="noStrike" sz="1800" u="none" kumimoji="0" normalizeH="0">
             <a:ln>
               <a:noFill/>
             </a:ln>
@@ -4932,7 +4814,7 @@
           <a:buFontTx/>
           <a:buNone/>
           <a:tabLst/>
-          <a:defRPr kumimoji="0" sz="1800" b="0" i="0" u="none" strike="noStrike" cap="none" spc="0" normalizeH="0" baseline="0">
+          <a:defRPr b="0" baseline="0" cap="none" i="0" spc="0" strike="noStrike" sz="1800" u="none" kumimoji="0" normalizeH="0">
             <a:ln>
               <a:noFill/>
             </a:ln>
@@ -4958,7 +4840,7 @@
           <a:buFontTx/>
           <a:buNone/>
           <a:tabLst/>
-          <a:defRPr kumimoji="0" sz="1800" b="0" i="0" u="none" strike="noStrike" cap="none" spc="0" normalizeH="0" baseline="0">
+          <a:defRPr b="0" baseline="0" cap="none" i="0" spc="0" strike="noStrike" sz="1800" u="none" kumimoji="0" normalizeH="0">
             <a:ln>
               <a:noFill/>
             </a:ln>
@@ -4984,7 +4866,7 @@
           <a:buFontTx/>
           <a:buNone/>
           <a:tabLst/>
-          <a:defRPr kumimoji="0" sz="1800" b="0" i="0" u="none" strike="noStrike" cap="none" spc="0" normalizeH="0" baseline="0">
+          <a:defRPr b="0" baseline="0" cap="none" i="0" spc="0" strike="noStrike" sz="1800" u="none" kumimoji="0" normalizeH="0">
             <a:ln>
               <a:noFill/>
             </a:ln>
@@ -5010,7 +4892,7 @@
           <a:buFontTx/>
           <a:buNone/>
           <a:tabLst/>
-          <a:defRPr kumimoji="0" sz="1800" b="0" i="0" u="none" strike="noStrike" cap="none" spc="0" normalizeH="0" baseline="0">
+          <a:defRPr b="0" baseline="0" cap="none" i="0" spc="0" strike="noStrike" sz="1800" u="none" kumimoji="0" normalizeH="0">
             <a:ln>
               <a:noFill/>
             </a:ln>
@@ -5036,7 +4918,7 @@
           <a:buFontTx/>
           <a:buNone/>
           <a:tabLst/>
-          <a:defRPr kumimoji="0" sz="1800" b="0" i="0" u="none" strike="noStrike" cap="none" spc="0" normalizeH="0" baseline="0">
+          <a:defRPr b="0" baseline="0" cap="none" i="0" spc="0" strike="noStrike" sz="1800" u="none" kumimoji="0" normalizeH="0">
             <a:ln>
               <a:noFill/>
             </a:ln>
@@ -5049,15 +4931,9 @@
         </a:lvl9pPr>
       </a:lstStyle>
       <a:style>
-        <a:lnRef idx="0">
-          <a:scrgbClr r="0" g="0" b="0"/>
-        </a:lnRef>
-        <a:fillRef idx="0">
-          <a:scrgbClr r="0" g="0" b="0"/>
-        </a:fillRef>
-        <a:effectRef idx="0">
-          <a:scrgbClr r="0" g="0" b="0"/>
-        </a:effectRef>
+        <a:lnRef idx="0"/>
+        <a:fillRef idx="0"/>
+        <a:effectRef idx="0"/>
         <a:fontRef idx="none"/>
       </a:style>
     </a:lnDef>
@@ -5071,7 +4947,7 @@
         <a:effectLst/>
         <a:sp3d/>
       </a:spPr>
-      <a:bodyPr rot="0" spcFirstLastPara="1" vertOverflow="overflow" horzOverflow="overflow" vert="horz" wrap="square" lIns="45719" tIns="45719" rIns="45719" bIns="45719" numCol="1" spcCol="38100" rtlCol="0" anchor="t">
+      <a:bodyPr rot="0" spcFirstLastPara="1" vertOverflow="overflow" horzOverflow="overflow" vert="horz" wrap="square" lIns="45719" tIns="45719" rIns="45719" bIns="45719" numCol="1" spcCol="38100" rtlCol="0" anchor="t" upright="0">
         <a:spAutoFit/>
       </a:bodyPr>
       <a:lstStyle>
@@ -5090,7 +4966,7 @@
           <a:buFontTx/>
           <a:buNone/>
           <a:tabLst/>
-          <a:defRPr kumimoji="0" sz="1800" b="0" i="0" u="none" strike="noStrike" cap="none" spc="0" normalizeH="0" baseline="0">
+          <a:defRPr b="0" baseline="0" cap="none" i="0" spc="0" strike="noStrike" sz="1800" u="none" kumimoji="0" normalizeH="0">
             <a:ln>
               <a:noFill/>
             </a:ln>
@@ -5120,7 +4996,7 @@
           <a:buFontTx/>
           <a:buNone/>
           <a:tabLst/>
-          <a:defRPr kumimoji="0" sz="1800" b="0" i="0" u="none" strike="noStrike" cap="none" spc="0" normalizeH="0" baseline="0">
+          <a:defRPr b="0" baseline="0" cap="none" i="0" spc="0" strike="noStrike" sz="1800" u="none" kumimoji="0" normalizeH="0">
             <a:ln>
               <a:noFill/>
             </a:ln>
@@ -5146,7 +5022,7 @@
           <a:buFontTx/>
           <a:buNone/>
           <a:tabLst/>
-          <a:defRPr kumimoji="0" sz="1800" b="0" i="0" u="none" strike="noStrike" cap="none" spc="0" normalizeH="0" baseline="0">
+          <a:defRPr b="0" baseline="0" cap="none" i="0" spc="0" strike="noStrike" sz="1800" u="none" kumimoji="0" normalizeH="0">
             <a:ln>
               <a:noFill/>
             </a:ln>
@@ -5172,7 +5048,7 @@
           <a:buFontTx/>
           <a:buNone/>
           <a:tabLst/>
-          <a:defRPr kumimoji="0" sz="1800" b="0" i="0" u="none" strike="noStrike" cap="none" spc="0" normalizeH="0" baseline="0">
+          <a:defRPr b="0" baseline="0" cap="none" i="0" spc="0" strike="noStrike" sz="1800" u="none" kumimoji="0" normalizeH="0">
             <a:ln>
               <a:noFill/>
             </a:ln>
@@ -5198,7 +5074,7 @@
           <a:buFontTx/>
           <a:buNone/>
           <a:tabLst/>
-          <a:defRPr kumimoji="0" sz="1800" b="0" i="0" u="none" strike="noStrike" cap="none" spc="0" normalizeH="0" baseline="0">
+          <a:defRPr b="0" baseline="0" cap="none" i="0" spc="0" strike="noStrike" sz="1800" u="none" kumimoji="0" normalizeH="0">
             <a:ln>
               <a:noFill/>
             </a:ln>
@@ -5224,7 +5100,7 @@
           <a:buFontTx/>
           <a:buNone/>
           <a:tabLst/>
-          <a:defRPr kumimoji="0" sz="1800" b="0" i="0" u="none" strike="noStrike" cap="none" spc="0" normalizeH="0" baseline="0">
+          <a:defRPr b="0" baseline="0" cap="none" i="0" spc="0" strike="noStrike" sz="1800" u="none" kumimoji="0" normalizeH="0">
             <a:ln>
               <a:noFill/>
             </a:ln>
@@ -5250,7 +5126,7 @@
           <a:buFontTx/>
           <a:buNone/>
           <a:tabLst/>
-          <a:defRPr kumimoji="0" sz="1800" b="0" i="0" u="none" strike="noStrike" cap="none" spc="0" normalizeH="0" baseline="0">
+          <a:defRPr b="0" baseline="0" cap="none" i="0" spc="0" strike="noStrike" sz="1800" u="none" kumimoji="0" normalizeH="0">
             <a:ln>
               <a:noFill/>
             </a:ln>
@@ -5276,7 +5152,7 @@
           <a:buFontTx/>
           <a:buNone/>
           <a:tabLst/>
-          <a:defRPr kumimoji="0" sz="1800" b="0" i="0" u="none" strike="noStrike" cap="none" spc="0" normalizeH="0" baseline="0">
+          <a:defRPr b="0" baseline="0" cap="none" i="0" spc="0" strike="noStrike" sz="1800" u="none" kumimoji="0" normalizeH="0">
             <a:ln>
               <a:noFill/>
             </a:ln>
@@ -5302,7 +5178,7 @@
           <a:buFontTx/>
           <a:buNone/>
           <a:tabLst/>
-          <a:defRPr kumimoji="0" sz="1800" b="0" i="0" u="none" strike="noStrike" cap="none" spc="0" normalizeH="0" baseline="0">
+          <a:defRPr b="0" baseline="0" cap="none" i="0" spc="0" strike="noStrike" sz="1800" u="none" kumimoji="0" normalizeH="0">
             <a:ln>
               <a:noFill/>
             </a:ln>
@@ -5328,7 +5204,7 @@
           <a:buFontTx/>
           <a:buNone/>
           <a:tabLst/>
-          <a:defRPr kumimoji="0" sz="1800" b="0" i="0" u="none" strike="noStrike" cap="none" spc="0" normalizeH="0" baseline="0">
+          <a:defRPr b="0" baseline="0" cap="none" i="0" spc="0" strike="noStrike" sz="1800" u="none" kumimoji="0" normalizeH="0">
             <a:ln>
               <a:noFill/>
             </a:ln>
@@ -5341,25 +5217,18 @@
         </a:lvl9pPr>
       </a:lstStyle>
       <a:style>
-        <a:lnRef idx="0">
-          <a:scrgbClr r="0" g="0" b="0"/>
-        </a:lnRef>
-        <a:fillRef idx="0">
-          <a:scrgbClr r="0" g="0" b="0"/>
-        </a:fillRef>
-        <a:effectRef idx="0">
-          <a:scrgbClr r="0" g="0" b="0"/>
-        </a:effectRef>
+        <a:lnRef idx="0"/>
+        <a:fillRef idx="0"/>
+        <a:effectRef idx="0"/>
         <a:fontRef idx="none"/>
       </a:style>
     </a:txDef>
   </a:objectDefaults>
-  <a:extraClrSchemeLst/>
 </a:theme>
 </file>
 
 <file path=ppt/theme/theme2.xml><?xml version="1.0" encoding="utf-8"?>
-<a:theme xmlns:a="http://schemas.openxmlformats.org/drawingml/2006/main" name="Тема Office">
+<a:theme xmlns:a="http://schemas.openxmlformats.org/drawingml/2006/main" xmlns:r="http://schemas.openxmlformats.org/officeDocument/2006/relationships" name="Тема Office">
   <a:themeElements>
     <a:clrScheme name="Тема Office">
       <a:dk1>
@@ -5561,7 +5430,7 @@
         <a:effectLst/>
         <a:sp3d/>
       </a:spPr>
-      <a:bodyPr rot="0" spcFirstLastPara="1" vertOverflow="overflow" horzOverflow="overflow" vert="horz" wrap="square" lIns="45719" tIns="45719" rIns="45719" bIns="45719" numCol="1" spcCol="38100" rtlCol="0" anchor="ctr">
+      <a:bodyPr rot="0" spcFirstLastPara="1" vertOverflow="overflow" horzOverflow="overflow" vert="horz" wrap="square" lIns="45719" tIns="45719" rIns="45719" bIns="45719" numCol="1" spcCol="38100" rtlCol="0" anchor="ctr" upright="0">
         <a:spAutoFit/>
       </a:bodyPr>
       <a:lstStyle>
@@ -5580,7 +5449,7 @@
           <a:buFontTx/>
           <a:buNone/>
           <a:tabLst/>
-          <a:defRPr kumimoji="0" sz="1800" b="0" i="0" u="none" strike="noStrike" cap="none" spc="0" normalizeH="0" baseline="0">
+          <a:defRPr b="0" baseline="0" cap="none" i="0" spc="0" strike="noStrike" sz="1800" u="none" kumimoji="0" normalizeH="0">
             <a:ln>
               <a:noFill/>
             </a:ln>
@@ -5610,7 +5479,7 @@
           <a:buFontTx/>
           <a:buNone/>
           <a:tabLst/>
-          <a:defRPr kumimoji="0" sz="1800" b="0" i="0" u="none" strike="noStrike" cap="none" spc="0" normalizeH="0" baseline="0">
+          <a:defRPr b="0" baseline="0" cap="none" i="0" spc="0" strike="noStrike" sz="1800" u="none" kumimoji="0" normalizeH="0">
             <a:ln>
               <a:noFill/>
             </a:ln>
@@ -5636,7 +5505,7 @@
           <a:buFontTx/>
           <a:buNone/>
           <a:tabLst/>
-          <a:defRPr kumimoji="0" sz="1800" b="0" i="0" u="none" strike="noStrike" cap="none" spc="0" normalizeH="0" baseline="0">
+          <a:defRPr b="0" baseline="0" cap="none" i="0" spc="0" strike="noStrike" sz="1800" u="none" kumimoji="0" normalizeH="0">
             <a:ln>
               <a:noFill/>
             </a:ln>
@@ -5662,7 +5531,7 @@
           <a:buFontTx/>
           <a:buNone/>
           <a:tabLst/>
-          <a:defRPr kumimoji="0" sz="1800" b="0" i="0" u="none" strike="noStrike" cap="none" spc="0" normalizeH="0" baseline="0">
+          <a:defRPr b="0" baseline="0" cap="none" i="0" spc="0" strike="noStrike" sz="1800" u="none" kumimoji="0" normalizeH="0">
             <a:ln>
               <a:noFill/>
             </a:ln>
@@ -5688,7 +5557,7 @@
           <a:buFontTx/>
           <a:buNone/>
           <a:tabLst/>
-          <a:defRPr kumimoji="0" sz="1800" b="0" i="0" u="none" strike="noStrike" cap="none" spc="0" normalizeH="0" baseline="0">
+          <a:defRPr b="0" baseline="0" cap="none" i="0" spc="0" strike="noStrike" sz="1800" u="none" kumimoji="0" normalizeH="0">
             <a:ln>
               <a:noFill/>
             </a:ln>
@@ -5714,7 +5583,7 @@
           <a:buFontTx/>
           <a:buNone/>
           <a:tabLst/>
-          <a:defRPr kumimoji="0" sz="1800" b="0" i="0" u="none" strike="noStrike" cap="none" spc="0" normalizeH="0" baseline="0">
+          <a:defRPr b="0" baseline="0" cap="none" i="0" spc="0" strike="noStrike" sz="1800" u="none" kumimoji="0" normalizeH="0">
             <a:ln>
               <a:noFill/>
             </a:ln>
@@ -5740,7 +5609,7 @@
           <a:buFontTx/>
           <a:buNone/>
           <a:tabLst/>
-          <a:defRPr kumimoji="0" sz="1800" b="0" i="0" u="none" strike="noStrike" cap="none" spc="0" normalizeH="0" baseline="0">
+          <a:defRPr b="0" baseline="0" cap="none" i="0" spc="0" strike="noStrike" sz="1800" u="none" kumimoji="0" normalizeH="0">
             <a:ln>
               <a:noFill/>
             </a:ln>
@@ -5766,7 +5635,7 @@
           <a:buFontTx/>
           <a:buNone/>
           <a:tabLst/>
-          <a:defRPr kumimoji="0" sz="1800" b="0" i="0" u="none" strike="noStrike" cap="none" spc="0" normalizeH="0" baseline="0">
+          <a:defRPr b="0" baseline="0" cap="none" i="0" spc="0" strike="noStrike" sz="1800" u="none" kumimoji="0" normalizeH="0">
             <a:ln>
               <a:noFill/>
             </a:ln>
@@ -5792,7 +5661,7 @@
           <a:buFontTx/>
           <a:buNone/>
           <a:tabLst/>
-          <a:defRPr kumimoji="0" sz="1800" b="0" i="0" u="none" strike="noStrike" cap="none" spc="0" normalizeH="0" baseline="0">
+          <a:defRPr b="0" baseline="0" cap="none" i="0" spc="0" strike="noStrike" sz="1800" u="none" kumimoji="0" normalizeH="0">
             <a:ln>
               <a:noFill/>
             </a:ln>
@@ -5818,7 +5687,7 @@
           <a:buFontTx/>
           <a:buNone/>
           <a:tabLst/>
-          <a:defRPr kumimoji="0" sz="1800" b="0" i="0" u="none" strike="noStrike" cap="none" spc="0" normalizeH="0" baseline="0">
+          <a:defRPr b="0" baseline="0" cap="none" i="0" spc="0" strike="noStrike" sz="1800" u="none" kumimoji="0" normalizeH="0">
             <a:ln>
               <a:noFill/>
             </a:ln>
@@ -5831,15 +5700,9 @@
         </a:lvl9pPr>
       </a:lstStyle>
       <a:style>
-        <a:lnRef idx="0">
-          <a:scrgbClr r="0" g="0" b="0"/>
-        </a:lnRef>
-        <a:fillRef idx="0">
-          <a:scrgbClr r="0" g="0" b="0"/>
-        </a:fillRef>
-        <a:effectRef idx="0">
-          <a:scrgbClr r="0" g="0" b="0"/>
-        </a:effectRef>
+        <a:lnRef idx="0"/>
+        <a:fillRef idx="0"/>
+        <a:effectRef idx="0"/>
         <a:fontRef idx="none"/>
       </a:style>
     </a:spDef>
@@ -5856,7 +5719,7 @@
         <a:effectLst/>
         <a:sp3d/>
       </a:spPr>
-      <a:bodyPr rot="0" spcFirstLastPara="1" vertOverflow="overflow" horzOverflow="overflow" vert="horz" wrap="square" lIns="91439" tIns="45719" rIns="91439" bIns="45719" numCol="1" spcCol="38100" rtlCol="0" anchor="t">
+      <a:bodyPr rot="0" spcFirstLastPara="1" vertOverflow="overflow" horzOverflow="overflow" vert="horz" wrap="square" lIns="91439" tIns="45719" rIns="91439" bIns="45719" numCol="1" spcCol="38100" rtlCol="0" anchor="t" upright="0">
         <a:noAutofit/>
       </a:bodyPr>
       <a:lstStyle>
@@ -5875,7 +5738,7 @@
           <a:buFontTx/>
           <a:buNone/>
           <a:tabLst/>
-          <a:defRPr kumimoji="0" sz="1800" b="0" i="0" u="none" strike="noStrike" cap="none" spc="0" normalizeH="0" baseline="0">
+          <a:defRPr b="0" baseline="0" cap="none" i="0" spc="0" strike="noStrike" sz="1800" u="none" kumimoji="0" normalizeH="0">
             <a:ln>
               <a:noFill/>
             </a:ln>
@@ -5901,7 +5764,7 @@
           <a:buFontTx/>
           <a:buNone/>
           <a:tabLst/>
-          <a:defRPr kumimoji="0" sz="1800" b="0" i="0" u="none" strike="noStrike" cap="none" spc="0" normalizeH="0" baseline="0">
+          <a:defRPr b="0" baseline="0" cap="none" i="0" spc="0" strike="noStrike" sz="1800" u="none" kumimoji="0" normalizeH="0">
             <a:ln>
               <a:noFill/>
             </a:ln>
@@ -5927,7 +5790,7 @@
           <a:buFontTx/>
           <a:buNone/>
           <a:tabLst/>
-          <a:defRPr kumimoji="0" sz="1800" b="0" i="0" u="none" strike="noStrike" cap="none" spc="0" normalizeH="0" baseline="0">
+          <a:defRPr b="0" baseline="0" cap="none" i="0" spc="0" strike="noStrike" sz="1800" u="none" kumimoji="0" normalizeH="0">
             <a:ln>
               <a:noFill/>
             </a:ln>
@@ -5953,7 +5816,7 @@
           <a:buFontTx/>
           <a:buNone/>
           <a:tabLst/>
-          <a:defRPr kumimoji="0" sz="1800" b="0" i="0" u="none" strike="noStrike" cap="none" spc="0" normalizeH="0" baseline="0">
+          <a:defRPr b="0" baseline="0" cap="none" i="0" spc="0" strike="noStrike" sz="1800" u="none" kumimoji="0" normalizeH="0">
             <a:ln>
               <a:noFill/>
             </a:ln>
@@ -5979,7 +5842,7 @@
           <a:buFontTx/>
           <a:buNone/>
           <a:tabLst/>
-          <a:defRPr kumimoji="0" sz="1800" b="0" i="0" u="none" strike="noStrike" cap="none" spc="0" normalizeH="0" baseline="0">
+          <a:defRPr b="0" baseline="0" cap="none" i="0" spc="0" strike="noStrike" sz="1800" u="none" kumimoji="0" normalizeH="0">
             <a:ln>
               <a:noFill/>
             </a:ln>
@@ -6005,7 +5868,7 @@
           <a:buFontTx/>
           <a:buNone/>
           <a:tabLst/>
-          <a:defRPr kumimoji="0" sz="1800" b="0" i="0" u="none" strike="noStrike" cap="none" spc="0" normalizeH="0" baseline="0">
+          <a:defRPr b="0" baseline="0" cap="none" i="0" spc="0" strike="noStrike" sz="1800" u="none" kumimoji="0" normalizeH="0">
             <a:ln>
               <a:noFill/>
             </a:ln>
@@ -6031,7 +5894,7 @@
           <a:buFontTx/>
           <a:buNone/>
           <a:tabLst/>
-          <a:defRPr kumimoji="0" sz="1800" b="0" i="0" u="none" strike="noStrike" cap="none" spc="0" normalizeH="0" baseline="0">
+          <a:defRPr b="0" baseline="0" cap="none" i="0" spc="0" strike="noStrike" sz="1800" u="none" kumimoji="0" normalizeH="0">
             <a:ln>
               <a:noFill/>
             </a:ln>
@@ -6057,7 +5920,7 @@
           <a:buFontTx/>
           <a:buNone/>
           <a:tabLst/>
-          <a:defRPr kumimoji="0" sz="1800" b="0" i="0" u="none" strike="noStrike" cap="none" spc="0" normalizeH="0" baseline="0">
+          <a:defRPr b="0" baseline="0" cap="none" i="0" spc="0" strike="noStrike" sz="1800" u="none" kumimoji="0" normalizeH="0">
             <a:ln>
               <a:noFill/>
             </a:ln>
@@ -6083,7 +5946,7 @@
           <a:buFontTx/>
           <a:buNone/>
           <a:tabLst/>
-          <a:defRPr kumimoji="0" sz="1800" b="0" i="0" u="none" strike="noStrike" cap="none" spc="0" normalizeH="0" baseline="0">
+          <a:defRPr b="0" baseline="0" cap="none" i="0" spc="0" strike="noStrike" sz="1800" u="none" kumimoji="0" normalizeH="0">
             <a:ln>
               <a:noFill/>
             </a:ln>
@@ -6109,7 +5972,7 @@
           <a:buFontTx/>
           <a:buNone/>
           <a:tabLst/>
-          <a:defRPr kumimoji="0" sz="1800" b="0" i="0" u="none" strike="noStrike" cap="none" spc="0" normalizeH="0" baseline="0">
+          <a:defRPr b="0" baseline="0" cap="none" i="0" spc="0" strike="noStrike" sz="1800" u="none" kumimoji="0" normalizeH="0">
             <a:ln>
               <a:noFill/>
             </a:ln>
@@ -6122,15 +5985,9 @@
         </a:lvl9pPr>
       </a:lstStyle>
       <a:style>
-        <a:lnRef idx="0">
-          <a:scrgbClr r="0" g="0" b="0"/>
-        </a:lnRef>
-        <a:fillRef idx="0">
-          <a:scrgbClr r="0" g="0" b="0"/>
-        </a:fillRef>
-        <a:effectRef idx="0">
-          <a:scrgbClr r="0" g="0" b="0"/>
-        </a:effectRef>
+        <a:lnRef idx="0"/>
+        <a:fillRef idx="0"/>
+        <a:effectRef idx="0"/>
         <a:fontRef idx="none"/>
       </a:style>
     </a:lnDef>
@@ -6144,7 +6001,7 @@
         <a:effectLst/>
         <a:sp3d/>
       </a:spPr>
-      <a:bodyPr rot="0" spcFirstLastPara="1" vertOverflow="overflow" horzOverflow="overflow" vert="horz" wrap="square" lIns="45719" tIns="45719" rIns="45719" bIns="45719" numCol="1" spcCol="38100" rtlCol="0" anchor="t">
+      <a:bodyPr rot="0" spcFirstLastPara="1" vertOverflow="overflow" horzOverflow="overflow" vert="horz" wrap="square" lIns="45719" tIns="45719" rIns="45719" bIns="45719" numCol="1" spcCol="38100" rtlCol="0" anchor="t" upright="0">
         <a:spAutoFit/>
       </a:bodyPr>
       <a:lstStyle>
@@ -6163,7 +6020,7 @@
           <a:buFontTx/>
           <a:buNone/>
           <a:tabLst/>
-          <a:defRPr kumimoji="0" sz="1800" b="0" i="0" u="none" strike="noStrike" cap="none" spc="0" normalizeH="0" baseline="0">
+          <a:defRPr b="0" baseline="0" cap="none" i="0" spc="0" strike="noStrike" sz="1800" u="none" kumimoji="0" normalizeH="0">
             <a:ln>
               <a:noFill/>
             </a:ln>
@@ -6193,7 +6050,7 @@
           <a:buFontTx/>
           <a:buNone/>
           <a:tabLst/>
-          <a:defRPr kumimoji="0" sz="1800" b="0" i="0" u="none" strike="noStrike" cap="none" spc="0" normalizeH="0" baseline="0">
+          <a:defRPr b="0" baseline="0" cap="none" i="0" spc="0" strike="noStrike" sz="1800" u="none" kumimoji="0" normalizeH="0">
             <a:ln>
               <a:noFill/>
             </a:ln>
@@ -6219,7 +6076,7 @@
           <a:buFontTx/>
           <a:buNone/>
           <a:tabLst/>
-          <a:defRPr kumimoji="0" sz="1800" b="0" i="0" u="none" strike="noStrike" cap="none" spc="0" normalizeH="0" baseline="0">
+          <a:defRPr b="0" baseline="0" cap="none" i="0" spc="0" strike="noStrike" sz="1800" u="none" kumimoji="0" normalizeH="0">
             <a:ln>
               <a:noFill/>
             </a:ln>
@@ -6245,7 +6102,7 @@
           <a:buFontTx/>
           <a:buNone/>
           <a:tabLst/>
-          <a:defRPr kumimoji="0" sz="1800" b="0" i="0" u="none" strike="noStrike" cap="none" spc="0" normalizeH="0" baseline="0">
+          <a:defRPr b="0" baseline="0" cap="none" i="0" spc="0" strike="noStrike" sz="1800" u="none" kumimoji="0" normalizeH="0">
             <a:ln>
               <a:noFill/>
             </a:ln>
@@ -6271,7 +6128,7 @@
           <a:buFontTx/>
           <a:buNone/>
           <a:tabLst/>
-          <a:defRPr kumimoji="0" sz="1800" b="0" i="0" u="none" strike="noStrike" cap="none" spc="0" normalizeH="0" baseline="0">
+          <a:defRPr b="0" baseline="0" cap="none" i="0" spc="0" strike="noStrike" sz="1800" u="none" kumimoji="0" normalizeH="0">
             <a:ln>
               <a:noFill/>
             </a:ln>
@@ -6297,7 +6154,7 @@
           <a:buFontTx/>
           <a:buNone/>
           <a:tabLst/>
-          <a:defRPr kumimoji="0" sz="1800" b="0" i="0" u="none" strike="noStrike" cap="none" spc="0" normalizeH="0" baseline="0">
+          <a:defRPr b="0" baseline="0" cap="none" i="0" spc="0" strike="noStrike" sz="1800" u="none" kumimoji="0" normalizeH="0">
             <a:ln>
               <a:noFill/>
             </a:ln>
@@ -6323,7 +6180,7 @@
           <a:buFontTx/>
           <a:buNone/>
           <a:tabLst/>
-          <a:defRPr kumimoji="0" sz="1800" b="0" i="0" u="none" strike="noStrike" cap="none" spc="0" normalizeH="0" baseline="0">
+          <a:defRPr b="0" baseline="0" cap="none" i="0" spc="0" strike="noStrike" sz="1800" u="none" kumimoji="0" normalizeH="0">
             <a:ln>
               <a:noFill/>
             </a:ln>
@@ -6349,7 +6206,7 @@
           <a:buFontTx/>
           <a:buNone/>
           <a:tabLst/>
-          <a:defRPr kumimoji="0" sz="1800" b="0" i="0" u="none" strike="noStrike" cap="none" spc="0" normalizeH="0" baseline="0">
+          <a:defRPr b="0" baseline="0" cap="none" i="0" spc="0" strike="noStrike" sz="1800" u="none" kumimoji="0" normalizeH="0">
             <a:ln>
               <a:noFill/>
             </a:ln>
@@ -6375,7 +6232,7 @@
           <a:buFontTx/>
           <a:buNone/>
           <a:tabLst/>
-          <a:defRPr kumimoji="0" sz="1800" b="0" i="0" u="none" strike="noStrike" cap="none" spc="0" normalizeH="0" baseline="0">
+          <a:defRPr b="0" baseline="0" cap="none" i="0" spc="0" strike="noStrike" sz="1800" u="none" kumimoji="0" normalizeH="0">
             <a:ln>
               <a:noFill/>
             </a:ln>
@@ -6401,7 +6258,7 @@
           <a:buFontTx/>
           <a:buNone/>
           <a:tabLst/>
-          <a:defRPr kumimoji="0" sz="1800" b="0" i="0" u="none" strike="noStrike" cap="none" spc="0" normalizeH="0" baseline="0">
+          <a:defRPr b="0" baseline="0" cap="none" i="0" spc="0" strike="noStrike" sz="1800" u="none" kumimoji="0" normalizeH="0">
             <a:ln>
               <a:noFill/>
             </a:ln>
@@ -6414,19 +6271,12 @@
         </a:lvl9pPr>
       </a:lstStyle>
       <a:style>
-        <a:lnRef idx="0">
-          <a:scrgbClr r="0" g="0" b="0"/>
-        </a:lnRef>
-        <a:fillRef idx="0">
-          <a:scrgbClr r="0" g="0" b="0"/>
-        </a:fillRef>
-        <a:effectRef idx="0">
-          <a:scrgbClr r="0" g="0" b="0"/>
-        </a:effectRef>
+        <a:lnRef idx="0"/>
+        <a:fillRef idx="0"/>
+        <a:effectRef idx="0"/>
         <a:fontRef idx="none"/>
       </a:style>
     </a:txDef>
   </a:objectDefaults>
-  <a:extraClrSchemeLst/>
 </a:theme>
 </file>
--- a/Системы контроля версий.pptx
+++ b/Системы контроля версий.pptx
@@ -2,23 +2,13 @@
 <file path=ppt/presentation.xml><?xml version="1.0" encoding="utf-8"?>
 <p:presentation xmlns:a="http://schemas.openxmlformats.org/drawingml/2006/main" xmlns:r="http://schemas.openxmlformats.org/officeDocument/2006/relationships" xmlns:p="http://schemas.openxmlformats.org/presentationml/2006/main">
   <p:sldMasterIdLst>
-    <p:sldMasterId id="2147483648" r:id="rId5"/>
+    <p:sldMasterId id="2147483648" r:id="rId1"/>
   </p:sldMasterIdLst>
   <p:notesMasterIdLst>
-    <p:notesMasterId r:id="rId7"/>
+    <p:notesMasterId r:id="rId3"/>
   </p:notesMasterIdLst>
   <p:sldIdLst>
-    <p:sldId id="256" r:id="rId8"/>
-    <p:sldId id="257" r:id="rId9"/>
-    <p:sldId id="258" r:id="rId10"/>
-    <p:sldId id="259" r:id="rId11"/>
-    <p:sldId id="260" r:id="rId12"/>
-    <p:sldId id="261" r:id="rId13"/>
-    <p:sldId id="262" r:id="rId14"/>
-    <p:sldId id="263" r:id="rId15"/>
-    <p:sldId id="264" r:id="rId16"/>
-    <p:sldId id="265" r:id="rId17"/>
-    <p:sldId id="266" r:id="rId18"/>
+    <p:sldId id="256" r:id="rId2"/>
   </p:sldIdLst>
   <p:sldSz cx="12192000" cy="6858000"/>
   <p:notesSz cx="6858000" cy="9144000"/>
@@ -38,7 +28,7 @@
       <a:buFontTx/>
       <a:buNone/>
       <a:tabLst/>
-      <a:defRPr b="0" baseline="0" cap="none" i="0" spc="0" strike="noStrike" sz="1800" u="none" kumimoji="0" normalizeH="0">
+      <a:defRPr kumimoji="0" sz="1800" b="0" i="0" u="none" strike="noStrike" cap="none" spc="0" normalizeH="0" baseline="0">
         <a:ln>
           <a:noFill/>
         </a:ln>
@@ -64,7 +54,7 @@
       <a:buFontTx/>
       <a:buNone/>
       <a:tabLst/>
-      <a:defRPr b="0" baseline="0" cap="none" i="0" spc="0" strike="noStrike" sz="1800" u="none" kumimoji="0" normalizeH="0">
+      <a:defRPr kumimoji="0" sz="1800" b="0" i="0" u="none" strike="noStrike" cap="none" spc="0" normalizeH="0" baseline="0">
         <a:ln>
           <a:noFill/>
         </a:ln>
@@ -94,7 +84,7 @@
       <a:buFontTx/>
       <a:buNone/>
       <a:tabLst/>
-      <a:defRPr b="0" baseline="0" cap="none" i="0" spc="0" strike="noStrike" sz="1800" u="none" kumimoji="0" normalizeH="0">
+      <a:defRPr kumimoji="0" sz="1800" b="0" i="0" u="none" strike="noStrike" cap="none" spc="0" normalizeH="0" baseline="0">
         <a:ln>
           <a:noFill/>
         </a:ln>
@@ -124,7 +114,7 @@
       <a:buFontTx/>
       <a:buNone/>
       <a:tabLst/>
-      <a:defRPr b="0" baseline="0" cap="none" i="0" spc="0" strike="noStrike" sz="1800" u="none" kumimoji="0" normalizeH="0">
+      <a:defRPr kumimoji="0" sz="1800" b="0" i="0" u="none" strike="noStrike" cap="none" spc="0" normalizeH="0" baseline="0">
         <a:ln>
           <a:noFill/>
         </a:ln>
@@ -154,7 +144,7 @@
       <a:buFontTx/>
       <a:buNone/>
       <a:tabLst/>
-      <a:defRPr b="0" baseline="0" cap="none" i="0" spc="0" strike="noStrike" sz="1800" u="none" kumimoji="0" normalizeH="0">
+      <a:defRPr kumimoji="0" sz="1800" b="0" i="0" u="none" strike="noStrike" cap="none" spc="0" normalizeH="0" baseline="0">
         <a:ln>
           <a:noFill/>
         </a:ln>
@@ -184,7 +174,7 @@
       <a:buFontTx/>
       <a:buNone/>
       <a:tabLst/>
-      <a:defRPr b="0" baseline="0" cap="none" i="0" spc="0" strike="noStrike" sz="1800" u="none" kumimoji="0" normalizeH="0">
+      <a:defRPr kumimoji="0" sz="1800" b="0" i="0" u="none" strike="noStrike" cap="none" spc="0" normalizeH="0" baseline="0">
         <a:ln>
           <a:noFill/>
         </a:ln>
@@ -214,7 +204,7 @@
       <a:buFontTx/>
       <a:buNone/>
       <a:tabLst/>
-      <a:defRPr b="0" baseline="0" cap="none" i="0" spc="0" strike="noStrike" sz="1800" u="none" kumimoji="0" normalizeH="0">
+      <a:defRPr kumimoji="0" sz="1800" b="0" i="0" u="none" strike="noStrike" cap="none" spc="0" normalizeH="0" baseline="0">
         <a:ln>
           <a:noFill/>
         </a:ln>
@@ -244,7 +234,7 @@
       <a:buFontTx/>
       <a:buNone/>
       <a:tabLst/>
-      <a:defRPr b="0" baseline="0" cap="none" i="0" spc="0" strike="noStrike" sz="1800" u="none" kumimoji="0" normalizeH="0">
+      <a:defRPr kumimoji="0" sz="1800" b="0" i="0" u="none" strike="noStrike" cap="none" spc="0" normalizeH="0" baseline="0">
         <a:ln>
           <a:noFill/>
         </a:ln>
@@ -274,7 +264,7 @@
       <a:buFontTx/>
       <a:buNone/>
       <a:tabLst/>
-      <a:defRPr b="0" baseline="0" cap="none" i="0" spc="0" strike="noStrike" sz="1800" u="none" kumimoji="0" normalizeH="0">
+      <a:defRPr kumimoji="0" sz="1800" b="0" i="0" u="none" strike="noStrike" cap="none" spc="0" normalizeH="0" baseline="0">
         <a:ln>
           <a:noFill/>
         </a:ln>
@@ -304,7 +294,7 @@
       <a:buFontTx/>
       <a:buNone/>
       <a:tabLst/>
-      <a:defRPr b="0" baseline="0" cap="none" i="0" spc="0" strike="noStrike" sz="1800" u="none" kumimoji="0" normalizeH="0">
+      <a:defRPr kumimoji="0" sz="1800" b="0" i="0" u="none" strike="noStrike" cap="none" spc="0" normalizeH="0" baseline="0">
         <a:ln>
           <a:noFill/>
         </a:ln>
@@ -323,13 +313,14 @@
 </p:presentation>
 </file>
 
-<file path=ppt/commentAuthors.xml><?xml version="1.0" encoding="utf-8"?>
-<p:cmAuthorLst xmlns:a="http://schemas.openxmlformats.org/drawingml/2006/main" xmlns:r="http://schemas.openxmlformats.org/officeDocument/2006/relationships" xmlns:p="http://schemas.openxmlformats.org/presentationml/2006/main"/>
-</file>
-
 <file path=ppt/notesMasters/notesMaster1.xml><?xml version="1.0" encoding="utf-8"?>
 <p:notesMaster xmlns:a="http://schemas.openxmlformats.org/drawingml/2006/main" xmlns:r="http://schemas.openxmlformats.org/officeDocument/2006/relationships" xmlns:p="http://schemas.openxmlformats.org/presentationml/2006/main">
   <p:cSld>
+    <p:bg>
+      <p:bgRef idx="1001">
+        <a:schemeClr val="bg1"/>
+      </p:bgRef>
+    </p:bg>
     <p:spTree>
       <p:nvGrpSpPr>
         <p:cNvPr id="1" name=""/>
@@ -347,7 +338,9 @@
       <p:sp>
         <p:nvSpPr>
           <p:cNvPr id="118" name="Shape 118"/>
-          <p:cNvSpPr/>
+          <p:cNvSpPr>
+            <a:spLocks noGrp="1" noRot="1" noChangeAspect="1"/>
+          </p:cNvSpPr>
           <p:nvPr>
             <p:ph type="sldImg"/>
           </p:nvPr>
@@ -365,14 +358,16 @@
           <a:bodyPr/>
           <a:lstStyle/>
           <a:p>
-            <a:pPr/>
+            <a:endParaRPr/>
           </a:p>
         </p:txBody>
       </p:sp>
       <p:sp>
         <p:nvSpPr>
           <p:cNvPr id="119" name="Shape 119"/>
-          <p:cNvSpPr/>
+          <p:cNvSpPr>
+            <a:spLocks noGrp="1"/>
+          </p:cNvSpPr>
           <p:nvPr>
             <p:ph type="body" sz="quarter" idx="1"/>
           </p:nvPr>
@@ -390,7 +385,7 @@
           <a:bodyPr/>
           <a:lstStyle/>
           <a:p>
-            <a:pPr/>
+            <a:endParaRPr/>
           </a:p>
         </p:txBody>
       </p:sp>
@@ -475,7 +470,7 @@
 </file>
 
 <file path=ppt/slideLayouts/slideLayout1.xml><?xml version="1.0" encoding="utf-8"?>
-<p:sldLayout xmlns:a="http://schemas.openxmlformats.org/drawingml/2006/main" xmlns:r="http://schemas.openxmlformats.org/officeDocument/2006/relationships" xmlns:p="http://schemas.openxmlformats.org/presentationml/2006/main" type="title" showMasterSp="1" showMasterPhAnim="1">
+<p:sldLayout xmlns:a="http://schemas.openxmlformats.org/drawingml/2006/main" xmlns:r="http://schemas.openxmlformats.org/officeDocument/2006/relationships" xmlns:p="http://schemas.openxmlformats.org/presentationml/2006/main" type="title">
   <p:cSld name="Титульный слайд">
     <p:spTree>
       <p:nvGrpSpPr>
@@ -494,7 +489,9 @@
       <p:sp>
         <p:nvSpPr>
           <p:cNvPr id="11" name="Shape 11"/>
-          <p:cNvSpPr/>
+          <p:cNvSpPr>
+            <a:spLocks noGrp="1"/>
+          </p:cNvSpPr>
           <p:nvPr>
             <p:ph type="title"/>
           </p:nvPr>
@@ -516,7 +513,6 @@
             </a:lvl1pPr>
           </a:lstStyle>
           <a:p>
-            <a:pPr/>
             <a:r>
               <a:t>Title Text</a:t>
             </a:r>
@@ -526,7 +522,9 @@
       <p:sp>
         <p:nvSpPr>
           <p:cNvPr id="12" name="Shape 12"/>
-          <p:cNvSpPr/>
+          <p:cNvSpPr>
+            <a:spLocks noGrp="1"/>
+          </p:cNvSpPr>
           <p:nvPr>
             <p:ph type="body" sz="quarter" idx="1"/>
           </p:nvPr>
@@ -575,7 +573,6 @@
             </a:lvl5pPr>
           </a:lstStyle>
           <a:p>
-            <a:pPr/>
             <a:r>
               <a:t>Body Level One</a:t>
             </a:r>
@@ -609,7 +606,9 @@
       <p:sp>
         <p:nvSpPr>
           <p:cNvPr id="13" name="Shape 13"/>
-          <p:cNvSpPr/>
+          <p:cNvSpPr>
+            <a:spLocks noGrp="1"/>
+          </p:cNvSpPr>
           <p:nvPr>
             <p:ph type="sldNum" sz="quarter" idx="2"/>
           </p:nvPr>
@@ -623,8 +622,10 @@
           <a:bodyPr/>
           <a:lstStyle/>
           <a:p>
-            <a:pPr/>
-            <a:fld id="{86CB4B4D-7CA3-9044-876B-883B54F8677D}" type="slidenum"/>
+            <a:fld id="{86CB4B4D-7CA3-9044-876B-883B54F8677D}" type="slidenum">
+              <a:t>‹#›</a:t>
+            </a:fld>
+            <a:endParaRPr/>
           </a:p>
         </p:txBody>
       </p:sp>
@@ -633,132 +634,12 @@
   <p:clrMapOvr>
     <a:masterClrMapping/>
   </p:clrMapOvr>
-  <p:transition xmlns:p14="http://schemas.microsoft.com/office/powerpoint/2010/main" spd="med" advClick="1"/>
+  <p:transition spd="med"/>
 </p:sldLayout>
 </file>
 
 <file path=ppt/slideLayouts/slideLayout10.xml><?xml version="1.0" encoding="utf-8"?>
-<p:sldLayout xmlns:a="http://schemas.openxmlformats.org/drawingml/2006/main" xmlns:r="http://schemas.openxmlformats.org/officeDocument/2006/relationships" xmlns:p="http://schemas.openxmlformats.org/presentationml/2006/main" type="tx" showMasterSp="1" showMasterPhAnim="1">
-  <p:cSld name="Заголовок и вертикальный текст">
-    <p:spTree>
-      <p:nvGrpSpPr>
-        <p:cNvPr id="1" name=""/>
-        <p:cNvGrpSpPr/>
-        <p:nvPr/>
-      </p:nvGrpSpPr>
-      <p:grpSpPr>
-        <a:xfrm>
-          <a:off x="0" y="0"/>
-          <a:ext cx="0" cy="0"/>
-          <a:chOff x="0" y="0"/>
-          <a:chExt cx="0" cy="0"/>
-        </a:xfrm>
-      </p:grpSpPr>
-      <p:sp>
-        <p:nvSpPr>
-          <p:cNvPr id="92" name="Shape 92"/>
-          <p:cNvSpPr/>
-          <p:nvPr>
-            <p:ph type="title"/>
-          </p:nvPr>
-        </p:nvSpPr>
-        <p:spPr>
-          <a:prstGeom prst="rect">
-            <a:avLst/>
-          </a:prstGeom>
-        </p:spPr>
-        <p:txBody>
-          <a:bodyPr/>
-          <a:lstStyle/>
-          <a:p>
-            <a:pPr/>
-            <a:r>
-              <a:t>Title Text</a:t>
-            </a:r>
-          </a:p>
-        </p:txBody>
-      </p:sp>
-      <p:sp>
-        <p:nvSpPr>
-          <p:cNvPr id="93" name="Shape 93"/>
-          <p:cNvSpPr/>
-          <p:nvPr>
-            <p:ph type="body" idx="1"/>
-          </p:nvPr>
-        </p:nvSpPr>
-        <p:spPr>
-          <a:prstGeom prst="rect">
-            <a:avLst/>
-          </a:prstGeom>
-        </p:spPr>
-        <p:txBody>
-          <a:bodyPr/>
-          <a:lstStyle/>
-          <a:p>
-            <a:pPr/>
-            <a:r>
-              <a:t>Body Level One</a:t>
-            </a:r>
-          </a:p>
-          <a:p>
-            <a:pPr lvl="1"/>
-            <a:r>
-              <a:t>Body Level Two</a:t>
-            </a:r>
-          </a:p>
-          <a:p>
-            <a:pPr lvl="2"/>
-            <a:r>
-              <a:t>Body Level Three</a:t>
-            </a:r>
-          </a:p>
-          <a:p>
-            <a:pPr lvl="3"/>
-            <a:r>
-              <a:t>Body Level Four</a:t>
-            </a:r>
-          </a:p>
-          <a:p>
-            <a:pPr lvl="4"/>
-            <a:r>
-              <a:t>Body Level Five</a:t>
-            </a:r>
-          </a:p>
-        </p:txBody>
-      </p:sp>
-      <p:sp>
-        <p:nvSpPr>
-          <p:cNvPr id="94" name="Shape 94"/>
-          <p:cNvSpPr/>
-          <p:nvPr>
-            <p:ph type="sldNum" sz="quarter" idx="2"/>
-          </p:nvPr>
-        </p:nvSpPr>
-        <p:spPr>
-          <a:prstGeom prst="rect">
-            <a:avLst/>
-          </a:prstGeom>
-        </p:spPr>
-        <p:txBody>
-          <a:bodyPr/>
-          <a:lstStyle/>
-          <a:p>
-            <a:pPr/>
-            <a:fld id="{86CB4B4D-7CA3-9044-876B-883B54F8677D}" type="slidenum"/>
-          </a:p>
-        </p:txBody>
-      </p:sp>
-    </p:spTree>
-  </p:cSld>
-  <p:clrMapOvr>
-    <a:masterClrMapping/>
-  </p:clrMapOvr>
-  <p:transition xmlns:p14="http://schemas.microsoft.com/office/powerpoint/2010/main" spd="med" advClick="1"/>
-</p:sldLayout>
-</file>
-
-<file path=ppt/slideLayouts/slideLayout11.xml><?xml version="1.0" encoding="utf-8"?>
-<p:sldLayout xmlns:a="http://schemas.openxmlformats.org/drawingml/2006/main" xmlns:r="http://schemas.openxmlformats.org/officeDocument/2006/relationships" xmlns:p="http://schemas.openxmlformats.org/presentationml/2006/main" type="tx" showMasterSp="1" showMasterPhAnim="1">
+<p:sldLayout xmlns:a="http://schemas.openxmlformats.org/drawingml/2006/main" xmlns:r="http://schemas.openxmlformats.org/officeDocument/2006/relationships" xmlns:p="http://schemas.openxmlformats.org/presentationml/2006/main" type="tx">
   <p:cSld name="Вертикальный заголовок и текст">
     <p:spTree>
       <p:nvGrpSpPr>
@@ -777,7 +658,9 @@
       <p:sp>
         <p:nvSpPr>
           <p:cNvPr id="101" name="Shape 101"/>
-          <p:cNvSpPr/>
+          <p:cNvSpPr>
+            <a:spLocks noGrp="1"/>
+          </p:cNvSpPr>
           <p:nvPr>
             <p:ph type="title"/>
           </p:nvPr>
@@ -795,7 +678,6 @@
           <a:bodyPr/>
           <a:lstStyle/>
           <a:p>
-            <a:pPr/>
             <a:r>
               <a:t>Title Text</a:t>
             </a:r>
@@ -805,7 +687,9 @@
       <p:sp>
         <p:nvSpPr>
           <p:cNvPr id="102" name="Shape 102"/>
-          <p:cNvSpPr/>
+          <p:cNvSpPr>
+            <a:spLocks noGrp="1"/>
+          </p:cNvSpPr>
           <p:nvPr>
             <p:ph type="body" idx="1"/>
           </p:nvPr>
@@ -823,7 +707,6 @@
           <a:bodyPr/>
           <a:lstStyle/>
           <a:p>
-            <a:pPr/>
             <a:r>
               <a:t>Body Level One</a:t>
             </a:r>
@@ -857,7 +740,9 @@
       <p:sp>
         <p:nvSpPr>
           <p:cNvPr id="103" name="Shape 103"/>
-          <p:cNvSpPr/>
+          <p:cNvSpPr>
+            <a:spLocks noGrp="1"/>
+          </p:cNvSpPr>
           <p:nvPr>
             <p:ph type="sldNum" sz="quarter" idx="2"/>
           </p:nvPr>
@@ -871,8 +756,10 @@
           <a:bodyPr/>
           <a:lstStyle/>
           <a:p>
-            <a:pPr/>
-            <a:fld id="{86CB4B4D-7CA3-9044-876B-883B54F8677D}" type="slidenum"/>
+            <a:fld id="{86CB4B4D-7CA3-9044-876B-883B54F8677D}" type="slidenum">
+              <a:t>‹#›</a:t>
+            </a:fld>
+            <a:endParaRPr/>
           </a:p>
         </p:txBody>
       </p:sp>
@@ -881,252 +768,12 @@
   <p:clrMapOvr>
     <a:masterClrMapping/>
   </p:clrMapOvr>
-  <p:transition xmlns:p14="http://schemas.microsoft.com/office/powerpoint/2010/main" spd="med" advClick="1"/>
-</p:sldLayout>
-</file>
-
-<file path=ppt/slideLayouts/slideLayout12.xml><?xml version="1.0" encoding="utf-8"?>
-<p:sldLayout xmlns:a="http://schemas.openxmlformats.org/drawingml/2006/main" xmlns:r="http://schemas.openxmlformats.org/officeDocument/2006/relationships" xmlns:p="http://schemas.openxmlformats.org/presentationml/2006/main" type="tx" showMasterSp="1" showMasterPhAnim="1">
-  <p:cSld name="Заголовок и объект">
-    <p:spTree>
-      <p:nvGrpSpPr>
-        <p:cNvPr id="1" name=""/>
-        <p:cNvGrpSpPr/>
-        <p:nvPr/>
-      </p:nvGrpSpPr>
-      <p:grpSpPr>
-        <a:xfrm>
-          <a:off x="0" y="0"/>
-          <a:ext cx="0" cy="0"/>
-          <a:chOff x="0" y="0"/>
-          <a:chExt cx="0" cy="0"/>
-        </a:xfrm>
-      </p:grpSpPr>
-      <p:sp>
-        <p:nvSpPr>
-          <p:cNvPr id="110" name="Shape 110"/>
-          <p:cNvSpPr/>
-          <p:nvPr>
-            <p:ph type="title"/>
-          </p:nvPr>
-        </p:nvSpPr>
-        <p:spPr>
-          <a:prstGeom prst="rect">
-            <a:avLst/>
-          </a:prstGeom>
-        </p:spPr>
-        <p:txBody>
-          <a:bodyPr/>
-          <a:lstStyle/>
-          <a:p>
-            <a:pPr/>
-            <a:r>
-              <a:t>Title Text</a:t>
-            </a:r>
-          </a:p>
-        </p:txBody>
-      </p:sp>
-      <p:sp>
-        <p:nvSpPr>
-          <p:cNvPr id="111" name="Shape 111"/>
-          <p:cNvSpPr/>
-          <p:nvPr>
-            <p:ph type="body" idx="1"/>
-          </p:nvPr>
-        </p:nvSpPr>
-        <p:spPr>
-          <a:prstGeom prst="rect">
-            <a:avLst/>
-          </a:prstGeom>
-        </p:spPr>
-        <p:txBody>
-          <a:bodyPr/>
-          <a:lstStyle/>
-          <a:p>
-            <a:pPr/>
-            <a:r>
-              <a:t>Body Level One</a:t>
-            </a:r>
-          </a:p>
-          <a:p>
-            <a:pPr lvl="1"/>
-            <a:r>
-              <a:t>Body Level Two</a:t>
-            </a:r>
-          </a:p>
-          <a:p>
-            <a:pPr lvl="2"/>
-            <a:r>
-              <a:t>Body Level Three</a:t>
-            </a:r>
-          </a:p>
-          <a:p>
-            <a:pPr lvl="3"/>
-            <a:r>
-              <a:t>Body Level Four</a:t>
-            </a:r>
-          </a:p>
-          <a:p>
-            <a:pPr lvl="4"/>
-            <a:r>
-              <a:t>Body Level Five</a:t>
-            </a:r>
-          </a:p>
-        </p:txBody>
-      </p:sp>
-      <p:sp>
-        <p:nvSpPr>
-          <p:cNvPr id="112" name="Shape 112"/>
-          <p:cNvSpPr/>
-          <p:nvPr>
-            <p:ph type="sldNum" sz="quarter" idx="2"/>
-          </p:nvPr>
-        </p:nvSpPr>
-        <p:spPr>
-          <a:prstGeom prst="rect">
-            <a:avLst/>
-          </a:prstGeom>
-        </p:spPr>
-        <p:txBody>
-          <a:bodyPr/>
-          <a:lstStyle/>
-          <a:p>
-            <a:pPr/>
-            <a:fld id="{86CB4B4D-7CA3-9044-876B-883B54F8677D}" type="slidenum"/>
-          </a:p>
-        </p:txBody>
-      </p:sp>
-    </p:spTree>
-  </p:cSld>
-  <p:clrMapOvr>
-    <a:masterClrMapping/>
-  </p:clrMapOvr>
-  <p:transition xmlns:p14="http://schemas.microsoft.com/office/powerpoint/2010/main" spd="med" advClick="1"/>
+  <p:transition spd="med"/>
 </p:sldLayout>
 </file>
 
 <file path=ppt/slideLayouts/slideLayout2.xml><?xml version="1.0" encoding="utf-8"?>
-<p:sldLayout xmlns:a="http://schemas.openxmlformats.org/drawingml/2006/main" xmlns:r="http://schemas.openxmlformats.org/officeDocument/2006/relationships" xmlns:p="http://schemas.openxmlformats.org/presentationml/2006/main" type="tx" showMasterSp="1" showMasterPhAnim="1">
-  <p:cSld name="Заголовок и объект">
-    <p:spTree>
-      <p:nvGrpSpPr>
-        <p:cNvPr id="1" name=""/>
-        <p:cNvGrpSpPr/>
-        <p:nvPr/>
-      </p:nvGrpSpPr>
-      <p:grpSpPr>
-        <a:xfrm>
-          <a:off x="0" y="0"/>
-          <a:ext cx="0" cy="0"/>
-          <a:chOff x="0" y="0"/>
-          <a:chExt cx="0" cy="0"/>
-        </a:xfrm>
-      </p:grpSpPr>
-      <p:sp>
-        <p:nvSpPr>
-          <p:cNvPr id="20" name="Shape 20"/>
-          <p:cNvSpPr/>
-          <p:nvPr>
-            <p:ph type="title"/>
-          </p:nvPr>
-        </p:nvSpPr>
-        <p:spPr>
-          <a:prstGeom prst="rect">
-            <a:avLst/>
-          </a:prstGeom>
-        </p:spPr>
-        <p:txBody>
-          <a:bodyPr/>
-          <a:lstStyle/>
-          <a:p>
-            <a:pPr/>
-            <a:r>
-              <a:t>Title Text</a:t>
-            </a:r>
-          </a:p>
-        </p:txBody>
-      </p:sp>
-      <p:sp>
-        <p:nvSpPr>
-          <p:cNvPr id="21" name="Shape 21"/>
-          <p:cNvSpPr/>
-          <p:nvPr>
-            <p:ph type="body" idx="1"/>
-          </p:nvPr>
-        </p:nvSpPr>
-        <p:spPr>
-          <a:prstGeom prst="rect">
-            <a:avLst/>
-          </a:prstGeom>
-        </p:spPr>
-        <p:txBody>
-          <a:bodyPr/>
-          <a:lstStyle/>
-          <a:p>
-            <a:pPr/>
-            <a:r>
-              <a:t>Body Level One</a:t>
-            </a:r>
-          </a:p>
-          <a:p>
-            <a:pPr lvl="1"/>
-            <a:r>
-              <a:t>Body Level Two</a:t>
-            </a:r>
-          </a:p>
-          <a:p>
-            <a:pPr lvl="2"/>
-            <a:r>
-              <a:t>Body Level Three</a:t>
-            </a:r>
-          </a:p>
-          <a:p>
-            <a:pPr lvl="3"/>
-            <a:r>
-              <a:t>Body Level Four</a:t>
-            </a:r>
-          </a:p>
-          <a:p>
-            <a:pPr lvl="4"/>
-            <a:r>
-              <a:t>Body Level Five</a:t>
-            </a:r>
-          </a:p>
-        </p:txBody>
-      </p:sp>
-      <p:sp>
-        <p:nvSpPr>
-          <p:cNvPr id="22" name="Shape 22"/>
-          <p:cNvSpPr/>
-          <p:nvPr>
-            <p:ph type="sldNum" sz="quarter" idx="2"/>
-          </p:nvPr>
-        </p:nvSpPr>
-        <p:spPr>
-          <a:prstGeom prst="rect">
-            <a:avLst/>
-          </a:prstGeom>
-        </p:spPr>
-        <p:txBody>
-          <a:bodyPr/>
-          <a:lstStyle/>
-          <a:p>
-            <a:pPr/>
-            <a:fld id="{86CB4B4D-7CA3-9044-876B-883B54F8677D}" type="slidenum"/>
-          </a:p>
-        </p:txBody>
-      </p:sp>
-    </p:spTree>
-  </p:cSld>
-  <p:clrMapOvr>
-    <a:masterClrMapping/>
-  </p:clrMapOvr>
-  <p:transition xmlns:p14="http://schemas.microsoft.com/office/powerpoint/2010/main" spd="med" advClick="1"/>
-</p:sldLayout>
-</file>
-
-<file path=ppt/slideLayouts/slideLayout3.xml><?xml version="1.0" encoding="utf-8"?>
-<p:sldLayout xmlns:a="http://schemas.openxmlformats.org/drawingml/2006/main" xmlns:r="http://schemas.openxmlformats.org/officeDocument/2006/relationships" xmlns:p="http://schemas.openxmlformats.org/presentationml/2006/main" type="tx" showMasterSp="1" showMasterPhAnim="1">
+<p:sldLayout xmlns:a="http://schemas.openxmlformats.org/drawingml/2006/main" xmlns:r="http://schemas.openxmlformats.org/officeDocument/2006/relationships" xmlns:p="http://schemas.openxmlformats.org/presentationml/2006/main" type="tx">
   <p:cSld name="Заголовок раздела">
     <p:spTree>
       <p:nvGrpSpPr>
@@ -1145,7 +792,9 @@
       <p:sp>
         <p:nvSpPr>
           <p:cNvPr id="29" name="Shape 29"/>
-          <p:cNvSpPr/>
+          <p:cNvSpPr>
+            <a:spLocks noGrp="1"/>
+          </p:cNvSpPr>
           <p:nvPr>
             <p:ph type="title"/>
           </p:nvPr>
@@ -1167,7 +816,6 @@
             </a:lvl1pPr>
           </a:lstStyle>
           <a:p>
-            <a:pPr/>
             <a:r>
               <a:t>Title Text</a:t>
             </a:r>
@@ -1177,7 +825,9 @@
       <p:sp>
         <p:nvSpPr>
           <p:cNvPr id="30" name="Shape 30"/>
-          <p:cNvSpPr/>
+          <p:cNvSpPr>
+            <a:spLocks noGrp="1"/>
+          </p:cNvSpPr>
           <p:nvPr>
             <p:ph type="body" sz="quarter" idx="1"/>
           </p:nvPr>
@@ -1246,7 +896,6 @@
             </a:lvl5pPr>
           </a:lstStyle>
           <a:p>
-            <a:pPr/>
             <a:r>
               <a:t>Body Level One</a:t>
             </a:r>
@@ -1280,7 +929,9 @@
       <p:sp>
         <p:nvSpPr>
           <p:cNvPr id="31" name="Shape 31"/>
-          <p:cNvSpPr/>
+          <p:cNvSpPr>
+            <a:spLocks noGrp="1"/>
+          </p:cNvSpPr>
           <p:nvPr>
             <p:ph type="sldNum" sz="quarter" idx="2"/>
           </p:nvPr>
@@ -1294,8 +945,10 @@
           <a:bodyPr/>
           <a:lstStyle/>
           <a:p>
-            <a:pPr/>
-            <a:fld id="{86CB4B4D-7CA3-9044-876B-883B54F8677D}" type="slidenum"/>
+            <a:fld id="{86CB4B4D-7CA3-9044-876B-883B54F8677D}" type="slidenum">
+              <a:t>‹#›</a:t>
+            </a:fld>
+            <a:endParaRPr/>
           </a:p>
         </p:txBody>
       </p:sp>
@@ -1304,12 +957,12 @@
   <p:clrMapOvr>
     <a:masterClrMapping/>
   </p:clrMapOvr>
-  <p:transition xmlns:p14="http://schemas.microsoft.com/office/powerpoint/2010/main" spd="med" advClick="1"/>
+  <p:transition spd="med"/>
 </p:sldLayout>
 </file>
 
-<file path=ppt/slideLayouts/slideLayout4.xml><?xml version="1.0" encoding="utf-8"?>
-<p:sldLayout xmlns:a="http://schemas.openxmlformats.org/drawingml/2006/main" xmlns:r="http://schemas.openxmlformats.org/officeDocument/2006/relationships" xmlns:p="http://schemas.openxmlformats.org/presentationml/2006/main" type="tx" showMasterSp="1" showMasterPhAnim="1">
+<file path=ppt/slideLayouts/slideLayout3.xml><?xml version="1.0" encoding="utf-8"?>
+<p:sldLayout xmlns:a="http://schemas.openxmlformats.org/drawingml/2006/main" xmlns:r="http://schemas.openxmlformats.org/officeDocument/2006/relationships" xmlns:p="http://schemas.openxmlformats.org/presentationml/2006/main" type="tx">
   <p:cSld name="Два объекта">
     <p:spTree>
       <p:nvGrpSpPr>
@@ -1328,7 +981,9 @@
       <p:sp>
         <p:nvSpPr>
           <p:cNvPr id="38" name="Shape 38"/>
-          <p:cNvSpPr/>
+          <p:cNvSpPr>
+            <a:spLocks noGrp="1"/>
+          </p:cNvSpPr>
           <p:nvPr>
             <p:ph type="title"/>
           </p:nvPr>
@@ -1342,7 +997,6 @@
           <a:bodyPr/>
           <a:lstStyle/>
           <a:p>
-            <a:pPr/>
             <a:r>
               <a:t>Title Text</a:t>
             </a:r>
@@ -1352,7 +1006,9 @@
       <p:sp>
         <p:nvSpPr>
           <p:cNvPr id="39" name="Shape 39"/>
-          <p:cNvSpPr/>
+          <p:cNvSpPr>
+            <a:spLocks noGrp="1"/>
+          </p:cNvSpPr>
           <p:nvPr>
             <p:ph type="body" sz="half" idx="1"/>
           </p:nvPr>
@@ -1370,7 +1026,6 @@
           <a:bodyPr/>
           <a:lstStyle/>
           <a:p>
-            <a:pPr/>
             <a:r>
               <a:t>Body Level One</a:t>
             </a:r>
@@ -1404,7 +1059,9 @@
       <p:sp>
         <p:nvSpPr>
           <p:cNvPr id="40" name="Shape 40"/>
-          <p:cNvSpPr/>
+          <p:cNvSpPr>
+            <a:spLocks noGrp="1"/>
+          </p:cNvSpPr>
           <p:nvPr>
             <p:ph type="sldNum" sz="quarter" idx="2"/>
           </p:nvPr>
@@ -1418,8 +1075,10 @@
           <a:bodyPr/>
           <a:lstStyle/>
           <a:p>
-            <a:pPr/>
-            <a:fld id="{86CB4B4D-7CA3-9044-876B-883B54F8677D}" type="slidenum"/>
+            <a:fld id="{86CB4B4D-7CA3-9044-876B-883B54F8677D}" type="slidenum">
+              <a:t>‹#›</a:t>
+            </a:fld>
+            <a:endParaRPr/>
           </a:p>
         </p:txBody>
       </p:sp>
@@ -1428,12 +1087,12 @@
   <p:clrMapOvr>
     <a:masterClrMapping/>
   </p:clrMapOvr>
-  <p:transition xmlns:p14="http://schemas.microsoft.com/office/powerpoint/2010/main" spd="med" advClick="1"/>
+  <p:transition spd="med"/>
 </p:sldLayout>
 </file>
 
-<file path=ppt/slideLayouts/slideLayout5.xml><?xml version="1.0" encoding="utf-8"?>
-<p:sldLayout xmlns:a="http://schemas.openxmlformats.org/drawingml/2006/main" xmlns:r="http://schemas.openxmlformats.org/officeDocument/2006/relationships" xmlns:p="http://schemas.openxmlformats.org/presentationml/2006/main" type="tx" showMasterSp="1" showMasterPhAnim="1">
+<file path=ppt/slideLayouts/slideLayout4.xml><?xml version="1.0" encoding="utf-8"?>
+<p:sldLayout xmlns:a="http://schemas.openxmlformats.org/drawingml/2006/main" xmlns:r="http://schemas.openxmlformats.org/officeDocument/2006/relationships" xmlns:p="http://schemas.openxmlformats.org/presentationml/2006/main" type="tx">
   <p:cSld name="Сравнение">
     <p:spTree>
       <p:nvGrpSpPr>
@@ -1452,7 +1111,9 @@
       <p:sp>
         <p:nvSpPr>
           <p:cNvPr id="47" name="Shape 47"/>
-          <p:cNvSpPr/>
+          <p:cNvSpPr>
+            <a:spLocks noGrp="1"/>
+          </p:cNvSpPr>
           <p:nvPr>
             <p:ph type="title"/>
           </p:nvPr>
@@ -1470,7 +1131,6 @@
           <a:bodyPr/>
           <a:lstStyle/>
           <a:p>
-            <a:pPr/>
             <a:r>
               <a:t>Title Text</a:t>
             </a:r>
@@ -1480,7 +1140,9 @@
       <p:sp>
         <p:nvSpPr>
           <p:cNvPr id="48" name="Shape 48"/>
-          <p:cNvSpPr/>
+          <p:cNvSpPr>
+            <a:spLocks noGrp="1"/>
+          </p:cNvSpPr>
           <p:nvPr>
             <p:ph type="body" sz="quarter" idx="1"/>
           </p:nvPr>
@@ -1501,35 +1163,34 @@
               <a:buSzTx/>
               <a:buFontTx/>
               <a:buNone/>
-              <a:defRPr b="1" sz="2400"/>
+              <a:defRPr sz="2400" b="1"/>
             </a:lvl1pPr>
             <a:lvl2pPr marL="0" indent="457200">
               <a:buSzTx/>
               <a:buFontTx/>
               <a:buNone/>
-              <a:defRPr b="1" sz="2400"/>
+              <a:defRPr sz="2400" b="1"/>
             </a:lvl2pPr>
             <a:lvl3pPr marL="0" indent="914400">
               <a:buSzTx/>
               <a:buFontTx/>
               <a:buNone/>
-              <a:defRPr b="1" sz="2400"/>
+              <a:defRPr sz="2400" b="1"/>
             </a:lvl3pPr>
             <a:lvl4pPr marL="0" indent="1371600">
               <a:buSzTx/>
               <a:buFontTx/>
               <a:buNone/>
-              <a:defRPr b="1" sz="2400"/>
+              <a:defRPr sz="2400" b="1"/>
             </a:lvl4pPr>
             <a:lvl5pPr marL="0" indent="1828800">
               <a:buSzTx/>
               <a:buFontTx/>
               <a:buNone/>
-              <a:defRPr b="1" sz="2400"/>
+              <a:defRPr sz="2400" b="1"/>
             </a:lvl5pPr>
           </a:lstStyle>
           <a:p>
-            <a:pPr/>
             <a:r>
               <a:t>Body Level One</a:t>
             </a:r>
@@ -1563,7 +1224,9 @@
       <p:sp>
         <p:nvSpPr>
           <p:cNvPr id="49" name="Shape 49"/>
-          <p:cNvSpPr/>
+          <p:cNvSpPr>
+            <a:spLocks noGrp="1"/>
+          </p:cNvSpPr>
           <p:nvPr>
             <p:ph type="body" sz="quarter" idx="13"/>
           </p:nvPr>
@@ -1585,15 +1248,18 @@
               <a:buSzTx/>
               <a:buFontTx/>
               <a:buNone/>
-              <a:defRPr b="1" sz="2400"/>
+              <a:defRPr sz="2400" b="1"/>
             </a:pPr>
+            <a:endParaRPr/>
           </a:p>
         </p:txBody>
       </p:sp>
       <p:sp>
         <p:nvSpPr>
           <p:cNvPr id="50" name="Shape 50"/>
-          <p:cNvSpPr/>
+          <p:cNvSpPr>
+            <a:spLocks noGrp="1"/>
+          </p:cNvSpPr>
           <p:nvPr>
             <p:ph type="sldNum" sz="quarter" idx="2"/>
           </p:nvPr>
@@ -1607,8 +1273,10 @@
           <a:bodyPr/>
           <a:lstStyle/>
           <a:p>
-            <a:pPr/>
-            <a:fld id="{86CB4B4D-7CA3-9044-876B-883B54F8677D}" type="slidenum"/>
+            <a:fld id="{86CB4B4D-7CA3-9044-876B-883B54F8677D}" type="slidenum">
+              <a:t>‹#›</a:t>
+            </a:fld>
+            <a:endParaRPr/>
           </a:p>
         </p:txBody>
       </p:sp>
@@ -1617,12 +1285,12 @@
   <p:clrMapOvr>
     <a:masterClrMapping/>
   </p:clrMapOvr>
-  <p:transition xmlns:p14="http://schemas.microsoft.com/office/powerpoint/2010/main" spd="med" advClick="1"/>
+  <p:transition spd="med"/>
 </p:sldLayout>
 </file>
 
-<file path=ppt/slideLayouts/slideLayout6.xml><?xml version="1.0" encoding="utf-8"?>
-<p:sldLayout xmlns:a="http://schemas.openxmlformats.org/drawingml/2006/main" xmlns:r="http://schemas.openxmlformats.org/officeDocument/2006/relationships" xmlns:p="http://schemas.openxmlformats.org/presentationml/2006/main" type="tx" showMasterSp="1" showMasterPhAnim="1">
+<file path=ppt/slideLayouts/slideLayout5.xml><?xml version="1.0" encoding="utf-8"?>
+<p:sldLayout xmlns:a="http://schemas.openxmlformats.org/drawingml/2006/main" xmlns:r="http://schemas.openxmlformats.org/officeDocument/2006/relationships" xmlns:p="http://schemas.openxmlformats.org/presentationml/2006/main" type="tx">
   <p:cSld name="Только заголовок">
     <p:spTree>
       <p:nvGrpSpPr>
@@ -1641,7 +1309,9 @@
       <p:sp>
         <p:nvSpPr>
           <p:cNvPr id="57" name="Shape 57"/>
-          <p:cNvSpPr/>
+          <p:cNvSpPr>
+            <a:spLocks noGrp="1"/>
+          </p:cNvSpPr>
           <p:nvPr>
             <p:ph type="title"/>
           </p:nvPr>
@@ -1655,7 +1325,6 @@
           <a:bodyPr/>
           <a:lstStyle/>
           <a:p>
-            <a:pPr/>
             <a:r>
               <a:t>Title Text</a:t>
             </a:r>
@@ -1665,7 +1334,9 @@
       <p:sp>
         <p:nvSpPr>
           <p:cNvPr id="58" name="Shape 58"/>
-          <p:cNvSpPr/>
+          <p:cNvSpPr>
+            <a:spLocks noGrp="1"/>
+          </p:cNvSpPr>
           <p:nvPr>
             <p:ph type="sldNum" sz="quarter" idx="2"/>
           </p:nvPr>
@@ -1679,8 +1350,10 @@
           <a:bodyPr/>
           <a:lstStyle/>
           <a:p>
-            <a:pPr/>
-            <a:fld id="{86CB4B4D-7CA3-9044-876B-883B54F8677D}" type="slidenum"/>
+            <a:fld id="{86CB4B4D-7CA3-9044-876B-883B54F8677D}" type="slidenum">
+              <a:t>‹#›</a:t>
+            </a:fld>
+            <a:endParaRPr/>
           </a:p>
         </p:txBody>
       </p:sp>
@@ -1689,12 +1362,12 @@
   <p:clrMapOvr>
     <a:masterClrMapping/>
   </p:clrMapOvr>
-  <p:transition xmlns:p14="http://schemas.microsoft.com/office/powerpoint/2010/main" spd="med" advClick="1"/>
+  <p:transition spd="med"/>
 </p:sldLayout>
 </file>
 
-<file path=ppt/slideLayouts/slideLayout7.xml><?xml version="1.0" encoding="utf-8"?>
-<p:sldLayout xmlns:a="http://schemas.openxmlformats.org/drawingml/2006/main" xmlns:r="http://schemas.openxmlformats.org/officeDocument/2006/relationships" xmlns:p="http://schemas.openxmlformats.org/presentationml/2006/main" type="tx" showMasterSp="1" showMasterPhAnim="1">
+<file path=ppt/slideLayouts/slideLayout6.xml><?xml version="1.0" encoding="utf-8"?>
+<p:sldLayout xmlns:a="http://schemas.openxmlformats.org/drawingml/2006/main" xmlns:r="http://schemas.openxmlformats.org/officeDocument/2006/relationships" xmlns:p="http://schemas.openxmlformats.org/presentationml/2006/main" type="tx">
   <p:cSld name="Пустой слайд">
     <p:spTree>
       <p:nvGrpSpPr>
@@ -1713,7 +1386,9 @@
       <p:sp>
         <p:nvSpPr>
           <p:cNvPr id="65" name="Shape 65"/>
-          <p:cNvSpPr/>
+          <p:cNvSpPr>
+            <a:spLocks noGrp="1"/>
+          </p:cNvSpPr>
           <p:nvPr>
             <p:ph type="sldNum" sz="quarter" idx="2"/>
           </p:nvPr>
@@ -1727,8 +1402,10 @@
           <a:bodyPr/>
           <a:lstStyle/>
           <a:p>
-            <a:pPr/>
-            <a:fld id="{86CB4B4D-7CA3-9044-876B-883B54F8677D}" type="slidenum"/>
+            <a:fld id="{86CB4B4D-7CA3-9044-876B-883B54F8677D}" type="slidenum">
+              <a:t>‹#›</a:t>
+            </a:fld>
+            <a:endParaRPr/>
           </a:p>
         </p:txBody>
       </p:sp>
@@ -1737,12 +1414,12 @@
   <p:clrMapOvr>
     <a:masterClrMapping/>
   </p:clrMapOvr>
-  <p:transition xmlns:p14="http://schemas.microsoft.com/office/powerpoint/2010/main" spd="med" advClick="1"/>
+  <p:transition spd="med"/>
 </p:sldLayout>
 </file>
 
-<file path=ppt/slideLayouts/slideLayout8.xml><?xml version="1.0" encoding="utf-8"?>
-<p:sldLayout xmlns:a="http://schemas.openxmlformats.org/drawingml/2006/main" xmlns:r="http://schemas.openxmlformats.org/officeDocument/2006/relationships" xmlns:p="http://schemas.openxmlformats.org/presentationml/2006/main" type="tx" showMasterSp="1" showMasterPhAnim="1">
+<file path=ppt/slideLayouts/slideLayout7.xml><?xml version="1.0" encoding="utf-8"?>
+<p:sldLayout xmlns:a="http://schemas.openxmlformats.org/drawingml/2006/main" xmlns:r="http://schemas.openxmlformats.org/officeDocument/2006/relationships" xmlns:p="http://schemas.openxmlformats.org/presentationml/2006/main" type="tx">
   <p:cSld name="Объект с подписью">
     <p:spTree>
       <p:nvGrpSpPr>
@@ -1761,7 +1438,9 @@
       <p:sp>
         <p:nvSpPr>
           <p:cNvPr id="72" name="Shape 72"/>
-          <p:cNvSpPr/>
+          <p:cNvSpPr>
+            <a:spLocks noGrp="1"/>
+          </p:cNvSpPr>
           <p:nvPr>
             <p:ph type="title"/>
           </p:nvPr>
@@ -1783,7 +1462,6 @@
             </a:lvl1pPr>
           </a:lstStyle>
           <a:p>
-            <a:pPr/>
             <a:r>
               <a:t>Title Text</a:t>
             </a:r>
@@ -1793,7 +1471,9 @@
       <p:sp>
         <p:nvSpPr>
           <p:cNvPr id="73" name="Shape 73"/>
-          <p:cNvSpPr/>
+          <p:cNvSpPr>
+            <a:spLocks noGrp="1"/>
+          </p:cNvSpPr>
           <p:nvPr>
             <p:ph type="body" sz="half" idx="1"/>
           </p:nvPr>
@@ -1827,7 +1507,6 @@
             </a:lvl5pPr>
           </a:lstStyle>
           <a:p>
-            <a:pPr/>
             <a:r>
               <a:t>Body Level One</a:t>
             </a:r>
@@ -1861,7 +1540,9 @@
       <p:sp>
         <p:nvSpPr>
           <p:cNvPr id="74" name="Shape 74"/>
-          <p:cNvSpPr/>
+          <p:cNvSpPr>
+            <a:spLocks noGrp="1"/>
+          </p:cNvSpPr>
           <p:nvPr>
             <p:ph type="body" sz="quarter" idx="13"/>
           </p:nvPr>
@@ -1885,13 +1566,16 @@
               <a:buNone/>
               <a:defRPr sz="1600"/>
             </a:pPr>
+            <a:endParaRPr/>
           </a:p>
         </p:txBody>
       </p:sp>
       <p:sp>
         <p:nvSpPr>
           <p:cNvPr id="75" name="Shape 75"/>
-          <p:cNvSpPr/>
+          <p:cNvSpPr>
+            <a:spLocks noGrp="1"/>
+          </p:cNvSpPr>
           <p:nvPr>
             <p:ph type="sldNum" sz="quarter" idx="2"/>
           </p:nvPr>
@@ -1905,8 +1589,10 @@
           <a:bodyPr/>
           <a:lstStyle/>
           <a:p>
-            <a:pPr/>
-            <a:fld id="{86CB4B4D-7CA3-9044-876B-883B54F8677D}" type="slidenum"/>
+            <a:fld id="{86CB4B4D-7CA3-9044-876B-883B54F8677D}" type="slidenum">
+              <a:t>‹#›</a:t>
+            </a:fld>
+            <a:endParaRPr/>
           </a:p>
         </p:txBody>
       </p:sp>
@@ -1915,12 +1601,12 @@
   <p:clrMapOvr>
     <a:masterClrMapping/>
   </p:clrMapOvr>
-  <p:transition xmlns:p14="http://schemas.microsoft.com/office/powerpoint/2010/main" spd="med" advClick="1"/>
+  <p:transition spd="med"/>
 </p:sldLayout>
 </file>
 
-<file path=ppt/slideLayouts/slideLayout9.xml><?xml version="1.0" encoding="utf-8"?>
-<p:sldLayout xmlns:a="http://schemas.openxmlformats.org/drawingml/2006/main" xmlns:r="http://schemas.openxmlformats.org/officeDocument/2006/relationships" xmlns:p="http://schemas.openxmlformats.org/presentationml/2006/main" type="tx" showMasterSp="1" showMasterPhAnim="1">
+<file path=ppt/slideLayouts/slideLayout8.xml><?xml version="1.0" encoding="utf-8"?>
+<p:sldLayout xmlns:a="http://schemas.openxmlformats.org/drawingml/2006/main" xmlns:r="http://schemas.openxmlformats.org/officeDocument/2006/relationships" xmlns:p="http://schemas.openxmlformats.org/presentationml/2006/main" type="tx">
   <p:cSld name="Рисунок с подписью">
     <p:spTree>
       <p:nvGrpSpPr>
@@ -1939,7 +1625,9 @@
       <p:sp>
         <p:nvSpPr>
           <p:cNvPr id="82" name="Shape 82"/>
-          <p:cNvSpPr/>
+          <p:cNvSpPr>
+            <a:spLocks noGrp="1"/>
+          </p:cNvSpPr>
           <p:nvPr>
             <p:ph type="title"/>
           </p:nvPr>
@@ -1961,7 +1649,6 @@
             </a:lvl1pPr>
           </a:lstStyle>
           <a:p>
-            <a:pPr/>
             <a:r>
               <a:t>Title Text</a:t>
             </a:r>
@@ -1971,7 +1658,9 @@
       <p:sp>
         <p:nvSpPr>
           <p:cNvPr id="83" name="Shape 83"/>
-          <p:cNvSpPr/>
+          <p:cNvSpPr>
+            <a:spLocks noGrp="1"/>
+          </p:cNvSpPr>
           <p:nvPr>
             <p:ph type="pic" sz="half" idx="13"/>
           </p:nvPr>
@@ -1991,14 +1680,16 @@
           </a:bodyPr>
           <a:lstStyle/>
           <a:p>
-            <a:pPr/>
+            <a:endParaRPr/>
           </a:p>
         </p:txBody>
       </p:sp>
       <p:sp>
         <p:nvSpPr>
           <p:cNvPr id="84" name="Shape 84"/>
-          <p:cNvSpPr/>
+          <p:cNvSpPr>
+            <a:spLocks noGrp="1"/>
+          </p:cNvSpPr>
           <p:nvPr>
             <p:ph type="body" sz="quarter" idx="1"/>
           </p:nvPr>
@@ -2047,7 +1738,6 @@
             </a:lvl5pPr>
           </a:lstStyle>
           <a:p>
-            <a:pPr/>
             <a:r>
               <a:t>Body Level One</a:t>
             </a:r>
@@ -2081,7 +1771,9 @@
       <p:sp>
         <p:nvSpPr>
           <p:cNvPr id="85" name="Shape 85"/>
-          <p:cNvSpPr/>
+          <p:cNvSpPr>
+            <a:spLocks noGrp="1"/>
+          </p:cNvSpPr>
           <p:nvPr>
             <p:ph type="sldNum" sz="quarter" idx="2"/>
           </p:nvPr>
@@ -2095,8 +1787,10 @@
           <a:bodyPr/>
           <a:lstStyle/>
           <a:p>
-            <a:pPr/>
-            <a:fld id="{86CB4B4D-7CA3-9044-876B-883B54F8677D}" type="slidenum"/>
+            <a:fld id="{86CB4B4D-7CA3-9044-876B-883B54F8677D}" type="slidenum">
+              <a:t>‹#›</a:t>
+            </a:fld>
+            <a:endParaRPr/>
           </a:p>
         </p:txBody>
       </p:sp>
@@ -2105,7 +1799,133 @@
   <p:clrMapOvr>
     <a:masterClrMapping/>
   </p:clrMapOvr>
-  <p:transition xmlns:p14="http://schemas.microsoft.com/office/powerpoint/2010/main" spd="med" advClick="1"/>
+  <p:transition spd="med"/>
+</p:sldLayout>
+</file>
+
+<file path=ppt/slideLayouts/slideLayout9.xml><?xml version="1.0" encoding="utf-8"?>
+<p:sldLayout xmlns:a="http://schemas.openxmlformats.org/drawingml/2006/main" xmlns:r="http://schemas.openxmlformats.org/officeDocument/2006/relationships" xmlns:p="http://schemas.openxmlformats.org/presentationml/2006/main" type="tx">
+  <p:cSld name="Заголовок и вертикальный текст">
+    <p:spTree>
+      <p:nvGrpSpPr>
+        <p:cNvPr id="1" name=""/>
+        <p:cNvGrpSpPr/>
+        <p:nvPr/>
+      </p:nvGrpSpPr>
+      <p:grpSpPr>
+        <a:xfrm>
+          <a:off x="0" y="0"/>
+          <a:ext cx="0" cy="0"/>
+          <a:chOff x="0" y="0"/>
+          <a:chExt cx="0" cy="0"/>
+        </a:xfrm>
+      </p:grpSpPr>
+      <p:sp>
+        <p:nvSpPr>
+          <p:cNvPr id="92" name="Shape 92"/>
+          <p:cNvSpPr>
+            <a:spLocks noGrp="1"/>
+          </p:cNvSpPr>
+          <p:nvPr>
+            <p:ph type="title"/>
+          </p:nvPr>
+        </p:nvSpPr>
+        <p:spPr>
+          <a:prstGeom prst="rect">
+            <a:avLst/>
+          </a:prstGeom>
+        </p:spPr>
+        <p:txBody>
+          <a:bodyPr/>
+          <a:lstStyle/>
+          <a:p>
+            <a:r>
+              <a:t>Title Text</a:t>
+            </a:r>
+          </a:p>
+        </p:txBody>
+      </p:sp>
+      <p:sp>
+        <p:nvSpPr>
+          <p:cNvPr id="93" name="Shape 93"/>
+          <p:cNvSpPr>
+            <a:spLocks noGrp="1"/>
+          </p:cNvSpPr>
+          <p:nvPr>
+            <p:ph type="body" idx="1"/>
+          </p:nvPr>
+        </p:nvSpPr>
+        <p:spPr>
+          <a:prstGeom prst="rect">
+            <a:avLst/>
+          </a:prstGeom>
+        </p:spPr>
+        <p:txBody>
+          <a:bodyPr/>
+          <a:lstStyle/>
+          <a:p>
+            <a:r>
+              <a:t>Body Level One</a:t>
+            </a:r>
+          </a:p>
+          <a:p>
+            <a:pPr lvl="1"/>
+            <a:r>
+              <a:t>Body Level Two</a:t>
+            </a:r>
+          </a:p>
+          <a:p>
+            <a:pPr lvl="2"/>
+            <a:r>
+              <a:t>Body Level Three</a:t>
+            </a:r>
+          </a:p>
+          <a:p>
+            <a:pPr lvl="3"/>
+            <a:r>
+              <a:t>Body Level Four</a:t>
+            </a:r>
+          </a:p>
+          <a:p>
+            <a:pPr lvl="4"/>
+            <a:r>
+              <a:t>Body Level Five</a:t>
+            </a:r>
+          </a:p>
+        </p:txBody>
+      </p:sp>
+      <p:sp>
+        <p:nvSpPr>
+          <p:cNvPr id="94" name="Shape 94"/>
+          <p:cNvSpPr>
+            <a:spLocks noGrp="1"/>
+          </p:cNvSpPr>
+          <p:nvPr>
+            <p:ph type="sldNum" sz="quarter" idx="2"/>
+          </p:nvPr>
+        </p:nvSpPr>
+        <p:spPr>
+          <a:prstGeom prst="rect">
+            <a:avLst/>
+          </a:prstGeom>
+        </p:spPr>
+        <p:txBody>
+          <a:bodyPr/>
+          <a:lstStyle/>
+          <a:p>
+            <a:fld id="{86CB4B4D-7CA3-9044-876B-883B54F8677D}" type="slidenum">
+              <a:t>‹#›</a:t>
+            </a:fld>
+            <a:endParaRPr/>
+          </a:p>
+        </p:txBody>
+      </p:sp>
+    </p:spTree>
+  </p:cSld>
+  <p:clrMapOvr>
+    <a:masterClrMapping/>
+  </p:clrMapOvr>
+  <p:transition spd="med"/>
 </p:sldLayout>
 </file>
 
@@ -2117,6 +1937,7 @@
         <a:solidFill>
           <a:srgbClr val="FFFFFF"/>
         </a:solidFill>
+        <a:effectLst/>
       </p:bgPr>
     </p:bg>
     <p:spTree>
@@ -2136,7 +1957,9 @@
       <p:sp>
         <p:nvSpPr>
           <p:cNvPr id="2" name="Shape 2"/>
-          <p:cNvSpPr/>
+          <p:cNvSpPr>
+            <a:spLocks noGrp="1"/>
+          </p:cNvSpPr>
           <p:nvPr>
             <p:ph type="title"/>
           </p:nvPr>
@@ -2154,17 +1977,16 @@
           </a:ln>
           <a:extLst>
             <a:ext uri="{C572A759-6A51-4108-AA02-DFA0A04FC94B}">
-              <ma14:wrappingTextBoxFlag xmlns:ma14="http://schemas.microsoft.com/office/mac/drawingml/2011/main" val="1"/>
+              <ma14:wrappingTextBoxFlag xmlns:ma14="http://schemas.microsoft.com/office/mac/drawingml/2011/main" xmlns="" val="1"/>
             </a:ext>
           </a:extLst>
         </p:spPr>
         <p:txBody>
           <a:bodyPr lIns="45719" rIns="45719" anchor="ctr">
-            <a:normAutofit fontScale="100000" lnSpcReduction="0"/>
+            <a:normAutofit/>
           </a:bodyPr>
           <a:lstStyle/>
           <a:p>
-            <a:pPr/>
             <a:r>
               <a:t>Title Text</a:t>
             </a:r>
@@ -2174,7 +1996,9 @@
       <p:sp>
         <p:nvSpPr>
           <p:cNvPr id="3" name="Shape 3"/>
-          <p:cNvSpPr/>
+          <p:cNvSpPr>
+            <a:spLocks noGrp="1"/>
+          </p:cNvSpPr>
           <p:nvPr>
             <p:ph type="body" idx="1"/>
           </p:nvPr>
@@ -2192,17 +2016,16 @@
           </a:ln>
           <a:extLst>
             <a:ext uri="{C572A759-6A51-4108-AA02-DFA0A04FC94B}">
-              <ma14:wrappingTextBoxFlag xmlns:ma14="http://schemas.microsoft.com/office/mac/drawingml/2011/main" val="1"/>
+              <ma14:wrappingTextBoxFlag xmlns:ma14="http://schemas.microsoft.com/office/mac/drawingml/2011/main" xmlns="" val="1"/>
             </a:ext>
           </a:extLst>
         </p:spPr>
         <p:txBody>
           <a:bodyPr lIns="45719" rIns="45719">
-            <a:normAutofit fontScale="100000" lnSpcReduction="0"/>
+            <a:normAutofit/>
           </a:bodyPr>
           <a:lstStyle/>
           <a:p>
-            <a:pPr/>
             <a:r>
               <a:t>Body Level One</a:t>
             </a:r>
@@ -2236,7 +2059,9 @@
       <p:sp>
         <p:nvSpPr>
           <p:cNvPr id="4" name="Shape 4"/>
-          <p:cNvSpPr/>
+          <p:cNvSpPr>
+            <a:spLocks noGrp="1"/>
+          </p:cNvSpPr>
           <p:nvPr>
             <p:ph type="sldNum" sz="quarter" idx="2"/>
           </p:nvPr>
@@ -2267,8 +2092,10 @@
             </a:lvl1pPr>
           </a:lstStyle>
           <a:p>
-            <a:pPr/>
-            <a:fld id="{86CB4B4D-7CA3-9044-876B-883B54F8677D}" type="slidenum"/>
+            <a:fld id="{86CB4B4D-7CA3-9044-876B-883B54F8677D}" type="slidenum">
+              <a:t>‹#›</a:t>
+            </a:fld>
+            <a:endParaRPr/>
           </a:p>
         </p:txBody>
       </p:sp>
@@ -2276,20 +2103,18 @@
   </p:cSld>
   <p:clrMap bg1="lt1" tx1="dk1" bg2="lt2" tx2="dk2" accent1="accent1" accent2="accent2" accent3="accent3" accent4="accent4" accent5="accent5" accent6="accent6" hlink="hlink" folHlink="folHlink"/>
   <p:sldLayoutIdLst>
-    <p:sldLayoutId id="2147483649" r:id="rId2"/>
-    <p:sldLayoutId id="2147483650" r:id="rId3"/>
-    <p:sldLayoutId id="2147483651" r:id="rId4"/>
-    <p:sldLayoutId id="2147483652" r:id="rId5"/>
-    <p:sldLayoutId id="2147483653" r:id="rId6"/>
-    <p:sldLayoutId id="2147483654" r:id="rId7"/>
-    <p:sldLayoutId id="2147483655" r:id="rId8"/>
-    <p:sldLayoutId id="2147483656" r:id="rId9"/>
-    <p:sldLayoutId id="2147483657" r:id="rId10"/>
-    <p:sldLayoutId id="2147483658" r:id="rId11"/>
-    <p:sldLayoutId id="2147483659" r:id="rId12"/>
-    <p:sldLayoutId id="2147483660" r:id="rId13"/>
+    <p:sldLayoutId id="2147483649" r:id="rId1"/>
+    <p:sldLayoutId id="2147483651" r:id="rId2"/>
+    <p:sldLayoutId id="2147483652" r:id="rId3"/>
+    <p:sldLayoutId id="2147483653" r:id="rId4"/>
+    <p:sldLayoutId id="2147483654" r:id="rId5"/>
+    <p:sldLayoutId id="2147483655" r:id="rId6"/>
+    <p:sldLayoutId id="2147483656" r:id="rId7"/>
+    <p:sldLayoutId id="2147483657" r:id="rId8"/>
+    <p:sldLayoutId id="2147483658" r:id="rId9"/>
+    <p:sldLayoutId id="2147483659" r:id="rId10"/>
   </p:sldLayoutIdLst>
-  <p:transition xmlns:p14="http://schemas.microsoft.com/office/powerpoint/2010/main" spd="med" advClick="1"/>
+  <p:transition spd="med"/>
   <p:txStyles>
     <p:titleStyle>
       <a:lvl1pPr marL="0" marR="0" indent="0" algn="l" defTabSz="914400" rtl="0" latinLnBrk="0">
@@ -2307,7 +2132,7 @@
         <a:buFontTx/>
         <a:buNone/>
         <a:tabLst/>
-        <a:defRPr b="0" baseline="0" cap="none" i="0" spc="0" strike="noStrike" sz="4400" u="none">
+        <a:defRPr sz="4400" b="0" i="0" u="none" strike="noStrike" cap="none" spc="0" baseline="0">
           <a:ln>
             <a:noFill/>
           </a:ln>
@@ -2336,7 +2161,7 @@
         <a:buFontTx/>
         <a:buNone/>
         <a:tabLst/>
-        <a:defRPr b="0" baseline="0" cap="none" i="0" spc="0" strike="noStrike" sz="4400" u="none">
+        <a:defRPr sz="4400" b="0" i="0" u="none" strike="noStrike" cap="none" spc="0" baseline="0">
           <a:ln>
             <a:noFill/>
           </a:ln>
@@ -2365,7 +2190,7 @@
         <a:buFontTx/>
         <a:buNone/>
         <a:tabLst/>
-        <a:defRPr b="0" baseline="0" cap="none" i="0" spc="0" strike="noStrike" sz="4400" u="none">
+        <a:defRPr sz="4400" b="0" i="0" u="none" strike="noStrike" cap="none" spc="0" baseline="0">
           <a:ln>
             <a:noFill/>
           </a:ln>
@@ -2394,7 +2219,7 @@
         <a:buFontTx/>
         <a:buNone/>
         <a:tabLst/>
-        <a:defRPr b="0" baseline="0" cap="none" i="0" spc="0" strike="noStrike" sz="4400" u="none">
+        <a:defRPr sz="4400" b="0" i="0" u="none" strike="noStrike" cap="none" spc="0" baseline="0">
           <a:ln>
             <a:noFill/>
           </a:ln>
@@ -2423,7 +2248,7 @@
         <a:buFontTx/>
         <a:buNone/>
         <a:tabLst/>
-        <a:defRPr b="0" baseline="0" cap="none" i="0" spc="0" strike="noStrike" sz="4400" u="none">
+        <a:defRPr sz="4400" b="0" i="0" u="none" strike="noStrike" cap="none" spc="0" baseline="0">
           <a:ln>
             <a:noFill/>
           </a:ln>
@@ -2452,7 +2277,7 @@
         <a:buFontTx/>
         <a:buNone/>
         <a:tabLst/>
-        <a:defRPr b="0" baseline="0" cap="none" i="0" spc="0" strike="noStrike" sz="4400" u="none">
+        <a:defRPr sz="4400" b="0" i="0" u="none" strike="noStrike" cap="none" spc="0" baseline="0">
           <a:ln>
             <a:noFill/>
           </a:ln>
@@ -2481,7 +2306,7 @@
         <a:buFontTx/>
         <a:buNone/>
         <a:tabLst/>
-        <a:defRPr b="0" baseline="0" cap="none" i="0" spc="0" strike="noStrike" sz="4400" u="none">
+        <a:defRPr sz="4400" b="0" i="0" u="none" strike="noStrike" cap="none" spc="0" baseline="0">
           <a:ln>
             <a:noFill/>
           </a:ln>
@@ -2510,7 +2335,7 @@
         <a:buFontTx/>
         <a:buNone/>
         <a:tabLst/>
-        <a:defRPr b="0" baseline="0" cap="none" i="0" spc="0" strike="noStrike" sz="4400" u="none">
+        <a:defRPr sz="4400" b="0" i="0" u="none" strike="noStrike" cap="none" spc="0" baseline="0">
           <a:ln>
             <a:noFill/>
           </a:ln>
@@ -2539,7 +2364,7 @@
         <a:buFontTx/>
         <a:buNone/>
         <a:tabLst/>
-        <a:defRPr b="0" baseline="0" cap="none" i="0" spc="0" strike="noStrike" sz="4400" u="none">
+        <a:defRPr sz="4400" b="0" i="0" u="none" strike="noStrike" cap="none" spc="0" baseline="0">
           <a:ln>
             <a:noFill/>
           </a:ln>
@@ -2570,7 +2395,7 @@
         <a:buFont typeface="Arial"/>
         <a:buChar char="•"/>
         <a:tabLst/>
-        <a:defRPr b="0" baseline="0" cap="none" i="0" spc="0" strike="noStrike" sz="2800" u="none">
+        <a:defRPr sz="2800" b="0" i="0" u="none" strike="noStrike" cap="none" spc="0" baseline="0">
           <a:ln>
             <a:noFill/>
           </a:ln>
@@ -2599,7 +2424,7 @@
         <a:buFont typeface="Arial"/>
         <a:buChar char="•"/>
         <a:tabLst/>
-        <a:defRPr b="0" baseline="0" cap="none" i="0" spc="0" strike="noStrike" sz="2800" u="none">
+        <a:defRPr sz="2800" b="0" i="0" u="none" strike="noStrike" cap="none" spc="0" baseline="0">
           <a:ln>
             <a:noFill/>
           </a:ln>
@@ -2628,7 +2453,7 @@
         <a:buFont typeface="Arial"/>
         <a:buChar char="•"/>
         <a:tabLst/>
-        <a:defRPr b="0" baseline="0" cap="none" i="0" spc="0" strike="noStrike" sz="2800" u="none">
+        <a:defRPr sz="2800" b="0" i="0" u="none" strike="noStrike" cap="none" spc="0" baseline="0">
           <a:ln>
             <a:noFill/>
           </a:ln>
@@ -2657,7 +2482,7 @@
         <a:buFont typeface="Arial"/>
         <a:buChar char="•"/>
         <a:tabLst/>
-        <a:defRPr b="0" baseline="0" cap="none" i="0" spc="0" strike="noStrike" sz="2800" u="none">
+        <a:defRPr sz="2800" b="0" i="0" u="none" strike="noStrike" cap="none" spc="0" baseline="0">
           <a:ln>
             <a:noFill/>
           </a:ln>
@@ -2686,7 +2511,7 @@
         <a:buFont typeface="Arial"/>
         <a:buChar char="•"/>
         <a:tabLst/>
-        <a:defRPr b="0" baseline="0" cap="none" i="0" spc="0" strike="noStrike" sz="2800" u="none">
+        <a:defRPr sz="2800" b="0" i="0" u="none" strike="noStrike" cap="none" spc="0" baseline="0">
           <a:ln>
             <a:noFill/>
           </a:ln>
@@ -2715,7 +2540,7 @@
         <a:buFont typeface="Arial"/>
         <a:buChar char="•"/>
         <a:tabLst/>
-        <a:defRPr b="0" baseline="0" cap="none" i="0" spc="0" strike="noStrike" sz="2800" u="none">
+        <a:defRPr sz="2800" b="0" i="0" u="none" strike="noStrike" cap="none" spc="0" baseline="0">
           <a:ln>
             <a:noFill/>
           </a:ln>
@@ -2744,7 +2569,7 @@
         <a:buFont typeface="Arial"/>
         <a:buChar char="•"/>
         <a:tabLst/>
-        <a:defRPr b="0" baseline="0" cap="none" i="0" spc="0" strike="noStrike" sz="2800" u="none">
+        <a:defRPr sz="2800" b="0" i="0" u="none" strike="noStrike" cap="none" spc="0" baseline="0">
           <a:ln>
             <a:noFill/>
           </a:ln>
@@ -2773,7 +2598,7 @@
         <a:buFont typeface="Arial"/>
         <a:buChar char="•"/>
         <a:tabLst/>
-        <a:defRPr b="0" baseline="0" cap="none" i="0" spc="0" strike="noStrike" sz="2800" u="none">
+        <a:defRPr sz="2800" b="0" i="0" u="none" strike="noStrike" cap="none" spc="0" baseline="0">
           <a:ln>
             <a:noFill/>
           </a:ln>
@@ -2802,7 +2627,7 @@
         <a:buFont typeface="Arial"/>
         <a:buChar char="•"/>
         <a:tabLst/>
-        <a:defRPr b="0" baseline="0" cap="none" i="0" spc="0" strike="noStrike" sz="2800" u="none">
+        <a:defRPr sz="2800" b="0" i="0" u="none" strike="noStrike" cap="none" spc="0" baseline="0">
           <a:ln>
             <a:noFill/>
           </a:ln>
@@ -2833,7 +2658,7 @@
         <a:buFontTx/>
         <a:buNone/>
         <a:tabLst/>
-        <a:defRPr b="0" baseline="0" cap="none" i="0" spc="0" strike="noStrike" sz="1200" u="none">
+        <a:defRPr sz="1200" b="0" i="0" u="none" strike="noStrike" cap="none" spc="0" baseline="0">
           <a:ln>
             <a:noFill/>
           </a:ln>
@@ -2862,7 +2687,7 @@
         <a:buFontTx/>
         <a:buNone/>
         <a:tabLst/>
-        <a:defRPr b="0" baseline="0" cap="none" i="0" spc="0" strike="noStrike" sz="1200" u="none">
+        <a:defRPr sz="1200" b="0" i="0" u="none" strike="noStrike" cap="none" spc="0" baseline="0">
           <a:ln>
             <a:noFill/>
           </a:ln>
@@ -2891,7 +2716,7 @@
         <a:buFontTx/>
         <a:buNone/>
         <a:tabLst/>
-        <a:defRPr b="0" baseline="0" cap="none" i="0" spc="0" strike="noStrike" sz="1200" u="none">
+        <a:defRPr sz="1200" b="0" i="0" u="none" strike="noStrike" cap="none" spc="0" baseline="0">
           <a:ln>
             <a:noFill/>
           </a:ln>
@@ -2920,7 +2745,7 @@
         <a:buFontTx/>
         <a:buNone/>
         <a:tabLst/>
-        <a:defRPr b="0" baseline="0" cap="none" i="0" spc="0" strike="noStrike" sz="1200" u="none">
+        <a:defRPr sz="1200" b="0" i="0" u="none" strike="noStrike" cap="none" spc="0" baseline="0">
           <a:ln>
             <a:noFill/>
           </a:ln>
@@ -2949,7 +2774,7 @@
         <a:buFontTx/>
         <a:buNone/>
         <a:tabLst/>
-        <a:defRPr b="0" baseline="0" cap="none" i="0" spc="0" strike="noStrike" sz="1200" u="none">
+        <a:defRPr sz="1200" b="0" i="0" u="none" strike="noStrike" cap="none" spc="0" baseline="0">
           <a:ln>
             <a:noFill/>
           </a:ln>
@@ -2978,7 +2803,7 @@
         <a:buFontTx/>
         <a:buNone/>
         <a:tabLst/>
-        <a:defRPr b="0" baseline="0" cap="none" i="0" spc="0" strike="noStrike" sz="1200" u="none">
+        <a:defRPr sz="1200" b="0" i="0" u="none" strike="noStrike" cap="none" spc="0" baseline="0">
           <a:ln>
             <a:noFill/>
           </a:ln>
@@ -3007,7 +2832,7 @@
         <a:buFontTx/>
         <a:buNone/>
         <a:tabLst/>
-        <a:defRPr b="0" baseline="0" cap="none" i="0" spc="0" strike="noStrike" sz="1200" u="none">
+        <a:defRPr sz="1200" b="0" i="0" u="none" strike="noStrike" cap="none" spc="0" baseline="0">
           <a:ln>
             <a:noFill/>
           </a:ln>
@@ -3036,7 +2861,7 @@
         <a:buFontTx/>
         <a:buNone/>
         <a:tabLst/>
-        <a:defRPr b="0" baseline="0" cap="none" i="0" spc="0" strike="noStrike" sz="1200" u="none">
+        <a:defRPr sz="1200" b="0" i="0" u="none" strike="noStrike" cap="none" spc="0" baseline="0">
           <a:ln>
             <a:noFill/>
           </a:ln>
@@ -3065,7 +2890,7 @@
         <a:buFontTx/>
         <a:buNone/>
         <a:tabLst/>
-        <a:defRPr b="0" baseline="0" cap="none" i="0" spc="0" strike="noStrike" sz="1200" u="none">
+        <a:defRPr sz="1200" b="0" i="0" u="none" strike="noStrike" cap="none" spc="0" baseline="0">
           <a:ln>
             <a:noFill/>
           </a:ln>
@@ -3085,7 +2910,7 @@
 </file>
 
 <file path=ppt/slides/slide1.xml><?xml version="1.0" encoding="utf-8"?>
-<p:sld xmlns:a="http://schemas.openxmlformats.org/drawingml/2006/main" xmlns:r="http://schemas.openxmlformats.org/officeDocument/2006/relationships" xmlns:p="http://schemas.openxmlformats.org/presentationml/2006/main" showMasterSp="1" showMasterPhAnim="1">
+<p:sld xmlns:a="http://schemas.openxmlformats.org/drawingml/2006/main" xmlns:r="http://schemas.openxmlformats.org/officeDocument/2006/relationships" xmlns:p="http://schemas.openxmlformats.org/presentationml/2006/main">
   <p:cSld>
     <p:spTree>
       <p:nvGrpSpPr>
@@ -3104,7 +2929,9 @@
       <p:sp>
         <p:nvSpPr>
           <p:cNvPr id="121" name="Shape 121"/>
-          <p:cNvSpPr/>
+          <p:cNvSpPr>
+            <a:spLocks noGrp="1"/>
+          </p:cNvSpPr>
           <p:nvPr>
             <p:ph type="ctrTitle"/>
           </p:nvPr>
@@ -3118,7 +2945,6 @@
           <a:bodyPr/>
           <a:lstStyle/>
           <a:p>
-            <a:pPr/>
             <a:r>
               <a:t>Системы контроля версий</a:t>
             </a:r>
@@ -3130,1051 +2956,12 @@
   <p:clrMapOvr>
     <a:masterClrMapping/>
   </p:clrMapOvr>
-  <p:transition xmlns:p14="http://schemas.microsoft.com/office/powerpoint/2010/main" spd="med" advClick="1"/>
-</p:sld>
-</file>
-
-<file path=ppt/slides/slide10.xml><?xml version="1.0" encoding="utf-8"?>
-<p:sld xmlns:a="http://schemas.openxmlformats.org/drawingml/2006/main" xmlns:r="http://schemas.openxmlformats.org/officeDocument/2006/relationships" xmlns:p="http://schemas.openxmlformats.org/presentationml/2006/main" showMasterSp="1" showMasterPhAnim="1">
-  <p:cSld>
-    <p:spTree>
-      <p:nvGrpSpPr>
-        <p:cNvPr id="1" name=""/>
-        <p:cNvGrpSpPr/>
-        <p:nvPr/>
-      </p:nvGrpSpPr>
-      <p:grpSpPr>
-        <a:xfrm>
-          <a:off x="0" y="0"/>
-          <a:ext cx="0" cy="0"/>
-          <a:chOff x="0" y="0"/>
-          <a:chExt cx="0" cy="0"/>
-        </a:xfrm>
-      </p:grpSpPr>
-      <p:sp>
-        <p:nvSpPr>
-          <p:cNvPr id="148" name="Shape 148"/>
-          <p:cNvSpPr/>
-          <p:nvPr>
-            <p:ph type="title"/>
-          </p:nvPr>
-        </p:nvSpPr>
-        <p:spPr>
-          <a:prstGeom prst="rect">
-            <a:avLst/>
-          </a:prstGeom>
-        </p:spPr>
-        <p:txBody>
-          <a:bodyPr/>
-          <a:lstStyle>
-            <a:lvl1pPr algn="ctr"/>
-          </a:lstStyle>
-          <a:p>
-            <a:pPr/>
-            <a:r>
-              <a:t>Хостинги</a:t>
-            </a:r>
-          </a:p>
-        </p:txBody>
-      </p:sp>
-      <p:sp>
-        <p:nvSpPr>
-          <p:cNvPr id="149" name="Shape 149"/>
-          <p:cNvSpPr/>
-          <p:nvPr>
-            <p:ph type="body" idx="1"/>
-          </p:nvPr>
-        </p:nvSpPr>
-        <p:spPr>
-          <a:prstGeom prst="rect">
-            <a:avLst/>
-          </a:prstGeom>
-        </p:spPr>
-        <p:txBody>
-          <a:bodyPr/>
-          <a:lstStyle/>
-          <a:p>
-            <a:pPr marL="0" indent="0">
-              <a:buSzTx/>
-              <a:buNone/>
-            </a:pPr>
-            <a:r>
-              <a:t>Наиболее популярные хостинги для гита</a:t>
-            </a:r>
-            <a:r>
-              <a:t>:</a:t>
-            </a:r>
-          </a:p>
-          <a:p>
-            <a:pPr/>
-            <a:r>
-              <a:t>github</a:t>
-            </a:r>
-          </a:p>
-          <a:p>
-            <a:pPr/>
-            <a:r>
-              <a:t>bitBucket</a:t>
-            </a:r>
-          </a:p>
-        </p:txBody>
-      </p:sp>
-    </p:spTree>
-  </p:cSld>
-  <p:clrMapOvr>
-    <a:masterClrMapping/>
-  </p:clrMapOvr>
-  <p:transition xmlns:p14="http://schemas.microsoft.com/office/powerpoint/2010/main" spd="med" advClick="1" p14:dur="1000"/>
-</p:sld>
-</file>
-
-<file path=ppt/slides/slide11.xml><?xml version="1.0" encoding="utf-8"?>
-<p:sld xmlns:a="http://schemas.openxmlformats.org/drawingml/2006/main" xmlns:r="http://schemas.openxmlformats.org/officeDocument/2006/relationships" xmlns:p="http://schemas.openxmlformats.org/presentationml/2006/main" showMasterSp="1" showMasterPhAnim="1">
-  <p:cSld>
-    <p:spTree>
-      <p:nvGrpSpPr>
-        <p:cNvPr id="1" name=""/>
-        <p:cNvGrpSpPr/>
-        <p:nvPr/>
-      </p:nvGrpSpPr>
-      <p:grpSpPr>
-        <a:xfrm>
-          <a:off x="0" y="0"/>
-          <a:ext cx="0" cy="0"/>
-          <a:chOff x="0" y="0"/>
-          <a:chExt cx="0" cy="0"/>
-        </a:xfrm>
-      </p:grpSpPr>
-      <p:sp>
-        <p:nvSpPr>
-          <p:cNvPr id="151" name="Shape 151"/>
-          <p:cNvSpPr/>
-          <p:nvPr>
-            <p:ph type="title"/>
-          </p:nvPr>
-        </p:nvSpPr>
-        <p:spPr>
-          <a:prstGeom prst="rect">
-            <a:avLst/>
-          </a:prstGeom>
-        </p:spPr>
-        <p:txBody>
-          <a:bodyPr/>
-          <a:lstStyle>
-            <a:lvl1pPr algn="ctr"/>
-          </a:lstStyle>
-          <a:p>
-            <a:pPr/>
-            <a:r>
-              <a:t>Полезные ссылки</a:t>
-            </a:r>
-          </a:p>
-        </p:txBody>
-      </p:sp>
-      <p:sp>
-        <p:nvSpPr>
-          <p:cNvPr id="152" name="Shape 152"/>
-          <p:cNvSpPr/>
-          <p:nvPr>
-            <p:ph type="body" idx="1"/>
-          </p:nvPr>
-        </p:nvSpPr>
-        <p:spPr>
-          <a:prstGeom prst="rect">
-            <a:avLst/>
-          </a:prstGeom>
-        </p:spPr>
-        <p:txBody>
-          <a:bodyPr/>
-          <a:lstStyle/>
-          <a:p>
-            <a:pPr/>
-            <a:r>
-              <a:rPr u="sng">
-                <a:solidFill>
-                  <a:srgbClr val="0563C1"/>
-                </a:solidFill>
-                <a:uFill>
-                  <a:solidFill>
-                    <a:srgbClr val="0563C1"/>
-                  </a:solidFill>
-                </a:uFill>
-                <a:hlinkClick r:id="rId2" invalidUrl="" action="" tgtFrame="" tooltip="" history="1" highlightClick="0" endSnd="0"/>
-              </a:rPr>
-              <a:t>githowto.com/ru/</a:t>
-            </a:r>
-            <a:r>
-              <a:t> - интерактивный тур</a:t>
-            </a:r>
-          </a:p>
-          <a:p>
-            <a:pPr/>
-            <a:r>
-              <a:rPr u="sng">
-                <a:solidFill>
-                  <a:srgbClr val="0563C1"/>
-                </a:solidFill>
-                <a:uFill>
-                  <a:solidFill>
-                    <a:srgbClr val="0563C1"/>
-                  </a:solidFill>
-                </a:uFill>
-                <a:hlinkClick r:id="rId3" invalidUrl="" action="" tgtFrame="" tooltip="" history="1" highlightClick="0" endSnd="0"/>
-              </a:rPr>
-              <a:t>https://geekbrains.ru/courses/66</a:t>
-            </a:r>
-            <a:r>
-              <a:t> - видеокурс</a:t>
-            </a:r>
-          </a:p>
-        </p:txBody>
-      </p:sp>
-    </p:spTree>
-  </p:cSld>
-  <p:clrMapOvr>
-    <a:masterClrMapping/>
-  </p:clrMapOvr>
-  <p:transition xmlns:p14="http://schemas.microsoft.com/office/powerpoint/2010/main" spd="med" advClick="1" p14:dur="1000"/>
-</p:sld>
-</file>
-
-<file path=ppt/slides/slide2.xml><?xml version="1.0" encoding="utf-8"?>
-<p:sld xmlns:a="http://schemas.openxmlformats.org/drawingml/2006/main" xmlns:r="http://schemas.openxmlformats.org/officeDocument/2006/relationships" xmlns:p="http://schemas.openxmlformats.org/presentationml/2006/main" showMasterSp="1" showMasterPhAnim="1">
-  <p:cSld>
-    <p:spTree>
-      <p:nvGrpSpPr>
-        <p:cNvPr id="1" name=""/>
-        <p:cNvGrpSpPr/>
-        <p:nvPr/>
-      </p:nvGrpSpPr>
-      <p:grpSpPr>
-        <a:xfrm>
-          <a:off x="0" y="0"/>
-          <a:ext cx="0" cy="0"/>
-          <a:chOff x="0" y="0"/>
-          <a:chExt cx="0" cy="0"/>
-        </a:xfrm>
-      </p:grpSpPr>
-      <p:sp>
-        <p:nvSpPr>
-          <p:cNvPr id="123" name="Shape 123"/>
-          <p:cNvSpPr/>
-          <p:nvPr>
-            <p:ph type="title"/>
-          </p:nvPr>
-        </p:nvSpPr>
-        <p:spPr>
-          <a:prstGeom prst="rect">
-            <a:avLst/>
-          </a:prstGeom>
-        </p:spPr>
-        <p:txBody>
-          <a:bodyPr/>
-          <a:lstStyle>
-            <a:lvl1pPr defTabSz="868680">
-              <a:defRPr sz="4180"/>
-            </a:lvl1pPr>
-          </a:lstStyle>
-          <a:p>
-            <a:pPr/>
-            <a:r>
-              <a:t>Для чего нужны системы контроля версий?</a:t>
-            </a:r>
-          </a:p>
-        </p:txBody>
-      </p:sp>
-      <p:sp>
-        <p:nvSpPr>
-          <p:cNvPr id="124" name="Shape 124"/>
-          <p:cNvSpPr/>
-          <p:nvPr>
-            <p:ph type="body" idx="1"/>
-          </p:nvPr>
-        </p:nvSpPr>
-        <p:spPr>
-          <a:prstGeom prst="rect">
-            <a:avLst/>
-          </a:prstGeom>
-        </p:spPr>
-        <p:txBody>
-          <a:bodyPr/>
-          <a:lstStyle/>
-          <a:p>
-            <a:pPr/>
-            <a:r>
-              <a:t>Сохранять этапы разработки;</a:t>
-            </a:r>
-          </a:p>
-          <a:p>
-            <a:pPr/>
-            <a:r>
-              <a:t>Возможность отката к прошлым версиям продукта;</a:t>
-            </a:r>
-          </a:p>
-          <a:p>
-            <a:pPr/>
-            <a:r>
-              <a:t>Обмен сделанными изменениями.</a:t>
-            </a:r>
-          </a:p>
-        </p:txBody>
-      </p:sp>
-    </p:spTree>
-  </p:cSld>
-  <p:clrMapOvr>
-    <a:masterClrMapping/>
-  </p:clrMapOvr>
-  <p:transition xmlns:p14="http://schemas.microsoft.com/office/powerpoint/2010/main" spd="med" advClick="1" p14:dur="1000"/>
-</p:sld>
-</file>
-
-<file path=ppt/slides/slide3.xml><?xml version="1.0" encoding="utf-8"?>
-<p:sld xmlns:a="http://schemas.openxmlformats.org/drawingml/2006/main" xmlns:r="http://schemas.openxmlformats.org/officeDocument/2006/relationships" xmlns:p="http://schemas.openxmlformats.org/presentationml/2006/main" showMasterSp="1" showMasterPhAnim="1">
-  <p:cSld>
-    <p:spTree>
-      <p:nvGrpSpPr>
-        <p:cNvPr id="1" name=""/>
-        <p:cNvGrpSpPr/>
-        <p:nvPr/>
-      </p:nvGrpSpPr>
-      <p:grpSpPr>
-        <a:xfrm>
-          <a:off x="0" y="0"/>
-          <a:ext cx="0" cy="0"/>
-          <a:chOff x="0" y="0"/>
-          <a:chExt cx="0" cy="0"/>
-        </a:xfrm>
-      </p:grpSpPr>
-      <p:sp>
-        <p:nvSpPr>
-          <p:cNvPr id="126" name="Shape 126"/>
-          <p:cNvSpPr/>
-          <p:nvPr>
-            <p:ph type="title"/>
-          </p:nvPr>
-        </p:nvSpPr>
-        <p:spPr>
-          <a:prstGeom prst="rect">
-            <a:avLst/>
-          </a:prstGeom>
-        </p:spPr>
-        <p:txBody>
-          <a:bodyPr/>
-          <a:lstStyle>
-            <a:lvl1pPr algn="ctr"/>
-          </a:lstStyle>
-          <a:p>
-            <a:pPr/>
-            <a:r>
-              <a:t>Типы систем контроля версий</a:t>
-            </a:r>
-          </a:p>
-        </p:txBody>
-      </p:sp>
-      <p:sp>
-        <p:nvSpPr>
-          <p:cNvPr id="127" name="Shape 127"/>
-          <p:cNvSpPr/>
-          <p:nvPr>
-            <p:ph type="body" idx="1"/>
-          </p:nvPr>
-        </p:nvSpPr>
-        <p:spPr>
-          <a:prstGeom prst="rect">
-            <a:avLst/>
-          </a:prstGeom>
-        </p:spPr>
-        <p:txBody>
-          <a:bodyPr/>
-          <a:lstStyle/>
-          <a:p>
-            <a:pPr marL="514350" indent="-514350">
-              <a:buFontTx/>
-              <a:buAutoNum type="arabicPeriod" startAt="1"/>
-            </a:pPr>
-            <a:r>
-              <a:t>Архивы;</a:t>
-            </a:r>
-          </a:p>
-          <a:p>
-            <a:pPr marL="514350" indent="-514350">
-              <a:buFontTx/>
-              <a:buAutoNum type="arabicPeriod" startAt="1"/>
-            </a:pPr>
-            <a:r>
-              <a:t>Централизованные системы контроля версий;</a:t>
-            </a:r>
-          </a:p>
-          <a:p>
-            <a:pPr marL="514350" indent="-514350">
-              <a:buFontTx/>
-              <a:buAutoNum type="arabicPeriod" startAt="1"/>
-            </a:pPr>
-            <a:r>
-              <a:t>Распределенные системы контроля версий.</a:t>
-            </a:r>
-          </a:p>
-        </p:txBody>
-      </p:sp>
-    </p:spTree>
-  </p:cSld>
-  <p:clrMapOvr>
-    <a:masterClrMapping/>
-  </p:clrMapOvr>
-  <p:transition xmlns:p14="http://schemas.microsoft.com/office/powerpoint/2010/main" spd="med" advClick="1" p14:dur="1000"/>
-</p:sld>
-</file>
-
-<file path=ppt/slides/slide4.xml><?xml version="1.0" encoding="utf-8"?>
-<p:sld xmlns:a="http://schemas.openxmlformats.org/drawingml/2006/main" xmlns:r="http://schemas.openxmlformats.org/officeDocument/2006/relationships" xmlns:p="http://schemas.openxmlformats.org/presentationml/2006/main" showMasterSp="1" showMasterPhAnim="1">
-  <p:cSld>
-    <p:spTree>
-      <p:nvGrpSpPr>
-        <p:cNvPr id="1" name=""/>
-        <p:cNvGrpSpPr/>
-        <p:nvPr/>
-      </p:nvGrpSpPr>
-      <p:grpSpPr>
-        <a:xfrm>
-          <a:off x="0" y="0"/>
-          <a:ext cx="0" cy="0"/>
-          <a:chOff x="0" y="0"/>
-          <a:chExt cx="0" cy="0"/>
-        </a:xfrm>
-      </p:grpSpPr>
-      <p:sp>
-        <p:nvSpPr>
-          <p:cNvPr id="129" name="Shape 129"/>
-          <p:cNvSpPr/>
-          <p:nvPr>
-            <p:ph type="title"/>
-          </p:nvPr>
-        </p:nvSpPr>
-        <p:spPr>
-          <a:prstGeom prst="rect">
-            <a:avLst/>
-          </a:prstGeom>
-        </p:spPr>
-        <p:txBody>
-          <a:bodyPr/>
-          <a:lstStyle>
-            <a:lvl1pPr algn="ctr"/>
-          </a:lstStyle>
-          <a:p>
-            <a:pPr/>
-            <a:r>
-              <a:t>Архивы</a:t>
-            </a:r>
-          </a:p>
-        </p:txBody>
-      </p:sp>
-      <p:pic>
-        <p:nvPicPr>
-          <p:cNvPr id="130" name="image1.png"/>
-          <p:cNvPicPr>
-            <a:picLocks noChangeAspect="1"/>
-          </p:cNvPicPr>
-          <p:nvPr/>
-        </p:nvPicPr>
-        <p:blipFill>
-          <a:blip r:embed="rId2">
-            <a:extLst/>
-          </a:blip>
-          <a:stretch>
-            <a:fillRect/>
-          </a:stretch>
-        </p:blipFill>
-        <p:spPr>
-          <a:xfrm>
-            <a:off x="2747961" y="1849102"/>
-            <a:ext cx="6696076" cy="2943226"/>
-          </a:xfrm>
-          <a:prstGeom prst="rect">
-            <a:avLst/>
-          </a:prstGeom>
-          <a:ln w="12700">
-            <a:miter lim="400000"/>
-          </a:ln>
-        </p:spPr>
-      </p:pic>
-    </p:spTree>
-  </p:cSld>
-  <p:clrMapOvr>
-    <a:masterClrMapping/>
-  </p:clrMapOvr>
-  <p:transition xmlns:p14="http://schemas.microsoft.com/office/powerpoint/2010/main" spd="med" advClick="1" p14:dur="1000"/>
-</p:sld>
-</file>
-
-<file path=ppt/slides/slide5.xml><?xml version="1.0" encoding="utf-8"?>
-<p:sld xmlns:a="http://schemas.openxmlformats.org/drawingml/2006/main" xmlns:r="http://schemas.openxmlformats.org/officeDocument/2006/relationships" xmlns:p="http://schemas.openxmlformats.org/presentationml/2006/main" showMasterSp="1" showMasterPhAnim="1">
-  <p:cSld>
-    <p:spTree>
-      <p:nvGrpSpPr>
-        <p:cNvPr id="1" name=""/>
-        <p:cNvGrpSpPr/>
-        <p:nvPr/>
-      </p:nvGrpSpPr>
-      <p:grpSpPr>
-        <a:xfrm>
-          <a:off x="0" y="0"/>
-          <a:ext cx="0" cy="0"/>
-          <a:chOff x="0" y="0"/>
-          <a:chExt cx="0" cy="0"/>
-        </a:xfrm>
-      </p:grpSpPr>
-      <p:sp>
-        <p:nvSpPr>
-          <p:cNvPr id="132" name="Shape 132"/>
-          <p:cNvSpPr/>
-          <p:nvPr>
-            <p:ph type="title"/>
-          </p:nvPr>
-        </p:nvSpPr>
-        <p:spPr>
-          <a:prstGeom prst="rect">
-            <a:avLst/>
-          </a:prstGeom>
-        </p:spPr>
-        <p:txBody>
-          <a:bodyPr/>
-          <a:lstStyle/>
-          <a:p>
-            <a:pPr/>
-            <a:r>
-              <a:t>Централизованные системы</a:t>
-            </a:r>
-          </a:p>
-        </p:txBody>
-      </p:sp>
-      <p:sp>
-        <p:nvSpPr>
-          <p:cNvPr id="133" name="Shape 133"/>
-          <p:cNvSpPr/>
-          <p:nvPr>
-            <p:ph type="body" idx="1"/>
-          </p:nvPr>
-        </p:nvSpPr>
-        <p:spPr>
-          <a:prstGeom prst="rect">
-            <a:avLst/>
-          </a:prstGeom>
-        </p:spPr>
-        <p:txBody>
-          <a:bodyPr/>
-          <a:lstStyle/>
-          <a:p>
-            <a:pPr marL="0" indent="0">
-              <a:buSzTx/>
-              <a:buNone/>
-            </a:pPr>
-            <a:r>
-              <a:t>Особенности:</a:t>
-            </a:r>
-          </a:p>
-          <a:p>
-            <a:pPr/>
-            <a:r>
-              <a:t>Упрощает работу в команде;</a:t>
-            </a:r>
-          </a:p>
-          <a:p>
-            <a:pPr/>
-            <a:r>
-              <a:t>Для работы требуется иметь постоянный доступ к серверу;</a:t>
-            </a:r>
-          </a:p>
-          <a:p>
-            <a:pPr/>
-            <a:r>
-              <a:t>Пользователь не имеет полного доступа к истории.</a:t>
-            </a:r>
-          </a:p>
-        </p:txBody>
-      </p:sp>
-    </p:spTree>
-  </p:cSld>
-  <p:clrMapOvr>
-    <a:masterClrMapping/>
-  </p:clrMapOvr>
-  <p:transition xmlns:p14="http://schemas.microsoft.com/office/powerpoint/2010/main" spd="med" advClick="1" p14:dur="1000"/>
-</p:sld>
-</file>
-
-<file path=ppt/slides/slide6.xml><?xml version="1.0" encoding="utf-8"?>
-<p:sld xmlns:a="http://schemas.openxmlformats.org/drawingml/2006/main" xmlns:r="http://schemas.openxmlformats.org/officeDocument/2006/relationships" xmlns:p="http://schemas.openxmlformats.org/presentationml/2006/main" showMasterSp="1" showMasterPhAnim="1">
-  <p:cSld>
-    <p:spTree>
-      <p:nvGrpSpPr>
-        <p:cNvPr id="1" name=""/>
-        <p:cNvGrpSpPr/>
-        <p:nvPr/>
-      </p:nvGrpSpPr>
-      <p:grpSpPr>
-        <a:xfrm>
-          <a:off x="0" y="0"/>
-          <a:ext cx="0" cy="0"/>
-          <a:chOff x="0" y="0"/>
-          <a:chExt cx="0" cy="0"/>
-        </a:xfrm>
-      </p:grpSpPr>
-      <p:sp>
-        <p:nvSpPr>
-          <p:cNvPr id="135" name="Shape 135"/>
-          <p:cNvSpPr/>
-          <p:nvPr>
-            <p:ph type="title"/>
-          </p:nvPr>
-        </p:nvSpPr>
-        <p:spPr>
-          <a:prstGeom prst="rect">
-            <a:avLst/>
-          </a:prstGeom>
-        </p:spPr>
-        <p:txBody>
-          <a:bodyPr/>
-          <a:lstStyle/>
-          <a:p>
-            <a:pPr/>
-            <a:r>
-              <a:t>Распределенные системы</a:t>
-            </a:r>
-          </a:p>
-        </p:txBody>
-      </p:sp>
-      <p:sp>
-        <p:nvSpPr>
-          <p:cNvPr id="136" name="Shape 136"/>
-          <p:cNvSpPr/>
-          <p:nvPr>
-            <p:ph type="body" idx="1"/>
-          </p:nvPr>
-        </p:nvSpPr>
-        <p:spPr>
-          <a:prstGeom prst="rect">
-            <a:avLst/>
-          </a:prstGeom>
-        </p:spPr>
-        <p:txBody>
-          <a:bodyPr/>
-          <a:lstStyle/>
-          <a:p>
-            <a:pPr/>
-            <a:r>
-              <a:t>Возможность работать локально;</a:t>
-            </a:r>
-          </a:p>
-          <a:p>
-            <a:pPr/>
-            <a:r>
-              <a:t>Удобство мержа;</a:t>
-            </a:r>
-          </a:p>
-          <a:p>
-            <a:pPr/>
-            <a:r>
-              <a:t>Удобная история и инструменты для сравнения между разными версиями;</a:t>
-            </a:r>
-          </a:p>
-        </p:txBody>
-      </p:sp>
-    </p:spTree>
-  </p:cSld>
-  <p:clrMapOvr>
-    <a:masterClrMapping/>
-  </p:clrMapOvr>
-  <p:transition xmlns:p14="http://schemas.microsoft.com/office/powerpoint/2010/main" spd="med" advClick="1" p14:dur="1000"/>
-</p:sld>
-</file>
-
-<file path=ppt/slides/slide7.xml><?xml version="1.0" encoding="utf-8"?>
-<p:sld xmlns:a="http://schemas.openxmlformats.org/drawingml/2006/main" xmlns:r="http://schemas.openxmlformats.org/officeDocument/2006/relationships" xmlns:p="http://schemas.openxmlformats.org/presentationml/2006/main" showMasterSp="1" showMasterPhAnim="1">
-  <p:cSld>
-    <p:spTree>
-      <p:nvGrpSpPr>
-        <p:cNvPr id="1" name=""/>
-        <p:cNvGrpSpPr/>
-        <p:nvPr/>
-      </p:nvGrpSpPr>
-      <p:grpSpPr>
-        <a:xfrm>
-          <a:off x="0" y="0"/>
-          <a:ext cx="0" cy="0"/>
-          <a:chOff x="0" y="0"/>
-          <a:chExt cx="0" cy="0"/>
-        </a:xfrm>
-      </p:grpSpPr>
-      <p:sp>
-        <p:nvSpPr>
-          <p:cNvPr id="138" name="Shape 138"/>
-          <p:cNvSpPr/>
-          <p:nvPr>
-            <p:ph type="title"/>
-          </p:nvPr>
-        </p:nvSpPr>
-        <p:spPr>
-          <a:prstGeom prst="rect">
-            <a:avLst/>
-          </a:prstGeom>
-        </p:spPr>
-        <p:txBody>
-          <a:bodyPr/>
-          <a:lstStyle/>
-          <a:p>
-            <a:pPr/>
-            <a:r>
-              <a:t>Почему Git?</a:t>
-            </a:r>
-          </a:p>
-        </p:txBody>
-      </p:sp>
-      <p:sp>
-        <p:nvSpPr>
-          <p:cNvPr id="139" name="Shape 139"/>
-          <p:cNvSpPr/>
-          <p:nvPr>
-            <p:ph type="body" idx="1"/>
-          </p:nvPr>
-        </p:nvSpPr>
-        <p:spPr>
-          <a:prstGeom prst="rect">
-            <a:avLst/>
-          </a:prstGeom>
-        </p:spPr>
-        <p:txBody>
-          <a:bodyPr/>
-          <a:lstStyle/>
-          <a:p>
-            <a:pPr/>
-            <a:r>
-              <a:t>Просто популярная и удобная система </a:t>
-            </a:r>
-            <a:r>
-              <a:rPr>
-                <a:latin typeface="Wingdings"/>
-                <a:ea typeface="Wingdings"/>
-                <a:cs typeface="Wingdings"/>
-                <a:sym typeface="Wingdings"/>
-              </a:rPr>
-              <a:t>☺</a:t>
-            </a:r>
-          </a:p>
-        </p:txBody>
-      </p:sp>
-    </p:spTree>
-  </p:cSld>
-  <p:clrMapOvr>
-    <a:masterClrMapping/>
-  </p:clrMapOvr>
-  <p:transition xmlns:p14="http://schemas.microsoft.com/office/powerpoint/2010/main" spd="med" advClick="1" p14:dur="1000"/>
-</p:sld>
-</file>
-
-<file path=ppt/slides/slide8.xml><?xml version="1.0" encoding="utf-8"?>
-<p:sld xmlns:a="http://schemas.openxmlformats.org/drawingml/2006/main" xmlns:r="http://schemas.openxmlformats.org/officeDocument/2006/relationships" xmlns:p="http://schemas.openxmlformats.org/presentationml/2006/main" showMasterSp="1" showMasterPhAnim="1">
-  <p:cSld>
-    <p:spTree>
-      <p:nvGrpSpPr>
-        <p:cNvPr id="1" name=""/>
-        <p:cNvGrpSpPr/>
-        <p:nvPr/>
-      </p:nvGrpSpPr>
-      <p:grpSpPr>
-        <a:xfrm>
-          <a:off x="0" y="0"/>
-          <a:ext cx="0" cy="0"/>
-          <a:chOff x="0" y="0"/>
-          <a:chExt cx="0" cy="0"/>
-        </a:xfrm>
-      </p:grpSpPr>
-      <p:sp>
-        <p:nvSpPr>
-          <p:cNvPr id="141" name="Shape 141"/>
-          <p:cNvSpPr/>
-          <p:nvPr>
-            <p:ph type="title"/>
-          </p:nvPr>
-        </p:nvSpPr>
-        <p:spPr>
-          <a:prstGeom prst="rect">
-            <a:avLst/>
-          </a:prstGeom>
-        </p:spPr>
-        <p:txBody>
-          <a:bodyPr/>
-          <a:lstStyle/>
-          <a:p>
-            <a:pPr/>
-            <a:r>
-              <a:t>Основные термины</a:t>
-            </a:r>
-          </a:p>
-        </p:txBody>
-      </p:sp>
-      <p:sp>
-        <p:nvSpPr>
-          <p:cNvPr id="142" name="Shape 142"/>
-          <p:cNvSpPr/>
-          <p:nvPr>
-            <p:ph type="body" idx="1"/>
-          </p:nvPr>
-        </p:nvSpPr>
-        <p:spPr>
-          <a:prstGeom prst="rect">
-            <a:avLst/>
-          </a:prstGeom>
-        </p:spPr>
-        <p:txBody>
-          <a:bodyPr/>
-          <a:lstStyle/>
-          <a:p>
-            <a:pPr marL="221742" indent="-221742" defTabSz="886968">
-              <a:spcBef>
-                <a:spcPts val="900"/>
-              </a:spcBef>
-              <a:defRPr sz="2716"/>
-            </a:pPr>
-          </a:p>
-          <a:p>
-            <a:pPr marL="221742" indent="-221742" defTabSz="886968">
-              <a:spcBef>
-                <a:spcPts val="900"/>
-              </a:spcBef>
-              <a:defRPr sz="2716"/>
-            </a:pPr>
-            <a:r>
-              <a:t>Commit</a:t>
-            </a:r>
-            <a:r>
-              <a:t> </a:t>
-            </a:r>
-            <a:r>
-              <a:t>– </a:t>
-            </a:r>
-            <a:r>
-              <a:t>фиксация изменений;</a:t>
-            </a:r>
-          </a:p>
-          <a:p>
-            <a:pPr marL="221742" indent="-221742" defTabSz="886968">
-              <a:spcBef>
-                <a:spcPts val="900"/>
-              </a:spcBef>
-              <a:defRPr sz="2716"/>
-            </a:pPr>
-            <a:r>
-              <a:t>Branch </a:t>
-            </a:r>
-            <a:r>
-              <a:t>– ветка репозитория, которая состоит из цепи коммитов</a:t>
-            </a:r>
-          </a:p>
-          <a:p>
-            <a:pPr marL="221742" indent="-221742" defTabSz="886968">
-              <a:spcBef>
-                <a:spcPts val="900"/>
-              </a:spcBef>
-              <a:defRPr sz="2716"/>
-            </a:pPr>
-            <a:r>
-              <a:t>Merge - объединение изменений из двух веток</a:t>
-            </a:r>
-          </a:p>
-          <a:p>
-            <a:pPr marL="221742" indent="-221742" defTabSz="886968">
-              <a:spcBef>
-                <a:spcPts val="900"/>
-              </a:spcBef>
-              <a:defRPr sz="2716"/>
-            </a:pPr>
-            <a:r>
-              <a:t>Conflict </a:t>
-            </a:r>
-            <a:r>
-              <a:t>– ситуация когда изменения в двух объединяемых изменениях имеют противоречия;</a:t>
-            </a:r>
-          </a:p>
-          <a:p>
-            <a:pPr marL="221742" indent="-221742" defTabSz="886968">
-              <a:spcBef>
-                <a:spcPts val="900"/>
-              </a:spcBef>
-              <a:defRPr sz="2716"/>
-            </a:pPr>
-            <a:r>
-              <a:t>Pull - получение последних изменений с удаленного репозитория</a:t>
-            </a:r>
-          </a:p>
-          <a:p>
-            <a:pPr marL="221742" indent="-221742" defTabSz="886968">
-              <a:spcBef>
-                <a:spcPts val="900"/>
-              </a:spcBef>
-              <a:defRPr sz="2716"/>
-            </a:pPr>
-            <a:r>
-              <a:t>Push - отправка  на удаленный репозиторий</a:t>
-            </a:r>
-          </a:p>
-        </p:txBody>
-      </p:sp>
-      <p:sp>
-        <p:nvSpPr>
-          <p:cNvPr id="143" name="Shape 143"/>
-          <p:cNvSpPr/>
-          <p:nvPr/>
-        </p:nvSpPr>
-        <p:spPr>
-          <a:xfrm>
-            <a:off x="0" y="-370836"/>
-            <a:ext cx="411426" cy="742941"/>
-          </a:xfrm>
-          <a:prstGeom prst="rect">
-            <a:avLst/>
-          </a:prstGeom>
-          <a:solidFill>
-            <a:srgbClr val="FFFFFF"/>
-          </a:solidFill>
-          <a:ln w="12700">
-            <a:miter lim="400000"/>
-          </a:ln>
-          <a:extLst>
-            <a:ext uri="{C572A759-6A51-4108-AA02-DFA0A04FC94B}">
-              <ma14:wrappingTextBoxFlag xmlns:ma14="http://schemas.microsoft.com/office/mac/drawingml/2011/main" val="1"/>
-            </a:ext>
-          </a:extLst>
-        </p:spPr>
-        <p:txBody>
-          <a:bodyPr wrap="none" lIns="15869" tIns="15869" rIns="15869" bIns="15869" anchor="ctr">
-            <a:spAutoFit/>
-          </a:bodyPr>
-          <a:lstStyle/>
-          <a:p>
-            <a:pPr>
-              <a:defRPr>
-                <a:latin typeface="Arial"/>
-                <a:ea typeface="Arial"/>
-                <a:cs typeface="Arial"/>
-                <a:sym typeface="Arial"/>
-              </a:defRPr>
-            </a:pPr>
-          </a:p>
-          <a:p>
-            <a:pPr>
-              <a:defRPr b="1" sz="1000">
-                <a:solidFill>
-                  <a:srgbClr val="252525"/>
-                </a:solidFill>
-                <a:latin typeface="Arial"/>
-                <a:ea typeface="Arial"/>
-                <a:cs typeface="Arial"/>
-                <a:sym typeface="Arial"/>
-              </a:defRPr>
-            </a:pPr>
-            <a:r>
-              <a:t>head </a:t>
-            </a:r>
-          </a:p>
-          <a:p>
-            <a:pPr>
-              <a:defRPr sz="1100"/>
-            </a:pPr>
-            <a:br/>
-          </a:p>
-        </p:txBody>
-      </p:sp>
-    </p:spTree>
-  </p:cSld>
-  <p:clrMapOvr>
-    <a:masterClrMapping/>
-  </p:clrMapOvr>
-  <p:transition xmlns:p14="http://schemas.microsoft.com/office/powerpoint/2010/main" spd="med" advClick="1" p14:dur="1000"/>
-</p:sld>
-</file>
-
-<file path=ppt/slides/slide9.xml><?xml version="1.0" encoding="utf-8"?>
-<p:sld xmlns:a="http://schemas.openxmlformats.org/drawingml/2006/main" xmlns:r="http://schemas.openxmlformats.org/officeDocument/2006/relationships" xmlns:p="http://schemas.openxmlformats.org/presentationml/2006/main" showMasterSp="1" showMasterPhAnim="1">
-  <p:cSld>
-    <p:spTree>
-      <p:nvGrpSpPr>
-        <p:cNvPr id="1" name=""/>
-        <p:cNvGrpSpPr/>
-        <p:nvPr/>
-      </p:nvGrpSpPr>
-      <p:grpSpPr>
-        <a:xfrm>
-          <a:off x="0" y="0"/>
-          <a:ext cx="0" cy="0"/>
-          <a:chOff x="0" y="0"/>
-          <a:chExt cx="0" cy="0"/>
-        </a:xfrm>
-      </p:grpSpPr>
-      <p:sp>
-        <p:nvSpPr>
-          <p:cNvPr id="145" name="Shape 145"/>
-          <p:cNvSpPr/>
-          <p:nvPr>
-            <p:ph type="title"/>
-          </p:nvPr>
-        </p:nvSpPr>
-        <p:spPr>
-          <a:prstGeom prst="rect">
-            <a:avLst/>
-          </a:prstGeom>
-        </p:spPr>
-        <p:txBody>
-          <a:bodyPr/>
-          <a:lstStyle>
-            <a:lvl1pPr algn="ctr"/>
-          </a:lstStyle>
-          <a:p>
-            <a:pPr/>
-            <a:r>
-              <a:t>GitFlow</a:t>
-            </a:r>
-          </a:p>
-        </p:txBody>
-      </p:sp>
-      <p:pic>
-        <p:nvPicPr>
-          <p:cNvPr id="146" name="image2.png" descr="https://habrastorage.org/storage/4bf7e68c/49e29c35/3a01bd6b/782a1be3.png"/>
-          <p:cNvPicPr>
-            <a:picLocks noChangeAspect="1"/>
-          </p:cNvPicPr>
-          <p:nvPr/>
-        </p:nvPicPr>
-        <p:blipFill>
-          <a:blip r:embed="rId2">
-            <a:extLst/>
-          </a:blip>
-          <a:stretch>
-            <a:fillRect/>
-          </a:stretch>
-        </p:blipFill>
-        <p:spPr>
-          <a:xfrm>
-            <a:off x="4169542" y="1579060"/>
-            <a:ext cx="3852916" cy="5139324"/>
-          </a:xfrm>
-          <a:prstGeom prst="rect">
-            <a:avLst/>
-          </a:prstGeom>
-          <a:ln w="12700">
-            <a:miter lim="400000"/>
-          </a:ln>
-        </p:spPr>
-      </p:pic>
-    </p:spTree>
-  </p:cSld>
-  <p:clrMapOvr>
-    <a:masterClrMapping/>
-  </p:clrMapOvr>
-  <p:transition xmlns:p14="http://schemas.microsoft.com/office/powerpoint/2010/main" spd="med" advClick="1" p14:dur="1000"/>
+  <p:transition spd="med"/>
 </p:sld>
 </file>
 
 <file path=ppt/theme/theme1.xml><?xml version="1.0" encoding="utf-8"?>
-<a:theme xmlns:a="http://schemas.openxmlformats.org/drawingml/2006/main" xmlns:r="http://schemas.openxmlformats.org/officeDocument/2006/relationships" name="Тема Office">
+<a:theme xmlns:a="http://schemas.openxmlformats.org/drawingml/2006/main" name="Тема Office">
   <a:themeElements>
     <a:clrScheme name="Тема Office">
       <a:dk1>
@@ -4376,7 +3163,7 @@
         <a:effectLst/>
         <a:sp3d/>
       </a:spPr>
-      <a:bodyPr rot="0" spcFirstLastPara="1" vertOverflow="overflow" horzOverflow="overflow" vert="horz" wrap="square" lIns="45719" tIns="45719" rIns="45719" bIns="45719" numCol="1" spcCol="38100" rtlCol="0" anchor="ctr" upright="0">
+      <a:bodyPr rot="0" spcFirstLastPara="1" vertOverflow="overflow" horzOverflow="overflow" vert="horz" wrap="square" lIns="45719" tIns="45719" rIns="45719" bIns="45719" numCol="1" spcCol="38100" rtlCol="0" anchor="ctr">
         <a:spAutoFit/>
       </a:bodyPr>
       <a:lstStyle>
@@ -4395,7 +3182,7 @@
           <a:buFontTx/>
           <a:buNone/>
           <a:tabLst/>
-          <a:defRPr b="0" baseline="0" cap="none" i="0" spc="0" strike="noStrike" sz="1800" u="none" kumimoji="0" normalizeH="0">
+          <a:defRPr kumimoji="0" sz="1800" b="0" i="0" u="none" strike="noStrike" cap="none" spc="0" normalizeH="0" baseline="0">
             <a:ln>
               <a:noFill/>
             </a:ln>
@@ -4425,7 +3212,7 @@
           <a:buFontTx/>
           <a:buNone/>
           <a:tabLst/>
-          <a:defRPr b="0" baseline="0" cap="none" i="0" spc="0" strike="noStrike" sz="1800" u="none" kumimoji="0" normalizeH="0">
+          <a:defRPr kumimoji="0" sz="1800" b="0" i="0" u="none" strike="noStrike" cap="none" spc="0" normalizeH="0" baseline="0">
             <a:ln>
               <a:noFill/>
             </a:ln>
@@ -4451,7 +3238,7 @@
           <a:buFontTx/>
           <a:buNone/>
           <a:tabLst/>
-          <a:defRPr b="0" baseline="0" cap="none" i="0" spc="0" strike="noStrike" sz="1800" u="none" kumimoji="0" normalizeH="0">
+          <a:defRPr kumimoji="0" sz="1800" b="0" i="0" u="none" strike="noStrike" cap="none" spc="0" normalizeH="0" baseline="0">
             <a:ln>
               <a:noFill/>
             </a:ln>
@@ -4477,7 +3264,7 @@
           <a:buFontTx/>
           <a:buNone/>
           <a:tabLst/>
-          <a:defRPr b="0" baseline="0" cap="none" i="0" spc="0" strike="noStrike" sz="1800" u="none" kumimoji="0" normalizeH="0">
+          <a:defRPr kumimoji="0" sz="1800" b="0" i="0" u="none" strike="noStrike" cap="none" spc="0" normalizeH="0" baseline="0">
             <a:ln>
               <a:noFill/>
             </a:ln>
@@ -4503,7 +3290,7 @@
           <a:buFontTx/>
           <a:buNone/>
           <a:tabLst/>
-          <a:defRPr b="0" baseline="0" cap="none" i="0" spc="0" strike="noStrike" sz="1800" u="none" kumimoji="0" normalizeH="0">
+          <a:defRPr kumimoji="0" sz="1800" b="0" i="0" u="none" strike="noStrike" cap="none" spc="0" normalizeH="0" baseline="0">
             <a:ln>
               <a:noFill/>
             </a:ln>
@@ -4529,7 +3316,7 @@
           <a:buFontTx/>
           <a:buNone/>
           <a:tabLst/>
-          <a:defRPr b="0" baseline="0" cap="none" i="0" spc="0" strike="noStrike" sz="1800" u="none" kumimoji="0" normalizeH="0">
+          <a:defRPr kumimoji="0" sz="1800" b="0" i="0" u="none" strike="noStrike" cap="none" spc="0" normalizeH="0" baseline="0">
             <a:ln>
               <a:noFill/>
             </a:ln>
@@ -4555,7 +3342,7 @@
           <a:buFontTx/>
           <a:buNone/>
           <a:tabLst/>
-          <a:defRPr b="0" baseline="0" cap="none" i="0" spc="0" strike="noStrike" sz="1800" u="none" kumimoji="0" normalizeH="0">
+          <a:defRPr kumimoji="0" sz="1800" b="0" i="0" u="none" strike="noStrike" cap="none" spc="0" normalizeH="0" baseline="0">
             <a:ln>
               <a:noFill/>
             </a:ln>
@@ -4581,7 +3368,7 @@
           <a:buFontTx/>
           <a:buNone/>
           <a:tabLst/>
-          <a:defRPr b="0" baseline="0" cap="none" i="0" spc="0" strike="noStrike" sz="1800" u="none" kumimoji="0" normalizeH="0">
+          <a:defRPr kumimoji="0" sz="1800" b="0" i="0" u="none" strike="noStrike" cap="none" spc="0" normalizeH="0" baseline="0">
             <a:ln>
               <a:noFill/>
             </a:ln>
@@ -4607,7 +3394,7 @@
           <a:buFontTx/>
           <a:buNone/>
           <a:tabLst/>
-          <a:defRPr b="0" baseline="0" cap="none" i="0" spc="0" strike="noStrike" sz="1800" u="none" kumimoji="0" normalizeH="0">
+          <a:defRPr kumimoji="0" sz="1800" b="0" i="0" u="none" strike="noStrike" cap="none" spc="0" normalizeH="0" baseline="0">
             <a:ln>
               <a:noFill/>
             </a:ln>
@@ -4633,7 +3420,7 @@
           <a:buFontTx/>
           <a:buNone/>
           <a:tabLst/>
-          <a:defRPr b="0" baseline="0" cap="none" i="0" spc="0" strike="noStrike" sz="1800" u="none" kumimoji="0" normalizeH="0">
+          <a:defRPr kumimoji="0" sz="1800" b="0" i="0" u="none" strike="noStrike" cap="none" spc="0" normalizeH="0" baseline="0">
             <a:ln>
               <a:noFill/>
             </a:ln>
@@ -4646,9 +3433,15 @@
         </a:lvl9pPr>
       </a:lstStyle>
       <a:style>
-        <a:lnRef idx="0"/>
-        <a:fillRef idx="0"/>
-        <a:effectRef idx="0"/>
+        <a:lnRef idx="0">
+          <a:scrgbClr r="0" g="0" b="0"/>
+        </a:lnRef>
+        <a:fillRef idx="0">
+          <a:scrgbClr r="0" g="0" b="0"/>
+        </a:fillRef>
+        <a:effectRef idx="0">
+          <a:scrgbClr r="0" g="0" b="0"/>
+        </a:effectRef>
         <a:fontRef idx="none"/>
       </a:style>
     </a:spDef>
@@ -4665,7 +3458,7 @@
         <a:effectLst/>
         <a:sp3d/>
       </a:spPr>
-      <a:bodyPr rot="0" spcFirstLastPara="1" vertOverflow="overflow" horzOverflow="overflow" vert="horz" wrap="square" lIns="91439" tIns="45719" rIns="91439" bIns="45719" numCol="1" spcCol="38100" rtlCol="0" anchor="t" upright="0">
+      <a:bodyPr rot="0" spcFirstLastPara="1" vertOverflow="overflow" horzOverflow="overflow" vert="horz" wrap="square" lIns="91439" tIns="45719" rIns="91439" bIns="45719" numCol="1" spcCol="38100" rtlCol="0" anchor="t">
         <a:noAutofit/>
       </a:bodyPr>
       <a:lstStyle>
@@ -4684,7 +3477,7 @@
           <a:buFontTx/>
           <a:buNone/>
           <a:tabLst/>
-          <a:defRPr b="0" baseline="0" cap="none" i="0" spc="0" strike="noStrike" sz="1800" u="none" kumimoji="0" normalizeH="0">
+          <a:defRPr kumimoji="0" sz="1800" b="0" i="0" u="none" strike="noStrike" cap="none" spc="0" normalizeH="0" baseline="0">
             <a:ln>
               <a:noFill/>
             </a:ln>
@@ -4710,7 +3503,7 @@
           <a:buFontTx/>
           <a:buNone/>
           <a:tabLst/>
-          <a:defRPr b="0" baseline="0" cap="none" i="0" spc="0" strike="noStrike" sz="1800" u="none" kumimoji="0" normalizeH="0">
+          <a:defRPr kumimoji="0" sz="1800" b="0" i="0" u="none" strike="noStrike" cap="none" spc="0" normalizeH="0" baseline="0">
             <a:ln>
               <a:noFill/>
             </a:ln>
@@ -4736,7 +3529,7 @@
           <a:buFontTx/>
           <a:buNone/>
           <a:tabLst/>
-          <a:defRPr b="0" baseline="0" cap="none" i="0" spc="0" strike="noStrike" sz="1800" u="none" kumimoji="0" normalizeH="0">
+          <a:defRPr kumimoji="0" sz="1800" b="0" i="0" u="none" strike="noStrike" cap="none" spc="0" normalizeH="0" baseline="0">
             <a:ln>
               <a:noFill/>
             </a:ln>
@@ -4762,7 +3555,7 @@
           <a:buFontTx/>
           <a:buNone/>
           <a:tabLst/>
-          <a:defRPr b="0" baseline="0" cap="none" i="0" spc="0" strike="noStrike" sz="1800" u="none" kumimoji="0" normalizeH="0">
+          <a:defRPr kumimoji="0" sz="1800" b="0" i="0" u="none" strike="noStrike" cap="none" spc="0" normalizeH="0" baseline="0">
             <a:ln>
               <a:noFill/>
             </a:ln>
@@ -4788,7 +3581,7 @@
           <a:buFontTx/>
           <a:buNone/>
           <a:tabLst/>
-          <a:defRPr b="0" baseline="0" cap="none" i="0" spc="0" strike="noStrike" sz="1800" u="none" kumimoji="0" normalizeH="0">
+          <a:defRPr kumimoji="0" sz="1800" b="0" i="0" u="none" strike="noStrike" cap="none" spc="0" normalizeH="0" baseline="0">
             <a:ln>
               <a:noFill/>
             </a:ln>
@@ -4814,7 +3607,7 @@
           <a:buFontTx/>
           <a:buNone/>
           <a:tabLst/>
-          <a:defRPr b="0" baseline="0" cap="none" i="0" spc="0" strike="noStrike" sz="1800" u="none" kumimoji="0" normalizeH="0">
+          <a:defRPr kumimoji="0" sz="1800" b="0" i="0" u="none" strike="noStrike" cap="none" spc="0" normalizeH="0" baseline="0">
             <a:ln>
               <a:noFill/>
             </a:ln>
@@ -4840,7 +3633,7 @@
           <a:buFontTx/>
           <a:buNone/>
           <a:tabLst/>
-          <a:defRPr b="0" baseline="0" cap="none" i="0" spc="0" strike="noStrike" sz="1800" u="none" kumimoji="0" normalizeH="0">
+          <a:defRPr kumimoji="0" sz="1800" b="0" i="0" u="none" strike="noStrike" cap="none" spc="0" normalizeH="0" baseline="0">
             <a:ln>
               <a:noFill/>
             </a:ln>
@@ -4866,7 +3659,7 @@
           <a:buFontTx/>
           <a:buNone/>
           <a:tabLst/>
-          <a:defRPr b="0" baseline="0" cap="none" i="0" spc="0" strike="noStrike" sz="1800" u="none" kumimoji="0" normalizeH="0">
+          <a:defRPr kumimoji="0" sz="1800" b="0" i="0" u="none" strike="noStrike" cap="none" spc="0" normalizeH="0" baseline="0">
             <a:ln>
               <a:noFill/>
             </a:ln>
@@ -4892,7 +3685,7 @@
           <a:buFontTx/>
           <a:buNone/>
           <a:tabLst/>
-          <a:defRPr b="0" baseline="0" cap="none" i="0" spc="0" strike="noStrike" sz="1800" u="none" kumimoji="0" normalizeH="0">
+          <a:defRPr kumimoji="0" sz="1800" b="0" i="0" u="none" strike="noStrike" cap="none" spc="0" normalizeH="0" baseline="0">
             <a:ln>
               <a:noFill/>
             </a:ln>
@@ -4918,7 +3711,7 @@
           <a:buFontTx/>
           <a:buNone/>
           <a:tabLst/>
-          <a:defRPr b="0" baseline="0" cap="none" i="0" spc="0" strike="noStrike" sz="1800" u="none" kumimoji="0" normalizeH="0">
+          <a:defRPr kumimoji="0" sz="1800" b="0" i="0" u="none" strike="noStrike" cap="none" spc="0" normalizeH="0" baseline="0">
             <a:ln>
               <a:noFill/>
             </a:ln>
@@ -4931,9 +3724,15 @@
         </a:lvl9pPr>
       </a:lstStyle>
       <a:style>
-        <a:lnRef idx="0"/>
-        <a:fillRef idx="0"/>
-        <a:effectRef idx="0"/>
+        <a:lnRef idx="0">
+          <a:scrgbClr r="0" g="0" b="0"/>
+        </a:lnRef>
+        <a:fillRef idx="0">
+          <a:scrgbClr r="0" g="0" b="0"/>
+        </a:fillRef>
+        <a:effectRef idx="0">
+          <a:scrgbClr r="0" g="0" b="0"/>
+        </a:effectRef>
         <a:fontRef idx="none"/>
       </a:style>
     </a:lnDef>
@@ -4947,7 +3746,7 @@
         <a:effectLst/>
         <a:sp3d/>
       </a:spPr>
-      <a:bodyPr rot="0" spcFirstLastPara="1" vertOverflow="overflow" horzOverflow="overflow" vert="horz" wrap="square" lIns="45719" tIns="45719" rIns="45719" bIns="45719" numCol="1" spcCol="38100" rtlCol="0" anchor="t" upright="0">
+      <a:bodyPr rot="0" spcFirstLastPara="1" vertOverflow="overflow" horzOverflow="overflow" vert="horz" wrap="square" lIns="45719" tIns="45719" rIns="45719" bIns="45719" numCol="1" spcCol="38100" rtlCol="0" anchor="t">
         <a:spAutoFit/>
       </a:bodyPr>
       <a:lstStyle>
@@ -4966,7 +3765,7 @@
           <a:buFontTx/>
           <a:buNone/>
           <a:tabLst/>
-          <a:defRPr b="0" baseline="0" cap="none" i="0" spc="0" strike="noStrike" sz="1800" u="none" kumimoji="0" normalizeH="0">
+          <a:defRPr kumimoji="0" sz="1800" b="0" i="0" u="none" strike="noStrike" cap="none" spc="0" normalizeH="0" baseline="0">
             <a:ln>
               <a:noFill/>
             </a:ln>
@@ -4996,7 +3795,7 @@
           <a:buFontTx/>
           <a:buNone/>
           <a:tabLst/>
-          <a:defRPr b="0" baseline="0" cap="none" i="0" spc="0" strike="noStrike" sz="1800" u="none" kumimoji="0" normalizeH="0">
+          <a:defRPr kumimoji="0" sz="1800" b="0" i="0" u="none" strike="noStrike" cap="none" spc="0" normalizeH="0" baseline="0">
             <a:ln>
               <a:noFill/>
             </a:ln>
@@ -5022,7 +3821,7 @@
           <a:buFontTx/>
           <a:buNone/>
           <a:tabLst/>
-          <a:defRPr b="0" baseline="0" cap="none" i="0" spc="0" strike="noStrike" sz="1800" u="none" kumimoji="0" normalizeH="0">
+          <a:defRPr kumimoji="0" sz="1800" b="0" i="0" u="none" strike="noStrike" cap="none" spc="0" normalizeH="0" baseline="0">
             <a:ln>
               <a:noFill/>
             </a:ln>
@@ -5048,7 +3847,7 @@
           <a:buFontTx/>
           <a:buNone/>
           <a:tabLst/>
-          <a:defRPr b="0" baseline="0" cap="none" i="0" spc="0" strike="noStrike" sz="1800" u="none" kumimoji="0" normalizeH="0">
+          <a:defRPr kumimoji="0" sz="1800" b="0" i="0" u="none" strike="noStrike" cap="none" spc="0" normalizeH="0" baseline="0">
             <a:ln>
               <a:noFill/>
             </a:ln>
@@ -5074,7 +3873,7 @@
           <a:buFontTx/>
           <a:buNone/>
           <a:tabLst/>
-          <a:defRPr b="0" baseline="0" cap="none" i="0" spc="0" strike="noStrike" sz="1800" u="none" kumimoji="0" normalizeH="0">
+          <a:defRPr kumimoji="0" sz="1800" b="0" i="0" u="none" strike="noStrike" cap="none" spc="0" normalizeH="0" baseline="0">
             <a:ln>
               <a:noFill/>
             </a:ln>
@@ -5100,7 +3899,7 @@
           <a:buFontTx/>
           <a:buNone/>
           <a:tabLst/>
-          <a:defRPr b="0" baseline="0" cap="none" i="0" spc="0" strike="noStrike" sz="1800" u="none" kumimoji="0" normalizeH="0">
+          <a:defRPr kumimoji="0" sz="1800" b="0" i="0" u="none" strike="noStrike" cap="none" spc="0" normalizeH="0" baseline="0">
             <a:ln>
               <a:noFill/>
             </a:ln>
@@ -5126,7 +3925,7 @@
           <a:buFontTx/>
           <a:buNone/>
           <a:tabLst/>
-          <a:defRPr b="0" baseline="0" cap="none" i="0" spc="0" strike="noStrike" sz="1800" u="none" kumimoji="0" normalizeH="0">
+          <a:defRPr kumimoji="0" sz="1800" b="0" i="0" u="none" strike="noStrike" cap="none" spc="0" normalizeH="0" baseline="0">
             <a:ln>
               <a:noFill/>
             </a:ln>
@@ -5152,7 +3951,7 @@
           <a:buFontTx/>
           <a:buNone/>
           <a:tabLst/>
-          <a:defRPr b="0" baseline="0" cap="none" i="0" spc="0" strike="noStrike" sz="1800" u="none" kumimoji="0" normalizeH="0">
+          <a:defRPr kumimoji="0" sz="1800" b="0" i="0" u="none" strike="noStrike" cap="none" spc="0" normalizeH="0" baseline="0">
             <a:ln>
               <a:noFill/>
             </a:ln>
@@ -5178,7 +3977,7 @@
           <a:buFontTx/>
           <a:buNone/>
           <a:tabLst/>
-          <a:defRPr b="0" baseline="0" cap="none" i="0" spc="0" strike="noStrike" sz="1800" u="none" kumimoji="0" normalizeH="0">
+          <a:defRPr kumimoji="0" sz="1800" b="0" i="0" u="none" strike="noStrike" cap="none" spc="0" normalizeH="0" baseline="0">
             <a:ln>
               <a:noFill/>
             </a:ln>
@@ -5204,7 +4003,7 @@
           <a:buFontTx/>
           <a:buNone/>
           <a:tabLst/>
-          <a:defRPr b="0" baseline="0" cap="none" i="0" spc="0" strike="noStrike" sz="1800" u="none" kumimoji="0" normalizeH="0">
+          <a:defRPr kumimoji="0" sz="1800" b="0" i="0" u="none" strike="noStrike" cap="none" spc="0" normalizeH="0" baseline="0">
             <a:ln>
               <a:noFill/>
             </a:ln>
@@ -5217,18 +4016,25 @@
         </a:lvl9pPr>
       </a:lstStyle>
       <a:style>
-        <a:lnRef idx="0"/>
-        <a:fillRef idx="0"/>
-        <a:effectRef idx="0"/>
+        <a:lnRef idx="0">
+          <a:scrgbClr r="0" g="0" b="0"/>
+        </a:lnRef>
+        <a:fillRef idx="0">
+          <a:scrgbClr r="0" g="0" b="0"/>
+        </a:fillRef>
+        <a:effectRef idx="0">
+          <a:scrgbClr r="0" g="0" b="0"/>
+        </a:effectRef>
         <a:fontRef idx="none"/>
       </a:style>
     </a:txDef>
   </a:objectDefaults>
+  <a:extraClrSchemeLst/>
 </a:theme>
 </file>
 
 <file path=ppt/theme/theme2.xml><?xml version="1.0" encoding="utf-8"?>
-<a:theme xmlns:a="http://schemas.openxmlformats.org/drawingml/2006/main" xmlns:r="http://schemas.openxmlformats.org/officeDocument/2006/relationships" name="Тема Office">
+<a:theme xmlns:a="http://schemas.openxmlformats.org/drawingml/2006/main" name="Тема Office">
   <a:themeElements>
     <a:clrScheme name="Тема Office">
       <a:dk1>
@@ -5430,7 +4236,7 @@
         <a:effectLst/>
         <a:sp3d/>
       </a:spPr>
-      <a:bodyPr rot="0" spcFirstLastPara="1" vertOverflow="overflow" horzOverflow="overflow" vert="horz" wrap="square" lIns="45719" tIns="45719" rIns="45719" bIns="45719" numCol="1" spcCol="38100" rtlCol="0" anchor="ctr" upright="0">
+      <a:bodyPr rot="0" spcFirstLastPara="1" vertOverflow="overflow" horzOverflow="overflow" vert="horz" wrap="square" lIns="45719" tIns="45719" rIns="45719" bIns="45719" numCol="1" spcCol="38100" rtlCol="0" anchor="ctr">
         <a:spAutoFit/>
       </a:bodyPr>
       <a:lstStyle>
@@ -5449,7 +4255,7 @@
           <a:buFontTx/>
           <a:buNone/>
           <a:tabLst/>
-          <a:defRPr b="0" baseline="0" cap="none" i="0" spc="0" strike="noStrike" sz="1800" u="none" kumimoji="0" normalizeH="0">
+          <a:defRPr kumimoji="0" sz="1800" b="0" i="0" u="none" strike="noStrike" cap="none" spc="0" normalizeH="0" baseline="0">
             <a:ln>
               <a:noFill/>
             </a:ln>
@@ -5479,7 +4285,7 @@
           <a:buFontTx/>
           <a:buNone/>
           <a:tabLst/>
-          <a:defRPr b="0" baseline="0" cap="none" i="0" spc="0" strike="noStrike" sz="1800" u="none" kumimoji="0" normalizeH="0">
+          <a:defRPr kumimoji="0" sz="1800" b="0" i="0" u="none" strike="noStrike" cap="none" spc="0" normalizeH="0" baseline="0">
             <a:ln>
               <a:noFill/>
             </a:ln>
@@ -5505,7 +4311,7 @@
           <a:buFontTx/>
           <a:buNone/>
           <a:tabLst/>
-          <a:defRPr b="0" baseline="0" cap="none" i="0" spc="0" strike="noStrike" sz="1800" u="none" kumimoji="0" normalizeH="0">
+          <a:defRPr kumimoji="0" sz="1800" b="0" i="0" u="none" strike="noStrike" cap="none" spc="0" normalizeH="0" baseline="0">
             <a:ln>
               <a:noFill/>
             </a:ln>
@@ -5531,7 +4337,7 @@
           <a:buFontTx/>
           <a:buNone/>
           <a:tabLst/>
-          <a:defRPr b="0" baseline="0" cap="none" i="0" spc="0" strike="noStrike" sz="1800" u="none" kumimoji="0" normalizeH="0">
+          <a:defRPr kumimoji="0" sz="1800" b="0" i="0" u="none" strike="noStrike" cap="none" spc="0" normalizeH="0" baseline="0">
             <a:ln>
               <a:noFill/>
             </a:ln>
@@ -5557,7 +4363,7 @@
           <a:buFontTx/>
           <a:buNone/>
           <a:tabLst/>
-          <a:defRPr b="0" baseline="0" cap="none" i="0" spc="0" strike="noStrike" sz="1800" u="none" kumimoji="0" normalizeH="0">
+          <a:defRPr kumimoji="0" sz="1800" b="0" i="0" u="none" strike="noStrike" cap="none" spc="0" normalizeH="0" baseline="0">
             <a:ln>
               <a:noFill/>
             </a:ln>
@@ -5583,7 +4389,7 @@
           <a:buFontTx/>
           <a:buNone/>
           <a:tabLst/>
-          <a:defRPr b="0" baseline="0" cap="none" i="0" spc="0" strike="noStrike" sz="1800" u="none" kumimoji="0" normalizeH="0">
+          <a:defRPr kumimoji="0" sz="1800" b="0" i="0" u="none" strike="noStrike" cap="none" spc="0" normalizeH="0" baseline="0">
             <a:ln>
               <a:noFill/>
             </a:ln>
@@ -5609,7 +4415,7 @@
           <a:buFontTx/>
           <a:buNone/>
           <a:tabLst/>
-          <a:defRPr b="0" baseline="0" cap="none" i="0" spc="0" strike="noStrike" sz="1800" u="none" kumimoji="0" normalizeH="0">
+          <a:defRPr kumimoji="0" sz="1800" b="0" i="0" u="none" strike="noStrike" cap="none" spc="0" normalizeH="0" baseline="0">
             <a:ln>
               <a:noFill/>
             </a:ln>
@@ -5635,7 +4441,7 @@
           <a:buFontTx/>
           <a:buNone/>
           <a:tabLst/>
-          <a:defRPr b="0" baseline="0" cap="none" i="0" spc="0" strike="noStrike" sz="1800" u="none" kumimoji="0" normalizeH="0">
+          <a:defRPr kumimoji="0" sz="1800" b="0" i="0" u="none" strike="noStrike" cap="none" spc="0" normalizeH="0" baseline="0">
             <a:ln>
               <a:noFill/>
             </a:ln>
@@ -5661,7 +4467,7 @@
           <a:buFontTx/>
           <a:buNone/>
           <a:tabLst/>
-          <a:defRPr b="0" baseline="0" cap="none" i="0" spc="0" strike="noStrike" sz="1800" u="none" kumimoji="0" normalizeH="0">
+          <a:defRPr kumimoji="0" sz="1800" b="0" i="0" u="none" strike="noStrike" cap="none" spc="0" normalizeH="0" baseline="0">
             <a:ln>
               <a:noFill/>
             </a:ln>
@@ -5687,7 +4493,7 @@
           <a:buFontTx/>
           <a:buNone/>
           <a:tabLst/>
-          <a:defRPr b="0" baseline="0" cap="none" i="0" spc="0" strike="noStrike" sz="1800" u="none" kumimoji="0" normalizeH="0">
+          <a:defRPr kumimoji="0" sz="1800" b="0" i="0" u="none" strike="noStrike" cap="none" spc="0" normalizeH="0" baseline="0">
             <a:ln>
               <a:noFill/>
             </a:ln>
@@ -5700,9 +4506,15 @@
         </a:lvl9pPr>
       </a:lstStyle>
       <a:style>
-        <a:lnRef idx="0"/>
-        <a:fillRef idx="0"/>
-        <a:effectRef idx="0"/>
+        <a:lnRef idx="0">
+          <a:scrgbClr r="0" g="0" b="0"/>
+        </a:lnRef>
+        <a:fillRef idx="0">
+          <a:scrgbClr r="0" g="0" b="0"/>
+        </a:fillRef>
+        <a:effectRef idx="0">
+          <a:scrgbClr r="0" g="0" b="0"/>
+        </a:effectRef>
         <a:fontRef idx="none"/>
       </a:style>
     </a:spDef>
@@ -5719,7 +4531,7 @@
         <a:effectLst/>
         <a:sp3d/>
       </a:spPr>
-      <a:bodyPr rot="0" spcFirstLastPara="1" vertOverflow="overflow" horzOverflow="overflow" vert="horz" wrap="square" lIns="91439" tIns="45719" rIns="91439" bIns="45719" numCol="1" spcCol="38100" rtlCol="0" anchor="t" upright="0">
+      <a:bodyPr rot="0" spcFirstLastPara="1" vertOverflow="overflow" horzOverflow="overflow" vert="horz" wrap="square" lIns="91439" tIns="45719" rIns="91439" bIns="45719" numCol="1" spcCol="38100" rtlCol="0" anchor="t">
         <a:noAutofit/>
       </a:bodyPr>
       <a:lstStyle>
@@ -5738,7 +4550,7 @@
           <a:buFontTx/>
           <a:buNone/>
           <a:tabLst/>
-          <a:defRPr b="0" baseline="0" cap="none" i="0" spc="0" strike="noStrike" sz="1800" u="none" kumimoji="0" normalizeH="0">
+          <a:defRPr kumimoji="0" sz="1800" b="0" i="0" u="none" strike="noStrike" cap="none" spc="0" normalizeH="0" baseline="0">
             <a:ln>
               <a:noFill/>
             </a:ln>
@@ -5764,7 +4576,7 @@
           <a:buFontTx/>
           <a:buNone/>
           <a:tabLst/>
-          <a:defRPr b="0" baseline="0" cap="none" i="0" spc="0" strike="noStrike" sz="1800" u="none" kumimoji="0" normalizeH="0">
+          <a:defRPr kumimoji="0" sz="1800" b="0" i="0" u="none" strike="noStrike" cap="none" spc="0" normalizeH="0" baseline="0">
             <a:ln>
               <a:noFill/>
             </a:ln>
@@ -5790,7 +4602,7 @@
           <a:buFontTx/>
           <a:buNone/>
           <a:tabLst/>
-          <a:defRPr b="0" baseline="0" cap="none" i="0" spc="0" strike="noStrike" sz="1800" u="none" kumimoji="0" normalizeH="0">
+          <a:defRPr kumimoji="0" sz="1800" b="0" i="0" u="none" strike="noStrike" cap="none" spc="0" normalizeH="0" baseline="0">
             <a:ln>
               <a:noFill/>
             </a:ln>
@@ -5816,7 +4628,7 @@
           <a:buFontTx/>
           <a:buNone/>
           <a:tabLst/>
-          <a:defRPr b="0" baseline="0" cap="none" i="0" spc="0" strike="noStrike" sz="1800" u="none" kumimoji="0" normalizeH="0">
+          <a:defRPr kumimoji="0" sz="1800" b="0" i="0" u="none" strike="noStrike" cap="none" spc="0" normalizeH="0" baseline="0">
             <a:ln>
               <a:noFill/>
             </a:ln>
@@ -5842,7 +4654,7 @@
           <a:buFontTx/>
           <a:buNone/>
           <a:tabLst/>
-          <a:defRPr b="0" baseline="0" cap="none" i="0" spc="0" strike="noStrike" sz="1800" u="none" kumimoji="0" normalizeH="0">
+          <a:defRPr kumimoji="0" sz="1800" b="0" i="0" u="none" strike="noStrike" cap="none" spc="0" normalizeH="0" baseline="0">
             <a:ln>
               <a:noFill/>
             </a:ln>
@@ -5868,7 +4680,7 @@
           <a:buFontTx/>
           <a:buNone/>
           <a:tabLst/>
-          <a:defRPr b="0" baseline="0" cap="none" i="0" spc="0" strike="noStrike" sz="1800" u="none" kumimoji="0" normalizeH="0">
+          <a:defRPr kumimoji="0" sz="1800" b="0" i="0" u="none" strike="noStrike" cap="none" spc="0" normalizeH="0" baseline="0">
             <a:ln>
               <a:noFill/>
             </a:ln>
@@ -5894,7 +4706,7 @@
           <a:buFontTx/>
           <a:buNone/>
           <a:tabLst/>
-          <a:defRPr b="0" baseline="0" cap="none" i="0" spc="0" strike="noStrike" sz="1800" u="none" kumimoji="0" normalizeH="0">
+          <a:defRPr kumimoji="0" sz="1800" b="0" i="0" u="none" strike="noStrike" cap="none" spc="0" normalizeH="0" baseline="0">
             <a:ln>
               <a:noFill/>
             </a:ln>
@@ -5920,7 +4732,7 @@
           <a:buFontTx/>
           <a:buNone/>
           <a:tabLst/>
-          <a:defRPr b="0" baseline="0" cap="none" i="0" spc="0" strike="noStrike" sz="1800" u="none" kumimoji="0" normalizeH="0">
+          <a:defRPr kumimoji="0" sz="1800" b="0" i="0" u="none" strike="noStrike" cap="none" spc="0" normalizeH="0" baseline="0">
             <a:ln>
               <a:noFill/>
             </a:ln>
@@ -5946,7 +4758,7 @@
           <a:buFontTx/>
           <a:buNone/>
           <a:tabLst/>
-          <a:defRPr b="0" baseline="0" cap="none" i="0" spc="0" strike="noStrike" sz="1800" u="none" kumimoji="0" normalizeH="0">
+          <a:defRPr kumimoji="0" sz="1800" b="0" i="0" u="none" strike="noStrike" cap="none" spc="0" normalizeH="0" baseline="0">
             <a:ln>
               <a:noFill/>
             </a:ln>
@@ -5972,7 +4784,7 @@
           <a:buFontTx/>
           <a:buNone/>
           <a:tabLst/>
-          <a:defRPr b="0" baseline="0" cap="none" i="0" spc="0" strike="noStrike" sz="1800" u="none" kumimoji="0" normalizeH="0">
+          <a:defRPr kumimoji="0" sz="1800" b="0" i="0" u="none" strike="noStrike" cap="none" spc="0" normalizeH="0" baseline="0">
             <a:ln>
               <a:noFill/>
             </a:ln>
@@ -5985,9 +4797,15 @@
         </a:lvl9pPr>
       </a:lstStyle>
       <a:style>
-        <a:lnRef idx="0"/>
-        <a:fillRef idx="0"/>
-        <a:effectRef idx="0"/>
+        <a:lnRef idx="0">
+          <a:scrgbClr r="0" g="0" b="0"/>
+        </a:lnRef>
+        <a:fillRef idx="0">
+          <a:scrgbClr r="0" g="0" b="0"/>
+        </a:fillRef>
+        <a:effectRef idx="0">
+          <a:scrgbClr r="0" g="0" b="0"/>
+        </a:effectRef>
         <a:fontRef idx="none"/>
       </a:style>
     </a:lnDef>
@@ -6001,7 +4819,7 @@
         <a:effectLst/>
         <a:sp3d/>
       </a:spPr>
-      <a:bodyPr rot="0" spcFirstLastPara="1" vertOverflow="overflow" horzOverflow="overflow" vert="horz" wrap="square" lIns="45719" tIns="45719" rIns="45719" bIns="45719" numCol="1" spcCol="38100" rtlCol="0" anchor="t" upright="0">
+      <a:bodyPr rot="0" spcFirstLastPara="1" vertOverflow="overflow" horzOverflow="overflow" vert="horz" wrap="square" lIns="45719" tIns="45719" rIns="45719" bIns="45719" numCol="1" spcCol="38100" rtlCol="0" anchor="t">
         <a:spAutoFit/>
       </a:bodyPr>
       <a:lstStyle>
@@ -6020,7 +4838,7 @@
           <a:buFontTx/>
           <a:buNone/>
           <a:tabLst/>
-          <a:defRPr b="0" baseline="0" cap="none" i="0" spc="0" strike="noStrike" sz="1800" u="none" kumimoji="0" normalizeH="0">
+          <a:defRPr kumimoji="0" sz="1800" b="0" i="0" u="none" strike="noStrike" cap="none" spc="0" normalizeH="0" baseline="0">
             <a:ln>
               <a:noFill/>
             </a:ln>
@@ -6050,7 +4868,7 @@
           <a:buFontTx/>
           <a:buNone/>
           <a:tabLst/>
-          <a:defRPr b="0" baseline="0" cap="none" i="0" spc="0" strike="noStrike" sz="1800" u="none" kumimoji="0" normalizeH="0">
+          <a:defRPr kumimoji="0" sz="1800" b="0" i="0" u="none" strike="noStrike" cap="none" spc="0" normalizeH="0" baseline="0">
             <a:ln>
               <a:noFill/>
             </a:ln>
@@ -6076,7 +4894,7 @@
           <a:buFontTx/>
           <a:buNone/>
           <a:tabLst/>
-          <a:defRPr b="0" baseline="0" cap="none" i="0" spc="0" strike="noStrike" sz="1800" u="none" kumimoji="0" normalizeH="0">
+          <a:defRPr kumimoji="0" sz="1800" b="0" i="0" u="none" strike="noStrike" cap="none" spc="0" normalizeH="0" baseline="0">
             <a:ln>
               <a:noFill/>
             </a:ln>
@@ -6102,7 +4920,7 @@
           <a:buFontTx/>
           <a:buNone/>
           <a:tabLst/>
-          <a:defRPr b="0" baseline="0" cap="none" i="0" spc="0" strike="noStrike" sz="1800" u="none" kumimoji="0" normalizeH="0">
+          <a:defRPr kumimoji="0" sz="1800" b="0" i="0" u="none" strike="noStrike" cap="none" spc="0" normalizeH="0" baseline="0">
             <a:ln>
               <a:noFill/>
             </a:ln>
@@ -6128,7 +4946,7 @@
           <a:buFontTx/>
           <a:buNone/>
           <a:tabLst/>
-          <a:defRPr b="0" baseline="0" cap="none" i="0" spc="0" strike="noStrike" sz="1800" u="none" kumimoji="0" normalizeH="0">
+          <a:defRPr kumimoji="0" sz="1800" b="0" i="0" u="none" strike="noStrike" cap="none" spc="0" normalizeH="0" baseline="0">
             <a:ln>
               <a:noFill/>
             </a:ln>
@@ -6154,7 +4972,7 @@
           <a:buFontTx/>
           <a:buNone/>
           <a:tabLst/>
-          <a:defRPr b="0" baseline="0" cap="none" i="0" spc="0" strike="noStrike" sz="1800" u="none" kumimoji="0" normalizeH="0">
+          <a:defRPr kumimoji="0" sz="1800" b="0" i="0" u="none" strike="noStrike" cap="none" spc="0" normalizeH="0" baseline="0">
             <a:ln>
               <a:noFill/>
             </a:ln>
@@ -6180,7 +4998,7 @@
           <a:buFontTx/>
           <a:buNone/>
           <a:tabLst/>
-          <a:defRPr b="0" baseline="0" cap="none" i="0" spc="0" strike="noStrike" sz="1800" u="none" kumimoji="0" normalizeH="0">
+          <a:defRPr kumimoji="0" sz="1800" b="0" i="0" u="none" strike="noStrike" cap="none" spc="0" normalizeH="0" baseline="0">
             <a:ln>
               <a:noFill/>
             </a:ln>
@@ -6206,7 +5024,7 @@
           <a:buFontTx/>
           <a:buNone/>
           <a:tabLst/>
-          <a:defRPr b="0" baseline="0" cap="none" i="0" spc="0" strike="noStrike" sz="1800" u="none" kumimoji="0" normalizeH="0">
+          <a:defRPr kumimoji="0" sz="1800" b="0" i="0" u="none" strike="noStrike" cap="none" spc="0" normalizeH="0" baseline="0">
             <a:ln>
               <a:noFill/>
             </a:ln>
@@ -6232,7 +5050,7 @@
           <a:buFontTx/>
           <a:buNone/>
           <a:tabLst/>
-          <a:defRPr b="0" baseline="0" cap="none" i="0" spc="0" strike="noStrike" sz="1800" u="none" kumimoji="0" normalizeH="0">
+          <a:defRPr kumimoji="0" sz="1800" b="0" i="0" u="none" strike="noStrike" cap="none" spc="0" normalizeH="0" baseline="0">
             <a:ln>
               <a:noFill/>
             </a:ln>
@@ -6258,7 +5076,7 @@
           <a:buFontTx/>
           <a:buNone/>
           <a:tabLst/>
-          <a:defRPr b="0" baseline="0" cap="none" i="0" spc="0" strike="noStrike" sz="1800" u="none" kumimoji="0" normalizeH="0">
+          <a:defRPr kumimoji="0" sz="1800" b="0" i="0" u="none" strike="noStrike" cap="none" spc="0" normalizeH="0" baseline="0">
             <a:ln>
               <a:noFill/>
             </a:ln>
@@ -6271,12 +5089,19 @@
         </a:lvl9pPr>
       </a:lstStyle>
       <a:style>
-        <a:lnRef idx="0"/>
-        <a:fillRef idx="0"/>
-        <a:effectRef idx="0"/>
+        <a:lnRef idx="0">
+          <a:scrgbClr r="0" g="0" b="0"/>
+        </a:lnRef>
+        <a:fillRef idx="0">
+          <a:scrgbClr r="0" g="0" b="0"/>
+        </a:fillRef>
+        <a:effectRef idx="0">
+          <a:scrgbClr r="0" g="0" b="0"/>
+        </a:effectRef>
         <a:fontRef idx="none"/>
       </a:style>
     </a:txDef>
   </a:objectDefaults>
+  <a:extraClrSchemeLst/>
 </a:theme>
 </file>
--- a/Системы контроля версий.pptx
+++ b/Системы контроля версий.pptx
@@ -5,10 +5,11 @@
     <p:sldMasterId id="2147483648" r:id="rId1"/>
   </p:sldMasterIdLst>
   <p:notesMasterIdLst>
-    <p:notesMasterId r:id="rId3"/>
+    <p:notesMasterId r:id="rId4"/>
   </p:notesMasterIdLst>
   <p:sldIdLst>
     <p:sldId id="256" r:id="rId2"/>
+    <p:sldId id="257" r:id="rId3"/>
   </p:sldIdLst>
   <p:sldSz cx="12192000" cy="6858000"/>
   <p:notesSz cx="6858000" cy="9144000"/>
@@ -2960,6 +2961,93 @@
 </p:sld>
 </file>
 
+<file path=ppt/slides/slide2.xml><?xml version="1.0" encoding="utf-8"?>
+<p:sld xmlns:a="http://schemas.openxmlformats.org/drawingml/2006/main" xmlns:r="http://schemas.openxmlformats.org/officeDocument/2006/relationships" xmlns:p="http://schemas.openxmlformats.org/presentationml/2006/main">
+  <p:cSld>
+    <p:spTree>
+      <p:nvGrpSpPr>
+        <p:cNvPr id="1" name=""/>
+        <p:cNvGrpSpPr/>
+        <p:nvPr/>
+      </p:nvGrpSpPr>
+      <p:grpSpPr>
+        <a:xfrm>
+          <a:off x="0" y="0"/>
+          <a:ext cx="0" cy="0"/>
+          <a:chOff x="0" y="0"/>
+          <a:chExt cx="0" cy="0"/>
+        </a:xfrm>
+      </p:grpSpPr>
+      <p:sp>
+        <p:nvSpPr>
+          <p:cNvPr id="2" name="Заголовок 1">
+            <a:extLst>
+              <a:ext uri="{FF2B5EF4-FFF2-40B4-BE49-F238E27FC236}">
+                <a16:creationId xmlns:a16="http://schemas.microsoft.com/office/drawing/2014/main" id="{BBDC4C74-265C-4E75-B2A5-6D57910F4EF1}"/>
+              </a:ext>
+            </a:extLst>
+          </p:cNvPr>
+          <p:cNvSpPr>
+            <a:spLocks noGrp="1"/>
+          </p:cNvSpPr>
+          <p:nvPr>
+            <p:ph type="title"/>
+          </p:nvPr>
+        </p:nvSpPr>
+        <p:spPr/>
+        <p:txBody>
+          <a:bodyPr/>
+          <a:lstStyle/>
+          <a:p>
+            <a:r>
+              <a:rPr lang="ru-RU" dirty="0"/>
+              <a:t>Слайд 1</a:t>
+            </a:r>
+          </a:p>
+        </p:txBody>
+      </p:sp>
+      <p:sp>
+        <p:nvSpPr>
+          <p:cNvPr id="3" name="Текст 2">
+            <a:extLst>
+              <a:ext uri="{FF2B5EF4-FFF2-40B4-BE49-F238E27FC236}">
+                <a16:creationId xmlns:a16="http://schemas.microsoft.com/office/drawing/2014/main" id="{3B18151F-106C-42FC-A8D1-1C5DA40C3D13}"/>
+              </a:ext>
+            </a:extLst>
+          </p:cNvPr>
+          <p:cNvSpPr>
+            <a:spLocks noGrp="1"/>
+          </p:cNvSpPr>
+          <p:nvPr>
+            <p:ph type="body" sz="quarter" idx="1"/>
+          </p:nvPr>
+        </p:nvSpPr>
+        <p:spPr/>
+        <p:txBody>
+          <a:bodyPr/>
+          <a:lstStyle/>
+          <a:p>
+            <a:r>
+              <a:rPr lang="ru-RU" dirty="0"/>
+              <a:t>История</a:t>
+            </a:r>
+          </a:p>
+        </p:txBody>
+      </p:sp>
+    </p:spTree>
+    <p:extLst>
+      <p:ext uri="{BB962C8B-B14F-4D97-AF65-F5344CB8AC3E}">
+        <p14:creationId xmlns:p14="http://schemas.microsoft.com/office/powerpoint/2010/main" val="2124970119"/>
+      </p:ext>
+    </p:extLst>
+  </p:cSld>
+  <p:clrMapOvr>
+    <a:masterClrMapping/>
+  </p:clrMapOvr>
+  <p:transition spd="med"/>
+</p:sld>
+</file>
+
 <file path=ppt/theme/theme1.xml><?xml version="1.0" encoding="utf-8"?>
 <a:theme xmlns:a="http://schemas.openxmlformats.org/drawingml/2006/main" name="Тема Office">
   <a:themeElements>

--- a/Системы контроля версий.pptx
+++ b/Системы контроля версий.pptx
@@ -5,11 +5,12 @@
     <p:sldMasterId id="2147483648" r:id="rId1"/>
   </p:sldMasterIdLst>
   <p:notesMasterIdLst>
-    <p:notesMasterId r:id="rId4"/>
+    <p:notesMasterId r:id="rId5"/>
   </p:notesMasterIdLst>
   <p:sldIdLst>
     <p:sldId id="256" r:id="rId2"/>
     <p:sldId id="257" r:id="rId3"/>
+    <p:sldId id="258" r:id="rId4"/>
   </p:sldIdLst>
   <p:sldSz cx="12192000" cy="6858000"/>
   <p:notesSz cx="6858000" cy="9144000"/>
@@ -311,6 +312,11 @@
       </a:defRPr>
     </a:lvl9pPr>
   </p:defaultTextStyle>
+  <p:extLst>
+    <p:ext uri="{EFAFB233-063F-42B5-8137-9DF3F51BA10A}">
+      <p15:sldGuideLst xmlns:p15="http://schemas.microsoft.com/office/powerpoint/2012/main"/>
+    </p:ext>
+  </p:extLst>
 </p:presentation>
 </file>
 
@@ -1978,7 +1984,7 @@
           </a:ln>
           <a:extLst>
             <a:ext uri="{C572A759-6A51-4108-AA02-DFA0A04FC94B}">
-              <ma14:wrappingTextBoxFlag xmlns:ma14="http://schemas.microsoft.com/office/mac/drawingml/2011/main" xmlns="" val="1"/>
+              <ma14:wrappingTextBoxFlag xmlns="" xmlns:ma14="http://schemas.microsoft.com/office/mac/drawingml/2011/main" val="1"/>
             </a:ext>
           </a:extLst>
         </p:spPr>
@@ -2017,7 +2023,7 @@
           </a:ln>
           <a:extLst>
             <a:ext uri="{C572A759-6A51-4108-AA02-DFA0A04FC94B}">
-              <ma14:wrappingTextBoxFlag xmlns:ma14="http://schemas.microsoft.com/office/mac/drawingml/2011/main" xmlns="" val="1"/>
+              <ma14:wrappingTextBoxFlag xmlns="" xmlns:ma14="http://schemas.microsoft.com/office/mac/drawingml/2011/main" val="1"/>
             </a:ext>
           </a:extLst>
         </p:spPr>
@@ -3048,6 +3054,93 @@
 </p:sld>
 </file>
 
+<file path=ppt/slides/slide3.xml><?xml version="1.0" encoding="utf-8"?>
+<p:sld xmlns:a="http://schemas.openxmlformats.org/drawingml/2006/main" xmlns:r="http://schemas.openxmlformats.org/officeDocument/2006/relationships" xmlns:p="http://schemas.openxmlformats.org/presentationml/2006/main">
+  <p:cSld>
+    <p:spTree>
+      <p:nvGrpSpPr>
+        <p:cNvPr id="1" name=""/>
+        <p:cNvGrpSpPr/>
+        <p:nvPr/>
+      </p:nvGrpSpPr>
+      <p:grpSpPr>
+        <a:xfrm>
+          <a:off x="0" y="0"/>
+          <a:ext cx="0" cy="0"/>
+          <a:chOff x="0" y="0"/>
+          <a:chExt cx="0" cy="0"/>
+        </a:xfrm>
+      </p:grpSpPr>
+      <p:sp>
+        <p:nvSpPr>
+          <p:cNvPr id="2" name="Заголовок 1">
+            <a:extLst>
+              <a:ext uri="{FF2B5EF4-FFF2-40B4-BE49-F238E27FC236}">
+                <a16:creationId xmlns:a16="http://schemas.microsoft.com/office/drawing/2014/main" id="{4F36A351-6162-48BC-B58C-1AAD185A52D5}"/>
+              </a:ext>
+            </a:extLst>
+          </p:cNvPr>
+          <p:cNvSpPr>
+            <a:spLocks noGrp="1"/>
+          </p:cNvSpPr>
+          <p:nvPr>
+            <p:ph type="title"/>
+          </p:nvPr>
+        </p:nvSpPr>
+        <p:spPr/>
+        <p:txBody>
+          <a:bodyPr/>
+          <a:lstStyle/>
+          <a:p>
+            <a:r>
+              <a:rPr lang="ru-RU" dirty="0"/>
+              <a:t>Слайд 2</a:t>
+            </a:r>
+          </a:p>
+        </p:txBody>
+      </p:sp>
+      <p:sp>
+        <p:nvSpPr>
+          <p:cNvPr id="3" name="Текст 2">
+            <a:extLst>
+              <a:ext uri="{FF2B5EF4-FFF2-40B4-BE49-F238E27FC236}">
+                <a16:creationId xmlns:a16="http://schemas.microsoft.com/office/drawing/2014/main" id="{4E3F0C41-0BB0-43D8-A84A-68CBCE24C22C}"/>
+              </a:ext>
+            </a:extLst>
+          </p:cNvPr>
+          <p:cNvSpPr>
+            <a:spLocks noGrp="1"/>
+          </p:cNvSpPr>
+          <p:nvPr>
+            <p:ph type="body" sz="quarter" idx="1"/>
+          </p:nvPr>
+        </p:nvSpPr>
+        <p:spPr/>
+        <p:txBody>
+          <a:bodyPr/>
+          <a:lstStyle/>
+          <a:p>
+            <a:r>
+              <a:rPr lang="ru-RU" dirty="0"/>
+              <a:t>Новая история</a:t>
+            </a:r>
+          </a:p>
+        </p:txBody>
+      </p:sp>
+    </p:spTree>
+    <p:extLst>
+      <p:ext uri="{BB962C8B-B14F-4D97-AF65-F5344CB8AC3E}">
+        <p14:creationId xmlns:p14="http://schemas.microsoft.com/office/powerpoint/2010/main" val="1074198705"/>
+      </p:ext>
+    </p:extLst>
+  </p:cSld>
+  <p:clrMapOvr>
+    <a:masterClrMapping/>
+  </p:clrMapOvr>
+  <p:transition spd="med"/>
+</p:sld>
+</file>
+
 <file path=ppt/theme/theme1.xml><?xml version="1.0" encoding="utf-8"?>
 <a:theme xmlns:a="http://schemas.openxmlformats.org/drawingml/2006/main" name="Тема Office">
   <a:themeElements>

--- a/Системы контроля версий.pptx
+++ b/Системы контроля версий.pptx
@@ -1984,7 +1984,7 @@
           </a:ln>
           <a:extLst>
             <a:ext uri="{C572A759-6A51-4108-AA02-DFA0A04FC94B}">
-              <ma14:wrappingTextBoxFlag xmlns="" xmlns:ma14="http://schemas.microsoft.com/office/mac/drawingml/2011/main" val="1"/>
+              <ma14:wrappingTextBoxFlag xmlns:ma14="http://schemas.microsoft.com/office/mac/drawingml/2011/main" xmlns="" val="1"/>
             </a:ext>
           </a:extLst>
         </p:spPr>
@@ -2023,7 +2023,7 @@
           </a:ln>
           <a:extLst>
             <a:ext uri="{C572A759-6A51-4108-AA02-DFA0A04FC94B}">
-              <ma14:wrappingTextBoxFlag xmlns="" xmlns:ma14="http://schemas.microsoft.com/office/mac/drawingml/2011/main" val="1"/>
+              <ma14:wrappingTextBoxFlag xmlns:ma14="http://schemas.microsoft.com/office/mac/drawingml/2011/main" xmlns="" val="1"/>
             </a:ext>
           </a:extLst>
         </p:spPr>

--- a/Системы контроля версий.pptx
+++ b/Системы контроля версий.pptx
@@ -5,12 +5,13 @@
     <p:sldMasterId id="2147483648" r:id="rId1"/>
   </p:sldMasterIdLst>
   <p:notesMasterIdLst>
-    <p:notesMasterId r:id="rId5"/>
+    <p:notesMasterId r:id="rId6"/>
   </p:notesMasterIdLst>
   <p:sldIdLst>
     <p:sldId id="256" r:id="rId2"/>
     <p:sldId id="257" r:id="rId3"/>
     <p:sldId id="258" r:id="rId4"/>
+    <p:sldId id="259" r:id="rId5"/>
   </p:sldIdLst>
   <p:sldSz cx="12192000" cy="6858000"/>
   <p:notesSz cx="6858000" cy="9144000"/>
@@ -1984,7 +1985,7 @@
           </a:ln>
           <a:extLst>
             <a:ext uri="{C572A759-6A51-4108-AA02-DFA0A04FC94B}">
-              <ma14:wrappingTextBoxFlag xmlns:ma14="http://schemas.microsoft.com/office/mac/drawingml/2011/main" xmlns="" val="1"/>
+              <ma14:wrappingTextBoxFlag xmlns="" xmlns:ma14="http://schemas.microsoft.com/office/mac/drawingml/2011/main" val="1"/>
             </a:ext>
           </a:extLst>
         </p:spPr>
@@ -2023,7 +2024,7 @@
           </a:ln>
           <a:extLst>
             <a:ext uri="{C572A759-6A51-4108-AA02-DFA0A04FC94B}">
-              <ma14:wrappingTextBoxFlag xmlns:ma14="http://schemas.microsoft.com/office/mac/drawingml/2011/main" xmlns="" val="1"/>
+              <ma14:wrappingTextBoxFlag xmlns="" xmlns:ma14="http://schemas.microsoft.com/office/mac/drawingml/2011/main" val="1"/>
             </a:ext>
           </a:extLst>
         </p:spPr>
@@ -3141,6 +3142,93 @@
 </p:sld>
 </file>
 
+<file path=ppt/slides/slide4.xml><?xml version="1.0" encoding="utf-8"?>
+<p:sld xmlns:a="http://schemas.openxmlformats.org/drawingml/2006/main" xmlns:r="http://schemas.openxmlformats.org/officeDocument/2006/relationships" xmlns:p="http://schemas.openxmlformats.org/presentationml/2006/main">
+  <p:cSld>
+    <p:spTree>
+      <p:nvGrpSpPr>
+        <p:cNvPr id="1" name=""/>
+        <p:cNvGrpSpPr/>
+        <p:nvPr/>
+      </p:nvGrpSpPr>
+      <p:grpSpPr>
+        <a:xfrm>
+          <a:off x="0" y="0"/>
+          <a:ext cx="0" cy="0"/>
+          <a:chOff x="0" y="0"/>
+          <a:chExt cx="0" cy="0"/>
+        </a:xfrm>
+      </p:grpSpPr>
+      <p:sp>
+        <p:nvSpPr>
+          <p:cNvPr id="2" name="Заголовок 1">
+            <a:extLst>
+              <a:ext uri="{FF2B5EF4-FFF2-40B4-BE49-F238E27FC236}">
+                <a16:creationId xmlns:a16="http://schemas.microsoft.com/office/drawing/2014/main" id="{B07668EE-F049-49B3-9265-D275BE64B9C1}"/>
+              </a:ext>
+            </a:extLst>
+          </p:cNvPr>
+          <p:cNvSpPr>
+            <a:spLocks noGrp="1"/>
+          </p:cNvSpPr>
+          <p:nvPr>
+            <p:ph type="title"/>
+          </p:nvPr>
+        </p:nvSpPr>
+        <p:spPr/>
+        <p:txBody>
+          <a:bodyPr/>
+          <a:lstStyle/>
+          <a:p>
+            <a:r>
+              <a:rPr lang="ru-RU" dirty="0"/>
+              <a:t>История Руси</a:t>
+            </a:r>
+          </a:p>
+        </p:txBody>
+      </p:sp>
+      <p:sp>
+        <p:nvSpPr>
+          <p:cNvPr id="3" name="Текст 2">
+            <a:extLst>
+              <a:ext uri="{FF2B5EF4-FFF2-40B4-BE49-F238E27FC236}">
+                <a16:creationId xmlns:a16="http://schemas.microsoft.com/office/drawing/2014/main" id="{84F610BE-34EB-42BF-AD37-F45BC790643F}"/>
+              </a:ext>
+            </a:extLst>
+          </p:cNvPr>
+          <p:cNvSpPr>
+            <a:spLocks noGrp="1"/>
+          </p:cNvSpPr>
+          <p:nvPr>
+            <p:ph type="body" sz="quarter" idx="1"/>
+          </p:nvPr>
+        </p:nvSpPr>
+        <p:spPr/>
+        <p:txBody>
+          <a:bodyPr/>
+          <a:lstStyle/>
+          <a:p>
+            <a:r>
+              <a:rPr lang="ru-RU" dirty="0"/>
+              <a:t>Роман</a:t>
+            </a:r>
+          </a:p>
+        </p:txBody>
+      </p:sp>
+    </p:spTree>
+    <p:extLst>
+      <p:ext uri="{BB962C8B-B14F-4D97-AF65-F5344CB8AC3E}">
+        <p14:creationId xmlns:p14="http://schemas.microsoft.com/office/powerpoint/2010/main" val="1269308873"/>
+      </p:ext>
+    </p:extLst>
+  </p:cSld>
+  <p:clrMapOvr>
+    <a:masterClrMapping/>
+  </p:clrMapOvr>
+  <p:transition spd="med"/>
+</p:sld>
+</file>
+
 <file path=ppt/theme/theme1.xml><?xml version="1.0" encoding="utf-8"?>
 <a:theme xmlns:a="http://schemas.openxmlformats.org/drawingml/2006/main" name="Тема Office">
   <a:themeElements>

--- a/Системы контроля версий.pptx
+++ b/Системы контроля версий.pptx
@@ -5,12 +5,13 @@
     <p:sldMasterId id="2147483648" r:id="rId1"/>
   </p:sldMasterIdLst>
   <p:notesMasterIdLst>
-    <p:notesMasterId r:id="rId5"/>
+    <p:notesMasterId r:id="rId6"/>
   </p:notesMasterIdLst>
   <p:sldIdLst>
     <p:sldId id="256" r:id="rId2"/>
     <p:sldId id="257" r:id="rId3"/>
     <p:sldId id="258" r:id="rId4"/>
+    <p:sldId id="259" r:id="rId5"/>
   </p:sldIdLst>
   <p:sldSz cx="12192000" cy="6858000"/>
   <p:notesSz cx="6858000" cy="9144000"/>
@@ -1984,7 +1985,7 @@
           </a:ln>
           <a:extLst>
             <a:ext uri="{C572A759-6A51-4108-AA02-DFA0A04FC94B}">
-              <ma14:wrappingTextBoxFlag xmlns:ma14="http://schemas.microsoft.com/office/mac/drawingml/2011/main" xmlns="" val="1"/>
+              <ma14:wrappingTextBoxFlag xmlns="" xmlns:ma14="http://schemas.microsoft.com/office/mac/drawingml/2011/main" val="1"/>
             </a:ext>
           </a:extLst>
         </p:spPr>
@@ -2023,7 +2024,7 @@
           </a:ln>
           <a:extLst>
             <a:ext uri="{C572A759-6A51-4108-AA02-DFA0A04FC94B}">
-              <ma14:wrappingTextBoxFlag xmlns:ma14="http://schemas.microsoft.com/office/mac/drawingml/2011/main" xmlns="" val="1"/>
+              <ma14:wrappingTextBoxFlag xmlns="" xmlns:ma14="http://schemas.microsoft.com/office/mac/drawingml/2011/main" val="1"/>
             </a:ext>
           </a:extLst>
         </p:spPr>
@@ -3141,6 +3142,98 @@
 </p:sld>
 </file>
 
+<file path=ppt/slides/slide4.xml><?xml version="1.0" encoding="utf-8"?>
+<p:sld xmlns:a="http://schemas.openxmlformats.org/drawingml/2006/main" xmlns:r="http://schemas.openxmlformats.org/officeDocument/2006/relationships" xmlns:p="http://schemas.openxmlformats.org/presentationml/2006/main">
+  <p:cSld>
+    <p:spTree>
+      <p:nvGrpSpPr>
+        <p:cNvPr id="1" name=""/>
+        <p:cNvGrpSpPr/>
+        <p:nvPr/>
+      </p:nvGrpSpPr>
+      <p:grpSpPr>
+        <a:xfrm>
+          <a:off x="0" y="0"/>
+          <a:ext cx="0" cy="0"/>
+          <a:chOff x="0" y="0"/>
+          <a:chExt cx="0" cy="0"/>
+        </a:xfrm>
+      </p:grpSpPr>
+      <p:sp>
+        <p:nvSpPr>
+          <p:cNvPr id="2" name="Заголовок 1">
+            <a:extLst>
+              <a:ext uri="{FF2B5EF4-FFF2-40B4-BE49-F238E27FC236}">
+                <a16:creationId xmlns:a16="http://schemas.microsoft.com/office/drawing/2014/main" id="{EE3ED284-947E-49F5-AEE4-C4A65CF6C3B5}"/>
+              </a:ext>
+            </a:extLst>
+          </p:cNvPr>
+          <p:cNvSpPr>
+            <a:spLocks noGrp="1"/>
+          </p:cNvSpPr>
+          <p:nvPr>
+            <p:ph type="title"/>
+          </p:nvPr>
+        </p:nvSpPr>
+        <p:spPr/>
+        <p:txBody>
+          <a:bodyPr/>
+          <a:lstStyle/>
+          <a:p>
+            <a:r>
+              <a:rPr lang="ru-RU" dirty="0"/>
+              <a:t>О </a:t>
+            </a:r>
+            <a:r>
+              <a:rPr lang="ru-RU" dirty="0" err="1"/>
+              <a:t>руси</a:t>
+            </a:r>
+            <a:endParaRPr lang="ru-RU" dirty="0"/>
+          </a:p>
+        </p:txBody>
+      </p:sp>
+      <p:sp>
+        <p:nvSpPr>
+          <p:cNvPr id="3" name="Текст 2">
+            <a:extLst>
+              <a:ext uri="{FF2B5EF4-FFF2-40B4-BE49-F238E27FC236}">
+                <a16:creationId xmlns:a16="http://schemas.microsoft.com/office/drawing/2014/main" id="{7519BA7E-34F3-4121-ADFE-F0DE4A77285C}"/>
+              </a:ext>
+            </a:extLst>
+          </p:cNvPr>
+          <p:cNvSpPr>
+            <a:spLocks noGrp="1"/>
+          </p:cNvSpPr>
+          <p:nvPr>
+            <p:ph type="body" sz="quarter" idx="1"/>
+          </p:nvPr>
+        </p:nvSpPr>
+        <p:spPr/>
+        <p:txBody>
+          <a:bodyPr/>
+          <a:lstStyle/>
+          <a:p>
+            <a:r>
+              <a:rPr lang="ru-RU" dirty="0"/>
+              <a:t>Максим</a:t>
+            </a:r>
+          </a:p>
+        </p:txBody>
+      </p:sp>
+    </p:spTree>
+    <p:extLst>
+      <p:ext uri="{BB962C8B-B14F-4D97-AF65-F5344CB8AC3E}">
+        <p14:creationId xmlns:p14="http://schemas.microsoft.com/office/powerpoint/2010/main" val="4152439244"/>
+      </p:ext>
+    </p:extLst>
+  </p:cSld>
+  <p:clrMapOvr>
+    <a:masterClrMapping/>
+  </p:clrMapOvr>
+  <p:transition spd="med"/>
+</p:sld>
+</file>
+
 <file path=ppt/theme/theme1.xml><?xml version="1.0" encoding="utf-8"?>
 <a:theme xmlns:a="http://schemas.openxmlformats.org/drawingml/2006/main" name="Тема Office">
   <a:themeElements>
